--- a/PowerPoint/PrintixPowerBIDesign.pptx
+++ b/PowerPoint/PrintixPowerBIDesign.pptx
@@ -5,7 +5,7 @@
     <p:sldMasterId id="2147483648" r:id="rId1"/>
   </p:sldMasterIdLst>
   <p:notesMasterIdLst>
-    <p:notesMasterId r:id="rId15"/>
+    <p:notesMasterId r:id="rId16"/>
   </p:notesMasterIdLst>
   <p:sldIdLst>
     <p:sldId id="271" r:id="rId2"/>
@@ -18,9 +18,10 @@
     <p:sldId id="283" r:id="rId9"/>
     <p:sldId id="280" r:id="rId10"/>
     <p:sldId id="284" r:id="rId11"/>
-    <p:sldId id="287" r:id="rId12"/>
-    <p:sldId id="285" r:id="rId13"/>
-    <p:sldId id="286" r:id="rId14"/>
+    <p:sldId id="291" r:id="rId12"/>
+    <p:sldId id="287" r:id="rId13"/>
+    <p:sldId id="285" r:id="rId14"/>
+    <p:sldId id="286" r:id="rId15"/>
   </p:sldIdLst>
   <p:sldSz cx="24377650" cy="13716000"/>
   <p:notesSz cx="6858000" cy="9144000"/>
@@ -168,6 +169,11 @@
             <p14:sldId id="284"/>
           </p14:sldIdLst>
         </p14:section>
+        <p14:section name="Job - Historic" id="{5C31E56A-1A1F-4154-A3AD-C4FF5CE203C6}">
+          <p14:sldIdLst>
+            <p14:sldId id="291"/>
+          </p14:sldIdLst>
+        </p14:section>
         <p14:section name="Networks - Overview" id="{EE161948-EF80-4EB0-A0BF-E9657B967DB3}">
           <p14:sldIdLst>
             <p14:sldId id="287"/>
@@ -308,7 +314,7 @@
             <a:fld id="{EFC10EE1-B198-C942-8235-326C972CBB30}" type="datetimeFigureOut">
               <a:rPr lang="en-US" smtClean="0"/>
               <a:pPr/>
-              <a:t>4/29/2018</a:t>
+              <a:t>5/22/2018</a:t>
             </a:fld>
             <a:endParaRPr lang="en-US" dirty="0"/>
           </a:p>
@@ -2043,12 +2049,12 @@
           </a:ln>
           <a:extLst>
             <a:ext uri="{909E8E84-426E-40dd-AFC4-6F175D3DCCD1}">
-              <a14:hiddenFill xmlns:a14="http://schemas.microsoft.com/office/drawing/2010/main" xmlns="">
+              <a14:hiddenFill xmlns="" xmlns:a14="http://schemas.microsoft.com/office/drawing/2010/main">
                 <a:noFill/>
               </a14:hiddenFill>
             </a:ext>
             <a:ext uri="{91240B29-F687-4f45-9708-019B960494DF}">
-              <a14:hiddenLine xmlns:a14="http://schemas.microsoft.com/office/drawing/2010/main" xmlns="" w="9525">
+              <a14:hiddenLine xmlns="" xmlns:a14="http://schemas.microsoft.com/office/drawing/2010/main" w="9525">
                 <a:solidFill>
                   <a:srgbClr val="000000"/>
                 </a:solidFill>
@@ -2093,12 +2099,12 @@
           </a:ln>
           <a:extLst>
             <a:ext uri="{909E8E84-426E-40dd-AFC4-6F175D3DCCD1}">
-              <a14:hiddenFill xmlns:a14="http://schemas.microsoft.com/office/drawing/2010/main" xmlns="">
+              <a14:hiddenFill xmlns="" xmlns:a14="http://schemas.microsoft.com/office/drawing/2010/main">
                 <a:noFill/>
               </a14:hiddenFill>
             </a:ext>
             <a:ext uri="{91240B29-F687-4f45-9708-019B960494DF}">
-              <a14:hiddenLine xmlns:a14="http://schemas.microsoft.com/office/drawing/2010/main" xmlns="" w="9525">
+              <a14:hiddenLine xmlns="" xmlns:a14="http://schemas.microsoft.com/office/drawing/2010/main" w="9525">
                 <a:solidFill>
                   <a:srgbClr val="000000"/>
                 </a:solidFill>
@@ -2241,12 +2247,12 @@
           </a:ln>
           <a:extLst>
             <a:ext uri="{909E8E84-426E-40dd-AFC4-6F175D3DCCD1}">
-              <a14:hiddenFill xmlns:a14="http://schemas.microsoft.com/office/drawing/2010/main" xmlns="">
+              <a14:hiddenFill xmlns="" xmlns:a14="http://schemas.microsoft.com/office/drawing/2010/main">
                 <a:noFill/>
               </a14:hiddenFill>
             </a:ext>
             <a:ext uri="{91240B29-F687-4f45-9708-019B960494DF}">
-              <a14:hiddenLine xmlns:a14="http://schemas.microsoft.com/office/drawing/2010/main" xmlns="" w="9525">
+              <a14:hiddenLine xmlns="" xmlns:a14="http://schemas.microsoft.com/office/drawing/2010/main" w="9525">
                 <a:solidFill>
                   <a:srgbClr val="000000"/>
                 </a:solidFill>
@@ -2295,12 +2301,12 @@
           </a:ln>
           <a:extLst>
             <a:ext uri="{909E8E84-426E-40dd-AFC4-6F175D3DCCD1}">
-              <a14:hiddenFill xmlns:a14="http://schemas.microsoft.com/office/drawing/2010/main" xmlns="">
+              <a14:hiddenFill xmlns="" xmlns:a14="http://schemas.microsoft.com/office/drawing/2010/main">
                 <a:noFill/>
               </a14:hiddenFill>
             </a:ext>
             <a:ext uri="{91240B29-F687-4f45-9708-019B960494DF}">
-              <a14:hiddenLine xmlns:a14="http://schemas.microsoft.com/office/drawing/2010/main" xmlns="" w="9525">
+              <a14:hiddenLine xmlns="" xmlns:a14="http://schemas.microsoft.com/office/drawing/2010/main" w="9525">
                 <a:solidFill>
                   <a:srgbClr val="000000"/>
                 </a:solidFill>
@@ -2465,12 +2471,12 @@
           </a:ln>
           <a:extLst>
             <a:ext uri="{909E8E84-426E-40dd-AFC4-6F175D3DCCD1}">
-              <a14:hiddenFill xmlns:a14="http://schemas.microsoft.com/office/drawing/2010/main" xmlns="">
+              <a14:hiddenFill xmlns="" xmlns:a14="http://schemas.microsoft.com/office/drawing/2010/main">
                 <a:noFill/>
               </a14:hiddenFill>
             </a:ext>
             <a:ext uri="{91240B29-F687-4f45-9708-019B960494DF}">
-              <a14:hiddenLine xmlns:a14="http://schemas.microsoft.com/office/drawing/2010/main" xmlns="" w="9525">
+              <a14:hiddenLine xmlns="" xmlns:a14="http://schemas.microsoft.com/office/drawing/2010/main" w="9525">
                 <a:solidFill>
                   <a:srgbClr val="000000"/>
                 </a:solidFill>
@@ -2519,12 +2525,236 @@
           </a:ln>
           <a:extLst>
             <a:ext uri="{909E8E84-426E-40dd-AFC4-6F175D3DCCD1}">
-              <a14:hiddenFill xmlns:a14="http://schemas.microsoft.com/office/drawing/2010/main" xmlns="">
+              <a14:hiddenFill xmlns="" xmlns:a14="http://schemas.microsoft.com/office/drawing/2010/main">
                 <a:noFill/>
               </a14:hiddenFill>
             </a:ext>
             <a:ext uri="{91240B29-F687-4f45-9708-019B960494DF}">
-              <a14:hiddenLine xmlns:a14="http://schemas.microsoft.com/office/drawing/2010/main" xmlns="" w="9525">
+              <a14:hiddenLine xmlns="" xmlns:a14="http://schemas.microsoft.com/office/drawing/2010/main" w="9525">
+                <a:solidFill>
+                  <a:srgbClr val="000000"/>
+                </a:solidFill>
+                <a:round/>
+                <a:headEnd/>
+                <a:tailEnd/>
+              </a14:hiddenLine>
+            </a:ext>
+          </a:extLst>
+        </p:spPr>
+        <p:txBody>
+          <a:bodyPr vert="horz" wrap="square" lIns="243797" tIns="121899" rIns="243797" bIns="121899" numCol="1" anchor="t" anchorCtr="0" compatLnSpc="1">
+            <a:prstTxWarp prst="textNoShape">
+              <a:avLst/>
+            </a:prstTxWarp>
+          </a:bodyPr>
+          <a:lstStyle/>
+          <a:p>
+            <a:endParaRPr lang="en-US">
+              <a:solidFill>
+                <a:srgbClr val="4D4D4D"/>
+              </a:solidFill>
+            </a:endParaRPr>
+          </a:p>
+        </p:txBody>
+      </p:sp>
+      <p:sp>
+        <p:nvSpPr>
+          <p:cNvPr id="5" name="TextBox 4">
+            <a:extLst>
+              <a:ext uri="{FF2B5EF4-FFF2-40B4-BE49-F238E27FC236}">
+                <a16:creationId xmlns:a16="http://schemas.microsoft.com/office/drawing/2014/main" id="{6A66EF5C-C181-4F39-85B0-64A3AF06C2E3}"/>
+              </a:ext>
+            </a:extLst>
+          </p:cNvPr>
+          <p:cNvSpPr txBox="1"/>
+          <p:nvPr/>
+        </p:nvSpPr>
+        <p:spPr>
+          <a:xfrm>
+            <a:off x="10334563" y="741286"/>
+            <a:ext cx="3831497" cy="830997"/>
+          </a:xfrm>
+          <a:prstGeom prst="rect">
+            <a:avLst/>
+          </a:prstGeom>
+          <a:noFill/>
+        </p:spPr>
+        <p:txBody>
+          <a:bodyPr wrap="none" rtlCol="0">
+            <a:spAutoFit/>
+          </a:bodyPr>
+          <a:lstStyle/>
+          <a:p>
+            <a:pPr algn="ctr"/>
+            <a:r>
+              <a:rPr lang="en-US" sz="4800">
+                <a:solidFill>
+                  <a:srgbClr val="4D4D4D"/>
+                </a:solidFill>
+                <a:latin typeface="Lato Light"/>
+                <a:cs typeface="Lato Light"/>
+              </a:rPr>
+              <a:t>Job – Historic</a:t>
+            </a:r>
+          </a:p>
+        </p:txBody>
+      </p:sp>
+      <p:cxnSp>
+        <p:nvCxnSpPr>
+          <p:cNvPr id="7" name="Straight Connector 6">
+            <a:extLst>
+              <a:ext uri="{FF2B5EF4-FFF2-40B4-BE49-F238E27FC236}">
+                <a16:creationId xmlns:a16="http://schemas.microsoft.com/office/drawing/2014/main" id="{EE169823-7EE0-4E97-9F46-FCE273CAF355}"/>
+              </a:ext>
+            </a:extLst>
+          </p:cNvPr>
+          <p:cNvCxnSpPr/>
+          <p:nvPr/>
+        </p:nvCxnSpPr>
+        <p:spPr>
+          <a:xfrm rot="5400000">
+            <a:off x="12250307" y="1529002"/>
+            <a:ext cx="0" cy="1313401"/>
+          </a:xfrm>
+          <a:prstGeom prst="line">
+            <a:avLst/>
+          </a:prstGeom>
+          <a:ln w="38100" cmpd="sng">
+            <a:solidFill>
+              <a:srgbClr val="4D4D4D"/>
+            </a:solidFill>
+          </a:ln>
+        </p:spPr>
+        <p:style>
+          <a:lnRef idx="2">
+            <a:schemeClr val="accent1"/>
+          </a:lnRef>
+          <a:fillRef idx="0">
+            <a:schemeClr val="accent1"/>
+          </a:fillRef>
+          <a:effectRef idx="1">
+            <a:schemeClr val="accent1"/>
+          </a:effectRef>
+          <a:fontRef idx="minor">
+            <a:schemeClr val="tx1"/>
+          </a:fontRef>
+        </p:style>
+      </p:cxnSp>
+    </p:spTree>
+    <p:extLst>
+      <p:ext uri="{BB962C8B-B14F-4D97-AF65-F5344CB8AC3E}">
+        <p14:creationId xmlns:p14="http://schemas.microsoft.com/office/powerpoint/2010/main" val="921920859"/>
+      </p:ext>
+    </p:extLst>
+  </p:cSld>
+  <p:clrMapOvr>
+    <a:masterClrMapping/>
+  </p:clrMapOvr>
+  <p:transition spd="slow">
+    <p:push dir="u"/>
+  </p:transition>
+</p:sld>
+</file>
+
+<file path=ppt/slides/slide12.xml><?xml version="1.0" encoding="utf-8"?>
+<p:sld xmlns:a="http://schemas.openxmlformats.org/drawingml/2006/main" xmlns:r="http://schemas.openxmlformats.org/officeDocument/2006/relationships" xmlns:p="http://schemas.openxmlformats.org/presentationml/2006/main">
+  <p:cSld>
+    <p:spTree>
+      <p:nvGrpSpPr>
+        <p:cNvPr id="1" name=""/>
+        <p:cNvGrpSpPr/>
+        <p:nvPr/>
+      </p:nvGrpSpPr>
+      <p:grpSpPr>
+        <a:xfrm>
+          <a:off x="0" y="0"/>
+          <a:ext cx="0" cy="0"/>
+          <a:chOff x="0" y="0"/>
+          <a:chExt cx="0" cy="0"/>
+        </a:xfrm>
+      </p:grpSpPr>
+      <p:sp>
+        <p:nvSpPr>
+          <p:cNvPr id="44" name="Line 5"/>
+          <p:cNvSpPr>
+            <a:spLocks noChangeShapeType="1"/>
+          </p:cNvSpPr>
+          <p:nvPr/>
+        </p:nvSpPr>
+        <p:spPr bwMode="auto">
+          <a:xfrm>
+            <a:off x="1493979" y="-1748368"/>
+            <a:ext cx="0" cy="0"/>
+          </a:xfrm>
+          <a:prstGeom prst="line">
+            <a:avLst/>
+          </a:prstGeom>
+          <a:noFill/>
+          <a:ln>
+            <a:noFill/>
+          </a:ln>
+          <a:extLst>
+            <a:ext uri="{909E8E84-426E-40dd-AFC4-6F175D3DCCD1}">
+              <a14:hiddenFill xmlns="" xmlns:a14="http://schemas.microsoft.com/office/drawing/2010/main">
+                <a:noFill/>
+              </a14:hiddenFill>
+            </a:ext>
+            <a:ext uri="{91240B29-F687-4f45-9708-019B960494DF}">
+              <a14:hiddenLine xmlns="" xmlns:a14="http://schemas.microsoft.com/office/drawing/2010/main" w="9525">
+                <a:solidFill>
+                  <a:srgbClr val="000000"/>
+                </a:solidFill>
+                <a:round/>
+                <a:headEnd/>
+                <a:tailEnd/>
+              </a14:hiddenLine>
+            </a:ext>
+          </a:extLst>
+        </p:spPr>
+        <p:txBody>
+          <a:bodyPr vert="horz" wrap="square" lIns="243797" tIns="121899" rIns="243797" bIns="121899" numCol="1" anchor="t" anchorCtr="0" compatLnSpc="1">
+            <a:prstTxWarp prst="textNoShape">
+              <a:avLst/>
+            </a:prstTxWarp>
+          </a:bodyPr>
+          <a:lstStyle/>
+          <a:p>
+            <a:endParaRPr lang="en-US">
+              <a:solidFill>
+                <a:srgbClr val="4D4D4D"/>
+              </a:solidFill>
+            </a:endParaRPr>
+          </a:p>
+        </p:txBody>
+      </p:sp>
+      <p:sp>
+        <p:nvSpPr>
+          <p:cNvPr id="45" name="Line 6"/>
+          <p:cNvSpPr>
+            <a:spLocks noChangeShapeType="1"/>
+          </p:cNvSpPr>
+          <p:nvPr/>
+        </p:nvSpPr>
+        <p:spPr bwMode="auto">
+          <a:xfrm>
+            <a:off x="1493979" y="-1748368"/>
+            <a:ext cx="0" cy="0"/>
+          </a:xfrm>
+          <a:prstGeom prst="line">
+            <a:avLst/>
+          </a:prstGeom>
+          <a:noFill/>
+          <a:ln>
+            <a:noFill/>
+          </a:ln>
+          <a:extLst>
+            <a:ext uri="{909E8E84-426E-40dd-AFC4-6F175D3DCCD1}">
+              <a14:hiddenFill xmlns="" xmlns:a14="http://schemas.microsoft.com/office/drawing/2010/main">
+                <a:noFill/>
+              </a14:hiddenFill>
+            </a:ext>
+            <a:ext uri="{91240B29-F687-4f45-9708-019B960494DF}">
+              <a14:hiddenLine xmlns="" xmlns:a14="http://schemas.microsoft.com/office/drawing/2010/main" w="9525">
                 <a:solidFill>
                   <a:srgbClr val="000000"/>
                 </a:solidFill>
@@ -2693,7 +2923,7 @@
 </p:sld>
 </file>
 
-<file path=ppt/slides/slide12.xml><?xml version="1.0" encoding="utf-8"?>
+<file path=ppt/slides/slide13.xml><?xml version="1.0" encoding="utf-8"?>
 <p:sld xmlns:a="http://schemas.openxmlformats.org/drawingml/2006/main" xmlns:r="http://schemas.openxmlformats.org/officeDocument/2006/relationships" xmlns:p="http://schemas.openxmlformats.org/presentationml/2006/main">
   <p:cSld>
     <p:spTree>
@@ -4000,7 +4230,7 @@
 </p:sld>
 </file>
 
-<file path=ppt/slides/slide13.xml><?xml version="1.0" encoding="utf-8"?>
+<file path=ppt/slides/slide14.xml><?xml version="1.0" encoding="utf-8"?>
 <p:sld xmlns:a="http://schemas.openxmlformats.org/drawingml/2006/main" xmlns:r="http://schemas.openxmlformats.org/officeDocument/2006/relationships" xmlns:p="http://schemas.openxmlformats.org/presentationml/2006/main">
   <p:cSld>
     <p:spTree>
@@ -4039,12 +4269,12 @@
           </a:ln>
           <a:extLst>
             <a:ext uri="{909E8E84-426E-40dd-AFC4-6F175D3DCCD1}">
-              <a14:hiddenFill xmlns:a14="http://schemas.microsoft.com/office/drawing/2010/main" xmlns="">
+              <a14:hiddenFill xmlns="" xmlns:a14="http://schemas.microsoft.com/office/drawing/2010/main">
                 <a:noFill/>
               </a14:hiddenFill>
             </a:ext>
             <a:ext uri="{91240B29-F687-4f45-9708-019B960494DF}">
-              <a14:hiddenLine xmlns:a14="http://schemas.microsoft.com/office/drawing/2010/main" xmlns="" w="9525">
+              <a14:hiddenLine xmlns="" xmlns:a14="http://schemas.microsoft.com/office/drawing/2010/main" w="9525">
                 <a:solidFill>
                   <a:srgbClr val="000000"/>
                 </a:solidFill>
@@ -4093,12 +4323,12 @@
           </a:ln>
           <a:extLst>
             <a:ext uri="{909E8E84-426E-40dd-AFC4-6F175D3DCCD1}">
-              <a14:hiddenFill xmlns:a14="http://schemas.microsoft.com/office/drawing/2010/main" xmlns="">
+              <a14:hiddenFill xmlns="" xmlns:a14="http://schemas.microsoft.com/office/drawing/2010/main">
                 <a:noFill/>
               </a14:hiddenFill>
             </a:ext>
             <a:ext uri="{91240B29-F687-4f45-9708-019B960494DF}">
-              <a14:hiddenLine xmlns:a14="http://schemas.microsoft.com/office/drawing/2010/main" xmlns="" w="9525">
+              <a14:hiddenLine xmlns="" xmlns:a14="http://schemas.microsoft.com/office/drawing/2010/main" w="9525">
                 <a:solidFill>
                   <a:srgbClr val="000000"/>
                 </a:solidFill>
@@ -5698,12 +5928,12 @@
           </a:ln>
           <a:extLst>
             <a:ext uri="{909E8E84-426E-40dd-AFC4-6F175D3DCCD1}">
-              <a14:hiddenFill xmlns:a14="http://schemas.microsoft.com/office/drawing/2010/main" xmlns="">
+              <a14:hiddenFill xmlns="" xmlns:a14="http://schemas.microsoft.com/office/drawing/2010/main">
                 <a:noFill/>
               </a14:hiddenFill>
             </a:ext>
             <a:ext uri="{91240B29-F687-4f45-9708-019B960494DF}">
-              <a14:hiddenLine xmlns:a14="http://schemas.microsoft.com/office/drawing/2010/main" xmlns="" w="9525">
+              <a14:hiddenLine xmlns="" xmlns:a14="http://schemas.microsoft.com/office/drawing/2010/main" w="9525">
                 <a:solidFill>
                   <a:srgbClr val="000000"/>
                 </a:solidFill>
@@ -5748,12 +5978,12 @@
           </a:ln>
           <a:extLst>
             <a:ext uri="{909E8E84-426E-40dd-AFC4-6F175D3DCCD1}">
-              <a14:hiddenFill xmlns:a14="http://schemas.microsoft.com/office/drawing/2010/main" xmlns="">
+              <a14:hiddenFill xmlns="" xmlns:a14="http://schemas.microsoft.com/office/drawing/2010/main">
                 <a:noFill/>
               </a14:hiddenFill>
             </a:ext>
             <a:ext uri="{91240B29-F687-4f45-9708-019B960494DF}">
-              <a14:hiddenLine xmlns:a14="http://schemas.microsoft.com/office/drawing/2010/main" xmlns="" w="9525">
+              <a14:hiddenLine xmlns="" xmlns:a14="http://schemas.microsoft.com/office/drawing/2010/main" w="9525">
                 <a:solidFill>
                   <a:srgbClr val="000000"/>
                 </a:solidFill>
@@ -7296,12 +7526,12 @@
           </a:ln>
           <a:extLst>
             <a:ext uri="{909E8E84-426E-40dd-AFC4-6F175D3DCCD1}">
-              <a14:hiddenFill xmlns:a14="http://schemas.microsoft.com/office/drawing/2010/main" xmlns="">
+              <a14:hiddenFill xmlns="" xmlns:a14="http://schemas.microsoft.com/office/drawing/2010/main">
                 <a:noFill/>
               </a14:hiddenFill>
             </a:ext>
             <a:ext uri="{91240B29-F687-4f45-9708-019B960494DF}">
-              <a14:hiddenLine xmlns:a14="http://schemas.microsoft.com/office/drawing/2010/main" xmlns="" w="9525">
+              <a14:hiddenLine xmlns="" xmlns:a14="http://schemas.microsoft.com/office/drawing/2010/main" w="9525">
                 <a:solidFill>
                   <a:srgbClr val="000000"/>
                 </a:solidFill>
@@ -7350,12 +7580,12 @@
           </a:ln>
           <a:extLst>
             <a:ext uri="{909E8E84-426E-40dd-AFC4-6F175D3DCCD1}">
-              <a14:hiddenFill xmlns:a14="http://schemas.microsoft.com/office/drawing/2010/main" xmlns="">
+              <a14:hiddenFill xmlns="" xmlns:a14="http://schemas.microsoft.com/office/drawing/2010/main">
                 <a:noFill/>
               </a14:hiddenFill>
             </a:ext>
             <a:ext uri="{91240B29-F687-4f45-9708-019B960494DF}">
-              <a14:hiddenLine xmlns:a14="http://schemas.microsoft.com/office/drawing/2010/main" xmlns="" w="9525">
+              <a14:hiddenLine xmlns="" xmlns:a14="http://schemas.microsoft.com/office/drawing/2010/main" w="9525">
                 <a:solidFill>
                   <a:srgbClr val="000000"/>
                 </a:solidFill>
@@ -8560,12 +8790,12 @@
           </a:ln>
           <a:extLst>
             <a:ext uri="{909E8E84-426E-40dd-AFC4-6F175D3DCCD1}">
-              <a14:hiddenFill xmlns:a14="http://schemas.microsoft.com/office/drawing/2010/main" xmlns="">
+              <a14:hiddenFill xmlns="" xmlns:a14="http://schemas.microsoft.com/office/drawing/2010/main">
                 <a:noFill/>
               </a14:hiddenFill>
             </a:ext>
             <a:ext uri="{91240B29-F687-4f45-9708-019B960494DF}">
-              <a14:hiddenLine xmlns:a14="http://schemas.microsoft.com/office/drawing/2010/main" xmlns="" w="9525">
+              <a14:hiddenLine xmlns="" xmlns:a14="http://schemas.microsoft.com/office/drawing/2010/main" w="9525">
                 <a:solidFill>
                   <a:srgbClr val="000000"/>
                 </a:solidFill>
@@ -8614,12 +8844,12 @@
           </a:ln>
           <a:extLst>
             <a:ext uri="{909E8E84-426E-40dd-AFC4-6F175D3DCCD1}">
-              <a14:hiddenFill xmlns:a14="http://schemas.microsoft.com/office/drawing/2010/main" xmlns="">
+              <a14:hiddenFill xmlns="" xmlns:a14="http://schemas.microsoft.com/office/drawing/2010/main">
                 <a:noFill/>
               </a14:hiddenFill>
             </a:ext>
             <a:ext uri="{91240B29-F687-4f45-9708-019B960494DF}">
-              <a14:hiddenLine xmlns:a14="http://schemas.microsoft.com/office/drawing/2010/main" xmlns="" w="9525">
+              <a14:hiddenLine xmlns="" xmlns:a14="http://schemas.microsoft.com/office/drawing/2010/main" w="9525">
                 <a:solidFill>
                   <a:srgbClr val="000000"/>
                 </a:solidFill>
@@ -9338,12 +9568,12 @@
           </a:ln>
           <a:extLst>
             <a:ext uri="{909E8E84-426E-40dd-AFC4-6F175D3DCCD1}">
-              <a14:hiddenFill xmlns:a14="http://schemas.microsoft.com/office/drawing/2010/main" xmlns="">
+              <a14:hiddenFill xmlns="" xmlns:a14="http://schemas.microsoft.com/office/drawing/2010/main">
                 <a:noFill/>
               </a14:hiddenFill>
             </a:ext>
             <a:ext uri="{91240B29-F687-4f45-9708-019B960494DF}">
-              <a14:hiddenLine xmlns:a14="http://schemas.microsoft.com/office/drawing/2010/main" xmlns="" w="9525">
+              <a14:hiddenLine xmlns="" xmlns:a14="http://schemas.microsoft.com/office/drawing/2010/main" w="9525">
                 <a:solidFill>
                   <a:srgbClr val="000000"/>
                 </a:solidFill>
@@ -9392,12 +9622,12 @@
           </a:ln>
           <a:extLst>
             <a:ext uri="{909E8E84-426E-40dd-AFC4-6F175D3DCCD1}">
-              <a14:hiddenFill xmlns:a14="http://schemas.microsoft.com/office/drawing/2010/main" xmlns="">
+              <a14:hiddenFill xmlns="" xmlns:a14="http://schemas.microsoft.com/office/drawing/2010/main">
                 <a:noFill/>
               </a14:hiddenFill>
             </a:ext>
             <a:ext uri="{91240B29-F687-4f45-9708-019B960494DF}">
-              <a14:hiddenLine xmlns:a14="http://schemas.microsoft.com/office/drawing/2010/main" xmlns="" w="9525">
+              <a14:hiddenLine xmlns="" xmlns:a14="http://schemas.microsoft.com/office/drawing/2010/main" w="9525">
                 <a:solidFill>
                   <a:srgbClr val="000000"/>
                 </a:solidFill>
@@ -11416,12 +11646,12 @@
           </a:ln>
           <a:extLst>
             <a:ext uri="{909E8E84-426E-40dd-AFC4-6F175D3DCCD1}">
-              <a14:hiddenFill xmlns:a14="http://schemas.microsoft.com/office/drawing/2010/main" xmlns="">
+              <a14:hiddenFill xmlns="" xmlns:a14="http://schemas.microsoft.com/office/drawing/2010/main">
                 <a:noFill/>
               </a14:hiddenFill>
             </a:ext>
             <a:ext uri="{91240B29-F687-4f45-9708-019B960494DF}">
-              <a14:hiddenLine xmlns:a14="http://schemas.microsoft.com/office/drawing/2010/main" xmlns="" w="9525">
+              <a14:hiddenLine xmlns="" xmlns:a14="http://schemas.microsoft.com/office/drawing/2010/main" w="9525">
                 <a:solidFill>
                   <a:srgbClr val="000000"/>
                 </a:solidFill>
@@ -11470,12 +11700,12 @@
           </a:ln>
           <a:extLst>
             <a:ext uri="{909E8E84-426E-40dd-AFC4-6F175D3DCCD1}">
-              <a14:hiddenFill xmlns:a14="http://schemas.microsoft.com/office/drawing/2010/main" xmlns="">
+              <a14:hiddenFill xmlns="" xmlns:a14="http://schemas.microsoft.com/office/drawing/2010/main">
                 <a:noFill/>
               </a14:hiddenFill>
             </a:ext>
             <a:ext uri="{91240B29-F687-4f45-9708-019B960494DF}">
-              <a14:hiddenLine xmlns:a14="http://schemas.microsoft.com/office/drawing/2010/main" xmlns="" w="9525">
+              <a14:hiddenLine xmlns="" xmlns:a14="http://schemas.microsoft.com/office/drawing/2010/main" w="9525">
                 <a:solidFill>
                   <a:srgbClr val="000000"/>
                 </a:solidFill>
@@ -12719,12 +12949,12 @@
           </a:ln>
           <a:extLst>
             <a:ext uri="{909E8E84-426E-40dd-AFC4-6F175D3DCCD1}">
-              <a14:hiddenFill xmlns:a14="http://schemas.microsoft.com/office/drawing/2010/main" xmlns="">
+              <a14:hiddenFill xmlns="" xmlns:a14="http://schemas.microsoft.com/office/drawing/2010/main">
                 <a:noFill/>
               </a14:hiddenFill>
             </a:ext>
             <a:ext uri="{91240B29-F687-4f45-9708-019B960494DF}">
-              <a14:hiddenLine xmlns:a14="http://schemas.microsoft.com/office/drawing/2010/main" xmlns="" w="9525">
+              <a14:hiddenLine xmlns="" xmlns:a14="http://schemas.microsoft.com/office/drawing/2010/main" w="9525">
                 <a:solidFill>
                   <a:srgbClr val="000000"/>
                 </a:solidFill>
@@ -12773,12 +13003,12 @@
           </a:ln>
           <a:extLst>
             <a:ext uri="{909E8E84-426E-40dd-AFC4-6F175D3DCCD1}">
-              <a14:hiddenFill xmlns:a14="http://schemas.microsoft.com/office/drawing/2010/main" xmlns="">
+              <a14:hiddenFill xmlns="" xmlns:a14="http://schemas.microsoft.com/office/drawing/2010/main">
                 <a:noFill/>
               </a14:hiddenFill>
             </a:ext>
             <a:ext uri="{91240B29-F687-4f45-9708-019B960494DF}">
-              <a14:hiddenLine xmlns:a14="http://schemas.microsoft.com/office/drawing/2010/main" xmlns="" w="9525">
+              <a14:hiddenLine xmlns="" xmlns:a14="http://schemas.microsoft.com/office/drawing/2010/main" w="9525">
                 <a:solidFill>
                   <a:srgbClr val="000000"/>
                 </a:solidFill>

--- a/PowerPoint/PrintixPowerBIDesign.pptx
+++ b/PowerPoint/PrintixPowerBIDesign.pptx
@@ -16,7 +16,7 @@
     <p:sldId id="279" r:id="rId7"/>
     <p:sldId id="290" r:id="rId8"/>
     <p:sldId id="283" r:id="rId9"/>
-    <p:sldId id="280" r:id="rId10"/>
+    <p:sldId id="292" r:id="rId10"/>
     <p:sldId id="284" r:id="rId11"/>
     <p:sldId id="291" r:id="rId12"/>
     <p:sldId id="287" r:id="rId13"/>
@@ -161,7 +161,7 @@
         </p14:section>
         <p14:section name="User - Historic" id="{97B42A93-C3C4-40EF-98E0-7E6405DCEC92}">
           <p14:sldIdLst>
-            <p14:sldId id="280"/>
+            <p14:sldId id="292"/>
           </p14:sldIdLst>
         </p14:section>
         <p14:section name="Queues - Overview" id="{59A2BF2B-B53B-41E1-AA1F-7DD9E46C4E64}">
@@ -314,7 +314,7 @@
             <a:fld id="{EFC10EE1-B198-C942-8235-326C972CBB30}" type="datetimeFigureOut">
               <a:rPr lang="en-US" smtClean="0"/>
               <a:pPr/>
-              <a:t>5/22/2018</a:t>
+              <a:t>12/27/2018</a:t>
             </a:fld>
             <a:endParaRPr lang="en-US" dirty="0"/>
           </a:p>
@@ -2049,12 +2049,12 @@
           </a:ln>
           <a:extLst>
             <a:ext uri="{909E8E84-426E-40dd-AFC4-6F175D3DCCD1}">
-              <a14:hiddenFill xmlns="" xmlns:a14="http://schemas.microsoft.com/office/drawing/2010/main">
+              <a14:hiddenFill xmlns:a14="http://schemas.microsoft.com/office/drawing/2010/main" xmlns="">
                 <a:noFill/>
               </a14:hiddenFill>
             </a:ext>
             <a:ext uri="{91240B29-F687-4f45-9708-019B960494DF}">
-              <a14:hiddenLine xmlns="" xmlns:a14="http://schemas.microsoft.com/office/drawing/2010/main" w="9525">
+              <a14:hiddenLine xmlns:a14="http://schemas.microsoft.com/office/drawing/2010/main" xmlns="" w="9525">
                 <a:solidFill>
                   <a:srgbClr val="000000"/>
                 </a:solidFill>
@@ -2099,12 +2099,12 @@
           </a:ln>
           <a:extLst>
             <a:ext uri="{909E8E84-426E-40dd-AFC4-6F175D3DCCD1}">
-              <a14:hiddenFill xmlns="" xmlns:a14="http://schemas.microsoft.com/office/drawing/2010/main">
+              <a14:hiddenFill xmlns:a14="http://schemas.microsoft.com/office/drawing/2010/main" xmlns="">
                 <a:noFill/>
               </a14:hiddenFill>
             </a:ext>
             <a:ext uri="{91240B29-F687-4f45-9708-019B960494DF}">
-              <a14:hiddenLine xmlns="" xmlns:a14="http://schemas.microsoft.com/office/drawing/2010/main" w="9525">
+              <a14:hiddenLine xmlns:a14="http://schemas.microsoft.com/office/drawing/2010/main" xmlns="" w="9525">
                 <a:solidFill>
                   <a:srgbClr val="000000"/>
                 </a:solidFill>
@@ -2247,12 +2247,12 @@
           </a:ln>
           <a:extLst>
             <a:ext uri="{909E8E84-426E-40dd-AFC4-6F175D3DCCD1}">
-              <a14:hiddenFill xmlns="" xmlns:a14="http://schemas.microsoft.com/office/drawing/2010/main">
+              <a14:hiddenFill xmlns:a14="http://schemas.microsoft.com/office/drawing/2010/main" xmlns="">
                 <a:noFill/>
               </a14:hiddenFill>
             </a:ext>
             <a:ext uri="{91240B29-F687-4f45-9708-019B960494DF}">
-              <a14:hiddenLine xmlns="" xmlns:a14="http://schemas.microsoft.com/office/drawing/2010/main" w="9525">
+              <a14:hiddenLine xmlns:a14="http://schemas.microsoft.com/office/drawing/2010/main" xmlns="" w="9525">
                 <a:solidFill>
                   <a:srgbClr val="000000"/>
                 </a:solidFill>
@@ -2301,12 +2301,12 @@
           </a:ln>
           <a:extLst>
             <a:ext uri="{909E8E84-426E-40dd-AFC4-6F175D3DCCD1}">
-              <a14:hiddenFill xmlns="" xmlns:a14="http://schemas.microsoft.com/office/drawing/2010/main">
+              <a14:hiddenFill xmlns:a14="http://schemas.microsoft.com/office/drawing/2010/main" xmlns="">
                 <a:noFill/>
               </a14:hiddenFill>
             </a:ext>
             <a:ext uri="{91240B29-F687-4f45-9708-019B960494DF}">
-              <a14:hiddenLine xmlns="" xmlns:a14="http://schemas.microsoft.com/office/drawing/2010/main" w="9525">
+              <a14:hiddenLine xmlns:a14="http://schemas.microsoft.com/office/drawing/2010/main" xmlns="" w="9525">
                 <a:solidFill>
                   <a:srgbClr val="000000"/>
                 </a:solidFill>
@@ -2471,12 +2471,12 @@
           </a:ln>
           <a:extLst>
             <a:ext uri="{909E8E84-426E-40dd-AFC4-6F175D3DCCD1}">
-              <a14:hiddenFill xmlns="" xmlns:a14="http://schemas.microsoft.com/office/drawing/2010/main">
+              <a14:hiddenFill xmlns:a14="http://schemas.microsoft.com/office/drawing/2010/main" xmlns="">
                 <a:noFill/>
               </a14:hiddenFill>
             </a:ext>
             <a:ext uri="{91240B29-F687-4f45-9708-019B960494DF}">
-              <a14:hiddenLine xmlns="" xmlns:a14="http://schemas.microsoft.com/office/drawing/2010/main" w="9525">
+              <a14:hiddenLine xmlns:a14="http://schemas.microsoft.com/office/drawing/2010/main" xmlns="" w="9525">
                 <a:solidFill>
                   <a:srgbClr val="000000"/>
                 </a:solidFill>
@@ -2525,12 +2525,12 @@
           </a:ln>
           <a:extLst>
             <a:ext uri="{909E8E84-426E-40dd-AFC4-6F175D3DCCD1}">
-              <a14:hiddenFill xmlns="" xmlns:a14="http://schemas.microsoft.com/office/drawing/2010/main">
+              <a14:hiddenFill xmlns:a14="http://schemas.microsoft.com/office/drawing/2010/main" xmlns="">
                 <a:noFill/>
               </a14:hiddenFill>
             </a:ext>
             <a:ext uri="{91240B29-F687-4f45-9708-019B960494DF}">
-              <a14:hiddenLine xmlns="" xmlns:a14="http://schemas.microsoft.com/office/drawing/2010/main" w="9525">
+              <a14:hiddenLine xmlns:a14="http://schemas.microsoft.com/office/drawing/2010/main" xmlns="" w="9525">
                 <a:solidFill>
                   <a:srgbClr val="000000"/>
                 </a:solidFill>
@@ -2695,12 +2695,12 @@
           </a:ln>
           <a:extLst>
             <a:ext uri="{909E8E84-426E-40dd-AFC4-6F175D3DCCD1}">
-              <a14:hiddenFill xmlns="" xmlns:a14="http://schemas.microsoft.com/office/drawing/2010/main">
+              <a14:hiddenFill xmlns:a14="http://schemas.microsoft.com/office/drawing/2010/main" xmlns="">
                 <a:noFill/>
               </a14:hiddenFill>
             </a:ext>
             <a:ext uri="{91240B29-F687-4f45-9708-019B960494DF}">
-              <a14:hiddenLine xmlns="" xmlns:a14="http://schemas.microsoft.com/office/drawing/2010/main" w="9525">
+              <a14:hiddenLine xmlns:a14="http://schemas.microsoft.com/office/drawing/2010/main" xmlns="" w="9525">
                 <a:solidFill>
                   <a:srgbClr val="000000"/>
                 </a:solidFill>
@@ -2749,12 +2749,12 @@
           </a:ln>
           <a:extLst>
             <a:ext uri="{909E8E84-426E-40dd-AFC4-6F175D3DCCD1}">
-              <a14:hiddenFill xmlns="" xmlns:a14="http://schemas.microsoft.com/office/drawing/2010/main">
+              <a14:hiddenFill xmlns:a14="http://schemas.microsoft.com/office/drawing/2010/main" xmlns="">
                 <a:noFill/>
               </a14:hiddenFill>
             </a:ext>
             <a:ext uri="{91240B29-F687-4f45-9708-019B960494DF}">
-              <a14:hiddenLine xmlns="" xmlns:a14="http://schemas.microsoft.com/office/drawing/2010/main" w="9525">
+              <a14:hiddenLine xmlns:a14="http://schemas.microsoft.com/office/drawing/2010/main" xmlns="" w="9525">
                 <a:solidFill>
                   <a:srgbClr val="000000"/>
                 </a:solidFill>
@@ -4269,12 +4269,12 @@
           </a:ln>
           <a:extLst>
             <a:ext uri="{909E8E84-426E-40dd-AFC4-6F175D3DCCD1}">
-              <a14:hiddenFill xmlns="" xmlns:a14="http://schemas.microsoft.com/office/drawing/2010/main">
+              <a14:hiddenFill xmlns:a14="http://schemas.microsoft.com/office/drawing/2010/main" xmlns="">
                 <a:noFill/>
               </a14:hiddenFill>
             </a:ext>
             <a:ext uri="{91240B29-F687-4f45-9708-019B960494DF}">
-              <a14:hiddenLine xmlns="" xmlns:a14="http://schemas.microsoft.com/office/drawing/2010/main" w="9525">
+              <a14:hiddenLine xmlns:a14="http://schemas.microsoft.com/office/drawing/2010/main" xmlns="" w="9525">
                 <a:solidFill>
                   <a:srgbClr val="000000"/>
                 </a:solidFill>
@@ -4323,12 +4323,12 @@
           </a:ln>
           <a:extLst>
             <a:ext uri="{909E8E84-426E-40dd-AFC4-6F175D3DCCD1}">
-              <a14:hiddenFill xmlns="" xmlns:a14="http://schemas.microsoft.com/office/drawing/2010/main">
+              <a14:hiddenFill xmlns:a14="http://schemas.microsoft.com/office/drawing/2010/main" xmlns="">
                 <a:noFill/>
               </a14:hiddenFill>
             </a:ext>
             <a:ext uri="{91240B29-F687-4f45-9708-019B960494DF}">
-              <a14:hiddenLine xmlns="" xmlns:a14="http://schemas.microsoft.com/office/drawing/2010/main" w="9525">
+              <a14:hiddenLine xmlns:a14="http://schemas.microsoft.com/office/drawing/2010/main" xmlns="" w="9525">
                 <a:solidFill>
                   <a:srgbClr val="000000"/>
                 </a:solidFill>
@@ -4661,55 +4661,6 @@
                 <a:cs typeface="Lato Light"/>
               </a:rPr>
               <a:t>Network information</a:t>
-            </a:r>
-          </a:p>
-        </p:txBody>
-      </p:sp>
-      <p:sp>
-        <p:nvSpPr>
-          <p:cNvPr id="33" name="TextBox 32">
-            <a:extLst>
-              <a:ext uri="{FF2B5EF4-FFF2-40B4-BE49-F238E27FC236}">
-                <a16:creationId xmlns:a16="http://schemas.microsoft.com/office/drawing/2014/main" id="{A0041372-36AA-4AEF-9BA7-E875F6A00173}"/>
-              </a:ext>
-            </a:extLst>
-          </p:cNvPr>
-          <p:cNvSpPr txBox="1"/>
-          <p:nvPr/>
-        </p:nvSpPr>
-        <p:spPr>
-          <a:xfrm>
-            <a:off x="5314950" y="1418422"/>
-            <a:ext cx="2355119" cy="517028"/>
-          </a:xfrm>
-          <a:prstGeom prst="rect">
-            <a:avLst/>
-          </a:prstGeom>
-          <a:noFill/>
-        </p:spPr>
-        <p:txBody>
-          <a:bodyPr wrap="square" lIns="243791" tIns="91422" rIns="243791" bIns="91422" rtlCol="0">
-            <a:spAutoFit/>
-          </a:bodyPr>
-          <a:lstStyle/>
-          <a:p>
-            <a:pPr algn="r">
-              <a:lnSpc>
-                <a:spcPct val="90000"/>
-              </a:lnSpc>
-              <a:spcBef>
-                <a:spcPts val="2134"/>
-              </a:spcBef>
-            </a:pPr>
-            <a:r>
-              <a:rPr lang="en-US" sz="2400" b="1" dirty="0">
-                <a:solidFill>
-                  <a:srgbClr val="4D4D4D"/>
-                </a:solidFill>
-                <a:latin typeface="Lato Light"/>
-                <a:cs typeface="Lato Light"/>
-              </a:rPr>
-              <a:t>Workstation</a:t>
             </a:r>
           </a:p>
         </p:txBody>
@@ -5928,12 +5879,12 @@
           </a:ln>
           <a:extLst>
             <a:ext uri="{909E8E84-426E-40dd-AFC4-6F175D3DCCD1}">
-              <a14:hiddenFill xmlns="" xmlns:a14="http://schemas.microsoft.com/office/drawing/2010/main">
+              <a14:hiddenFill xmlns:a14="http://schemas.microsoft.com/office/drawing/2010/main" xmlns="">
                 <a:noFill/>
               </a14:hiddenFill>
             </a:ext>
             <a:ext uri="{91240B29-F687-4f45-9708-019B960494DF}">
-              <a14:hiddenLine xmlns="" xmlns:a14="http://schemas.microsoft.com/office/drawing/2010/main" w="9525">
+              <a14:hiddenLine xmlns:a14="http://schemas.microsoft.com/office/drawing/2010/main" xmlns="" w="9525">
                 <a:solidFill>
                   <a:srgbClr val="000000"/>
                 </a:solidFill>
@@ -5978,12 +5929,12 @@
           </a:ln>
           <a:extLst>
             <a:ext uri="{909E8E84-426E-40dd-AFC4-6F175D3DCCD1}">
-              <a14:hiddenFill xmlns="" xmlns:a14="http://schemas.microsoft.com/office/drawing/2010/main">
+              <a14:hiddenFill xmlns:a14="http://schemas.microsoft.com/office/drawing/2010/main" xmlns="">
                 <a:noFill/>
               </a14:hiddenFill>
             </a:ext>
             <a:ext uri="{91240B29-F687-4f45-9708-019B960494DF}">
-              <a14:hiddenLine xmlns="" xmlns:a14="http://schemas.microsoft.com/office/drawing/2010/main" w="9525">
+              <a14:hiddenLine xmlns:a14="http://schemas.microsoft.com/office/drawing/2010/main" xmlns="" w="9525">
                 <a:solidFill>
                   <a:srgbClr val="000000"/>
                 </a:solidFill>
@@ -7526,12 +7477,12 @@
           </a:ln>
           <a:extLst>
             <a:ext uri="{909E8E84-426E-40dd-AFC4-6F175D3DCCD1}">
-              <a14:hiddenFill xmlns="" xmlns:a14="http://schemas.microsoft.com/office/drawing/2010/main">
+              <a14:hiddenFill xmlns:a14="http://schemas.microsoft.com/office/drawing/2010/main" xmlns="">
                 <a:noFill/>
               </a14:hiddenFill>
             </a:ext>
             <a:ext uri="{91240B29-F687-4f45-9708-019B960494DF}">
-              <a14:hiddenLine xmlns="" xmlns:a14="http://schemas.microsoft.com/office/drawing/2010/main" w="9525">
+              <a14:hiddenLine xmlns:a14="http://schemas.microsoft.com/office/drawing/2010/main" xmlns="" w="9525">
                 <a:solidFill>
                   <a:srgbClr val="000000"/>
                 </a:solidFill>
@@ -7580,12 +7531,12 @@
           </a:ln>
           <a:extLst>
             <a:ext uri="{909E8E84-426E-40dd-AFC4-6F175D3DCCD1}">
-              <a14:hiddenFill xmlns="" xmlns:a14="http://schemas.microsoft.com/office/drawing/2010/main">
+              <a14:hiddenFill xmlns:a14="http://schemas.microsoft.com/office/drawing/2010/main" xmlns="">
                 <a:noFill/>
               </a14:hiddenFill>
             </a:ext>
             <a:ext uri="{91240B29-F687-4f45-9708-019B960494DF}">
-              <a14:hiddenLine xmlns="" xmlns:a14="http://schemas.microsoft.com/office/drawing/2010/main" w="9525">
+              <a14:hiddenLine xmlns:a14="http://schemas.microsoft.com/office/drawing/2010/main" xmlns="" w="9525">
                 <a:solidFill>
                   <a:srgbClr val="000000"/>
                 </a:solidFill>
@@ -8790,12 +8741,12 @@
           </a:ln>
           <a:extLst>
             <a:ext uri="{909E8E84-426E-40dd-AFC4-6F175D3DCCD1}">
-              <a14:hiddenFill xmlns="" xmlns:a14="http://schemas.microsoft.com/office/drawing/2010/main">
+              <a14:hiddenFill xmlns:a14="http://schemas.microsoft.com/office/drawing/2010/main" xmlns="">
                 <a:noFill/>
               </a14:hiddenFill>
             </a:ext>
             <a:ext uri="{91240B29-F687-4f45-9708-019B960494DF}">
-              <a14:hiddenLine xmlns="" xmlns:a14="http://schemas.microsoft.com/office/drawing/2010/main" w="9525">
+              <a14:hiddenLine xmlns:a14="http://schemas.microsoft.com/office/drawing/2010/main" xmlns="" w="9525">
                 <a:solidFill>
                   <a:srgbClr val="000000"/>
                 </a:solidFill>
@@ -8844,12 +8795,12 @@
           </a:ln>
           <a:extLst>
             <a:ext uri="{909E8E84-426E-40dd-AFC4-6F175D3DCCD1}">
-              <a14:hiddenFill xmlns="" xmlns:a14="http://schemas.microsoft.com/office/drawing/2010/main">
+              <a14:hiddenFill xmlns:a14="http://schemas.microsoft.com/office/drawing/2010/main" xmlns="">
                 <a:noFill/>
               </a14:hiddenFill>
             </a:ext>
             <a:ext uri="{91240B29-F687-4f45-9708-019B960494DF}">
-              <a14:hiddenLine xmlns="" xmlns:a14="http://schemas.microsoft.com/office/drawing/2010/main" w="9525">
+              <a14:hiddenLine xmlns:a14="http://schemas.microsoft.com/office/drawing/2010/main" xmlns="" w="9525">
                 <a:solidFill>
                   <a:srgbClr val="000000"/>
                 </a:solidFill>
@@ -9158,55 +9109,6 @@
                 <a:cs typeface="Lato Light"/>
               </a:rPr>
               <a:t>Per day</a:t>
-            </a:r>
-          </a:p>
-        </p:txBody>
-      </p:sp>
-      <p:sp>
-        <p:nvSpPr>
-          <p:cNvPr id="33" name="TextBox 32">
-            <a:extLst>
-              <a:ext uri="{FF2B5EF4-FFF2-40B4-BE49-F238E27FC236}">
-                <a16:creationId xmlns:a16="http://schemas.microsoft.com/office/drawing/2014/main" id="{A0041372-36AA-4AEF-9BA7-E875F6A00173}"/>
-              </a:ext>
-            </a:extLst>
-          </p:cNvPr>
-          <p:cNvSpPr txBox="1"/>
-          <p:nvPr/>
-        </p:nvSpPr>
-        <p:spPr>
-          <a:xfrm>
-            <a:off x="6140186" y="1418422"/>
-            <a:ext cx="1529883" cy="517028"/>
-          </a:xfrm>
-          <a:prstGeom prst="rect">
-            <a:avLst/>
-          </a:prstGeom>
-          <a:noFill/>
-        </p:spPr>
-        <p:txBody>
-          <a:bodyPr wrap="square" lIns="243791" tIns="91422" rIns="243791" bIns="91422" rtlCol="0">
-            <a:spAutoFit/>
-          </a:bodyPr>
-          <a:lstStyle/>
-          <a:p>
-            <a:pPr algn="r">
-              <a:lnSpc>
-                <a:spcPct val="90000"/>
-              </a:lnSpc>
-              <a:spcBef>
-                <a:spcPts val="2134"/>
-              </a:spcBef>
-            </a:pPr>
-            <a:r>
-              <a:rPr lang="en-US" sz="2400" b="1" dirty="0">
-                <a:solidFill>
-                  <a:srgbClr val="4D4D4D"/>
-                </a:solidFill>
-                <a:latin typeface="Lato Light"/>
-                <a:cs typeface="Lato Light"/>
-              </a:rPr>
-              <a:t>Printer</a:t>
             </a:r>
           </a:p>
         </p:txBody>
@@ -9464,55 +9366,6 @@
           </a:fontRef>
         </p:style>
       </p:cxnSp>
-      <p:sp>
-        <p:nvSpPr>
-          <p:cNvPr id="21" name="TextBox 20">
-            <a:extLst>
-              <a:ext uri="{FF2B5EF4-FFF2-40B4-BE49-F238E27FC236}">
-                <a16:creationId xmlns:a16="http://schemas.microsoft.com/office/drawing/2014/main" id="{7110FB15-A4AE-4CDE-A904-8907DD4063B1}"/>
-              </a:ext>
-            </a:extLst>
-          </p:cNvPr>
-          <p:cNvSpPr txBox="1"/>
-          <p:nvPr/>
-        </p:nvSpPr>
-        <p:spPr>
-          <a:xfrm>
-            <a:off x="18364201" y="1418422"/>
-            <a:ext cx="2310316" cy="517028"/>
-          </a:xfrm>
-          <a:prstGeom prst="rect">
-            <a:avLst/>
-          </a:prstGeom>
-          <a:noFill/>
-        </p:spPr>
-        <p:txBody>
-          <a:bodyPr wrap="square" lIns="243791" tIns="91422" rIns="243791" bIns="91422" rtlCol="0">
-            <a:spAutoFit/>
-          </a:bodyPr>
-          <a:lstStyle/>
-          <a:p>
-            <a:pPr algn="r">
-              <a:lnSpc>
-                <a:spcPct val="90000"/>
-              </a:lnSpc>
-              <a:spcBef>
-                <a:spcPts val="2134"/>
-              </a:spcBef>
-            </a:pPr>
-            <a:r>
-              <a:rPr lang="en-US" sz="2400" b="1" dirty="0">
-                <a:solidFill>
-                  <a:srgbClr val="4D4D4D"/>
-                </a:solidFill>
-                <a:latin typeface="Lato Light"/>
-                <a:cs typeface="Lato Light"/>
-              </a:rPr>
-              <a:t>Time range</a:t>
-            </a:r>
-          </a:p>
-        </p:txBody>
-      </p:sp>
     </p:spTree>
     <p:extLst>
       <p:ext uri="{BB962C8B-B14F-4D97-AF65-F5344CB8AC3E}">
@@ -9568,12 +9421,12 @@
           </a:ln>
           <a:extLst>
             <a:ext uri="{909E8E84-426E-40dd-AFC4-6F175D3DCCD1}">
-              <a14:hiddenFill xmlns="" xmlns:a14="http://schemas.microsoft.com/office/drawing/2010/main">
+              <a14:hiddenFill xmlns:a14="http://schemas.microsoft.com/office/drawing/2010/main" xmlns="">
                 <a:noFill/>
               </a14:hiddenFill>
             </a:ext>
             <a:ext uri="{91240B29-F687-4f45-9708-019B960494DF}">
-              <a14:hiddenLine xmlns="" xmlns:a14="http://schemas.microsoft.com/office/drawing/2010/main" w="9525">
+              <a14:hiddenLine xmlns:a14="http://schemas.microsoft.com/office/drawing/2010/main" xmlns="" w="9525">
                 <a:solidFill>
                   <a:srgbClr val="000000"/>
                 </a:solidFill>
@@ -9622,12 +9475,12 @@
           </a:ln>
           <a:extLst>
             <a:ext uri="{909E8E84-426E-40dd-AFC4-6F175D3DCCD1}">
-              <a14:hiddenFill xmlns="" xmlns:a14="http://schemas.microsoft.com/office/drawing/2010/main">
+              <a14:hiddenFill xmlns:a14="http://schemas.microsoft.com/office/drawing/2010/main" xmlns="">
                 <a:noFill/>
               </a14:hiddenFill>
             </a:ext>
             <a:ext uri="{91240B29-F687-4f45-9708-019B960494DF}">
-              <a14:hiddenLine xmlns="" xmlns:a14="http://schemas.microsoft.com/office/drawing/2010/main" w="9525">
+              <a14:hiddenLine xmlns:a14="http://schemas.microsoft.com/office/drawing/2010/main" xmlns="" w="9525">
                 <a:solidFill>
                   <a:srgbClr val="000000"/>
                 </a:solidFill>
@@ -9892,104 +9745,6 @@
                 <a:cs typeface="Lato Light"/>
               </a:rPr>
               <a:t>Per day</a:t>
-            </a:r>
-          </a:p>
-        </p:txBody>
-      </p:sp>
-      <p:sp>
-        <p:nvSpPr>
-          <p:cNvPr id="33" name="TextBox 32">
-            <a:extLst>
-              <a:ext uri="{FF2B5EF4-FFF2-40B4-BE49-F238E27FC236}">
-                <a16:creationId xmlns:a16="http://schemas.microsoft.com/office/drawing/2014/main" id="{A0041372-36AA-4AEF-9BA7-E875F6A00173}"/>
-              </a:ext>
-            </a:extLst>
-          </p:cNvPr>
-          <p:cNvSpPr txBox="1"/>
-          <p:nvPr/>
-        </p:nvSpPr>
-        <p:spPr>
-          <a:xfrm>
-            <a:off x="6140186" y="1418422"/>
-            <a:ext cx="1529883" cy="517028"/>
-          </a:xfrm>
-          <a:prstGeom prst="rect">
-            <a:avLst/>
-          </a:prstGeom>
-          <a:noFill/>
-        </p:spPr>
-        <p:txBody>
-          <a:bodyPr wrap="square" lIns="243791" tIns="91422" rIns="243791" bIns="91422" rtlCol="0">
-            <a:spAutoFit/>
-          </a:bodyPr>
-          <a:lstStyle/>
-          <a:p>
-            <a:pPr algn="r">
-              <a:lnSpc>
-                <a:spcPct val="90000"/>
-              </a:lnSpc>
-              <a:spcBef>
-                <a:spcPts val="2134"/>
-              </a:spcBef>
-            </a:pPr>
-            <a:r>
-              <a:rPr lang="en-US" sz="2400" b="1" dirty="0">
-                <a:solidFill>
-                  <a:srgbClr val="4D4D4D"/>
-                </a:solidFill>
-                <a:latin typeface="Lato Light"/>
-                <a:cs typeface="Lato Light"/>
-              </a:rPr>
-              <a:t>Printer</a:t>
-            </a:r>
-          </a:p>
-        </p:txBody>
-      </p:sp>
-      <p:sp>
-        <p:nvSpPr>
-          <p:cNvPr id="34" name="TextBox 33">
-            <a:extLst>
-              <a:ext uri="{FF2B5EF4-FFF2-40B4-BE49-F238E27FC236}">
-                <a16:creationId xmlns:a16="http://schemas.microsoft.com/office/drawing/2014/main" id="{BF1C49D7-13B8-4ECC-A63F-9318FFE42EAC}"/>
-              </a:ext>
-            </a:extLst>
-          </p:cNvPr>
-          <p:cNvSpPr txBox="1"/>
-          <p:nvPr/>
-        </p:nvSpPr>
-        <p:spPr>
-          <a:xfrm>
-            <a:off x="18364201" y="1418422"/>
-            <a:ext cx="2310316" cy="517028"/>
-          </a:xfrm>
-          <a:prstGeom prst="rect">
-            <a:avLst/>
-          </a:prstGeom>
-          <a:noFill/>
-        </p:spPr>
-        <p:txBody>
-          <a:bodyPr wrap="square" lIns="243791" tIns="91422" rIns="243791" bIns="91422" rtlCol="0">
-            <a:spAutoFit/>
-          </a:bodyPr>
-          <a:lstStyle/>
-          <a:p>
-            <a:pPr algn="r">
-              <a:lnSpc>
-                <a:spcPct val="90000"/>
-              </a:lnSpc>
-              <a:spcBef>
-                <a:spcPts val="2134"/>
-              </a:spcBef>
-            </a:pPr>
-            <a:r>
-              <a:rPr lang="en-US" sz="2400" b="1" dirty="0">
-                <a:solidFill>
-                  <a:srgbClr val="4D4D4D"/>
-                </a:solidFill>
-                <a:latin typeface="Lato Light"/>
-                <a:cs typeface="Lato Light"/>
-              </a:rPr>
-              <a:t>Time range</a:t>
             </a:r>
           </a:p>
         </p:txBody>
@@ -10437,7 +10192,7 @@
                 </a:solidFill>
                 <a:cs typeface="Lato Light"/>
               </a:rPr>
-              <a:t>Pull Print</a:t>
+              <a:t>Secure Print</a:t>
             </a:r>
             <a:endParaRPr lang="en-US" sz="2400" dirty="0">
               <a:solidFill>
@@ -11201,55 +10956,6 @@
       </p:sp>
       <p:sp>
         <p:nvSpPr>
-          <p:cNvPr id="42" name="TextBox 41">
-            <a:extLst>
-              <a:ext uri="{FF2B5EF4-FFF2-40B4-BE49-F238E27FC236}">
-                <a16:creationId xmlns:a16="http://schemas.microsoft.com/office/drawing/2014/main" id="{E27A7165-0137-4384-A778-010DABDB3A8D}"/>
-              </a:ext>
-            </a:extLst>
-          </p:cNvPr>
-          <p:cNvSpPr txBox="1"/>
-          <p:nvPr/>
-        </p:nvSpPr>
-        <p:spPr>
-          <a:xfrm>
-            <a:off x="5772150" y="1418422"/>
-            <a:ext cx="1897919" cy="517028"/>
-          </a:xfrm>
-          <a:prstGeom prst="rect">
-            <a:avLst/>
-          </a:prstGeom>
-          <a:noFill/>
-        </p:spPr>
-        <p:txBody>
-          <a:bodyPr wrap="square" lIns="243791" tIns="91422" rIns="243791" bIns="91422" rtlCol="0">
-            <a:spAutoFit/>
-          </a:bodyPr>
-          <a:lstStyle/>
-          <a:p>
-            <a:pPr algn="ctr">
-              <a:lnSpc>
-                <a:spcPct val="90000"/>
-              </a:lnSpc>
-              <a:spcBef>
-                <a:spcPts val="2134"/>
-              </a:spcBef>
-            </a:pPr>
-            <a:r>
-              <a:rPr lang="en-US" sz="2400" b="1" dirty="0">
-                <a:solidFill>
-                  <a:srgbClr val="4D4D4D"/>
-                </a:solidFill>
-                <a:latin typeface="Lato Light"/>
-                <a:cs typeface="Lato Light"/>
-              </a:rPr>
-              <a:t>Location</a:t>
-            </a:r>
-          </a:p>
-        </p:txBody>
-      </p:sp>
-      <p:sp>
-        <p:nvSpPr>
           <p:cNvPr id="45" name="TextBox 44">
             <a:extLst>
               <a:ext uri="{FF2B5EF4-FFF2-40B4-BE49-F238E27FC236}">
@@ -11292,7 +10998,7 @@
                 <a:latin typeface="Lato Light"/>
                 <a:cs typeface="Lato Light"/>
               </a:rPr>
-              <a:t>Pull Print</a:t>
+              <a:t>Secure Print</a:t>
             </a:r>
           </a:p>
         </p:txBody>
@@ -11489,55 +11195,6 @@
                 <a:cs typeface="Lato Light"/>
               </a:rPr>
               <a:t>Printers</a:t>
-            </a:r>
-          </a:p>
-        </p:txBody>
-      </p:sp>
-      <p:sp>
-        <p:nvSpPr>
-          <p:cNvPr id="53" name="TextBox 52">
-            <a:extLst>
-              <a:ext uri="{FF2B5EF4-FFF2-40B4-BE49-F238E27FC236}">
-                <a16:creationId xmlns:a16="http://schemas.microsoft.com/office/drawing/2014/main" id="{E834C2AE-CC74-47B1-A9CA-F0D9F581DE4F}"/>
-              </a:ext>
-            </a:extLst>
-          </p:cNvPr>
-          <p:cNvSpPr txBox="1"/>
-          <p:nvPr/>
-        </p:nvSpPr>
-        <p:spPr>
-          <a:xfrm>
-            <a:off x="18364201" y="1418422"/>
-            <a:ext cx="2310316" cy="517028"/>
-          </a:xfrm>
-          <a:prstGeom prst="rect">
-            <a:avLst/>
-          </a:prstGeom>
-          <a:noFill/>
-        </p:spPr>
-        <p:txBody>
-          <a:bodyPr wrap="square" lIns="243791" tIns="91422" rIns="243791" bIns="91422" rtlCol="0">
-            <a:spAutoFit/>
-          </a:bodyPr>
-          <a:lstStyle/>
-          <a:p>
-            <a:pPr algn="r">
-              <a:lnSpc>
-                <a:spcPct val="90000"/>
-              </a:lnSpc>
-              <a:spcBef>
-                <a:spcPts val="2134"/>
-              </a:spcBef>
-            </a:pPr>
-            <a:r>
-              <a:rPr lang="en-US" sz="2400" b="1" dirty="0">
-                <a:solidFill>
-                  <a:srgbClr val="4D4D4D"/>
-                </a:solidFill>
-                <a:latin typeface="Lato Light"/>
-                <a:cs typeface="Lato Light"/>
-              </a:rPr>
-              <a:t>Time range</a:t>
             </a:r>
           </a:p>
         </p:txBody>
@@ -11646,12 +11303,12 @@
           </a:ln>
           <a:extLst>
             <a:ext uri="{909E8E84-426E-40dd-AFC4-6F175D3DCCD1}">
-              <a14:hiddenFill xmlns="" xmlns:a14="http://schemas.microsoft.com/office/drawing/2010/main">
+              <a14:hiddenFill xmlns:a14="http://schemas.microsoft.com/office/drawing/2010/main" xmlns="">
                 <a:noFill/>
               </a14:hiddenFill>
             </a:ext>
             <a:ext uri="{91240B29-F687-4f45-9708-019B960494DF}">
-              <a14:hiddenLine xmlns="" xmlns:a14="http://schemas.microsoft.com/office/drawing/2010/main" w="9525">
+              <a14:hiddenLine xmlns:a14="http://schemas.microsoft.com/office/drawing/2010/main" xmlns="" w="9525">
                 <a:solidFill>
                   <a:srgbClr val="000000"/>
                 </a:solidFill>
@@ -11700,12 +11357,12 @@
           </a:ln>
           <a:extLst>
             <a:ext uri="{909E8E84-426E-40dd-AFC4-6F175D3DCCD1}">
-              <a14:hiddenFill xmlns="" xmlns:a14="http://schemas.microsoft.com/office/drawing/2010/main">
+              <a14:hiddenFill xmlns:a14="http://schemas.microsoft.com/office/drawing/2010/main" xmlns="">
                 <a:noFill/>
               </a14:hiddenFill>
             </a:ext>
             <a:ext uri="{91240B29-F687-4f45-9708-019B960494DF}">
-              <a14:hiddenLine xmlns="" xmlns:a14="http://schemas.microsoft.com/office/drawing/2010/main" w="9525">
+              <a14:hiddenLine xmlns:a14="http://schemas.microsoft.com/office/drawing/2010/main" xmlns="" w="9525">
                 <a:solidFill>
                   <a:srgbClr val="000000"/>
                 </a:solidFill>
@@ -12949,12 +12606,12 @@
           </a:ln>
           <a:extLst>
             <a:ext uri="{909E8E84-426E-40dd-AFC4-6F175D3DCCD1}">
-              <a14:hiddenFill xmlns="" xmlns:a14="http://schemas.microsoft.com/office/drawing/2010/main">
+              <a14:hiddenFill xmlns:a14="http://schemas.microsoft.com/office/drawing/2010/main" xmlns="">
                 <a:noFill/>
               </a14:hiddenFill>
             </a:ext>
             <a:ext uri="{91240B29-F687-4f45-9708-019B960494DF}">
-              <a14:hiddenLine xmlns="" xmlns:a14="http://schemas.microsoft.com/office/drawing/2010/main" w="9525">
+              <a14:hiddenLine xmlns:a14="http://schemas.microsoft.com/office/drawing/2010/main" xmlns="" w="9525">
                 <a:solidFill>
                   <a:srgbClr val="000000"/>
                 </a:solidFill>
@@ -13003,12 +12660,12 @@
           </a:ln>
           <a:extLst>
             <a:ext uri="{909E8E84-426E-40dd-AFC4-6F175D3DCCD1}">
-              <a14:hiddenFill xmlns="" xmlns:a14="http://schemas.microsoft.com/office/drawing/2010/main">
+              <a14:hiddenFill xmlns:a14="http://schemas.microsoft.com/office/drawing/2010/main" xmlns="">
                 <a:noFill/>
               </a14:hiddenFill>
             </a:ext>
             <a:ext uri="{91240B29-F687-4f45-9708-019B960494DF}">
-              <a14:hiddenLine xmlns="" xmlns:a14="http://schemas.microsoft.com/office/drawing/2010/main" w="9525">
+              <a14:hiddenLine xmlns:a14="http://schemas.microsoft.com/office/drawing/2010/main" xmlns="" w="9525">
                 <a:solidFill>
                   <a:srgbClr val="000000"/>
                 </a:solidFill>
@@ -13049,8 +12706,8 @@
         </p:nvSpPr>
         <p:spPr>
           <a:xfrm>
-            <a:off x="10225557" y="738196"/>
-            <a:ext cx="4049507" cy="830997"/>
+            <a:off x="9591571" y="738196"/>
+            <a:ext cx="5317481" cy="830997"/>
           </a:xfrm>
           <a:prstGeom prst="rect">
             <a:avLst/>
@@ -13069,10 +12726,9 @@
                 <a:solidFill>
                   <a:srgbClr val="4D4D4D"/>
                 </a:solidFill>
-                <a:latin typeface="Lato Light"/>
                 <a:cs typeface="Lato Light"/>
               </a:rPr>
-              <a:t>User - Historic</a:t>
+              <a:t>User – Print Details</a:t>
             </a:r>
           </a:p>
         </p:txBody>
@@ -13091,8 +12747,8 @@
         </p:nvSpPr>
         <p:spPr>
           <a:xfrm>
-            <a:off x="548047" y="2659043"/>
-            <a:ext cx="1494582" cy="517028"/>
+            <a:off x="347988" y="2326644"/>
+            <a:ext cx="2989165" cy="517028"/>
           </a:xfrm>
           <a:prstGeom prst="rect">
             <a:avLst/>
@@ -13105,7 +12761,7 @@
           </a:bodyPr>
           <a:lstStyle/>
           <a:p>
-            <a:pPr>
+            <a:pPr algn="ctr">
               <a:lnSpc>
                 <a:spcPct val="90000"/>
               </a:lnSpc>
@@ -13118,20 +12774,25 @@
                 <a:solidFill>
                   <a:srgbClr val="4D4D4D"/>
                 </a:solidFill>
-                <a:latin typeface="Lato Light"/>
                 <a:cs typeface="Lato Light"/>
               </a:rPr>
-              <a:t>Pages</a:t>
+              <a:t>Printed 2-sided</a:t>
             </a:r>
-          </a:p>
-        </p:txBody>
-      </p:sp>
-      <p:sp>
-        <p:nvSpPr>
-          <p:cNvPr id="109" name="TextBox 108">
+            <a:endParaRPr lang="en-US" sz="2400" dirty="0">
+              <a:solidFill>
+                <a:srgbClr val="4D4D4D"/>
+              </a:solidFill>
+              <a:latin typeface="Lato Light"/>
+            </a:endParaRPr>
+          </a:p>
+        </p:txBody>
+      </p:sp>
+      <p:sp>
+        <p:nvSpPr>
+          <p:cNvPr id="114" name="TextBox 113">
             <a:extLst>
               <a:ext uri="{FF2B5EF4-FFF2-40B4-BE49-F238E27FC236}">
-                <a16:creationId xmlns:a16="http://schemas.microsoft.com/office/drawing/2014/main" id="{0F384D0D-6BEE-4001-8046-BA4DDD7F9CE3}"/>
+                <a16:creationId xmlns:a16="http://schemas.microsoft.com/office/drawing/2014/main" id="{2A327888-FDAE-4BFF-9470-5E94C5B0315E}"/>
               </a:ext>
             </a:extLst>
           </p:cNvPr>
@@ -13140,7 +12801,7 @@
         </p:nvSpPr>
         <p:spPr>
           <a:xfrm>
-            <a:off x="548048" y="8386024"/>
+            <a:off x="14292795" y="8394066"/>
             <a:ext cx="2989165" cy="517028"/>
           </a:xfrm>
           <a:prstGeom prst="rect">
@@ -13154,7 +12815,7 @@
           </a:bodyPr>
           <a:lstStyle/>
           <a:p>
-            <a:pPr>
+            <a:pPr algn="r">
               <a:lnSpc>
                 <a:spcPct val="90000"/>
               </a:lnSpc>
@@ -13163,24 +12824,29 @@
               </a:spcBef>
             </a:pPr>
             <a:r>
-              <a:rPr lang="en-US" sz="2400" dirty="0">
+              <a:rPr lang="en-US" sz="2400">
                 <a:solidFill>
                   <a:srgbClr val="4D4D4D"/>
                 </a:solidFill>
-                <a:latin typeface="Lato Light"/>
                 <a:cs typeface="Lato Light"/>
               </a:rPr>
-              <a:t>Jobs</a:t>
+              <a:t>Workstations</a:t>
             </a:r>
-          </a:p>
-        </p:txBody>
-      </p:sp>
-      <p:sp>
-        <p:nvSpPr>
-          <p:cNvPr id="112" name="TextBox 111">
+            <a:endParaRPr lang="en-US" sz="2400" dirty="0">
+              <a:solidFill>
+                <a:srgbClr val="4D4D4D"/>
+              </a:solidFill>
+              <a:cs typeface="Lato Light"/>
+            </a:endParaRPr>
+          </a:p>
+        </p:txBody>
+      </p:sp>
+      <p:sp>
+        <p:nvSpPr>
+          <p:cNvPr id="24" name="TextBox 23">
             <a:extLst>
               <a:ext uri="{FF2B5EF4-FFF2-40B4-BE49-F238E27FC236}">
-                <a16:creationId xmlns:a16="http://schemas.microsoft.com/office/drawing/2014/main" id="{66DFBA01-4548-4B60-A04D-ABD7A6EDCE01}"/>
+                <a16:creationId xmlns:a16="http://schemas.microsoft.com/office/drawing/2014/main" id="{8A36327E-1820-43E3-9996-1C119EB929D2}"/>
               </a:ext>
             </a:extLst>
           </p:cNvPr>
@@ -13189,8 +12855,8 @@
         </p:nvSpPr>
         <p:spPr>
           <a:xfrm>
-            <a:off x="20851001" y="2659043"/>
-            <a:ext cx="2989165" cy="517028"/>
+            <a:off x="11423883" y="1553507"/>
+            <a:ext cx="1529883" cy="517028"/>
           </a:xfrm>
           <a:prstGeom prst="rect">
             <a:avLst/>
@@ -13219,17 +12885,17 @@
                 <a:latin typeface="Lato Light"/>
                 <a:cs typeface="Lato Light"/>
               </a:rPr>
-              <a:t>Toners</a:t>
+              <a:t>Per day</a:t>
             </a:r>
           </a:p>
         </p:txBody>
       </p:sp>
       <p:sp>
         <p:nvSpPr>
-          <p:cNvPr id="114" name="TextBox 113">
+          <p:cNvPr id="20" name="TextBox 19">
             <a:extLst>
               <a:ext uri="{FF2B5EF4-FFF2-40B4-BE49-F238E27FC236}">
-                <a16:creationId xmlns:a16="http://schemas.microsoft.com/office/drawing/2014/main" id="{2A327888-FDAE-4BFF-9470-5E94C5B0315E}"/>
+                <a16:creationId xmlns:a16="http://schemas.microsoft.com/office/drawing/2014/main" id="{AE403E1A-98EF-4F68-9851-97F19A0770E3}"/>
               </a:ext>
             </a:extLst>
           </p:cNvPr>
@@ -13238,7 +12904,56 @@
         </p:nvSpPr>
         <p:spPr>
           <a:xfrm>
-            <a:off x="20840438" y="8386024"/>
+            <a:off x="8079318" y="2326644"/>
+            <a:ext cx="2016013" cy="517028"/>
+          </a:xfrm>
+          <a:prstGeom prst="rect">
+            <a:avLst/>
+          </a:prstGeom>
+          <a:noFill/>
+        </p:spPr>
+        <p:txBody>
+          <a:bodyPr wrap="square" lIns="243791" tIns="91422" rIns="243791" bIns="91422" rtlCol="0">
+            <a:spAutoFit/>
+          </a:bodyPr>
+          <a:lstStyle/>
+          <a:p>
+            <a:pPr algn="ctr">
+              <a:lnSpc>
+                <a:spcPct val="90000"/>
+              </a:lnSpc>
+              <a:spcBef>
+                <a:spcPts val="2134"/>
+              </a:spcBef>
+            </a:pPr>
+            <a:r>
+              <a:rPr lang="en-US" sz="2400" dirty="0">
+                <a:solidFill>
+                  <a:srgbClr val="4D4D4D"/>
+                </a:solidFill>
+                <a:latin typeface="Lato Light"/>
+                <a:cs typeface="Lato Light"/>
+              </a:rPr>
+              <a:t>Paper Size</a:t>
+            </a:r>
+          </a:p>
+        </p:txBody>
+      </p:sp>
+      <p:sp>
+        <p:nvSpPr>
+          <p:cNvPr id="25" name="TextBox 24">
+            <a:extLst>
+              <a:ext uri="{FF2B5EF4-FFF2-40B4-BE49-F238E27FC236}">
+                <a16:creationId xmlns:a16="http://schemas.microsoft.com/office/drawing/2014/main" id="{B2A3DF0A-4D35-4B9A-8618-665328380448}"/>
+              </a:ext>
+            </a:extLst>
+          </p:cNvPr>
+          <p:cNvSpPr txBox="1"/>
+          <p:nvPr/>
+        </p:nvSpPr>
+        <p:spPr>
+          <a:xfrm>
+            <a:off x="-488624" y="8394066"/>
             <a:ext cx="2989165" cy="517028"/>
           </a:xfrm>
           <a:prstGeom prst="rect">
@@ -13265,19 +12980,273 @@
                 <a:solidFill>
                   <a:srgbClr val="4D4D4D"/>
                 </a:solidFill>
+                <a:latin typeface="Lato Light"/>
                 <a:cs typeface="Lato Light"/>
               </a:rPr>
-              <a:t>Active Users</a:t>
+              <a:t>Total Sheets</a:t>
             </a:r>
           </a:p>
         </p:txBody>
       </p:sp>
       <p:sp>
         <p:nvSpPr>
-          <p:cNvPr id="24" name="TextBox 23">
+          <p:cNvPr id="23" name="Text Placeholder 2">
             <a:extLst>
               <a:ext uri="{FF2B5EF4-FFF2-40B4-BE49-F238E27FC236}">
-                <a16:creationId xmlns:a16="http://schemas.microsoft.com/office/drawing/2014/main" id="{8A36327E-1820-43E3-9996-1C119EB929D2}"/>
+                <a16:creationId xmlns:a16="http://schemas.microsoft.com/office/drawing/2014/main" id="{99ABAAAA-8C7C-4A1A-9C77-7FF06C773C7E}"/>
+              </a:ext>
+            </a:extLst>
+          </p:cNvPr>
+          <p:cNvSpPr txBox="1">
+            <a:spLocks/>
+          </p:cNvSpPr>
+          <p:nvPr/>
+        </p:nvSpPr>
+        <p:spPr>
+          <a:xfrm>
+            <a:off x="10133545" y="5115180"/>
+            <a:ext cx="4159250" cy="4159250"/>
+          </a:xfrm>
+          <a:prstGeom prst="rect">
+            <a:avLst/>
+          </a:prstGeom>
+        </p:spPr>
+        <p:txBody>
+          <a:bodyPr anchor="ctr" anchorCtr="1"/>
+          <a:lstStyle>
+            <a:lvl1pPr marL="0" indent="0" algn="l" defTabSz="1828434" rtl="0" eaLnBrk="1" latinLnBrk="0" hangingPunct="1">
+              <a:lnSpc>
+                <a:spcPct val="90000"/>
+              </a:lnSpc>
+              <a:spcBef>
+                <a:spcPts val="2000"/>
+              </a:spcBef>
+              <a:buFont typeface="Arial" panose="020B0604020202020204" pitchFamily="34" charset="0"/>
+              <a:buNone/>
+              <a:defRPr lang="en-US" sz="4800" kern="1200" dirty="0" smtClean="0">
+                <a:solidFill>
+                  <a:schemeClr val="tx1"/>
+                </a:solidFill>
+                <a:effectLst/>
+                <a:latin typeface="Lato Light"/>
+                <a:ea typeface="+mn-ea"/>
+                <a:cs typeface="Lato Light"/>
+              </a:defRPr>
+            </a:lvl1pPr>
+            <a:lvl2pPr marL="914217" indent="0" algn="l" defTabSz="1828434" rtl="0" eaLnBrk="1" latinLnBrk="0" hangingPunct="1">
+              <a:lnSpc>
+                <a:spcPct val="90000"/>
+              </a:lnSpc>
+              <a:spcBef>
+                <a:spcPts val="1000"/>
+              </a:spcBef>
+              <a:buFont typeface="Arial" panose="020B0604020202020204" pitchFamily="34" charset="0"/>
+              <a:buNone/>
+              <a:defRPr lang="en-US" sz="4000" kern="1200" dirty="0" smtClean="0">
+                <a:solidFill>
+                  <a:schemeClr val="tx1"/>
+                </a:solidFill>
+                <a:effectLst/>
+                <a:latin typeface="Lato Light"/>
+                <a:ea typeface="+mn-ea"/>
+                <a:cs typeface="Lato Light"/>
+              </a:defRPr>
+            </a:lvl2pPr>
+            <a:lvl3pPr marL="1828434" indent="0" algn="l" defTabSz="1828434" rtl="0" eaLnBrk="1" latinLnBrk="0" hangingPunct="1">
+              <a:lnSpc>
+                <a:spcPct val="90000"/>
+              </a:lnSpc>
+              <a:spcBef>
+                <a:spcPts val="1000"/>
+              </a:spcBef>
+              <a:buFont typeface="Arial" panose="020B0604020202020204" pitchFamily="34" charset="0"/>
+              <a:buNone/>
+              <a:defRPr lang="en-US" sz="3600" kern="1200" dirty="0" smtClean="0">
+                <a:solidFill>
+                  <a:schemeClr val="tx1"/>
+                </a:solidFill>
+                <a:effectLst/>
+                <a:latin typeface="Lato Light"/>
+                <a:ea typeface="+mn-ea"/>
+                <a:cs typeface="Lato Light"/>
+              </a:defRPr>
+            </a:lvl3pPr>
+            <a:lvl4pPr marL="2742651" indent="0" algn="l" defTabSz="1828434" rtl="0" eaLnBrk="1" latinLnBrk="0" hangingPunct="1">
+              <a:lnSpc>
+                <a:spcPct val="90000"/>
+              </a:lnSpc>
+              <a:spcBef>
+                <a:spcPts val="1000"/>
+              </a:spcBef>
+              <a:buFont typeface="Arial" panose="020B0604020202020204" pitchFamily="34" charset="0"/>
+              <a:buNone/>
+              <a:defRPr lang="en-US" sz="3200" kern="1200" dirty="0" smtClean="0">
+                <a:solidFill>
+                  <a:schemeClr val="tx1"/>
+                </a:solidFill>
+                <a:effectLst/>
+                <a:latin typeface="Lato Light"/>
+                <a:ea typeface="+mn-ea"/>
+                <a:cs typeface="Lato Light"/>
+              </a:defRPr>
+            </a:lvl4pPr>
+            <a:lvl5pPr marL="3656868" indent="0" algn="l" defTabSz="1828434" rtl="0" eaLnBrk="1" latinLnBrk="0" hangingPunct="1">
+              <a:lnSpc>
+                <a:spcPct val="90000"/>
+              </a:lnSpc>
+              <a:spcBef>
+                <a:spcPts val="1000"/>
+              </a:spcBef>
+              <a:buFont typeface="Arial" panose="020B0604020202020204" pitchFamily="34" charset="0"/>
+              <a:buNone/>
+              <a:defRPr lang="en-US" sz="3200" kern="1200" dirty="0">
+                <a:solidFill>
+                  <a:schemeClr val="tx1"/>
+                </a:solidFill>
+                <a:effectLst/>
+                <a:latin typeface="Lato Light"/>
+                <a:ea typeface="+mn-ea"/>
+                <a:cs typeface="Lato Light"/>
+              </a:defRPr>
+            </a:lvl5pPr>
+            <a:lvl6pPr marL="5028194" indent="-457109" algn="l" defTabSz="1828434" rtl="0" eaLnBrk="1" latinLnBrk="0" hangingPunct="1">
+              <a:lnSpc>
+                <a:spcPct val="90000"/>
+              </a:lnSpc>
+              <a:spcBef>
+                <a:spcPts val="1000"/>
+              </a:spcBef>
+              <a:buFont typeface="Arial" panose="020B0604020202020204" pitchFamily="34" charset="0"/>
+              <a:buChar char="•"/>
+              <a:defRPr sz="3600" kern="1200">
+                <a:solidFill>
+                  <a:schemeClr val="tx1"/>
+                </a:solidFill>
+                <a:latin typeface="+mn-lt"/>
+                <a:ea typeface="+mn-ea"/>
+                <a:cs typeface="+mn-cs"/>
+              </a:defRPr>
+            </a:lvl6pPr>
+            <a:lvl7pPr marL="5942411" indent="-457109" algn="l" defTabSz="1828434" rtl="0" eaLnBrk="1" latinLnBrk="0" hangingPunct="1">
+              <a:lnSpc>
+                <a:spcPct val="90000"/>
+              </a:lnSpc>
+              <a:spcBef>
+                <a:spcPts val="1000"/>
+              </a:spcBef>
+              <a:buFont typeface="Arial" panose="020B0604020202020204" pitchFamily="34" charset="0"/>
+              <a:buChar char="•"/>
+              <a:defRPr sz="3600" kern="1200">
+                <a:solidFill>
+                  <a:schemeClr val="tx1"/>
+                </a:solidFill>
+                <a:latin typeface="+mn-lt"/>
+                <a:ea typeface="+mn-ea"/>
+                <a:cs typeface="+mn-cs"/>
+              </a:defRPr>
+            </a:lvl7pPr>
+            <a:lvl8pPr marL="6856628" indent="-457109" algn="l" defTabSz="1828434" rtl="0" eaLnBrk="1" latinLnBrk="0" hangingPunct="1">
+              <a:lnSpc>
+                <a:spcPct val="90000"/>
+              </a:lnSpc>
+              <a:spcBef>
+                <a:spcPts val="1000"/>
+              </a:spcBef>
+              <a:buFont typeface="Arial" panose="020B0604020202020204" pitchFamily="34" charset="0"/>
+              <a:buChar char="•"/>
+              <a:defRPr sz="3600" kern="1200">
+                <a:solidFill>
+                  <a:schemeClr val="tx1"/>
+                </a:solidFill>
+                <a:latin typeface="+mn-lt"/>
+                <a:ea typeface="+mn-ea"/>
+                <a:cs typeface="+mn-cs"/>
+              </a:defRPr>
+            </a:lvl8pPr>
+            <a:lvl9pPr marL="7770846" indent="-457109" algn="l" defTabSz="1828434" rtl="0" eaLnBrk="1" latinLnBrk="0" hangingPunct="1">
+              <a:lnSpc>
+                <a:spcPct val="90000"/>
+              </a:lnSpc>
+              <a:spcBef>
+                <a:spcPts val="1000"/>
+              </a:spcBef>
+              <a:buFont typeface="Arial" panose="020B0604020202020204" pitchFamily="34" charset="0"/>
+              <a:buChar char="•"/>
+              <a:defRPr sz="3600" kern="1200">
+                <a:solidFill>
+                  <a:schemeClr val="tx1"/>
+                </a:solidFill>
+                <a:latin typeface="+mn-lt"/>
+                <a:ea typeface="+mn-ea"/>
+                <a:cs typeface="+mn-cs"/>
+              </a:defRPr>
+            </a:lvl9pPr>
+          </a:lstStyle>
+          <a:p>
+            <a:r>
+              <a:rPr lang="nb-NO" sz="19900" dirty="0">
+                <a:solidFill>
+                  <a:srgbClr val="4D4D4D"/>
+                </a:solidFill>
+                <a:latin typeface="icons" panose="02000509000000000000" pitchFamily="49" charset="0"/>
+              </a:rPr>
+              <a:t>6</a:t>
+            </a:r>
+            <a:endParaRPr lang="nb-NO" sz="71400" dirty="0">
+              <a:solidFill>
+                <a:srgbClr val="4D4D4D"/>
+              </a:solidFill>
+            </a:endParaRPr>
+          </a:p>
+        </p:txBody>
+      </p:sp>
+      <p:cxnSp>
+        <p:nvCxnSpPr>
+          <p:cNvPr id="26" name="Straight Connector 25">
+            <a:extLst>
+              <a:ext uri="{FF2B5EF4-FFF2-40B4-BE49-F238E27FC236}">
+                <a16:creationId xmlns:a16="http://schemas.microsoft.com/office/drawing/2014/main" id="{7BFEC2E0-0EB6-4BF0-A7AC-89811187E19A}"/>
+              </a:ext>
+            </a:extLst>
+          </p:cNvPr>
+          <p:cNvCxnSpPr/>
+          <p:nvPr/>
+        </p:nvCxnSpPr>
+        <p:spPr>
+          <a:xfrm rot="5400000">
+            <a:off x="12250307" y="1529002"/>
+            <a:ext cx="0" cy="1313401"/>
+          </a:xfrm>
+          <a:prstGeom prst="line">
+            <a:avLst/>
+          </a:prstGeom>
+          <a:ln w="38100" cmpd="sng">
+            <a:solidFill>
+              <a:srgbClr val="4D4D4D"/>
+            </a:solidFill>
+          </a:ln>
+        </p:spPr>
+        <p:style>
+          <a:lnRef idx="2">
+            <a:schemeClr val="accent1"/>
+          </a:lnRef>
+          <a:fillRef idx="0">
+            <a:schemeClr val="accent1"/>
+          </a:fillRef>
+          <a:effectRef idx="1">
+            <a:schemeClr val="accent1"/>
+          </a:effectRef>
+          <a:fontRef idx="minor">
+            <a:schemeClr val="tx1"/>
+          </a:fontRef>
+        </p:style>
+      </p:cxnSp>
+      <p:sp>
+        <p:nvSpPr>
+          <p:cNvPr id="28" name="TextBox 27">
+            <a:extLst>
+              <a:ext uri="{FF2B5EF4-FFF2-40B4-BE49-F238E27FC236}">
+                <a16:creationId xmlns:a16="http://schemas.microsoft.com/office/drawing/2014/main" id="{B0ACC797-27DB-4524-8768-4343688BAFE6}"/>
               </a:ext>
             </a:extLst>
           </p:cNvPr>
@@ -13286,8 +13255,8 @@
         </p:nvSpPr>
         <p:spPr>
           <a:xfrm>
-            <a:off x="11423883" y="1553507"/>
-            <a:ext cx="1529883" cy="517028"/>
+            <a:off x="4283814" y="2326644"/>
+            <a:ext cx="2949497" cy="517028"/>
           </a:xfrm>
           <a:prstGeom prst="rect">
             <a:avLst/>
@@ -13300,7 +13269,7 @@
           </a:bodyPr>
           <a:lstStyle/>
           <a:p>
-            <a:pPr algn="r">
+            <a:pPr algn="ctr">
               <a:lnSpc>
                 <a:spcPct val="90000"/>
               </a:lnSpc>
@@ -13316,17 +13285,17 @@
                 <a:latin typeface="Lato Light"/>
                 <a:cs typeface="Lato Light"/>
               </a:rPr>
-              <a:t>Per day</a:t>
+              <a:t>Printed In Black</a:t>
             </a:r>
           </a:p>
         </p:txBody>
       </p:sp>
       <p:sp>
         <p:nvSpPr>
-          <p:cNvPr id="33" name="TextBox 32">
+          <p:cNvPr id="29" name="TextBox 28">
             <a:extLst>
               <a:ext uri="{FF2B5EF4-FFF2-40B4-BE49-F238E27FC236}">
-                <a16:creationId xmlns:a16="http://schemas.microsoft.com/office/drawing/2014/main" id="{A0041372-36AA-4AEF-9BA7-E875F6A00173}"/>
+                <a16:creationId xmlns:a16="http://schemas.microsoft.com/office/drawing/2014/main" id="{2933E93D-41AF-4759-ACD9-37736C2E08DE}"/>
               </a:ext>
             </a:extLst>
           </p:cNvPr>
@@ -13335,8 +13304,8 @@
         </p:nvSpPr>
         <p:spPr>
           <a:xfrm>
-            <a:off x="6140186" y="1418422"/>
-            <a:ext cx="1529883" cy="517028"/>
+            <a:off x="13991490" y="2332460"/>
+            <a:ext cx="2989165" cy="517028"/>
           </a:xfrm>
           <a:prstGeom prst="rect">
             <a:avLst/>
@@ -13358,24 +13327,29 @@
               </a:spcBef>
             </a:pPr>
             <a:r>
-              <a:rPr lang="en-US" sz="2400" b="1" dirty="0">
+              <a:rPr lang="en-US" sz="2400" dirty="0">
                 <a:solidFill>
                   <a:srgbClr val="4D4D4D"/>
                 </a:solidFill>
-                <a:latin typeface="Lato Light"/>
                 <a:cs typeface="Lato Light"/>
               </a:rPr>
-              <a:t>User</a:t>
+              <a:t>Secure Print</a:t>
             </a:r>
-          </a:p>
-        </p:txBody>
-      </p:sp>
-      <p:sp>
-        <p:nvSpPr>
-          <p:cNvPr id="34" name="TextBox 33">
+            <a:endParaRPr lang="en-US" sz="2400" dirty="0">
+              <a:solidFill>
+                <a:srgbClr val="4D4D4D"/>
+              </a:solidFill>
+              <a:latin typeface="Lato Light"/>
+            </a:endParaRPr>
+          </a:p>
+        </p:txBody>
+      </p:sp>
+      <p:sp>
+        <p:nvSpPr>
+          <p:cNvPr id="30" name="TextBox 29">
             <a:extLst>
               <a:ext uri="{FF2B5EF4-FFF2-40B4-BE49-F238E27FC236}">
-                <a16:creationId xmlns:a16="http://schemas.microsoft.com/office/drawing/2014/main" id="{BF1C49D7-13B8-4ECC-A63F-9318FFE42EAC}"/>
+                <a16:creationId xmlns:a16="http://schemas.microsoft.com/office/drawing/2014/main" id="{9960A0ED-E745-4C9B-95F7-042B4283BC3B}"/>
               </a:ext>
             </a:extLst>
           </p:cNvPr>
@@ -13384,8 +13358,8 @@
         </p:nvSpPr>
         <p:spPr>
           <a:xfrm>
-            <a:off x="18578479" y="1418422"/>
-            <a:ext cx="2096037" cy="517028"/>
+            <a:off x="21796596" y="2332460"/>
+            <a:ext cx="2016013" cy="517028"/>
           </a:xfrm>
           <a:prstGeom prst="rect">
             <a:avLst/>
@@ -13398,7 +13372,7 @@
           </a:bodyPr>
           <a:lstStyle/>
           <a:p>
-            <a:pPr algn="r">
+            <a:pPr algn="ctr">
               <a:lnSpc>
                 <a:spcPct val="90000"/>
               </a:lnSpc>
@@ -13414,99 +13388,64 @@
                 <a:latin typeface="Lato Light"/>
                 <a:cs typeface="Lato Light"/>
               </a:rPr>
-              <a:t>Time range</a:t>
+              <a:t>Driver Type</a:t>
             </a:r>
           </a:p>
         </p:txBody>
       </p:sp>
       <p:sp>
         <p:nvSpPr>
-          <p:cNvPr id="14" name="Text Placeholder 2">
+          <p:cNvPr id="31" name="TextBox 30">
             <a:extLst>
               <a:ext uri="{FF2B5EF4-FFF2-40B4-BE49-F238E27FC236}">
-                <a16:creationId xmlns:a16="http://schemas.microsoft.com/office/drawing/2014/main" id="{A6F93CFA-D976-48D1-BBD5-94723C895F21}"/>
+                <a16:creationId xmlns:a16="http://schemas.microsoft.com/office/drawing/2014/main" id="{5D62C8D9-2965-4F36-8100-0919594BACB6}"/>
               </a:ext>
             </a:extLst>
           </p:cNvPr>
-          <p:cNvSpPr>
-            <a:spLocks noGrp="1"/>
-          </p:cNvSpPr>
-          <p:nvPr>
-            <p:ph type="body" sz="quarter" idx="10"/>
-          </p:nvPr>
+          <p:cNvSpPr txBox="1"/>
+          <p:nvPr/>
         </p:nvSpPr>
         <p:spPr>
           <a:xfrm>
-            <a:off x="10133545" y="5115180"/>
-            <a:ext cx="4159250" cy="4159250"/>
-          </a:xfrm>
-        </p:spPr>
-        <p:txBody>
-          <a:bodyPr/>
-          <a:lstStyle/>
-          <a:p>
+            <a:off x="18053205" y="2332460"/>
+            <a:ext cx="2621312" cy="517028"/>
+          </a:xfrm>
+          <a:prstGeom prst="rect">
+            <a:avLst/>
+          </a:prstGeom>
+          <a:noFill/>
+        </p:spPr>
+        <p:txBody>
+          <a:bodyPr wrap="square" lIns="243791" tIns="91422" rIns="243791" bIns="91422" rtlCol="0">
+            <a:spAutoFit/>
+          </a:bodyPr>
+          <a:lstStyle/>
+          <a:p>
+            <a:pPr algn="ctr">
+              <a:lnSpc>
+                <a:spcPct val="90000"/>
+              </a:lnSpc>
+              <a:spcBef>
+                <a:spcPts val="2134"/>
+              </a:spcBef>
+            </a:pPr>
             <a:r>
-              <a:rPr lang="en-US" sz="19900" dirty="0">
+              <a:rPr lang="en-US" sz="2400" dirty="0">
                 <a:solidFill>
                   <a:srgbClr val="4D4D4D"/>
                 </a:solidFill>
-                <a:latin typeface="icons" panose="02000509000000000000" pitchFamily="49" charset="0"/>
+                <a:latin typeface="Lato Light"/>
+                <a:cs typeface="Lato Light"/>
               </a:rPr>
-              <a:t>q</a:t>
+              <a:t>Job States</a:t>
             </a:r>
-            <a:endParaRPr lang="en-US" sz="19900" dirty="0">
-              <a:solidFill>
-                <a:srgbClr val="4D4D4D"/>
-              </a:solidFill>
-            </a:endParaRPr>
-          </a:p>
-        </p:txBody>
-      </p:sp>
-      <p:cxnSp>
-        <p:nvCxnSpPr>
-          <p:cNvPr id="15" name="Straight Connector 14">
-            <a:extLst>
-              <a:ext uri="{FF2B5EF4-FFF2-40B4-BE49-F238E27FC236}">
-                <a16:creationId xmlns:a16="http://schemas.microsoft.com/office/drawing/2014/main" id="{5FD846E3-7E0D-47F7-BE14-A04A874856A3}"/>
-              </a:ext>
-            </a:extLst>
-          </p:cNvPr>
-          <p:cNvCxnSpPr/>
-          <p:nvPr/>
-        </p:nvCxnSpPr>
-        <p:spPr>
-          <a:xfrm rot="5400000">
-            <a:off x="12250307" y="1529002"/>
-            <a:ext cx="0" cy="1313401"/>
-          </a:xfrm>
-          <a:prstGeom prst="line">
-            <a:avLst/>
-          </a:prstGeom>
-          <a:ln w="38100" cmpd="sng">
-            <a:solidFill>
-              <a:srgbClr val="4D4D4D"/>
-            </a:solidFill>
-          </a:ln>
-        </p:spPr>
-        <p:style>
-          <a:lnRef idx="2">
-            <a:schemeClr val="accent1"/>
-          </a:lnRef>
-          <a:fillRef idx="0">
-            <a:schemeClr val="accent1"/>
-          </a:fillRef>
-          <a:effectRef idx="1">
-            <a:schemeClr val="accent1"/>
-          </a:effectRef>
-          <a:fontRef idx="minor">
-            <a:schemeClr val="tx1"/>
-          </a:fontRef>
-        </p:style>
-      </p:cxnSp>
+          </a:p>
+        </p:txBody>
+      </p:sp>
     </p:spTree>
     <p:extLst>
       <p:ext uri="{BB962C8B-B14F-4D97-AF65-F5344CB8AC3E}">
-        <p14:creationId xmlns:p14="http://schemas.microsoft.com/office/powerpoint/2010/main" val="250206617"/>
+        <p14:creationId xmlns:p14="http://schemas.microsoft.com/office/powerpoint/2010/main" val="3213131689"/>
       </p:ext>
     </p:extLst>
   </p:cSld>

--- a/PowerPoint/PrintixPowerBIDesign.pptx
+++ b/PowerPoint/PrintixPowerBIDesign.pptx
@@ -5,7 +5,7 @@
     <p:sldMasterId id="2147483648" r:id="rId1"/>
   </p:sldMasterIdLst>
   <p:notesMasterIdLst>
-    <p:notesMasterId r:id="rId16"/>
+    <p:notesMasterId r:id="rId17"/>
   </p:notesMasterIdLst>
   <p:sldIdLst>
     <p:sldId id="271" r:id="rId2"/>
@@ -14,14 +14,15 @@
     <p:sldId id="275" r:id="rId5"/>
     <p:sldId id="277" r:id="rId6"/>
     <p:sldId id="279" r:id="rId7"/>
-    <p:sldId id="290" r:id="rId8"/>
-    <p:sldId id="283" r:id="rId9"/>
-    <p:sldId id="292" r:id="rId10"/>
-    <p:sldId id="284" r:id="rId11"/>
-    <p:sldId id="291" r:id="rId12"/>
-    <p:sldId id="287" r:id="rId13"/>
-    <p:sldId id="285" r:id="rId14"/>
-    <p:sldId id="286" r:id="rId15"/>
+    <p:sldId id="293" r:id="rId8"/>
+    <p:sldId id="290" r:id="rId9"/>
+    <p:sldId id="283" r:id="rId10"/>
+    <p:sldId id="292" r:id="rId11"/>
+    <p:sldId id="284" r:id="rId12"/>
+    <p:sldId id="291" r:id="rId13"/>
+    <p:sldId id="287" r:id="rId14"/>
+    <p:sldId id="285" r:id="rId15"/>
+    <p:sldId id="286" r:id="rId16"/>
   </p:sldIdLst>
   <p:sldSz cx="24377650" cy="13716000"/>
   <p:notesSz cx="6858000" cy="9144000"/>
@@ -149,6 +150,11 @@
             <p14:sldId id="279"/>
           </p14:sldIdLst>
         </p14:section>
+        <p14:section name="Printers - Service Status" id="{E8FD19BE-BAF3-48E4-A896-2FBE1A8B3A3F}">
+          <p14:sldIdLst>
+            <p14:sldId id="293"/>
+          </p14:sldIdLst>
+        </p14:section>
         <p14:section name="Locations - Overview" id="{FE1EA1CD-9151-4730-AADC-C1DF26D4BC9F}">
           <p14:sldIdLst>
             <p14:sldId id="290"/>
@@ -314,7 +320,7 @@
             <a:fld id="{EFC10EE1-B198-C942-8235-326C972CBB30}" type="datetimeFigureOut">
               <a:rPr lang="en-US" smtClean="0"/>
               <a:pPr/>
-              <a:t>12/27/2018</a:t>
+              <a:t>5/24/2019</a:t>
             </a:fld>
             <a:endParaRPr lang="en-US" dirty="0"/>
           </a:p>
@@ -2347,8 +2353,8 @@
         </p:nvSpPr>
         <p:spPr>
           <a:xfrm>
-            <a:off x="9568228" y="741286"/>
-            <a:ext cx="5364162" cy="830997"/>
+            <a:off x="9591571" y="738196"/>
+            <a:ext cx="5317481" cy="830997"/>
           </a:xfrm>
           <a:prstGeom prst="rect">
             <a:avLst/>
@@ -2367,20 +2373,486 @@
                 <a:solidFill>
                   <a:srgbClr val="4D4D4D"/>
                 </a:solidFill>
+                <a:cs typeface="Lato Light"/>
+              </a:rPr>
+              <a:t>User – Print Details</a:t>
+            </a:r>
+          </a:p>
+        </p:txBody>
+      </p:sp>
+      <p:sp>
+        <p:nvSpPr>
+          <p:cNvPr id="27" name="TextBox 26">
+            <a:extLst>
+              <a:ext uri="{FF2B5EF4-FFF2-40B4-BE49-F238E27FC236}">
+                <a16:creationId xmlns:a16="http://schemas.microsoft.com/office/drawing/2014/main" id="{3A3344D4-F57B-4C8C-89C2-E4521BF1CAB3}"/>
+              </a:ext>
+            </a:extLst>
+          </p:cNvPr>
+          <p:cNvSpPr txBox="1"/>
+          <p:nvPr/>
+        </p:nvSpPr>
+        <p:spPr>
+          <a:xfrm>
+            <a:off x="347988" y="2326644"/>
+            <a:ext cx="2989165" cy="517028"/>
+          </a:xfrm>
+          <a:prstGeom prst="rect">
+            <a:avLst/>
+          </a:prstGeom>
+          <a:noFill/>
+        </p:spPr>
+        <p:txBody>
+          <a:bodyPr wrap="square" lIns="243791" tIns="91422" rIns="243791" bIns="91422" rtlCol="0">
+            <a:spAutoFit/>
+          </a:bodyPr>
+          <a:lstStyle/>
+          <a:p>
+            <a:pPr algn="ctr">
+              <a:lnSpc>
+                <a:spcPct val="90000"/>
+              </a:lnSpc>
+              <a:spcBef>
+                <a:spcPts val="2134"/>
+              </a:spcBef>
+            </a:pPr>
+            <a:r>
+              <a:rPr lang="en-US" sz="2400" dirty="0">
+                <a:solidFill>
+                  <a:srgbClr val="4D4D4D"/>
+                </a:solidFill>
+                <a:cs typeface="Lato Light"/>
+              </a:rPr>
+              <a:t>Printed 2-sided</a:t>
+            </a:r>
+            <a:endParaRPr lang="en-US" sz="2400" dirty="0">
+              <a:solidFill>
+                <a:srgbClr val="4D4D4D"/>
+              </a:solidFill>
+              <a:latin typeface="Lato Light"/>
+            </a:endParaRPr>
+          </a:p>
+        </p:txBody>
+      </p:sp>
+      <p:sp>
+        <p:nvSpPr>
+          <p:cNvPr id="114" name="TextBox 113">
+            <a:extLst>
+              <a:ext uri="{FF2B5EF4-FFF2-40B4-BE49-F238E27FC236}">
+                <a16:creationId xmlns:a16="http://schemas.microsoft.com/office/drawing/2014/main" id="{2A327888-FDAE-4BFF-9470-5E94C5B0315E}"/>
+              </a:ext>
+            </a:extLst>
+          </p:cNvPr>
+          <p:cNvSpPr txBox="1"/>
+          <p:nvPr/>
+        </p:nvSpPr>
+        <p:spPr>
+          <a:xfrm>
+            <a:off x="14292795" y="8394066"/>
+            <a:ext cx="2989165" cy="517028"/>
+          </a:xfrm>
+          <a:prstGeom prst="rect">
+            <a:avLst/>
+          </a:prstGeom>
+          <a:noFill/>
+        </p:spPr>
+        <p:txBody>
+          <a:bodyPr wrap="square" lIns="243791" tIns="91422" rIns="243791" bIns="91422" rtlCol="0">
+            <a:spAutoFit/>
+          </a:bodyPr>
+          <a:lstStyle/>
+          <a:p>
+            <a:pPr algn="r">
+              <a:lnSpc>
+                <a:spcPct val="90000"/>
+              </a:lnSpc>
+              <a:spcBef>
+                <a:spcPts val="2134"/>
+              </a:spcBef>
+            </a:pPr>
+            <a:r>
+              <a:rPr lang="en-US" sz="2400">
+                <a:solidFill>
+                  <a:srgbClr val="4D4D4D"/>
+                </a:solidFill>
+                <a:cs typeface="Lato Light"/>
+              </a:rPr>
+              <a:t>Workstations</a:t>
+            </a:r>
+            <a:endParaRPr lang="en-US" sz="2400" dirty="0">
+              <a:solidFill>
+                <a:srgbClr val="4D4D4D"/>
+              </a:solidFill>
+              <a:cs typeface="Lato Light"/>
+            </a:endParaRPr>
+          </a:p>
+        </p:txBody>
+      </p:sp>
+      <p:sp>
+        <p:nvSpPr>
+          <p:cNvPr id="24" name="TextBox 23">
+            <a:extLst>
+              <a:ext uri="{FF2B5EF4-FFF2-40B4-BE49-F238E27FC236}">
+                <a16:creationId xmlns:a16="http://schemas.microsoft.com/office/drawing/2014/main" id="{8A36327E-1820-43E3-9996-1C119EB929D2}"/>
+              </a:ext>
+            </a:extLst>
+          </p:cNvPr>
+          <p:cNvSpPr txBox="1"/>
+          <p:nvPr/>
+        </p:nvSpPr>
+        <p:spPr>
+          <a:xfrm>
+            <a:off x="11423883" y="1553507"/>
+            <a:ext cx="1529883" cy="517028"/>
+          </a:xfrm>
+          <a:prstGeom prst="rect">
+            <a:avLst/>
+          </a:prstGeom>
+          <a:noFill/>
+        </p:spPr>
+        <p:txBody>
+          <a:bodyPr wrap="square" lIns="243791" tIns="91422" rIns="243791" bIns="91422" rtlCol="0">
+            <a:spAutoFit/>
+          </a:bodyPr>
+          <a:lstStyle/>
+          <a:p>
+            <a:pPr algn="r">
+              <a:lnSpc>
+                <a:spcPct val="90000"/>
+              </a:lnSpc>
+              <a:spcBef>
+                <a:spcPts val="2134"/>
+              </a:spcBef>
+            </a:pPr>
+            <a:r>
+              <a:rPr lang="en-US" sz="2400" dirty="0">
+                <a:solidFill>
+                  <a:srgbClr val="4D4D4D"/>
+                </a:solidFill>
                 <a:latin typeface="Lato Light"/>
                 <a:cs typeface="Lato Light"/>
               </a:rPr>
-              <a:t>Queues - Overview</a:t>
+              <a:t>Per day</a:t>
             </a:r>
+          </a:p>
+        </p:txBody>
+      </p:sp>
+      <p:sp>
+        <p:nvSpPr>
+          <p:cNvPr id="20" name="TextBox 19">
+            <a:extLst>
+              <a:ext uri="{FF2B5EF4-FFF2-40B4-BE49-F238E27FC236}">
+                <a16:creationId xmlns:a16="http://schemas.microsoft.com/office/drawing/2014/main" id="{AE403E1A-98EF-4F68-9851-97F19A0770E3}"/>
+              </a:ext>
+            </a:extLst>
+          </p:cNvPr>
+          <p:cNvSpPr txBox="1"/>
+          <p:nvPr/>
+        </p:nvSpPr>
+        <p:spPr>
+          <a:xfrm>
+            <a:off x="8079318" y="2326644"/>
+            <a:ext cx="2016013" cy="517028"/>
+          </a:xfrm>
+          <a:prstGeom prst="rect">
+            <a:avLst/>
+          </a:prstGeom>
+          <a:noFill/>
+        </p:spPr>
+        <p:txBody>
+          <a:bodyPr wrap="square" lIns="243791" tIns="91422" rIns="243791" bIns="91422" rtlCol="0">
+            <a:spAutoFit/>
+          </a:bodyPr>
+          <a:lstStyle/>
+          <a:p>
+            <a:pPr algn="ctr">
+              <a:lnSpc>
+                <a:spcPct val="90000"/>
+              </a:lnSpc>
+              <a:spcBef>
+                <a:spcPts val="2134"/>
+              </a:spcBef>
+            </a:pPr>
+            <a:r>
+              <a:rPr lang="en-US" sz="2400" dirty="0">
+                <a:solidFill>
+                  <a:srgbClr val="4D4D4D"/>
+                </a:solidFill>
+                <a:latin typeface="Lato Light"/>
+                <a:cs typeface="Lato Light"/>
+              </a:rPr>
+              <a:t>Paper Size</a:t>
+            </a:r>
+          </a:p>
+        </p:txBody>
+      </p:sp>
+      <p:sp>
+        <p:nvSpPr>
+          <p:cNvPr id="25" name="TextBox 24">
+            <a:extLst>
+              <a:ext uri="{FF2B5EF4-FFF2-40B4-BE49-F238E27FC236}">
+                <a16:creationId xmlns:a16="http://schemas.microsoft.com/office/drawing/2014/main" id="{B2A3DF0A-4D35-4B9A-8618-665328380448}"/>
+              </a:ext>
+            </a:extLst>
+          </p:cNvPr>
+          <p:cNvSpPr txBox="1"/>
+          <p:nvPr/>
+        </p:nvSpPr>
+        <p:spPr>
+          <a:xfrm>
+            <a:off x="-488624" y="8394066"/>
+            <a:ext cx="2989165" cy="517028"/>
+          </a:xfrm>
+          <a:prstGeom prst="rect">
+            <a:avLst/>
+          </a:prstGeom>
+          <a:noFill/>
+        </p:spPr>
+        <p:txBody>
+          <a:bodyPr wrap="square" lIns="243791" tIns="91422" rIns="243791" bIns="91422" rtlCol="0">
+            <a:spAutoFit/>
+          </a:bodyPr>
+          <a:lstStyle/>
+          <a:p>
+            <a:pPr algn="r">
+              <a:lnSpc>
+                <a:spcPct val="90000"/>
+              </a:lnSpc>
+              <a:spcBef>
+                <a:spcPts val="2134"/>
+              </a:spcBef>
+            </a:pPr>
+            <a:r>
+              <a:rPr lang="en-US" sz="2400" dirty="0">
+                <a:solidFill>
+                  <a:srgbClr val="4D4D4D"/>
+                </a:solidFill>
+                <a:latin typeface="Lato Light"/>
+                <a:cs typeface="Lato Light"/>
+              </a:rPr>
+              <a:t>Total Sheets</a:t>
+            </a:r>
+          </a:p>
+        </p:txBody>
+      </p:sp>
+      <p:sp>
+        <p:nvSpPr>
+          <p:cNvPr id="23" name="Text Placeholder 2">
+            <a:extLst>
+              <a:ext uri="{FF2B5EF4-FFF2-40B4-BE49-F238E27FC236}">
+                <a16:creationId xmlns:a16="http://schemas.microsoft.com/office/drawing/2014/main" id="{99ABAAAA-8C7C-4A1A-9C77-7FF06C773C7E}"/>
+              </a:ext>
+            </a:extLst>
+          </p:cNvPr>
+          <p:cNvSpPr txBox="1">
+            <a:spLocks/>
+          </p:cNvSpPr>
+          <p:nvPr/>
+        </p:nvSpPr>
+        <p:spPr>
+          <a:xfrm>
+            <a:off x="10133545" y="5115180"/>
+            <a:ext cx="4159250" cy="4159250"/>
+          </a:xfrm>
+          <a:prstGeom prst="rect">
+            <a:avLst/>
+          </a:prstGeom>
+        </p:spPr>
+        <p:txBody>
+          <a:bodyPr anchor="ctr" anchorCtr="1"/>
+          <a:lstStyle>
+            <a:lvl1pPr marL="0" indent="0" algn="l" defTabSz="1828434" rtl="0" eaLnBrk="1" latinLnBrk="0" hangingPunct="1">
+              <a:lnSpc>
+                <a:spcPct val="90000"/>
+              </a:lnSpc>
+              <a:spcBef>
+                <a:spcPts val="2000"/>
+              </a:spcBef>
+              <a:buFont typeface="Arial" panose="020B0604020202020204" pitchFamily="34" charset="0"/>
+              <a:buNone/>
+              <a:defRPr lang="en-US" sz="4800" kern="1200" dirty="0" smtClean="0">
+                <a:solidFill>
+                  <a:schemeClr val="tx1"/>
+                </a:solidFill>
+                <a:effectLst/>
+                <a:latin typeface="Lato Light"/>
+                <a:ea typeface="+mn-ea"/>
+                <a:cs typeface="Lato Light"/>
+              </a:defRPr>
+            </a:lvl1pPr>
+            <a:lvl2pPr marL="914217" indent="0" algn="l" defTabSz="1828434" rtl="0" eaLnBrk="1" latinLnBrk="0" hangingPunct="1">
+              <a:lnSpc>
+                <a:spcPct val="90000"/>
+              </a:lnSpc>
+              <a:spcBef>
+                <a:spcPts val="1000"/>
+              </a:spcBef>
+              <a:buFont typeface="Arial" panose="020B0604020202020204" pitchFamily="34" charset="0"/>
+              <a:buNone/>
+              <a:defRPr lang="en-US" sz="4000" kern="1200" dirty="0" smtClean="0">
+                <a:solidFill>
+                  <a:schemeClr val="tx1"/>
+                </a:solidFill>
+                <a:effectLst/>
+                <a:latin typeface="Lato Light"/>
+                <a:ea typeface="+mn-ea"/>
+                <a:cs typeface="Lato Light"/>
+              </a:defRPr>
+            </a:lvl2pPr>
+            <a:lvl3pPr marL="1828434" indent="0" algn="l" defTabSz="1828434" rtl="0" eaLnBrk="1" latinLnBrk="0" hangingPunct="1">
+              <a:lnSpc>
+                <a:spcPct val="90000"/>
+              </a:lnSpc>
+              <a:spcBef>
+                <a:spcPts val="1000"/>
+              </a:spcBef>
+              <a:buFont typeface="Arial" panose="020B0604020202020204" pitchFamily="34" charset="0"/>
+              <a:buNone/>
+              <a:defRPr lang="en-US" sz="3600" kern="1200" dirty="0" smtClean="0">
+                <a:solidFill>
+                  <a:schemeClr val="tx1"/>
+                </a:solidFill>
+                <a:effectLst/>
+                <a:latin typeface="Lato Light"/>
+                <a:ea typeface="+mn-ea"/>
+                <a:cs typeface="Lato Light"/>
+              </a:defRPr>
+            </a:lvl3pPr>
+            <a:lvl4pPr marL="2742651" indent="0" algn="l" defTabSz="1828434" rtl="0" eaLnBrk="1" latinLnBrk="0" hangingPunct="1">
+              <a:lnSpc>
+                <a:spcPct val="90000"/>
+              </a:lnSpc>
+              <a:spcBef>
+                <a:spcPts val="1000"/>
+              </a:spcBef>
+              <a:buFont typeface="Arial" panose="020B0604020202020204" pitchFamily="34" charset="0"/>
+              <a:buNone/>
+              <a:defRPr lang="en-US" sz="3200" kern="1200" dirty="0" smtClean="0">
+                <a:solidFill>
+                  <a:schemeClr val="tx1"/>
+                </a:solidFill>
+                <a:effectLst/>
+                <a:latin typeface="Lato Light"/>
+                <a:ea typeface="+mn-ea"/>
+                <a:cs typeface="Lato Light"/>
+              </a:defRPr>
+            </a:lvl4pPr>
+            <a:lvl5pPr marL="3656868" indent="0" algn="l" defTabSz="1828434" rtl="0" eaLnBrk="1" latinLnBrk="0" hangingPunct="1">
+              <a:lnSpc>
+                <a:spcPct val="90000"/>
+              </a:lnSpc>
+              <a:spcBef>
+                <a:spcPts val="1000"/>
+              </a:spcBef>
+              <a:buFont typeface="Arial" panose="020B0604020202020204" pitchFamily="34" charset="0"/>
+              <a:buNone/>
+              <a:defRPr lang="en-US" sz="3200" kern="1200" dirty="0">
+                <a:solidFill>
+                  <a:schemeClr val="tx1"/>
+                </a:solidFill>
+                <a:effectLst/>
+                <a:latin typeface="Lato Light"/>
+                <a:ea typeface="+mn-ea"/>
+                <a:cs typeface="Lato Light"/>
+              </a:defRPr>
+            </a:lvl5pPr>
+            <a:lvl6pPr marL="5028194" indent="-457109" algn="l" defTabSz="1828434" rtl="0" eaLnBrk="1" latinLnBrk="0" hangingPunct="1">
+              <a:lnSpc>
+                <a:spcPct val="90000"/>
+              </a:lnSpc>
+              <a:spcBef>
+                <a:spcPts val="1000"/>
+              </a:spcBef>
+              <a:buFont typeface="Arial" panose="020B0604020202020204" pitchFamily="34" charset="0"/>
+              <a:buChar char="•"/>
+              <a:defRPr sz="3600" kern="1200">
+                <a:solidFill>
+                  <a:schemeClr val="tx1"/>
+                </a:solidFill>
+                <a:latin typeface="+mn-lt"/>
+                <a:ea typeface="+mn-ea"/>
+                <a:cs typeface="+mn-cs"/>
+              </a:defRPr>
+            </a:lvl6pPr>
+            <a:lvl7pPr marL="5942411" indent="-457109" algn="l" defTabSz="1828434" rtl="0" eaLnBrk="1" latinLnBrk="0" hangingPunct="1">
+              <a:lnSpc>
+                <a:spcPct val="90000"/>
+              </a:lnSpc>
+              <a:spcBef>
+                <a:spcPts val="1000"/>
+              </a:spcBef>
+              <a:buFont typeface="Arial" panose="020B0604020202020204" pitchFamily="34" charset="0"/>
+              <a:buChar char="•"/>
+              <a:defRPr sz="3600" kern="1200">
+                <a:solidFill>
+                  <a:schemeClr val="tx1"/>
+                </a:solidFill>
+                <a:latin typeface="+mn-lt"/>
+                <a:ea typeface="+mn-ea"/>
+                <a:cs typeface="+mn-cs"/>
+              </a:defRPr>
+            </a:lvl7pPr>
+            <a:lvl8pPr marL="6856628" indent="-457109" algn="l" defTabSz="1828434" rtl="0" eaLnBrk="1" latinLnBrk="0" hangingPunct="1">
+              <a:lnSpc>
+                <a:spcPct val="90000"/>
+              </a:lnSpc>
+              <a:spcBef>
+                <a:spcPts val="1000"/>
+              </a:spcBef>
+              <a:buFont typeface="Arial" panose="020B0604020202020204" pitchFamily="34" charset="0"/>
+              <a:buChar char="•"/>
+              <a:defRPr sz="3600" kern="1200">
+                <a:solidFill>
+                  <a:schemeClr val="tx1"/>
+                </a:solidFill>
+                <a:latin typeface="+mn-lt"/>
+                <a:ea typeface="+mn-ea"/>
+                <a:cs typeface="+mn-cs"/>
+              </a:defRPr>
+            </a:lvl8pPr>
+            <a:lvl9pPr marL="7770846" indent="-457109" algn="l" defTabSz="1828434" rtl="0" eaLnBrk="1" latinLnBrk="0" hangingPunct="1">
+              <a:lnSpc>
+                <a:spcPct val="90000"/>
+              </a:lnSpc>
+              <a:spcBef>
+                <a:spcPts val="1000"/>
+              </a:spcBef>
+              <a:buFont typeface="Arial" panose="020B0604020202020204" pitchFamily="34" charset="0"/>
+              <a:buChar char="•"/>
+              <a:defRPr sz="3600" kern="1200">
+                <a:solidFill>
+                  <a:schemeClr val="tx1"/>
+                </a:solidFill>
+                <a:latin typeface="+mn-lt"/>
+                <a:ea typeface="+mn-ea"/>
+                <a:cs typeface="+mn-cs"/>
+              </a:defRPr>
+            </a:lvl9pPr>
+          </a:lstStyle>
+          <a:p>
+            <a:r>
+              <a:rPr lang="nb-NO" sz="19900" dirty="0">
+                <a:solidFill>
+                  <a:srgbClr val="4D4D4D"/>
+                </a:solidFill>
+                <a:latin typeface="icons" panose="02000509000000000000" pitchFamily="49" charset="0"/>
+              </a:rPr>
+              <a:t>6</a:t>
+            </a:r>
+            <a:endParaRPr lang="nb-NO" sz="71400" dirty="0">
+              <a:solidFill>
+                <a:srgbClr val="4D4D4D"/>
+              </a:solidFill>
+            </a:endParaRPr>
           </a:p>
         </p:txBody>
       </p:sp>
       <p:cxnSp>
         <p:nvCxnSpPr>
-          <p:cNvPr id="7" name="Straight Connector 6">
+          <p:cNvPr id="26" name="Straight Connector 25">
             <a:extLst>
               <a:ext uri="{FF2B5EF4-FFF2-40B4-BE49-F238E27FC236}">
-                <a16:creationId xmlns:a16="http://schemas.microsoft.com/office/drawing/2014/main" id="{EE169823-7EE0-4E97-9F46-FCE273CAF355}"/>
+                <a16:creationId xmlns:a16="http://schemas.microsoft.com/office/drawing/2014/main" id="{7BFEC2E0-0EB6-4BF0-A7AC-89811187E19A}"/>
               </a:ext>
             </a:extLst>
           </p:cNvPr>
@@ -2416,10 +2888,211 @@
           </a:fontRef>
         </p:style>
       </p:cxnSp>
+      <p:sp>
+        <p:nvSpPr>
+          <p:cNvPr id="28" name="TextBox 27">
+            <a:extLst>
+              <a:ext uri="{FF2B5EF4-FFF2-40B4-BE49-F238E27FC236}">
+                <a16:creationId xmlns:a16="http://schemas.microsoft.com/office/drawing/2014/main" id="{B0ACC797-27DB-4524-8768-4343688BAFE6}"/>
+              </a:ext>
+            </a:extLst>
+          </p:cNvPr>
+          <p:cNvSpPr txBox="1"/>
+          <p:nvPr/>
+        </p:nvSpPr>
+        <p:spPr>
+          <a:xfrm>
+            <a:off x="4283814" y="2326644"/>
+            <a:ext cx="2949497" cy="517028"/>
+          </a:xfrm>
+          <a:prstGeom prst="rect">
+            <a:avLst/>
+          </a:prstGeom>
+          <a:noFill/>
+        </p:spPr>
+        <p:txBody>
+          <a:bodyPr wrap="square" lIns="243791" tIns="91422" rIns="243791" bIns="91422" rtlCol="0">
+            <a:spAutoFit/>
+          </a:bodyPr>
+          <a:lstStyle/>
+          <a:p>
+            <a:pPr algn="ctr">
+              <a:lnSpc>
+                <a:spcPct val="90000"/>
+              </a:lnSpc>
+              <a:spcBef>
+                <a:spcPts val="2134"/>
+              </a:spcBef>
+            </a:pPr>
+            <a:r>
+              <a:rPr lang="en-US" sz="2400" dirty="0">
+                <a:solidFill>
+                  <a:srgbClr val="4D4D4D"/>
+                </a:solidFill>
+                <a:latin typeface="Lato Light"/>
+                <a:cs typeface="Lato Light"/>
+              </a:rPr>
+              <a:t>Printed In Black</a:t>
+            </a:r>
+          </a:p>
+        </p:txBody>
+      </p:sp>
+      <p:sp>
+        <p:nvSpPr>
+          <p:cNvPr id="29" name="TextBox 28">
+            <a:extLst>
+              <a:ext uri="{FF2B5EF4-FFF2-40B4-BE49-F238E27FC236}">
+                <a16:creationId xmlns:a16="http://schemas.microsoft.com/office/drawing/2014/main" id="{2933E93D-41AF-4759-ACD9-37736C2E08DE}"/>
+              </a:ext>
+            </a:extLst>
+          </p:cNvPr>
+          <p:cNvSpPr txBox="1"/>
+          <p:nvPr/>
+        </p:nvSpPr>
+        <p:spPr>
+          <a:xfrm>
+            <a:off x="13991490" y="2332460"/>
+            <a:ext cx="2989165" cy="517028"/>
+          </a:xfrm>
+          <a:prstGeom prst="rect">
+            <a:avLst/>
+          </a:prstGeom>
+          <a:noFill/>
+        </p:spPr>
+        <p:txBody>
+          <a:bodyPr wrap="square" lIns="243791" tIns="91422" rIns="243791" bIns="91422" rtlCol="0">
+            <a:spAutoFit/>
+          </a:bodyPr>
+          <a:lstStyle/>
+          <a:p>
+            <a:pPr algn="ctr">
+              <a:lnSpc>
+                <a:spcPct val="90000"/>
+              </a:lnSpc>
+              <a:spcBef>
+                <a:spcPts val="2134"/>
+              </a:spcBef>
+            </a:pPr>
+            <a:r>
+              <a:rPr lang="en-US" sz="2400" dirty="0">
+                <a:solidFill>
+                  <a:srgbClr val="4D4D4D"/>
+                </a:solidFill>
+                <a:cs typeface="Lato Light"/>
+              </a:rPr>
+              <a:t>Secure Print</a:t>
+            </a:r>
+            <a:endParaRPr lang="en-US" sz="2400" dirty="0">
+              <a:solidFill>
+                <a:srgbClr val="4D4D4D"/>
+              </a:solidFill>
+              <a:latin typeface="Lato Light"/>
+            </a:endParaRPr>
+          </a:p>
+        </p:txBody>
+      </p:sp>
+      <p:sp>
+        <p:nvSpPr>
+          <p:cNvPr id="30" name="TextBox 29">
+            <a:extLst>
+              <a:ext uri="{FF2B5EF4-FFF2-40B4-BE49-F238E27FC236}">
+                <a16:creationId xmlns:a16="http://schemas.microsoft.com/office/drawing/2014/main" id="{9960A0ED-E745-4C9B-95F7-042B4283BC3B}"/>
+              </a:ext>
+            </a:extLst>
+          </p:cNvPr>
+          <p:cNvSpPr txBox="1"/>
+          <p:nvPr/>
+        </p:nvSpPr>
+        <p:spPr>
+          <a:xfrm>
+            <a:off x="21796596" y="2332460"/>
+            <a:ext cx="2016013" cy="517028"/>
+          </a:xfrm>
+          <a:prstGeom prst="rect">
+            <a:avLst/>
+          </a:prstGeom>
+          <a:noFill/>
+        </p:spPr>
+        <p:txBody>
+          <a:bodyPr wrap="square" lIns="243791" tIns="91422" rIns="243791" bIns="91422" rtlCol="0">
+            <a:spAutoFit/>
+          </a:bodyPr>
+          <a:lstStyle/>
+          <a:p>
+            <a:pPr algn="ctr">
+              <a:lnSpc>
+                <a:spcPct val="90000"/>
+              </a:lnSpc>
+              <a:spcBef>
+                <a:spcPts val="2134"/>
+              </a:spcBef>
+            </a:pPr>
+            <a:r>
+              <a:rPr lang="en-US" sz="2400" dirty="0">
+                <a:solidFill>
+                  <a:srgbClr val="4D4D4D"/>
+                </a:solidFill>
+                <a:latin typeface="Lato Light"/>
+                <a:cs typeface="Lato Light"/>
+              </a:rPr>
+              <a:t>Driver Type</a:t>
+            </a:r>
+          </a:p>
+        </p:txBody>
+      </p:sp>
+      <p:sp>
+        <p:nvSpPr>
+          <p:cNvPr id="31" name="TextBox 30">
+            <a:extLst>
+              <a:ext uri="{FF2B5EF4-FFF2-40B4-BE49-F238E27FC236}">
+                <a16:creationId xmlns:a16="http://schemas.microsoft.com/office/drawing/2014/main" id="{5D62C8D9-2965-4F36-8100-0919594BACB6}"/>
+              </a:ext>
+            </a:extLst>
+          </p:cNvPr>
+          <p:cNvSpPr txBox="1"/>
+          <p:nvPr/>
+        </p:nvSpPr>
+        <p:spPr>
+          <a:xfrm>
+            <a:off x="18053205" y="2332460"/>
+            <a:ext cx="2621312" cy="517028"/>
+          </a:xfrm>
+          <a:prstGeom prst="rect">
+            <a:avLst/>
+          </a:prstGeom>
+          <a:noFill/>
+        </p:spPr>
+        <p:txBody>
+          <a:bodyPr wrap="square" lIns="243791" tIns="91422" rIns="243791" bIns="91422" rtlCol="0">
+            <a:spAutoFit/>
+          </a:bodyPr>
+          <a:lstStyle/>
+          <a:p>
+            <a:pPr algn="ctr">
+              <a:lnSpc>
+                <a:spcPct val="90000"/>
+              </a:lnSpc>
+              <a:spcBef>
+                <a:spcPts val="2134"/>
+              </a:spcBef>
+            </a:pPr>
+            <a:r>
+              <a:rPr lang="en-US" sz="2400" dirty="0">
+                <a:solidFill>
+                  <a:srgbClr val="4D4D4D"/>
+                </a:solidFill>
+                <a:latin typeface="Lato Light"/>
+                <a:cs typeface="Lato Light"/>
+              </a:rPr>
+              <a:t>Job States</a:t>
+            </a:r>
+          </a:p>
+        </p:txBody>
+      </p:sp>
     </p:spTree>
     <p:extLst>
       <p:ext uri="{BB962C8B-B14F-4D97-AF65-F5344CB8AC3E}">
-        <p14:creationId xmlns:p14="http://schemas.microsoft.com/office/powerpoint/2010/main" val="826006346"/>
+        <p14:creationId xmlns:p14="http://schemas.microsoft.com/office/powerpoint/2010/main" val="3213131689"/>
       </p:ext>
     </p:extLst>
   </p:cSld>
@@ -2571,8 +3244,8 @@
         </p:nvSpPr>
         <p:spPr>
           <a:xfrm>
-            <a:off x="10334563" y="741286"/>
-            <a:ext cx="3831497" cy="830997"/>
+            <a:off x="9568228" y="741286"/>
+            <a:ext cx="5364162" cy="830997"/>
           </a:xfrm>
           <a:prstGeom prst="rect">
             <a:avLst/>
@@ -2587,14 +3260,14 @@
           <a:p>
             <a:pPr algn="ctr"/>
             <a:r>
-              <a:rPr lang="en-US" sz="4800">
+              <a:rPr lang="en-US" sz="4800" dirty="0">
                 <a:solidFill>
                   <a:srgbClr val="4D4D4D"/>
                 </a:solidFill>
                 <a:latin typeface="Lato Light"/>
                 <a:cs typeface="Lato Light"/>
               </a:rPr>
-              <a:t>Job – Historic</a:t>
+              <a:t>Queues - Overview</a:t>
             </a:r>
           </a:p>
         </p:txBody>
@@ -2643,7 +3316,7 @@
     </p:spTree>
     <p:extLst>
       <p:ext uri="{BB962C8B-B14F-4D97-AF65-F5344CB8AC3E}">
-        <p14:creationId xmlns:p14="http://schemas.microsoft.com/office/powerpoint/2010/main" val="921920859"/>
+        <p14:creationId xmlns:p14="http://schemas.microsoft.com/office/powerpoint/2010/main" val="826006346"/>
       </p:ext>
     </p:extLst>
   </p:cSld>
@@ -2795,6 +3468,230 @@
         </p:nvSpPr>
         <p:spPr>
           <a:xfrm>
+            <a:off x="10334563" y="741286"/>
+            <a:ext cx="3831497" cy="830997"/>
+          </a:xfrm>
+          <a:prstGeom prst="rect">
+            <a:avLst/>
+          </a:prstGeom>
+          <a:noFill/>
+        </p:spPr>
+        <p:txBody>
+          <a:bodyPr wrap="none" rtlCol="0">
+            <a:spAutoFit/>
+          </a:bodyPr>
+          <a:lstStyle/>
+          <a:p>
+            <a:pPr algn="ctr"/>
+            <a:r>
+              <a:rPr lang="en-US" sz="4800">
+                <a:solidFill>
+                  <a:srgbClr val="4D4D4D"/>
+                </a:solidFill>
+                <a:latin typeface="Lato Light"/>
+                <a:cs typeface="Lato Light"/>
+              </a:rPr>
+              <a:t>Job – Historic</a:t>
+            </a:r>
+          </a:p>
+        </p:txBody>
+      </p:sp>
+      <p:cxnSp>
+        <p:nvCxnSpPr>
+          <p:cNvPr id="7" name="Straight Connector 6">
+            <a:extLst>
+              <a:ext uri="{FF2B5EF4-FFF2-40B4-BE49-F238E27FC236}">
+                <a16:creationId xmlns:a16="http://schemas.microsoft.com/office/drawing/2014/main" id="{EE169823-7EE0-4E97-9F46-FCE273CAF355}"/>
+              </a:ext>
+            </a:extLst>
+          </p:cNvPr>
+          <p:cNvCxnSpPr/>
+          <p:nvPr/>
+        </p:nvCxnSpPr>
+        <p:spPr>
+          <a:xfrm rot="5400000">
+            <a:off x="12250307" y="1529002"/>
+            <a:ext cx="0" cy="1313401"/>
+          </a:xfrm>
+          <a:prstGeom prst="line">
+            <a:avLst/>
+          </a:prstGeom>
+          <a:ln w="38100" cmpd="sng">
+            <a:solidFill>
+              <a:srgbClr val="4D4D4D"/>
+            </a:solidFill>
+          </a:ln>
+        </p:spPr>
+        <p:style>
+          <a:lnRef idx="2">
+            <a:schemeClr val="accent1"/>
+          </a:lnRef>
+          <a:fillRef idx="0">
+            <a:schemeClr val="accent1"/>
+          </a:fillRef>
+          <a:effectRef idx="1">
+            <a:schemeClr val="accent1"/>
+          </a:effectRef>
+          <a:fontRef idx="minor">
+            <a:schemeClr val="tx1"/>
+          </a:fontRef>
+        </p:style>
+      </p:cxnSp>
+    </p:spTree>
+    <p:extLst>
+      <p:ext uri="{BB962C8B-B14F-4D97-AF65-F5344CB8AC3E}">
+        <p14:creationId xmlns:p14="http://schemas.microsoft.com/office/powerpoint/2010/main" val="921920859"/>
+      </p:ext>
+    </p:extLst>
+  </p:cSld>
+  <p:clrMapOvr>
+    <a:masterClrMapping/>
+  </p:clrMapOvr>
+  <p:transition spd="slow">
+    <p:push dir="u"/>
+  </p:transition>
+</p:sld>
+</file>
+
+<file path=ppt/slides/slide13.xml><?xml version="1.0" encoding="utf-8"?>
+<p:sld xmlns:a="http://schemas.openxmlformats.org/drawingml/2006/main" xmlns:r="http://schemas.openxmlformats.org/officeDocument/2006/relationships" xmlns:p="http://schemas.openxmlformats.org/presentationml/2006/main">
+  <p:cSld>
+    <p:spTree>
+      <p:nvGrpSpPr>
+        <p:cNvPr id="1" name=""/>
+        <p:cNvGrpSpPr/>
+        <p:nvPr/>
+      </p:nvGrpSpPr>
+      <p:grpSpPr>
+        <a:xfrm>
+          <a:off x="0" y="0"/>
+          <a:ext cx="0" cy="0"/>
+          <a:chOff x="0" y="0"/>
+          <a:chExt cx="0" cy="0"/>
+        </a:xfrm>
+      </p:grpSpPr>
+      <p:sp>
+        <p:nvSpPr>
+          <p:cNvPr id="44" name="Line 5"/>
+          <p:cNvSpPr>
+            <a:spLocks noChangeShapeType="1"/>
+          </p:cNvSpPr>
+          <p:nvPr/>
+        </p:nvSpPr>
+        <p:spPr bwMode="auto">
+          <a:xfrm>
+            <a:off x="1493979" y="-1748368"/>
+            <a:ext cx="0" cy="0"/>
+          </a:xfrm>
+          <a:prstGeom prst="line">
+            <a:avLst/>
+          </a:prstGeom>
+          <a:noFill/>
+          <a:ln>
+            <a:noFill/>
+          </a:ln>
+          <a:extLst>
+            <a:ext uri="{909E8E84-426E-40dd-AFC4-6F175D3DCCD1}">
+              <a14:hiddenFill xmlns:a14="http://schemas.microsoft.com/office/drawing/2010/main" xmlns="">
+                <a:noFill/>
+              </a14:hiddenFill>
+            </a:ext>
+            <a:ext uri="{91240B29-F687-4f45-9708-019B960494DF}">
+              <a14:hiddenLine xmlns:a14="http://schemas.microsoft.com/office/drawing/2010/main" xmlns="" w="9525">
+                <a:solidFill>
+                  <a:srgbClr val="000000"/>
+                </a:solidFill>
+                <a:round/>
+                <a:headEnd/>
+                <a:tailEnd/>
+              </a14:hiddenLine>
+            </a:ext>
+          </a:extLst>
+        </p:spPr>
+        <p:txBody>
+          <a:bodyPr vert="horz" wrap="square" lIns="243797" tIns="121899" rIns="243797" bIns="121899" numCol="1" anchor="t" anchorCtr="0" compatLnSpc="1">
+            <a:prstTxWarp prst="textNoShape">
+              <a:avLst/>
+            </a:prstTxWarp>
+          </a:bodyPr>
+          <a:lstStyle/>
+          <a:p>
+            <a:endParaRPr lang="en-US">
+              <a:solidFill>
+                <a:srgbClr val="4D4D4D"/>
+              </a:solidFill>
+            </a:endParaRPr>
+          </a:p>
+        </p:txBody>
+      </p:sp>
+      <p:sp>
+        <p:nvSpPr>
+          <p:cNvPr id="45" name="Line 6"/>
+          <p:cNvSpPr>
+            <a:spLocks noChangeShapeType="1"/>
+          </p:cNvSpPr>
+          <p:nvPr/>
+        </p:nvSpPr>
+        <p:spPr bwMode="auto">
+          <a:xfrm>
+            <a:off x="1493979" y="-1748368"/>
+            <a:ext cx="0" cy="0"/>
+          </a:xfrm>
+          <a:prstGeom prst="line">
+            <a:avLst/>
+          </a:prstGeom>
+          <a:noFill/>
+          <a:ln>
+            <a:noFill/>
+          </a:ln>
+          <a:extLst>
+            <a:ext uri="{909E8E84-426E-40dd-AFC4-6F175D3DCCD1}">
+              <a14:hiddenFill xmlns:a14="http://schemas.microsoft.com/office/drawing/2010/main" xmlns="">
+                <a:noFill/>
+              </a14:hiddenFill>
+            </a:ext>
+            <a:ext uri="{91240B29-F687-4f45-9708-019B960494DF}">
+              <a14:hiddenLine xmlns:a14="http://schemas.microsoft.com/office/drawing/2010/main" xmlns="" w="9525">
+                <a:solidFill>
+                  <a:srgbClr val="000000"/>
+                </a:solidFill>
+                <a:round/>
+                <a:headEnd/>
+                <a:tailEnd/>
+              </a14:hiddenLine>
+            </a:ext>
+          </a:extLst>
+        </p:spPr>
+        <p:txBody>
+          <a:bodyPr vert="horz" wrap="square" lIns="243797" tIns="121899" rIns="243797" bIns="121899" numCol="1" anchor="t" anchorCtr="0" compatLnSpc="1">
+            <a:prstTxWarp prst="textNoShape">
+              <a:avLst/>
+            </a:prstTxWarp>
+          </a:bodyPr>
+          <a:lstStyle/>
+          <a:p>
+            <a:endParaRPr lang="en-US">
+              <a:solidFill>
+                <a:srgbClr val="4D4D4D"/>
+              </a:solidFill>
+            </a:endParaRPr>
+          </a:p>
+        </p:txBody>
+      </p:sp>
+      <p:sp>
+        <p:nvSpPr>
+          <p:cNvPr id="5" name="TextBox 4">
+            <a:extLst>
+              <a:ext uri="{FF2B5EF4-FFF2-40B4-BE49-F238E27FC236}">
+                <a16:creationId xmlns:a16="http://schemas.microsoft.com/office/drawing/2014/main" id="{6A66EF5C-C181-4F39-85B0-64A3AF06C2E3}"/>
+              </a:ext>
+            </a:extLst>
+          </p:cNvPr>
+          <p:cNvSpPr txBox="1"/>
+          <p:nvPr/>
+        </p:nvSpPr>
+        <p:spPr>
+          <a:xfrm>
             <a:off x="9312648" y="741286"/>
             <a:ext cx="5875326" cy="830997"/>
           </a:xfrm>
@@ -2923,7 +3820,7 @@
 </p:sld>
 </file>
 
-<file path=ppt/slides/slide13.xml><?xml version="1.0" encoding="utf-8"?>
+<file path=ppt/slides/slide14.xml><?xml version="1.0" encoding="utf-8"?>
 <p:sld xmlns:a="http://schemas.openxmlformats.org/drawingml/2006/main" xmlns:r="http://schemas.openxmlformats.org/officeDocument/2006/relationships" xmlns:p="http://schemas.openxmlformats.org/presentationml/2006/main">
   <p:cSld>
     <p:spTree>
@@ -4230,7 +5127,7 @@
 </p:sld>
 </file>
 
-<file path=ppt/slides/slide14.xml><?xml version="1.0" encoding="utf-8"?>
+<file path=ppt/slides/slide15.xml><?xml version="1.0" encoding="utf-8"?>
 <p:sld xmlns:a="http://schemas.openxmlformats.org/drawingml/2006/main" xmlns:r="http://schemas.openxmlformats.org/officeDocument/2006/relationships" xmlns:p="http://schemas.openxmlformats.org/presentationml/2006/main">
   <p:cSld>
     <p:spTree>
@@ -10336,6 +11233,236 @@
       </p:grpSpPr>
       <p:sp>
         <p:nvSpPr>
+          <p:cNvPr id="44" name="Line 5"/>
+          <p:cNvSpPr>
+            <a:spLocks noChangeShapeType="1"/>
+          </p:cNvSpPr>
+          <p:nvPr/>
+        </p:nvSpPr>
+        <p:spPr bwMode="auto">
+          <a:xfrm>
+            <a:off x="1493979" y="-1748368"/>
+            <a:ext cx="0" cy="0"/>
+          </a:xfrm>
+          <a:prstGeom prst="line">
+            <a:avLst/>
+          </a:prstGeom>
+          <a:noFill/>
+          <a:ln>
+            <a:noFill/>
+          </a:ln>
+          <a:extLst>
+            <a:ext uri="{909E8E84-426E-40dd-AFC4-6F175D3DCCD1}">
+              <a14:hiddenFill xmlns:a14="http://schemas.microsoft.com/office/drawing/2010/main" xmlns="">
+                <a:noFill/>
+              </a14:hiddenFill>
+            </a:ext>
+            <a:ext uri="{91240B29-F687-4f45-9708-019B960494DF}">
+              <a14:hiddenLine xmlns:a14="http://schemas.microsoft.com/office/drawing/2010/main" xmlns="" w="9525">
+                <a:solidFill>
+                  <a:srgbClr val="000000"/>
+                </a:solidFill>
+                <a:round/>
+                <a:headEnd/>
+                <a:tailEnd/>
+              </a14:hiddenLine>
+            </a:ext>
+          </a:extLst>
+        </p:spPr>
+        <p:txBody>
+          <a:bodyPr vert="horz" wrap="square" lIns="243797" tIns="121899" rIns="243797" bIns="121899" numCol="1" anchor="t" anchorCtr="0" compatLnSpc="1">
+            <a:prstTxWarp prst="textNoShape">
+              <a:avLst/>
+            </a:prstTxWarp>
+          </a:bodyPr>
+          <a:lstStyle/>
+          <a:p>
+            <a:endParaRPr lang="en-US">
+              <a:solidFill>
+                <a:srgbClr val="4D4D4D"/>
+              </a:solidFill>
+            </a:endParaRPr>
+          </a:p>
+        </p:txBody>
+      </p:sp>
+      <p:sp>
+        <p:nvSpPr>
+          <p:cNvPr id="45" name="Line 6"/>
+          <p:cNvSpPr>
+            <a:spLocks noChangeShapeType="1"/>
+          </p:cNvSpPr>
+          <p:nvPr/>
+        </p:nvSpPr>
+        <p:spPr bwMode="auto">
+          <a:xfrm>
+            <a:off x="1493979" y="-1748368"/>
+            <a:ext cx="0" cy="0"/>
+          </a:xfrm>
+          <a:prstGeom prst="line">
+            <a:avLst/>
+          </a:prstGeom>
+          <a:noFill/>
+          <a:ln>
+            <a:noFill/>
+          </a:ln>
+          <a:extLst>
+            <a:ext uri="{909E8E84-426E-40dd-AFC4-6F175D3DCCD1}">
+              <a14:hiddenFill xmlns:a14="http://schemas.microsoft.com/office/drawing/2010/main" xmlns="">
+                <a:noFill/>
+              </a14:hiddenFill>
+            </a:ext>
+            <a:ext uri="{91240B29-F687-4f45-9708-019B960494DF}">
+              <a14:hiddenLine xmlns:a14="http://schemas.microsoft.com/office/drawing/2010/main" xmlns="" w="9525">
+                <a:solidFill>
+                  <a:srgbClr val="000000"/>
+                </a:solidFill>
+                <a:round/>
+                <a:headEnd/>
+                <a:tailEnd/>
+              </a14:hiddenLine>
+            </a:ext>
+          </a:extLst>
+        </p:spPr>
+        <p:txBody>
+          <a:bodyPr vert="horz" wrap="square" lIns="243797" tIns="121899" rIns="243797" bIns="121899" numCol="1" anchor="t" anchorCtr="0" compatLnSpc="1">
+            <a:prstTxWarp prst="textNoShape">
+              <a:avLst/>
+            </a:prstTxWarp>
+          </a:bodyPr>
+          <a:lstStyle/>
+          <a:p>
+            <a:endParaRPr lang="en-US">
+              <a:solidFill>
+                <a:srgbClr val="4D4D4D"/>
+              </a:solidFill>
+            </a:endParaRPr>
+          </a:p>
+        </p:txBody>
+      </p:sp>
+      <p:sp>
+        <p:nvSpPr>
+          <p:cNvPr id="5" name="TextBox 4">
+            <a:extLst>
+              <a:ext uri="{FF2B5EF4-FFF2-40B4-BE49-F238E27FC236}">
+                <a16:creationId xmlns:a16="http://schemas.microsoft.com/office/drawing/2014/main" id="{6A66EF5C-C181-4F39-85B0-64A3AF06C2E3}"/>
+              </a:ext>
+            </a:extLst>
+          </p:cNvPr>
+          <p:cNvSpPr txBox="1"/>
+          <p:nvPr/>
+        </p:nvSpPr>
+        <p:spPr>
+          <a:xfrm>
+            <a:off x="8977623" y="741286"/>
+            <a:ext cx="6545383" cy="830997"/>
+          </a:xfrm>
+          <a:prstGeom prst="rect">
+            <a:avLst/>
+          </a:prstGeom>
+          <a:noFill/>
+        </p:spPr>
+        <p:txBody>
+          <a:bodyPr wrap="none" rtlCol="0">
+            <a:spAutoFit/>
+          </a:bodyPr>
+          <a:lstStyle/>
+          <a:p>
+            <a:pPr algn="ctr"/>
+            <a:r>
+              <a:rPr lang="en-US" sz="4800" dirty="0">
+                <a:solidFill>
+                  <a:srgbClr val="4D4D4D"/>
+                </a:solidFill>
+                <a:cs typeface="Lato Light"/>
+              </a:rPr>
+              <a:t>Printers - Service Status</a:t>
+            </a:r>
+            <a:endParaRPr lang="en-US" sz="4800" dirty="0">
+              <a:solidFill>
+                <a:srgbClr val="4D4D4D"/>
+              </a:solidFill>
+              <a:latin typeface="Lato Light"/>
+              <a:cs typeface="Lato Light"/>
+            </a:endParaRPr>
+          </a:p>
+        </p:txBody>
+      </p:sp>
+      <p:cxnSp>
+        <p:nvCxnSpPr>
+          <p:cNvPr id="7" name="Straight Connector 6">
+            <a:extLst>
+              <a:ext uri="{FF2B5EF4-FFF2-40B4-BE49-F238E27FC236}">
+                <a16:creationId xmlns:a16="http://schemas.microsoft.com/office/drawing/2014/main" id="{EE169823-7EE0-4E97-9F46-FCE273CAF355}"/>
+              </a:ext>
+            </a:extLst>
+          </p:cNvPr>
+          <p:cNvCxnSpPr/>
+          <p:nvPr/>
+        </p:nvCxnSpPr>
+        <p:spPr>
+          <a:xfrm rot="5400000">
+            <a:off x="12250307" y="1529002"/>
+            <a:ext cx="0" cy="1313401"/>
+          </a:xfrm>
+          <a:prstGeom prst="line">
+            <a:avLst/>
+          </a:prstGeom>
+          <a:ln w="38100" cmpd="sng">
+            <a:solidFill>
+              <a:srgbClr val="4D4D4D"/>
+            </a:solidFill>
+          </a:ln>
+        </p:spPr>
+        <p:style>
+          <a:lnRef idx="2">
+            <a:schemeClr val="accent1"/>
+          </a:lnRef>
+          <a:fillRef idx="0">
+            <a:schemeClr val="accent1"/>
+          </a:fillRef>
+          <a:effectRef idx="1">
+            <a:schemeClr val="accent1"/>
+          </a:effectRef>
+          <a:fontRef idx="minor">
+            <a:schemeClr val="tx1"/>
+          </a:fontRef>
+        </p:style>
+      </p:cxnSp>
+    </p:spTree>
+    <p:extLst>
+      <p:ext uri="{BB962C8B-B14F-4D97-AF65-F5344CB8AC3E}">
+        <p14:creationId xmlns:p14="http://schemas.microsoft.com/office/powerpoint/2010/main" val="3443894100"/>
+      </p:ext>
+    </p:extLst>
+  </p:cSld>
+  <p:clrMapOvr>
+    <a:masterClrMapping/>
+  </p:clrMapOvr>
+  <p:transition spd="slow">
+    <p:push dir="u"/>
+  </p:transition>
+</p:sld>
+</file>
+
+<file path=ppt/slides/slide8.xml><?xml version="1.0" encoding="utf-8"?>
+<p:sld xmlns:a="http://schemas.openxmlformats.org/drawingml/2006/main" xmlns:r="http://schemas.openxmlformats.org/officeDocument/2006/relationships" xmlns:p="http://schemas.openxmlformats.org/presentationml/2006/main">
+  <p:cSld>
+    <p:spTree>
+      <p:nvGrpSpPr>
+        <p:cNvPr id="1" name=""/>
+        <p:cNvGrpSpPr/>
+        <p:nvPr/>
+      </p:nvGrpSpPr>
+      <p:grpSpPr>
+        <a:xfrm>
+          <a:off x="0" y="0"/>
+          <a:ext cx="0" cy="0"/>
+          <a:chOff x="0" y="0"/>
+          <a:chExt cx="0" cy="0"/>
+        </a:xfrm>
+      </p:grpSpPr>
+      <p:sp>
+        <p:nvSpPr>
           <p:cNvPr id="5" name="TextBox 4">
             <a:extLst>
               <a:ext uri="{FF2B5EF4-FFF2-40B4-BE49-F238E27FC236}">
@@ -11264,7 +12391,7 @@
 </p:sld>
 </file>
 
-<file path=ppt/slides/slide8.xml><?xml version="1.0" encoding="utf-8"?>
+<file path=ppt/slides/slide9.xml><?xml version="1.0" encoding="utf-8"?>
 <p:sld xmlns:a="http://schemas.openxmlformats.org/drawingml/2006/main" xmlns:r="http://schemas.openxmlformats.org/officeDocument/2006/relationships" xmlns:p="http://schemas.openxmlformats.org/presentationml/2006/main">
   <p:cSld>
     <p:spTree>
@@ -12555,897 +13682,6 @@
     <p:extLst>
       <p:ext uri="{BB962C8B-B14F-4D97-AF65-F5344CB8AC3E}">
         <p14:creationId xmlns:p14="http://schemas.microsoft.com/office/powerpoint/2010/main" val="146374151"/>
-      </p:ext>
-    </p:extLst>
-  </p:cSld>
-  <p:clrMapOvr>
-    <a:masterClrMapping/>
-  </p:clrMapOvr>
-  <p:transition spd="slow">
-    <p:push dir="u"/>
-  </p:transition>
-</p:sld>
-</file>
-
-<file path=ppt/slides/slide9.xml><?xml version="1.0" encoding="utf-8"?>
-<p:sld xmlns:a="http://schemas.openxmlformats.org/drawingml/2006/main" xmlns:r="http://schemas.openxmlformats.org/officeDocument/2006/relationships" xmlns:p="http://schemas.openxmlformats.org/presentationml/2006/main">
-  <p:cSld>
-    <p:spTree>
-      <p:nvGrpSpPr>
-        <p:cNvPr id="1" name=""/>
-        <p:cNvGrpSpPr/>
-        <p:nvPr/>
-      </p:nvGrpSpPr>
-      <p:grpSpPr>
-        <a:xfrm>
-          <a:off x="0" y="0"/>
-          <a:ext cx="0" cy="0"/>
-          <a:chOff x="0" y="0"/>
-          <a:chExt cx="0" cy="0"/>
-        </a:xfrm>
-      </p:grpSpPr>
-      <p:sp>
-        <p:nvSpPr>
-          <p:cNvPr id="44" name="Line 5"/>
-          <p:cNvSpPr>
-            <a:spLocks noChangeShapeType="1"/>
-          </p:cNvSpPr>
-          <p:nvPr/>
-        </p:nvSpPr>
-        <p:spPr bwMode="auto">
-          <a:xfrm>
-            <a:off x="1493979" y="-1748368"/>
-            <a:ext cx="0" cy="0"/>
-          </a:xfrm>
-          <a:prstGeom prst="line">
-            <a:avLst/>
-          </a:prstGeom>
-          <a:noFill/>
-          <a:ln>
-            <a:noFill/>
-          </a:ln>
-          <a:extLst>
-            <a:ext uri="{909E8E84-426E-40dd-AFC4-6F175D3DCCD1}">
-              <a14:hiddenFill xmlns:a14="http://schemas.microsoft.com/office/drawing/2010/main" xmlns="">
-                <a:noFill/>
-              </a14:hiddenFill>
-            </a:ext>
-            <a:ext uri="{91240B29-F687-4f45-9708-019B960494DF}">
-              <a14:hiddenLine xmlns:a14="http://schemas.microsoft.com/office/drawing/2010/main" xmlns="" w="9525">
-                <a:solidFill>
-                  <a:srgbClr val="000000"/>
-                </a:solidFill>
-                <a:round/>
-                <a:headEnd/>
-                <a:tailEnd/>
-              </a14:hiddenLine>
-            </a:ext>
-          </a:extLst>
-        </p:spPr>
-        <p:txBody>
-          <a:bodyPr vert="horz" wrap="square" lIns="243797" tIns="121899" rIns="243797" bIns="121899" numCol="1" anchor="t" anchorCtr="0" compatLnSpc="1">
-            <a:prstTxWarp prst="textNoShape">
-              <a:avLst/>
-            </a:prstTxWarp>
-          </a:bodyPr>
-          <a:lstStyle/>
-          <a:p>
-            <a:endParaRPr lang="en-US">
-              <a:solidFill>
-                <a:srgbClr val="4D4D4D"/>
-              </a:solidFill>
-            </a:endParaRPr>
-          </a:p>
-        </p:txBody>
-      </p:sp>
-      <p:sp>
-        <p:nvSpPr>
-          <p:cNvPr id="45" name="Line 6"/>
-          <p:cNvSpPr>
-            <a:spLocks noChangeShapeType="1"/>
-          </p:cNvSpPr>
-          <p:nvPr/>
-        </p:nvSpPr>
-        <p:spPr bwMode="auto">
-          <a:xfrm>
-            <a:off x="1493979" y="-1748368"/>
-            <a:ext cx="0" cy="0"/>
-          </a:xfrm>
-          <a:prstGeom prst="line">
-            <a:avLst/>
-          </a:prstGeom>
-          <a:noFill/>
-          <a:ln>
-            <a:noFill/>
-          </a:ln>
-          <a:extLst>
-            <a:ext uri="{909E8E84-426E-40dd-AFC4-6F175D3DCCD1}">
-              <a14:hiddenFill xmlns:a14="http://schemas.microsoft.com/office/drawing/2010/main" xmlns="">
-                <a:noFill/>
-              </a14:hiddenFill>
-            </a:ext>
-            <a:ext uri="{91240B29-F687-4f45-9708-019B960494DF}">
-              <a14:hiddenLine xmlns:a14="http://schemas.microsoft.com/office/drawing/2010/main" xmlns="" w="9525">
-                <a:solidFill>
-                  <a:srgbClr val="000000"/>
-                </a:solidFill>
-                <a:round/>
-                <a:headEnd/>
-                <a:tailEnd/>
-              </a14:hiddenLine>
-            </a:ext>
-          </a:extLst>
-        </p:spPr>
-        <p:txBody>
-          <a:bodyPr vert="horz" wrap="square" lIns="243797" tIns="121899" rIns="243797" bIns="121899" numCol="1" anchor="t" anchorCtr="0" compatLnSpc="1">
-            <a:prstTxWarp prst="textNoShape">
-              <a:avLst/>
-            </a:prstTxWarp>
-          </a:bodyPr>
-          <a:lstStyle/>
-          <a:p>
-            <a:endParaRPr lang="en-US">
-              <a:solidFill>
-                <a:srgbClr val="4D4D4D"/>
-              </a:solidFill>
-            </a:endParaRPr>
-          </a:p>
-        </p:txBody>
-      </p:sp>
-      <p:sp>
-        <p:nvSpPr>
-          <p:cNvPr id="5" name="TextBox 4">
-            <a:extLst>
-              <a:ext uri="{FF2B5EF4-FFF2-40B4-BE49-F238E27FC236}">
-                <a16:creationId xmlns:a16="http://schemas.microsoft.com/office/drawing/2014/main" id="{6A66EF5C-C181-4F39-85B0-64A3AF06C2E3}"/>
-              </a:ext>
-            </a:extLst>
-          </p:cNvPr>
-          <p:cNvSpPr txBox="1"/>
-          <p:nvPr/>
-        </p:nvSpPr>
-        <p:spPr>
-          <a:xfrm>
-            <a:off x="9591571" y="738196"/>
-            <a:ext cx="5317481" cy="830997"/>
-          </a:xfrm>
-          <a:prstGeom prst="rect">
-            <a:avLst/>
-          </a:prstGeom>
-          <a:noFill/>
-        </p:spPr>
-        <p:txBody>
-          <a:bodyPr wrap="none" rtlCol="0">
-            <a:spAutoFit/>
-          </a:bodyPr>
-          <a:lstStyle/>
-          <a:p>
-            <a:pPr algn="ctr"/>
-            <a:r>
-              <a:rPr lang="en-US" sz="4800" dirty="0">
-                <a:solidFill>
-                  <a:srgbClr val="4D4D4D"/>
-                </a:solidFill>
-                <a:cs typeface="Lato Light"/>
-              </a:rPr>
-              <a:t>User – Print Details</a:t>
-            </a:r>
-          </a:p>
-        </p:txBody>
-      </p:sp>
-      <p:sp>
-        <p:nvSpPr>
-          <p:cNvPr id="27" name="TextBox 26">
-            <a:extLst>
-              <a:ext uri="{FF2B5EF4-FFF2-40B4-BE49-F238E27FC236}">
-                <a16:creationId xmlns:a16="http://schemas.microsoft.com/office/drawing/2014/main" id="{3A3344D4-F57B-4C8C-89C2-E4521BF1CAB3}"/>
-              </a:ext>
-            </a:extLst>
-          </p:cNvPr>
-          <p:cNvSpPr txBox="1"/>
-          <p:nvPr/>
-        </p:nvSpPr>
-        <p:spPr>
-          <a:xfrm>
-            <a:off x="347988" y="2326644"/>
-            <a:ext cx="2989165" cy="517028"/>
-          </a:xfrm>
-          <a:prstGeom prst="rect">
-            <a:avLst/>
-          </a:prstGeom>
-          <a:noFill/>
-        </p:spPr>
-        <p:txBody>
-          <a:bodyPr wrap="square" lIns="243791" tIns="91422" rIns="243791" bIns="91422" rtlCol="0">
-            <a:spAutoFit/>
-          </a:bodyPr>
-          <a:lstStyle/>
-          <a:p>
-            <a:pPr algn="ctr">
-              <a:lnSpc>
-                <a:spcPct val="90000"/>
-              </a:lnSpc>
-              <a:spcBef>
-                <a:spcPts val="2134"/>
-              </a:spcBef>
-            </a:pPr>
-            <a:r>
-              <a:rPr lang="en-US" sz="2400" dirty="0">
-                <a:solidFill>
-                  <a:srgbClr val="4D4D4D"/>
-                </a:solidFill>
-                <a:cs typeface="Lato Light"/>
-              </a:rPr>
-              <a:t>Printed 2-sided</a:t>
-            </a:r>
-            <a:endParaRPr lang="en-US" sz="2400" dirty="0">
-              <a:solidFill>
-                <a:srgbClr val="4D4D4D"/>
-              </a:solidFill>
-              <a:latin typeface="Lato Light"/>
-            </a:endParaRPr>
-          </a:p>
-        </p:txBody>
-      </p:sp>
-      <p:sp>
-        <p:nvSpPr>
-          <p:cNvPr id="114" name="TextBox 113">
-            <a:extLst>
-              <a:ext uri="{FF2B5EF4-FFF2-40B4-BE49-F238E27FC236}">
-                <a16:creationId xmlns:a16="http://schemas.microsoft.com/office/drawing/2014/main" id="{2A327888-FDAE-4BFF-9470-5E94C5B0315E}"/>
-              </a:ext>
-            </a:extLst>
-          </p:cNvPr>
-          <p:cNvSpPr txBox="1"/>
-          <p:nvPr/>
-        </p:nvSpPr>
-        <p:spPr>
-          <a:xfrm>
-            <a:off x="14292795" y="8394066"/>
-            <a:ext cx="2989165" cy="517028"/>
-          </a:xfrm>
-          <a:prstGeom prst="rect">
-            <a:avLst/>
-          </a:prstGeom>
-          <a:noFill/>
-        </p:spPr>
-        <p:txBody>
-          <a:bodyPr wrap="square" lIns="243791" tIns="91422" rIns="243791" bIns="91422" rtlCol="0">
-            <a:spAutoFit/>
-          </a:bodyPr>
-          <a:lstStyle/>
-          <a:p>
-            <a:pPr algn="r">
-              <a:lnSpc>
-                <a:spcPct val="90000"/>
-              </a:lnSpc>
-              <a:spcBef>
-                <a:spcPts val="2134"/>
-              </a:spcBef>
-            </a:pPr>
-            <a:r>
-              <a:rPr lang="en-US" sz="2400">
-                <a:solidFill>
-                  <a:srgbClr val="4D4D4D"/>
-                </a:solidFill>
-                <a:cs typeface="Lato Light"/>
-              </a:rPr>
-              <a:t>Workstations</a:t>
-            </a:r>
-            <a:endParaRPr lang="en-US" sz="2400" dirty="0">
-              <a:solidFill>
-                <a:srgbClr val="4D4D4D"/>
-              </a:solidFill>
-              <a:cs typeface="Lato Light"/>
-            </a:endParaRPr>
-          </a:p>
-        </p:txBody>
-      </p:sp>
-      <p:sp>
-        <p:nvSpPr>
-          <p:cNvPr id="24" name="TextBox 23">
-            <a:extLst>
-              <a:ext uri="{FF2B5EF4-FFF2-40B4-BE49-F238E27FC236}">
-                <a16:creationId xmlns:a16="http://schemas.microsoft.com/office/drawing/2014/main" id="{8A36327E-1820-43E3-9996-1C119EB929D2}"/>
-              </a:ext>
-            </a:extLst>
-          </p:cNvPr>
-          <p:cNvSpPr txBox="1"/>
-          <p:nvPr/>
-        </p:nvSpPr>
-        <p:spPr>
-          <a:xfrm>
-            <a:off x="11423883" y="1553507"/>
-            <a:ext cx="1529883" cy="517028"/>
-          </a:xfrm>
-          <a:prstGeom prst="rect">
-            <a:avLst/>
-          </a:prstGeom>
-          <a:noFill/>
-        </p:spPr>
-        <p:txBody>
-          <a:bodyPr wrap="square" lIns="243791" tIns="91422" rIns="243791" bIns="91422" rtlCol="0">
-            <a:spAutoFit/>
-          </a:bodyPr>
-          <a:lstStyle/>
-          <a:p>
-            <a:pPr algn="r">
-              <a:lnSpc>
-                <a:spcPct val="90000"/>
-              </a:lnSpc>
-              <a:spcBef>
-                <a:spcPts val="2134"/>
-              </a:spcBef>
-            </a:pPr>
-            <a:r>
-              <a:rPr lang="en-US" sz="2400" dirty="0">
-                <a:solidFill>
-                  <a:srgbClr val="4D4D4D"/>
-                </a:solidFill>
-                <a:latin typeface="Lato Light"/>
-                <a:cs typeface="Lato Light"/>
-              </a:rPr>
-              <a:t>Per day</a:t>
-            </a:r>
-          </a:p>
-        </p:txBody>
-      </p:sp>
-      <p:sp>
-        <p:nvSpPr>
-          <p:cNvPr id="20" name="TextBox 19">
-            <a:extLst>
-              <a:ext uri="{FF2B5EF4-FFF2-40B4-BE49-F238E27FC236}">
-                <a16:creationId xmlns:a16="http://schemas.microsoft.com/office/drawing/2014/main" id="{AE403E1A-98EF-4F68-9851-97F19A0770E3}"/>
-              </a:ext>
-            </a:extLst>
-          </p:cNvPr>
-          <p:cNvSpPr txBox="1"/>
-          <p:nvPr/>
-        </p:nvSpPr>
-        <p:spPr>
-          <a:xfrm>
-            <a:off x="8079318" y="2326644"/>
-            <a:ext cx="2016013" cy="517028"/>
-          </a:xfrm>
-          <a:prstGeom prst="rect">
-            <a:avLst/>
-          </a:prstGeom>
-          <a:noFill/>
-        </p:spPr>
-        <p:txBody>
-          <a:bodyPr wrap="square" lIns="243791" tIns="91422" rIns="243791" bIns="91422" rtlCol="0">
-            <a:spAutoFit/>
-          </a:bodyPr>
-          <a:lstStyle/>
-          <a:p>
-            <a:pPr algn="ctr">
-              <a:lnSpc>
-                <a:spcPct val="90000"/>
-              </a:lnSpc>
-              <a:spcBef>
-                <a:spcPts val="2134"/>
-              </a:spcBef>
-            </a:pPr>
-            <a:r>
-              <a:rPr lang="en-US" sz="2400" dirty="0">
-                <a:solidFill>
-                  <a:srgbClr val="4D4D4D"/>
-                </a:solidFill>
-                <a:latin typeface="Lato Light"/>
-                <a:cs typeface="Lato Light"/>
-              </a:rPr>
-              <a:t>Paper Size</a:t>
-            </a:r>
-          </a:p>
-        </p:txBody>
-      </p:sp>
-      <p:sp>
-        <p:nvSpPr>
-          <p:cNvPr id="25" name="TextBox 24">
-            <a:extLst>
-              <a:ext uri="{FF2B5EF4-FFF2-40B4-BE49-F238E27FC236}">
-                <a16:creationId xmlns:a16="http://schemas.microsoft.com/office/drawing/2014/main" id="{B2A3DF0A-4D35-4B9A-8618-665328380448}"/>
-              </a:ext>
-            </a:extLst>
-          </p:cNvPr>
-          <p:cNvSpPr txBox="1"/>
-          <p:nvPr/>
-        </p:nvSpPr>
-        <p:spPr>
-          <a:xfrm>
-            <a:off x="-488624" y="8394066"/>
-            <a:ext cx="2989165" cy="517028"/>
-          </a:xfrm>
-          <a:prstGeom prst="rect">
-            <a:avLst/>
-          </a:prstGeom>
-          <a:noFill/>
-        </p:spPr>
-        <p:txBody>
-          <a:bodyPr wrap="square" lIns="243791" tIns="91422" rIns="243791" bIns="91422" rtlCol="0">
-            <a:spAutoFit/>
-          </a:bodyPr>
-          <a:lstStyle/>
-          <a:p>
-            <a:pPr algn="r">
-              <a:lnSpc>
-                <a:spcPct val="90000"/>
-              </a:lnSpc>
-              <a:spcBef>
-                <a:spcPts val="2134"/>
-              </a:spcBef>
-            </a:pPr>
-            <a:r>
-              <a:rPr lang="en-US" sz="2400" dirty="0">
-                <a:solidFill>
-                  <a:srgbClr val="4D4D4D"/>
-                </a:solidFill>
-                <a:latin typeface="Lato Light"/>
-                <a:cs typeface="Lato Light"/>
-              </a:rPr>
-              <a:t>Total Sheets</a:t>
-            </a:r>
-          </a:p>
-        </p:txBody>
-      </p:sp>
-      <p:sp>
-        <p:nvSpPr>
-          <p:cNvPr id="23" name="Text Placeholder 2">
-            <a:extLst>
-              <a:ext uri="{FF2B5EF4-FFF2-40B4-BE49-F238E27FC236}">
-                <a16:creationId xmlns:a16="http://schemas.microsoft.com/office/drawing/2014/main" id="{99ABAAAA-8C7C-4A1A-9C77-7FF06C773C7E}"/>
-              </a:ext>
-            </a:extLst>
-          </p:cNvPr>
-          <p:cNvSpPr txBox="1">
-            <a:spLocks/>
-          </p:cNvSpPr>
-          <p:nvPr/>
-        </p:nvSpPr>
-        <p:spPr>
-          <a:xfrm>
-            <a:off x="10133545" y="5115180"/>
-            <a:ext cx="4159250" cy="4159250"/>
-          </a:xfrm>
-          <a:prstGeom prst="rect">
-            <a:avLst/>
-          </a:prstGeom>
-        </p:spPr>
-        <p:txBody>
-          <a:bodyPr anchor="ctr" anchorCtr="1"/>
-          <a:lstStyle>
-            <a:lvl1pPr marL="0" indent="0" algn="l" defTabSz="1828434" rtl="0" eaLnBrk="1" latinLnBrk="0" hangingPunct="1">
-              <a:lnSpc>
-                <a:spcPct val="90000"/>
-              </a:lnSpc>
-              <a:spcBef>
-                <a:spcPts val="2000"/>
-              </a:spcBef>
-              <a:buFont typeface="Arial" panose="020B0604020202020204" pitchFamily="34" charset="0"/>
-              <a:buNone/>
-              <a:defRPr lang="en-US" sz="4800" kern="1200" dirty="0" smtClean="0">
-                <a:solidFill>
-                  <a:schemeClr val="tx1"/>
-                </a:solidFill>
-                <a:effectLst/>
-                <a:latin typeface="Lato Light"/>
-                <a:ea typeface="+mn-ea"/>
-                <a:cs typeface="Lato Light"/>
-              </a:defRPr>
-            </a:lvl1pPr>
-            <a:lvl2pPr marL="914217" indent="0" algn="l" defTabSz="1828434" rtl="0" eaLnBrk="1" latinLnBrk="0" hangingPunct="1">
-              <a:lnSpc>
-                <a:spcPct val="90000"/>
-              </a:lnSpc>
-              <a:spcBef>
-                <a:spcPts val="1000"/>
-              </a:spcBef>
-              <a:buFont typeface="Arial" panose="020B0604020202020204" pitchFamily="34" charset="0"/>
-              <a:buNone/>
-              <a:defRPr lang="en-US" sz="4000" kern="1200" dirty="0" smtClean="0">
-                <a:solidFill>
-                  <a:schemeClr val="tx1"/>
-                </a:solidFill>
-                <a:effectLst/>
-                <a:latin typeface="Lato Light"/>
-                <a:ea typeface="+mn-ea"/>
-                <a:cs typeface="Lato Light"/>
-              </a:defRPr>
-            </a:lvl2pPr>
-            <a:lvl3pPr marL="1828434" indent="0" algn="l" defTabSz="1828434" rtl="0" eaLnBrk="1" latinLnBrk="0" hangingPunct="1">
-              <a:lnSpc>
-                <a:spcPct val="90000"/>
-              </a:lnSpc>
-              <a:spcBef>
-                <a:spcPts val="1000"/>
-              </a:spcBef>
-              <a:buFont typeface="Arial" panose="020B0604020202020204" pitchFamily="34" charset="0"/>
-              <a:buNone/>
-              <a:defRPr lang="en-US" sz="3600" kern="1200" dirty="0" smtClean="0">
-                <a:solidFill>
-                  <a:schemeClr val="tx1"/>
-                </a:solidFill>
-                <a:effectLst/>
-                <a:latin typeface="Lato Light"/>
-                <a:ea typeface="+mn-ea"/>
-                <a:cs typeface="Lato Light"/>
-              </a:defRPr>
-            </a:lvl3pPr>
-            <a:lvl4pPr marL="2742651" indent="0" algn="l" defTabSz="1828434" rtl="0" eaLnBrk="1" latinLnBrk="0" hangingPunct="1">
-              <a:lnSpc>
-                <a:spcPct val="90000"/>
-              </a:lnSpc>
-              <a:spcBef>
-                <a:spcPts val="1000"/>
-              </a:spcBef>
-              <a:buFont typeface="Arial" panose="020B0604020202020204" pitchFamily="34" charset="0"/>
-              <a:buNone/>
-              <a:defRPr lang="en-US" sz="3200" kern="1200" dirty="0" smtClean="0">
-                <a:solidFill>
-                  <a:schemeClr val="tx1"/>
-                </a:solidFill>
-                <a:effectLst/>
-                <a:latin typeface="Lato Light"/>
-                <a:ea typeface="+mn-ea"/>
-                <a:cs typeface="Lato Light"/>
-              </a:defRPr>
-            </a:lvl4pPr>
-            <a:lvl5pPr marL="3656868" indent="0" algn="l" defTabSz="1828434" rtl="0" eaLnBrk="1" latinLnBrk="0" hangingPunct="1">
-              <a:lnSpc>
-                <a:spcPct val="90000"/>
-              </a:lnSpc>
-              <a:spcBef>
-                <a:spcPts val="1000"/>
-              </a:spcBef>
-              <a:buFont typeface="Arial" panose="020B0604020202020204" pitchFamily="34" charset="0"/>
-              <a:buNone/>
-              <a:defRPr lang="en-US" sz="3200" kern="1200" dirty="0">
-                <a:solidFill>
-                  <a:schemeClr val="tx1"/>
-                </a:solidFill>
-                <a:effectLst/>
-                <a:latin typeface="Lato Light"/>
-                <a:ea typeface="+mn-ea"/>
-                <a:cs typeface="Lato Light"/>
-              </a:defRPr>
-            </a:lvl5pPr>
-            <a:lvl6pPr marL="5028194" indent="-457109" algn="l" defTabSz="1828434" rtl="0" eaLnBrk="1" latinLnBrk="0" hangingPunct="1">
-              <a:lnSpc>
-                <a:spcPct val="90000"/>
-              </a:lnSpc>
-              <a:spcBef>
-                <a:spcPts val="1000"/>
-              </a:spcBef>
-              <a:buFont typeface="Arial" panose="020B0604020202020204" pitchFamily="34" charset="0"/>
-              <a:buChar char="•"/>
-              <a:defRPr sz="3600" kern="1200">
-                <a:solidFill>
-                  <a:schemeClr val="tx1"/>
-                </a:solidFill>
-                <a:latin typeface="+mn-lt"/>
-                <a:ea typeface="+mn-ea"/>
-                <a:cs typeface="+mn-cs"/>
-              </a:defRPr>
-            </a:lvl6pPr>
-            <a:lvl7pPr marL="5942411" indent="-457109" algn="l" defTabSz="1828434" rtl="0" eaLnBrk="1" latinLnBrk="0" hangingPunct="1">
-              <a:lnSpc>
-                <a:spcPct val="90000"/>
-              </a:lnSpc>
-              <a:spcBef>
-                <a:spcPts val="1000"/>
-              </a:spcBef>
-              <a:buFont typeface="Arial" panose="020B0604020202020204" pitchFamily="34" charset="0"/>
-              <a:buChar char="•"/>
-              <a:defRPr sz="3600" kern="1200">
-                <a:solidFill>
-                  <a:schemeClr val="tx1"/>
-                </a:solidFill>
-                <a:latin typeface="+mn-lt"/>
-                <a:ea typeface="+mn-ea"/>
-                <a:cs typeface="+mn-cs"/>
-              </a:defRPr>
-            </a:lvl7pPr>
-            <a:lvl8pPr marL="6856628" indent="-457109" algn="l" defTabSz="1828434" rtl="0" eaLnBrk="1" latinLnBrk="0" hangingPunct="1">
-              <a:lnSpc>
-                <a:spcPct val="90000"/>
-              </a:lnSpc>
-              <a:spcBef>
-                <a:spcPts val="1000"/>
-              </a:spcBef>
-              <a:buFont typeface="Arial" panose="020B0604020202020204" pitchFamily="34" charset="0"/>
-              <a:buChar char="•"/>
-              <a:defRPr sz="3600" kern="1200">
-                <a:solidFill>
-                  <a:schemeClr val="tx1"/>
-                </a:solidFill>
-                <a:latin typeface="+mn-lt"/>
-                <a:ea typeface="+mn-ea"/>
-                <a:cs typeface="+mn-cs"/>
-              </a:defRPr>
-            </a:lvl8pPr>
-            <a:lvl9pPr marL="7770846" indent="-457109" algn="l" defTabSz="1828434" rtl="0" eaLnBrk="1" latinLnBrk="0" hangingPunct="1">
-              <a:lnSpc>
-                <a:spcPct val="90000"/>
-              </a:lnSpc>
-              <a:spcBef>
-                <a:spcPts val="1000"/>
-              </a:spcBef>
-              <a:buFont typeface="Arial" panose="020B0604020202020204" pitchFamily="34" charset="0"/>
-              <a:buChar char="•"/>
-              <a:defRPr sz="3600" kern="1200">
-                <a:solidFill>
-                  <a:schemeClr val="tx1"/>
-                </a:solidFill>
-                <a:latin typeface="+mn-lt"/>
-                <a:ea typeface="+mn-ea"/>
-                <a:cs typeface="+mn-cs"/>
-              </a:defRPr>
-            </a:lvl9pPr>
-          </a:lstStyle>
-          <a:p>
-            <a:r>
-              <a:rPr lang="nb-NO" sz="19900" dirty="0">
-                <a:solidFill>
-                  <a:srgbClr val="4D4D4D"/>
-                </a:solidFill>
-                <a:latin typeface="icons" panose="02000509000000000000" pitchFamily="49" charset="0"/>
-              </a:rPr>
-              <a:t>6</a:t>
-            </a:r>
-            <a:endParaRPr lang="nb-NO" sz="71400" dirty="0">
-              <a:solidFill>
-                <a:srgbClr val="4D4D4D"/>
-              </a:solidFill>
-            </a:endParaRPr>
-          </a:p>
-        </p:txBody>
-      </p:sp>
-      <p:cxnSp>
-        <p:nvCxnSpPr>
-          <p:cNvPr id="26" name="Straight Connector 25">
-            <a:extLst>
-              <a:ext uri="{FF2B5EF4-FFF2-40B4-BE49-F238E27FC236}">
-                <a16:creationId xmlns:a16="http://schemas.microsoft.com/office/drawing/2014/main" id="{7BFEC2E0-0EB6-4BF0-A7AC-89811187E19A}"/>
-              </a:ext>
-            </a:extLst>
-          </p:cNvPr>
-          <p:cNvCxnSpPr/>
-          <p:nvPr/>
-        </p:nvCxnSpPr>
-        <p:spPr>
-          <a:xfrm rot="5400000">
-            <a:off x="12250307" y="1529002"/>
-            <a:ext cx="0" cy="1313401"/>
-          </a:xfrm>
-          <a:prstGeom prst="line">
-            <a:avLst/>
-          </a:prstGeom>
-          <a:ln w="38100" cmpd="sng">
-            <a:solidFill>
-              <a:srgbClr val="4D4D4D"/>
-            </a:solidFill>
-          </a:ln>
-        </p:spPr>
-        <p:style>
-          <a:lnRef idx="2">
-            <a:schemeClr val="accent1"/>
-          </a:lnRef>
-          <a:fillRef idx="0">
-            <a:schemeClr val="accent1"/>
-          </a:fillRef>
-          <a:effectRef idx="1">
-            <a:schemeClr val="accent1"/>
-          </a:effectRef>
-          <a:fontRef idx="minor">
-            <a:schemeClr val="tx1"/>
-          </a:fontRef>
-        </p:style>
-      </p:cxnSp>
-      <p:sp>
-        <p:nvSpPr>
-          <p:cNvPr id="28" name="TextBox 27">
-            <a:extLst>
-              <a:ext uri="{FF2B5EF4-FFF2-40B4-BE49-F238E27FC236}">
-                <a16:creationId xmlns:a16="http://schemas.microsoft.com/office/drawing/2014/main" id="{B0ACC797-27DB-4524-8768-4343688BAFE6}"/>
-              </a:ext>
-            </a:extLst>
-          </p:cNvPr>
-          <p:cNvSpPr txBox="1"/>
-          <p:nvPr/>
-        </p:nvSpPr>
-        <p:spPr>
-          <a:xfrm>
-            <a:off x="4283814" y="2326644"/>
-            <a:ext cx="2949497" cy="517028"/>
-          </a:xfrm>
-          <a:prstGeom prst="rect">
-            <a:avLst/>
-          </a:prstGeom>
-          <a:noFill/>
-        </p:spPr>
-        <p:txBody>
-          <a:bodyPr wrap="square" lIns="243791" tIns="91422" rIns="243791" bIns="91422" rtlCol="0">
-            <a:spAutoFit/>
-          </a:bodyPr>
-          <a:lstStyle/>
-          <a:p>
-            <a:pPr algn="ctr">
-              <a:lnSpc>
-                <a:spcPct val="90000"/>
-              </a:lnSpc>
-              <a:spcBef>
-                <a:spcPts val="2134"/>
-              </a:spcBef>
-            </a:pPr>
-            <a:r>
-              <a:rPr lang="en-US" sz="2400" dirty="0">
-                <a:solidFill>
-                  <a:srgbClr val="4D4D4D"/>
-                </a:solidFill>
-                <a:latin typeface="Lato Light"/>
-                <a:cs typeface="Lato Light"/>
-              </a:rPr>
-              <a:t>Printed In Black</a:t>
-            </a:r>
-          </a:p>
-        </p:txBody>
-      </p:sp>
-      <p:sp>
-        <p:nvSpPr>
-          <p:cNvPr id="29" name="TextBox 28">
-            <a:extLst>
-              <a:ext uri="{FF2B5EF4-FFF2-40B4-BE49-F238E27FC236}">
-                <a16:creationId xmlns:a16="http://schemas.microsoft.com/office/drawing/2014/main" id="{2933E93D-41AF-4759-ACD9-37736C2E08DE}"/>
-              </a:ext>
-            </a:extLst>
-          </p:cNvPr>
-          <p:cNvSpPr txBox="1"/>
-          <p:nvPr/>
-        </p:nvSpPr>
-        <p:spPr>
-          <a:xfrm>
-            <a:off x="13991490" y="2332460"/>
-            <a:ext cx="2989165" cy="517028"/>
-          </a:xfrm>
-          <a:prstGeom prst="rect">
-            <a:avLst/>
-          </a:prstGeom>
-          <a:noFill/>
-        </p:spPr>
-        <p:txBody>
-          <a:bodyPr wrap="square" lIns="243791" tIns="91422" rIns="243791" bIns="91422" rtlCol="0">
-            <a:spAutoFit/>
-          </a:bodyPr>
-          <a:lstStyle/>
-          <a:p>
-            <a:pPr algn="ctr">
-              <a:lnSpc>
-                <a:spcPct val="90000"/>
-              </a:lnSpc>
-              <a:spcBef>
-                <a:spcPts val="2134"/>
-              </a:spcBef>
-            </a:pPr>
-            <a:r>
-              <a:rPr lang="en-US" sz="2400" dirty="0">
-                <a:solidFill>
-                  <a:srgbClr val="4D4D4D"/>
-                </a:solidFill>
-                <a:cs typeface="Lato Light"/>
-              </a:rPr>
-              <a:t>Secure Print</a:t>
-            </a:r>
-            <a:endParaRPr lang="en-US" sz="2400" dirty="0">
-              <a:solidFill>
-                <a:srgbClr val="4D4D4D"/>
-              </a:solidFill>
-              <a:latin typeface="Lato Light"/>
-            </a:endParaRPr>
-          </a:p>
-        </p:txBody>
-      </p:sp>
-      <p:sp>
-        <p:nvSpPr>
-          <p:cNvPr id="30" name="TextBox 29">
-            <a:extLst>
-              <a:ext uri="{FF2B5EF4-FFF2-40B4-BE49-F238E27FC236}">
-                <a16:creationId xmlns:a16="http://schemas.microsoft.com/office/drawing/2014/main" id="{9960A0ED-E745-4C9B-95F7-042B4283BC3B}"/>
-              </a:ext>
-            </a:extLst>
-          </p:cNvPr>
-          <p:cNvSpPr txBox="1"/>
-          <p:nvPr/>
-        </p:nvSpPr>
-        <p:spPr>
-          <a:xfrm>
-            <a:off x="21796596" y="2332460"/>
-            <a:ext cx="2016013" cy="517028"/>
-          </a:xfrm>
-          <a:prstGeom prst="rect">
-            <a:avLst/>
-          </a:prstGeom>
-          <a:noFill/>
-        </p:spPr>
-        <p:txBody>
-          <a:bodyPr wrap="square" lIns="243791" tIns="91422" rIns="243791" bIns="91422" rtlCol="0">
-            <a:spAutoFit/>
-          </a:bodyPr>
-          <a:lstStyle/>
-          <a:p>
-            <a:pPr algn="ctr">
-              <a:lnSpc>
-                <a:spcPct val="90000"/>
-              </a:lnSpc>
-              <a:spcBef>
-                <a:spcPts val="2134"/>
-              </a:spcBef>
-            </a:pPr>
-            <a:r>
-              <a:rPr lang="en-US" sz="2400" dirty="0">
-                <a:solidFill>
-                  <a:srgbClr val="4D4D4D"/>
-                </a:solidFill>
-                <a:latin typeface="Lato Light"/>
-                <a:cs typeface="Lato Light"/>
-              </a:rPr>
-              <a:t>Driver Type</a:t>
-            </a:r>
-          </a:p>
-        </p:txBody>
-      </p:sp>
-      <p:sp>
-        <p:nvSpPr>
-          <p:cNvPr id="31" name="TextBox 30">
-            <a:extLst>
-              <a:ext uri="{FF2B5EF4-FFF2-40B4-BE49-F238E27FC236}">
-                <a16:creationId xmlns:a16="http://schemas.microsoft.com/office/drawing/2014/main" id="{5D62C8D9-2965-4F36-8100-0919594BACB6}"/>
-              </a:ext>
-            </a:extLst>
-          </p:cNvPr>
-          <p:cNvSpPr txBox="1"/>
-          <p:nvPr/>
-        </p:nvSpPr>
-        <p:spPr>
-          <a:xfrm>
-            <a:off x="18053205" y="2332460"/>
-            <a:ext cx="2621312" cy="517028"/>
-          </a:xfrm>
-          <a:prstGeom prst="rect">
-            <a:avLst/>
-          </a:prstGeom>
-          <a:noFill/>
-        </p:spPr>
-        <p:txBody>
-          <a:bodyPr wrap="square" lIns="243791" tIns="91422" rIns="243791" bIns="91422" rtlCol="0">
-            <a:spAutoFit/>
-          </a:bodyPr>
-          <a:lstStyle/>
-          <a:p>
-            <a:pPr algn="ctr">
-              <a:lnSpc>
-                <a:spcPct val="90000"/>
-              </a:lnSpc>
-              <a:spcBef>
-                <a:spcPts val="2134"/>
-              </a:spcBef>
-            </a:pPr>
-            <a:r>
-              <a:rPr lang="en-US" sz="2400" dirty="0">
-                <a:solidFill>
-                  <a:srgbClr val="4D4D4D"/>
-                </a:solidFill>
-                <a:latin typeface="Lato Light"/>
-                <a:cs typeface="Lato Light"/>
-              </a:rPr>
-              <a:t>Job States</a:t>
-            </a:r>
-          </a:p>
-        </p:txBody>
-      </p:sp>
-    </p:spTree>
-    <p:extLst>
-      <p:ext uri="{BB962C8B-B14F-4D97-AF65-F5344CB8AC3E}">
-        <p14:creationId xmlns:p14="http://schemas.microsoft.com/office/powerpoint/2010/main" val="3213131689"/>
       </p:ext>
     </p:extLst>
   </p:cSld>

--- a/PowerPoint/PrintixPowerBIDesign.pptx
+++ b/PowerPoint/PrintixPowerBIDesign.pptx
@@ -5,7 +5,7 @@
     <p:sldMasterId id="2147483648" r:id="rId1"/>
   </p:sldMasterIdLst>
   <p:notesMasterIdLst>
-    <p:notesMasterId r:id="rId17"/>
+    <p:notesMasterId r:id="rId18"/>
   </p:notesMasterIdLst>
   <p:sldIdLst>
     <p:sldId id="271" r:id="rId2"/>
@@ -23,6 +23,7 @@
     <p:sldId id="287" r:id="rId14"/>
     <p:sldId id="285" r:id="rId15"/>
     <p:sldId id="286" r:id="rId16"/>
+    <p:sldId id="295" r:id="rId17"/>
   </p:sldIdLst>
   <p:sldSz cx="24377650" cy="13716000"/>
   <p:notesSz cx="6858000" cy="9144000"/>
@@ -195,6 +196,11 @@
             <p14:sldId id="286"/>
           </p14:sldIdLst>
         </p14:section>
+        <p14:section name="Tree-o-Meter" id="{D0F766B6-94A1-4C78-B99A-4C0FB2C31D02}">
+          <p14:sldIdLst>
+            <p14:sldId id="295"/>
+          </p14:sldIdLst>
+        </p14:section>
       </p14:sectionLst>
     </p:ext>
     <p:ext uri="{EFAFB233-063F-42B5-8137-9DF3F51BA10A}">
@@ -320,7 +326,7 @@
             <a:fld id="{EFC10EE1-B198-C942-8235-326C972CBB30}" type="datetimeFigureOut">
               <a:rPr lang="en-US" smtClean="0"/>
               <a:pPr/>
-              <a:t>5/24/2019</a:t>
+              <a:t>11/6/2019</a:t>
             </a:fld>
             <a:endParaRPr lang="en-US" dirty="0"/>
           </a:p>
@@ -1362,7 +1368,7 @@
 
 <file path=ppt/slideLayouts/slideLayout3.xml><?xml version="1.0" encoding="utf-8"?>
 <p:sldLayout xmlns:a="http://schemas.openxmlformats.org/drawingml/2006/main" xmlns:r="http://schemas.openxmlformats.org/officeDocument/2006/relationships" xmlns:p="http://schemas.openxmlformats.org/presentationml/2006/main" preserve="1" userDrawn="1">
-  <p:cSld name="Mid_Circle">
+  <p:cSld name="1_Mid_Circle_2_Tentacles">
     <p:spTree>
       <p:nvGrpSpPr>
         <p:cNvPr id="1" name=""/>
@@ -1379,10 +1385,10 @@
       </p:grpSpPr>
       <p:sp>
         <p:nvSpPr>
-          <p:cNvPr id="3" name="Freeform 7">
+          <p:cNvPr id="2" name="Freeform 7">
             <a:extLst>
               <a:ext uri="{FF2B5EF4-FFF2-40B4-BE49-F238E27FC236}">
-                <a16:creationId xmlns:a16="http://schemas.microsoft.com/office/drawing/2014/main" id="{9FD8FDFE-8E5C-4D3B-90AB-ABD191886B79}"/>
+                <a16:creationId xmlns:a16="http://schemas.microsoft.com/office/drawing/2014/main" id="{5025AB6D-5B46-4096-AC78-589880BDE649}"/>
               </a:ext>
             </a:extLst>
           </p:cNvPr>
@@ -1505,6 +1511,521 @@
       </p:sp>
       <p:sp>
         <p:nvSpPr>
+          <p:cNvPr id="4" name="Freeform 44">
+            <a:extLst>
+              <a:ext uri="{FF2B5EF4-FFF2-40B4-BE49-F238E27FC236}">
+                <a16:creationId xmlns:a16="http://schemas.microsoft.com/office/drawing/2014/main" id="{A5CDC8E5-0C04-4276-A6EB-F0A1F8E08030}"/>
+              </a:ext>
+            </a:extLst>
+          </p:cNvPr>
+          <p:cNvSpPr>
+            <a:spLocks noChangeAspect="1"/>
+          </p:cNvSpPr>
+          <p:nvPr userDrawn="1"/>
+        </p:nvSpPr>
+        <p:spPr>
+          <a:xfrm rot="10800000" flipH="1">
+            <a:off x="13400674" y="8368604"/>
+            <a:ext cx="10621376" cy="649255"/>
+          </a:xfrm>
+          <a:custGeom>
+            <a:avLst/>
+            <a:gdLst>
+              <a:gd name="connsiteX0" fmla="*/ 0 w 3444240"/>
+              <a:gd name="connsiteY0" fmla="*/ 568960 h 568960"/>
+              <a:gd name="connsiteX1" fmla="*/ 690880 w 3444240"/>
+              <a:gd name="connsiteY1" fmla="*/ 0 h 568960"/>
+              <a:gd name="connsiteX2" fmla="*/ 3444240 w 3444240"/>
+              <a:gd name="connsiteY2" fmla="*/ 0 h 568960"/>
+              <a:gd name="connsiteX0" fmla="*/ 0 w 8425637"/>
+              <a:gd name="connsiteY0" fmla="*/ 568960 h 568960"/>
+              <a:gd name="connsiteX1" fmla="*/ 690880 w 8425637"/>
+              <a:gd name="connsiteY1" fmla="*/ 0 h 568960"/>
+              <a:gd name="connsiteX2" fmla="*/ 8425637 w 8425637"/>
+              <a:gd name="connsiteY2" fmla="*/ 27548 h 568960"/>
+            </a:gdLst>
+            <a:ahLst/>
+            <a:cxnLst>
+              <a:cxn ang="0">
+                <a:pos x="connsiteX0" y="connsiteY0"/>
+              </a:cxn>
+              <a:cxn ang="0">
+                <a:pos x="connsiteX1" y="connsiteY1"/>
+              </a:cxn>
+              <a:cxn ang="0">
+                <a:pos x="connsiteX2" y="connsiteY2"/>
+              </a:cxn>
+            </a:cxnLst>
+            <a:rect l="l" t="t" r="r" b="b"/>
+            <a:pathLst>
+              <a:path w="8425637" h="568960">
+                <a:moveTo>
+                  <a:pt x="0" y="568960"/>
+                </a:moveTo>
+                <a:lnTo>
+                  <a:pt x="690880" y="0"/>
+                </a:lnTo>
+                <a:lnTo>
+                  <a:pt x="8425637" y="27548"/>
+                </a:lnTo>
+              </a:path>
+            </a:pathLst>
+          </a:custGeom>
+          <a:ln w="6350" cmpd="sng">
+            <a:solidFill>
+              <a:schemeClr val="tx1">
+                <a:alpha val="50000"/>
+              </a:schemeClr>
+            </a:solidFill>
+            <a:headEnd type="none"/>
+            <a:tailEnd type="oval" w="lg" len="lg"/>
+          </a:ln>
+          <a:effectLst/>
+        </p:spPr>
+        <p:style>
+          <a:lnRef idx="2">
+            <a:schemeClr val="accent1"/>
+          </a:lnRef>
+          <a:fillRef idx="0">
+            <a:schemeClr val="accent1"/>
+          </a:fillRef>
+          <a:effectRef idx="1">
+            <a:schemeClr val="accent1"/>
+          </a:effectRef>
+          <a:fontRef idx="minor">
+            <a:schemeClr val="tx1"/>
+          </a:fontRef>
+        </p:style>
+        <p:txBody>
+          <a:bodyPr lIns="182843" tIns="91422" rIns="182843" bIns="91422" rtlCol="0" anchor="ctr"/>
+          <a:lstStyle/>
+          <a:p>
+            <a:pPr algn="ctr"/>
+            <a:endParaRPr lang="en-US" sz="6400" dirty="0">
+              <a:solidFill>
+                <a:srgbClr val="4D4D4D"/>
+              </a:solidFill>
+              <a:latin typeface="Lato Light"/>
+              <a:cs typeface="Lato Light"/>
+            </a:endParaRPr>
+          </a:p>
+        </p:txBody>
+      </p:sp>
+      <p:sp>
+        <p:nvSpPr>
+          <p:cNvPr id="6" name="Freeform 44">
+            <a:extLst>
+              <a:ext uri="{FF2B5EF4-FFF2-40B4-BE49-F238E27FC236}">
+                <a16:creationId xmlns:a16="http://schemas.microsoft.com/office/drawing/2014/main" id="{0A18740E-C5C8-49C1-88BA-FF7A6E64FE01}"/>
+              </a:ext>
+            </a:extLst>
+          </p:cNvPr>
+          <p:cNvSpPr/>
+          <p:nvPr userDrawn="1"/>
+        </p:nvSpPr>
+        <p:spPr>
+          <a:xfrm>
+            <a:off x="12594362" y="3176071"/>
+            <a:ext cx="11427688" cy="1763681"/>
+          </a:xfrm>
+          <a:custGeom>
+            <a:avLst/>
+            <a:gdLst>
+              <a:gd name="connsiteX0" fmla="*/ 0 w 3444240"/>
+              <a:gd name="connsiteY0" fmla="*/ 568960 h 568960"/>
+              <a:gd name="connsiteX1" fmla="*/ 690880 w 3444240"/>
+              <a:gd name="connsiteY1" fmla="*/ 0 h 568960"/>
+              <a:gd name="connsiteX2" fmla="*/ 3444240 w 3444240"/>
+              <a:gd name="connsiteY2" fmla="*/ 0 h 568960"/>
+              <a:gd name="connsiteX0" fmla="*/ 0 w 8425637"/>
+              <a:gd name="connsiteY0" fmla="*/ 568960 h 568960"/>
+              <a:gd name="connsiteX1" fmla="*/ 690880 w 8425637"/>
+              <a:gd name="connsiteY1" fmla="*/ 0 h 568960"/>
+              <a:gd name="connsiteX2" fmla="*/ 8425637 w 8425637"/>
+              <a:gd name="connsiteY2" fmla="*/ 27548 h 568960"/>
+              <a:gd name="connsiteX0" fmla="*/ 0 w 8863271"/>
+              <a:gd name="connsiteY0" fmla="*/ 1654073 h 1654073"/>
+              <a:gd name="connsiteX1" fmla="*/ 1128514 w 8863271"/>
+              <a:gd name="connsiteY1" fmla="*/ 0 h 1654073"/>
+              <a:gd name="connsiteX2" fmla="*/ 8863271 w 8863271"/>
+              <a:gd name="connsiteY2" fmla="*/ 27548 h 1654073"/>
+              <a:gd name="connsiteX0" fmla="*/ 0 w 8863271"/>
+              <a:gd name="connsiteY0" fmla="*/ 1637379 h 1637379"/>
+              <a:gd name="connsiteX1" fmla="*/ 2686491 w 8863271"/>
+              <a:gd name="connsiteY1" fmla="*/ 0 h 1637379"/>
+              <a:gd name="connsiteX2" fmla="*/ 8863271 w 8863271"/>
+              <a:gd name="connsiteY2" fmla="*/ 10854 h 1637379"/>
+              <a:gd name="connsiteX0" fmla="*/ 0 w 7889348"/>
+              <a:gd name="connsiteY0" fmla="*/ 669125 h 669125"/>
+              <a:gd name="connsiteX1" fmla="*/ 1712568 w 7889348"/>
+              <a:gd name="connsiteY1" fmla="*/ 0 h 669125"/>
+              <a:gd name="connsiteX2" fmla="*/ 7889348 w 7889348"/>
+              <a:gd name="connsiteY2" fmla="*/ 10854 h 669125"/>
+              <a:gd name="connsiteX0" fmla="*/ 0 w 7889348"/>
+              <a:gd name="connsiteY0" fmla="*/ 669125 h 669125"/>
+              <a:gd name="connsiteX1" fmla="*/ 483 w 7889348"/>
+              <a:gd name="connsiteY1" fmla="*/ 617041 h 669125"/>
+              <a:gd name="connsiteX2" fmla="*/ 1712568 w 7889348"/>
+              <a:gd name="connsiteY2" fmla="*/ 0 h 669125"/>
+              <a:gd name="connsiteX3" fmla="*/ 7889348 w 7889348"/>
+              <a:gd name="connsiteY3" fmla="*/ 10854 h 669125"/>
+              <a:gd name="connsiteX0" fmla="*/ 920316 w 8809664"/>
+              <a:gd name="connsiteY0" fmla="*/ 669125 h 1585295"/>
+              <a:gd name="connsiteX1" fmla="*/ 0 w 8809664"/>
+              <a:gd name="connsiteY1" fmla="*/ 1585295 h 1585295"/>
+              <a:gd name="connsiteX2" fmla="*/ 2632884 w 8809664"/>
+              <a:gd name="connsiteY2" fmla="*/ 0 h 1585295"/>
+              <a:gd name="connsiteX3" fmla="*/ 8809664 w 8809664"/>
+              <a:gd name="connsiteY3" fmla="*/ 10854 h 1585295"/>
+              <a:gd name="connsiteX0" fmla="*/ 0 w 7889348"/>
+              <a:gd name="connsiteY0" fmla="*/ 669125 h 669125"/>
+              <a:gd name="connsiteX1" fmla="*/ 142145 w 7889348"/>
+              <a:gd name="connsiteY1" fmla="*/ 550264 h 669125"/>
+              <a:gd name="connsiteX2" fmla="*/ 1712568 w 7889348"/>
+              <a:gd name="connsiteY2" fmla="*/ 0 h 669125"/>
+              <a:gd name="connsiteX3" fmla="*/ 7889348 w 7889348"/>
+              <a:gd name="connsiteY3" fmla="*/ 10854 h 669125"/>
+              <a:gd name="connsiteX0" fmla="*/ 0 w 9155447"/>
+              <a:gd name="connsiteY0" fmla="*/ 1545562 h 1545562"/>
+              <a:gd name="connsiteX1" fmla="*/ 1408244 w 9155447"/>
+              <a:gd name="connsiteY1" fmla="*/ 550264 h 1545562"/>
+              <a:gd name="connsiteX2" fmla="*/ 2978667 w 9155447"/>
+              <a:gd name="connsiteY2" fmla="*/ 0 h 1545562"/>
+              <a:gd name="connsiteX3" fmla="*/ 9155447 w 9155447"/>
+              <a:gd name="connsiteY3" fmla="*/ 10854 h 1545562"/>
+              <a:gd name="connsiteX0" fmla="*/ 0 w 9155447"/>
+              <a:gd name="connsiteY0" fmla="*/ 1545562 h 1545562"/>
+              <a:gd name="connsiteX1" fmla="*/ 823891 w 9155447"/>
+              <a:gd name="connsiteY1" fmla="*/ 166302 h 1545562"/>
+              <a:gd name="connsiteX2" fmla="*/ 2978667 w 9155447"/>
+              <a:gd name="connsiteY2" fmla="*/ 0 h 1545562"/>
+              <a:gd name="connsiteX3" fmla="*/ 9155447 w 9155447"/>
+              <a:gd name="connsiteY3" fmla="*/ 10854 h 1545562"/>
+            </a:gdLst>
+            <a:ahLst/>
+            <a:cxnLst>
+              <a:cxn ang="0">
+                <a:pos x="connsiteX0" y="connsiteY0"/>
+              </a:cxn>
+              <a:cxn ang="0">
+                <a:pos x="connsiteX1" y="connsiteY1"/>
+              </a:cxn>
+              <a:cxn ang="0">
+                <a:pos x="connsiteX2" y="connsiteY2"/>
+              </a:cxn>
+              <a:cxn ang="0">
+                <a:pos x="connsiteX3" y="connsiteY3"/>
+              </a:cxn>
+            </a:cxnLst>
+            <a:rect l="l" t="t" r="r" b="b"/>
+            <a:pathLst>
+              <a:path w="9155447" h="1545562">
+                <a:moveTo>
+                  <a:pt x="0" y="1545562"/>
+                </a:moveTo>
+                <a:lnTo>
+                  <a:pt x="823891" y="166302"/>
+                </a:lnTo>
+                <a:lnTo>
+                  <a:pt x="2978667" y="0"/>
+                </a:lnTo>
+                <a:lnTo>
+                  <a:pt x="9155447" y="10854"/>
+                </a:lnTo>
+              </a:path>
+            </a:pathLst>
+          </a:custGeom>
+          <a:ln w="6350" cmpd="sng">
+            <a:solidFill>
+              <a:schemeClr val="tx1">
+                <a:alpha val="50000"/>
+              </a:schemeClr>
+            </a:solidFill>
+            <a:headEnd type="none"/>
+            <a:tailEnd type="oval" w="lg" len="lg"/>
+          </a:ln>
+          <a:effectLst/>
+        </p:spPr>
+        <p:style>
+          <a:lnRef idx="2">
+            <a:schemeClr val="accent1"/>
+          </a:lnRef>
+          <a:fillRef idx="0">
+            <a:schemeClr val="accent1"/>
+          </a:fillRef>
+          <a:effectRef idx="1">
+            <a:schemeClr val="accent1"/>
+          </a:effectRef>
+          <a:fontRef idx="minor">
+            <a:schemeClr val="tx1"/>
+          </a:fontRef>
+        </p:style>
+        <p:txBody>
+          <a:bodyPr lIns="182843" tIns="91422" rIns="182843" bIns="91422" rtlCol="0" anchor="ctr"/>
+          <a:lstStyle/>
+          <a:p>
+            <a:pPr algn="r"/>
+            <a:endParaRPr lang="en-US" sz="6400">
+              <a:solidFill>
+                <a:srgbClr val="4D4D4D"/>
+              </a:solidFill>
+              <a:latin typeface="Lato Light"/>
+              <a:cs typeface="Lato Light"/>
+            </a:endParaRPr>
+          </a:p>
+        </p:txBody>
+      </p:sp>
+      <p:sp>
+        <p:nvSpPr>
+          <p:cNvPr id="7" name="Text Placeholder 3">
+            <a:extLst>
+              <a:ext uri="{FF2B5EF4-FFF2-40B4-BE49-F238E27FC236}">
+                <a16:creationId xmlns:a16="http://schemas.microsoft.com/office/drawing/2014/main" id="{E84185B1-5289-40CE-993E-EFC97DBF0248}"/>
+              </a:ext>
+            </a:extLst>
+          </p:cNvPr>
+          <p:cNvSpPr>
+            <a:spLocks noGrp="1"/>
+          </p:cNvSpPr>
+          <p:nvPr>
+            <p:ph type="body" sz="quarter" idx="10"/>
+          </p:nvPr>
+        </p:nvSpPr>
+        <p:spPr>
+          <a:xfrm>
+            <a:off x="10109200" y="4787900"/>
+            <a:ext cx="4159250" cy="4159250"/>
+          </a:xfrm>
+          <a:prstGeom prst="rect">
+            <a:avLst/>
+          </a:prstGeom>
+        </p:spPr>
+        <p:txBody>
+          <a:bodyPr anchor="ctr" anchorCtr="1"/>
+          <a:lstStyle>
+            <a:lvl1pPr>
+              <a:defRPr>
+                <a:solidFill>
+                  <a:srgbClr val="4D4D4D"/>
+                </a:solidFill>
+              </a:defRPr>
+            </a:lvl1pPr>
+          </a:lstStyle>
+          <a:p>
+            <a:pPr lvl="0"/>
+            <a:r>
+              <a:rPr lang="en-US" dirty="0"/>
+              <a:t>Edit Master</a:t>
+            </a:r>
+            <a:endParaRPr lang="nb-NO" dirty="0"/>
+          </a:p>
+        </p:txBody>
+      </p:sp>
+      <p:cxnSp>
+        <p:nvCxnSpPr>
+          <p:cNvPr id="8" name="Straight Connector 7">
+            <a:extLst>
+              <a:ext uri="{FF2B5EF4-FFF2-40B4-BE49-F238E27FC236}">
+                <a16:creationId xmlns:a16="http://schemas.microsoft.com/office/drawing/2014/main" id="{2E59A134-C08D-4B84-B5AC-C86F8793BCAC}"/>
+              </a:ext>
+            </a:extLst>
+          </p:cNvPr>
+          <p:cNvCxnSpPr/>
+          <p:nvPr userDrawn="1"/>
+        </p:nvCxnSpPr>
+        <p:spPr>
+          <a:xfrm>
+            <a:off x="3947832" y="2043953"/>
+            <a:ext cx="0" cy="10989878"/>
+          </a:xfrm>
+          <a:prstGeom prst="line">
+            <a:avLst/>
+          </a:prstGeom>
+          <a:ln w="12700">
+            <a:solidFill>
+              <a:srgbClr val="4D4D4D"/>
+            </a:solidFill>
+            <a:round/>
+            <a:headEnd type="oval" w="lg" len="lg"/>
+            <a:tailEnd type="oval" w="lg" len="lg"/>
+          </a:ln>
+        </p:spPr>
+        <p:style>
+          <a:lnRef idx="1">
+            <a:schemeClr val="dk1"/>
+          </a:lnRef>
+          <a:fillRef idx="0">
+            <a:schemeClr val="dk1"/>
+          </a:fillRef>
+          <a:effectRef idx="0">
+            <a:schemeClr val="dk1"/>
+          </a:effectRef>
+          <a:fontRef idx="minor">
+            <a:schemeClr val="tx1"/>
+          </a:fontRef>
+        </p:style>
+      </p:cxnSp>
+    </p:spTree>
+    <p:extLst>
+      <p:ext uri="{BB962C8B-B14F-4D97-AF65-F5344CB8AC3E}">
+        <p14:creationId xmlns:p14="http://schemas.microsoft.com/office/powerpoint/2010/main" val="3647999984"/>
+      </p:ext>
+    </p:extLst>
+  </p:cSld>
+  <p:clrMapOvr>
+    <a:masterClrMapping/>
+  </p:clrMapOvr>
+  <p:transition spd="slow">
+    <p:push dir="u"/>
+  </p:transition>
+</p:sldLayout>
+</file>
+
+<file path=ppt/slideLayouts/slideLayout4.xml><?xml version="1.0" encoding="utf-8"?>
+<p:sldLayout xmlns:a="http://schemas.openxmlformats.org/drawingml/2006/main" xmlns:r="http://schemas.openxmlformats.org/officeDocument/2006/relationships" xmlns:p="http://schemas.openxmlformats.org/presentationml/2006/main" preserve="1" userDrawn="1">
+  <p:cSld name="Mid_Circle">
+    <p:spTree>
+      <p:nvGrpSpPr>
+        <p:cNvPr id="1" name=""/>
+        <p:cNvGrpSpPr/>
+        <p:nvPr/>
+      </p:nvGrpSpPr>
+      <p:grpSpPr>
+        <a:xfrm>
+          <a:off x="0" y="0"/>
+          <a:ext cx="0" cy="0"/>
+          <a:chOff x="0" y="0"/>
+          <a:chExt cx="0" cy="0"/>
+        </a:xfrm>
+      </p:grpSpPr>
+      <p:sp>
+        <p:nvSpPr>
+          <p:cNvPr id="3" name="Freeform 7">
+            <a:extLst>
+              <a:ext uri="{FF2B5EF4-FFF2-40B4-BE49-F238E27FC236}">
+                <a16:creationId xmlns:a16="http://schemas.microsoft.com/office/drawing/2014/main" id="{9FD8FDFE-8E5C-4D3B-90AB-ABD191886B79}"/>
+              </a:ext>
+            </a:extLst>
+          </p:cNvPr>
+          <p:cNvSpPr/>
+          <p:nvPr userDrawn="1"/>
+        </p:nvSpPr>
+        <p:spPr>
+          <a:xfrm>
+            <a:off x="10254702" y="4923373"/>
+            <a:ext cx="3868247" cy="3869254"/>
+          </a:xfrm>
+          <a:custGeom>
+            <a:avLst/>
+            <a:gdLst>
+              <a:gd name="connsiteX0" fmla="*/ 0 w 1147239"/>
+              <a:gd name="connsiteY0" fmla="*/ 573620 h 1147239"/>
+              <a:gd name="connsiteX1" fmla="*/ 573620 w 1147239"/>
+              <a:gd name="connsiteY1" fmla="*/ 0 h 1147239"/>
+              <a:gd name="connsiteX2" fmla="*/ 1147240 w 1147239"/>
+              <a:gd name="connsiteY2" fmla="*/ 573620 h 1147239"/>
+              <a:gd name="connsiteX3" fmla="*/ 573620 w 1147239"/>
+              <a:gd name="connsiteY3" fmla="*/ 1147240 h 1147239"/>
+              <a:gd name="connsiteX4" fmla="*/ 0 w 1147239"/>
+              <a:gd name="connsiteY4" fmla="*/ 573620 h 1147239"/>
+            </a:gdLst>
+            <a:ahLst/>
+            <a:cxnLst>
+              <a:cxn ang="0">
+                <a:pos x="connsiteX0" y="connsiteY0"/>
+              </a:cxn>
+              <a:cxn ang="0">
+                <a:pos x="connsiteX1" y="connsiteY1"/>
+              </a:cxn>
+              <a:cxn ang="0">
+                <a:pos x="connsiteX2" y="connsiteY2"/>
+              </a:cxn>
+              <a:cxn ang="0">
+                <a:pos x="connsiteX3" y="connsiteY3"/>
+              </a:cxn>
+              <a:cxn ang="0">
+                <a:pos x="connsiteX4" y="connsiteY4"/>
+              </a:cxn>
+            </a:cxnLst>
+            <a:rect l="l" t="t" r="r" b="b"/>
+            <a:pathLst>
+              <a:path w="1147239" h="1147239">
+                <a:moveTo>
+                  <a:pt x="0" y="573620"/>
+                </a:moveTo>
+                <a:cubicBezTo>
+                  <a:pt x="0" y="256818"/>
+                  <a:pt x="256818" y="0"/>
+                  <a:pt x="573620" y="0"/>
+                </a:cubicBezTo>
+                <a:cubicBezTo>
+                  <a:pt x="890422" y="0"/>
+                  <a:pt x="1147240" y="256818"/>
+                  <a:pt x="1147240" y="573620"/>
+                </a:cubicBezTo>
+                <a:cubicBezTo>
+                  <a:pt x="1147240" y="890422"/>
+                  <a:pt x="890422" y="1147240"/>
+                  <a:pt x="573620" y="1147240"/>
+                </a:cubicBezTo>
+                <a:cubicBezTo>
+                  <a:pt x="256818" y="1147240"/>
+                  <a:pt x="0" y="890422"/>
+                  <a:pt x="0" y="573620"/>
+                </a:cubicBezTo>
+                <a:close/>
+              </a:path>
+            </a:pathLst>
+          </a:custGeom>
+          <a:ln>
+            <a:solidFill>
+              <a:srgbClr val="4D4D4D"/>
+            </a:solidFill>
+          </a:ln>
+        </p:spPr>
+        <p:style>
+          <a:lnRef idx="2">
+            <a:schemeClr val="accent2"/>
+          </a:lnRef>
+          <a:fillRef idx="1">
+            <a:schemeClr val="lt1"/>
+          </a:fillRef>
+          <a:effectRef idx="0">
+            <a:schemeClr val="accent2"/>
+          </a:effectRef>
+          <a:fontRef idx="minor">
+            <a:schemeClr val="dk1"/>
+          </a:fontRef>
+        </p:style>
+        <p:txBody>
+          <a:bodyPr spcFirstLastPara="0" vert="horz" wrap="none" lIns="600304" tIns="600304" rIns="600304" bIns="600304" numCol="1" spcCol="2539" anchor="ctr" anchorCtr="0">
+            <a:noAutofit/>
+          </a:bodyPr>
+          <a:lstStyle/>
+          <a:p>
+            <a:pPr algn="ctr" defTabSz="1777600">
+              <a:lnSpc>
+                <a:spcPct val="90000"/>
+              </a:lnSpc>
+              <a:spcBef>
+                <a:spcPct val="0"/>
+              </a:spcBef>
+              <a:spcAft>
+                <a:spcPct val="35000"/>
+              </a:spcAft>
+            </a:pPr>
+            <a:endParaRPr lang="en-US" sz="13800" dirty="0">
+              <a:solidFill>
+                <a:srgbClr val="4D4D4D"/>
+              </a:solidFill>
+              <a:latin typeface="Lato Light"/>
+              <a:cs typeface="Lato Light"/>
+            </a:endParaRPr>
+          </a:p>
+        </p:txBody>
+      </p:sp>
+      <p:sp>
+        <p:nvSpPr>
           <p:cNvPr id="4" name="Text Placeholder 3">
             <a:extLst>
               <a:ext uri="{FF2B5EF4-FFF2-40B4-BE49-F238E27FC236}">
@@ -1565,7 +2086,7 @@
 </p:sldLayout>
 </file>
 
-<file path=ppt/slideLayouts/slideLayout4.xml><?xml version="1.0" encoding="utf-8"?>
+<file path=ppt/slideLayouts/slideLayout5.xml><?xml version="1.0" encoding="utf-8"?>
 <p:sldLayout xmlns:a="http://schemas.openxmlformats.org/drawingml/2006/main" xmlns:r="http://schemas.openxmlformats.org/officeDocument/2006/relationships" xmlns:p="http://schemas.openxmlformats.org/presentationml/2006/main" preserve="1" userDrawn="1">
   <p:cSld name="Divided_Page">
     <p:spTree>
@@ -1679,7 +2200,7 @@
           <p:nvPr userDrawn="1"/>
         </p:nvPicPr>
         <p:blipFill>
-          <a:blip r:embed="rId6"/>
+          <a:blip r:embed="rId7"/>
           <a:stretch>
             <a:fillRect/>
           </a:stretch>
@@ -1705,8 +2226,9 @@
   <p:sldLayoutIdLst>
     <p:sldLayoutId id="2147483835" r:id="rId1"/>
     <p:sldLayoutId id="2147483757" r:id="rId2"/>
-    <p:sldLayoutId id="2147483834" r:id="rId3"/>
-    <p:sldLayoutId id="2147483836" r:id="rId4"/>
+    <p:sldLayoutId id="2147483837" r:id="rId3"/>
+    <p:sldLayoutId id="2147483834" r:id="rId4"/>
+    <p:sldLayoutId id="2147483836" r:id="rId5"/>
   </p:sldLayoutIdLst>
   <p:transition spd="slow">
     <p:push dir="u"/>
@@ -2055,12 +2577,12 @@
           </a:ln>
           <a:extLst>
             <a:ext uri="{909E8E84-426E-40dd-AFC4-6F175D3DCCD1}">
-              <a14:hiddenFill xmlns:a14="http://schemas.microsoft.com/office/drawing/2010/main" xmlns="">
+              <a14:hiddenFill xmlns="" xmlns:a14="http://schemas.microsoft.com/office/drawing/2010/main">
                 <a:noFill/>
               </a14:hiddenFill>
             </a:ext>
             <a:ext uri="{91240B29-F687-4f45-9708-019B960494DF}">
-              <a14:hiddenLine xmlns:a14="http://schemas.microsoft.com/office/drawing/2010/main" xmlns="" w="9525">
+              <a14:hiddenLine xmlns="" xmlns:a14="http://schemas.microsoft.com/office/drawing/2010/main" w="9525">
                 <a:solidFill>
                   <a:srgbClr val="000000"/>
                 </a:solidFill>
@@ -2105,12 +2627,12 @@
           </a:ln>
           <a:extLst>
             <a:ext uri="{909E8E84-426E-40dd-AFC4-6F175D3DCCD1}">
-              <a14:hiddenFill xmlns:a14="http://schemas.microsoft.com/office/drawing/2010/main" xmlns="">
+              <a14:hiddenFill xmlns="" xmlns:a14="http://schemas.microsoft.com/office/drawing/2010/main">
                 <a:noFill/>
               </a14:hiddenFill>
             </a:ext>
             <a:ext uri="{91240B29-F687-4f45-9708-019B960494DF}">
-              <a14:hiddenLine xmlns:a14="http://schemas.microsoft.com/office/drawing/2010/main" xmlns="" w="9525">
+              <a14:hiddenLine xmlns="" xmlns:a14="http://schemas.microsoft.com/office/drawing/2010/main" w="9525">
                 <a:solidFill>
                   <a:srgbClr val="000000"/>
                 </a:solidFill>
@@ -2253,12 +2775,12 @@
           </a:ln>
           <a:extLst>
             <a:ext uri="{909E8E84-426E-40dd-AFC4-6F175D3DCCD1}">
-              <a14:hiddenFill xmlns:a14="http://schemas.microsoft.com/office/drawing/2010/main" xmlns="">
+              <a14:hiddenFill xmlns="" xmlns:a14="http://schemas.microsoft.com/office/drawing/2010/main">
                 <a:noFill/>
               </a14:hiddenFill>
             </a:ext>
             <a:ext uri="{91240B29-F687-4f45-9708-019B960494DF}">
-              <a14:hiddenLine xmlns:a14="http://schemas.microsoft.com/office/drawing/2010/main" xmlns="" w="9525">
+              <a14:hiddenLine xmlns="" xmlns:a14="http://schemas.microsoft.com/office/drawing/2010/main" w="9525">
                 <a:solidFill>
                   <a:srgbClr val="000000"/>
                 </a:solidFill>
@@ -2307,12 +2829,12 @@
           </a:ln>
           <a:extLst>
             <a:ext uri="{909E8E84-426E-40dd-AFC4-6F175D3DCCD1}">
-              <a14:hiddenFill xmlns:a14="http://schemas.microsoft.com/office/drawing/2010/main" xmlns="">
+              <a14:hiddenFill xmlns="" xmlns:a14="http://schemas.microsoft.com/office/drawing/2010/main">
                 <a:noFill/>
               </a14:hiddenFill>
             </a:ext>
             <a:ext uri="{91240B29-F687-4f45-9708-019B960494DF}">
-              <a14:hiddenLine xmlns:a14="http://schemas.microsoft.com/office/drawing/2010/main" xmlns="" w="9525">
+              <a14:hiddenLine xmlns="" xmlns:a14="http://schemas.microsoft.com/office/drawing/2010/main" w="9525">
                 <a:solidFill>
                   <a:srgbClr val="000000"/>
                 </a:solidFill>
@@ -3144,12 +3666,12 @@
           </a:ln>
           <a:extLst>
             <a:ext uri="{909E8E84-426E-40dd-AFC4-6F175D3DCCD1}">
-              <a14:hiddenFill xmlns:a14="http://schemas.microsoft.com/office/drawing/2010/main" xmlns="">
+              <a14:hiddenFill xmlns="" xmlns:a14="http://schemas.microsoft.com/office/drawing/2010/main">
                 <a:noFill/>
               </a14:hiddenFill>
             </a:ext>
             <a:ext uri="{91240B29-F687-4f45-9708-019B960494DF}">
-              <a14:hiddenLine xmlns:a14="http://schemas.microsoft.com/office/drawing/2010/main" xmlns="" w="9525">
+              <a14:hiddenLine xmlns="" xmlns:a14="http://schemas.microsoft.com/office/drawing/2010/main" w="9525">
                 <a:solidFill>
                   <a:srgbClr val="000000"/>
                 </a:solidFill>
@@ -3198,12 +3720,12 @@
           </a:ln>
           <a:extLst>
             <a:ext uri="{909E8E84-426E-40dd-AFC4-6F175D3DCCD1}">
-              <a14:hiddenFill xmlns:a14="http://schemas.microsoft.com/office/drawing/2010/main" xmlns="">
+              <a14:hiddenFill xmlns="" xmlns:a14="http://schemas.microsoft.com/office/drawing/2010/main">
                 <a:noFill/>
               </a14:hiddenFill>
             </a:ext>
             <a:ext uri="{91240B29-F687-4f45-9708-019B960494DF}">
-              <a14:hiddenLine xmlns:a14="http://schemas.microsoft.com/office/drawing/2010/main" xmlns="" w="9525">
+              <a14:hiddenLine xmlns="" xmlns:a14="http://schemas.microsoft.com/office/drawing/2010/main" w="9525">
                 <a:solidFill>
                   <a:srgbClr val="000000"/>
                 </a:solidFill>
@@ -3368,12 +3890,12 @@
           </a:ln>
           <a:extLst>
             <a:ext uri="{909E8E84-426E-40dd-AFC4-6F175D3DCCD1}">
-              <a14:hiddenFill xmlns:a14="http://schemas.microsoft.com/office/drawing/2010/main" xmlns="">
+              <a14:hiddenFill xmlns="" xmlns:a14="http://schemas.microsoft.com/office/drawing/2010/main">
                 <a:noFill/>
               </a14:hiddenFill>
             </a:ext>
             <a:ext uri="{91240B29-F687-4f45-9708-019B960494DF}">
-              <a14:hiddenLine xmlns:a14="http://schemas.microsoft.com/office/drawing/2010/main" xmlns="" w="9525">
+              <a14:hiddenLine xmlns="" xmlns:a14="http://schemas.microsoft.com/office/drawing/2010/main" w="9525">
                 <a:solidFill>
                   <a:srgbClr val="000000"/>
                 </a:solidFill>
@@ -3422,12 +3944,12 @@
           </a:ln>
           <a:extLst>
             <a:ext uri="{909E8E84-426E-40dd-AFC4-6F175D3DCCD1}">
-              <a14:hiddenFill xmlns:a14="http://schemas.microsoft.com/office/drawing/2010/main" xmlns="">
+              <a14:hiddenFill xmlns="" xmlns:a14="http://schemas.microsoft.com/office/drawing/2010/main">
                 <a:noFill/>
               </a14:hiddenFill>
             </a:ext>
             <a:ext uri="{91240B29-F687-4f45-9708-019B960494DF}">
-              <a14:hiddenLine xmlns:a14="http://schemas.microsoft.com/office/drawing/2010/main" xmlns="" w="9525">
+              <a14:hiddenLine xmlns="" xmlns:a14="http://schemas.microsoft.com/office/drawing/2010/main" w="9525">
                 <a:solidFill>
                   <a:srgbClr val="000000"/>
                 </a:solidFill>
@@ -3592,12 +4114,12 @@
           </a:ln>
           <a:extLst>
             <a:ext uri="{909E8E84-426E-40dd-AFC4-6F175D3DCCD1}">
-              <a14:hiddenFill xmlns:a14="http://schemas.microsoft.com/office/drawing/2010/main" xmlns="">
+              <a14:hiddenFill xmlns="" xmlns:a14="http://schemas.microsoft.com/office/drawing/2010/main">
                 <a:noFill/>
               </a14:hiddenFill>
             </a:ext>
             <a:ext uri="{91240B29-F687-4f45-9708-019B960494DF}">
-              <a14:hiddenLine xmlns:a14="http://schemas.microsoft.com/office/drawing/2010/main" xmlns="" w="9525">
+              <a14:hiddenLine xmlns="" xmlns:a14="http://schemas.microsoft.com/office/drawing/2010/main" w="9525">
                 <a:solidFill>
                   <a:srgbClr val="000000"/>
                 </a:solidFill>
@@ -3646,12 +4168,12 @@
           </a:ln>
           <a:extLst>
             <a:ext uri="{909E8E84-426E-40dd-AFC4-6F175D3DCCD1}">
-              <a14:hiddenFill xmlns:a14="http://schemas.microsoft.com/office/drawing/2010/main" xmlns="">
+              <a14:hiddenFill xmlns="" xmlns:a14="http://schemas.microsoft.com/office/drawing/2010/main">
                 <a:noFill/>
               </a14:hiddenFill>
             </a:ext>
             <a:ext uri="{91240B29-F687-4f45-9708-019B960494DF}">
-              <a14:hiddenLine xmlns:a14="http://schemas.microsoft.com/office/drawing/2010/main" xmlns="" w="9525">
+              <a14:hiddenLine xmlns="" xmlns:a14="http://schemas.microsoft.com/office/drawing/2010/main" w="9525">
                 <a:solidFill>
                   <a:srgbClr val="000000"/>
                 </a:solidFill>
@@ -5166,12 +5688,12 @@
           </a:ln>
           <a:extLst>
             <a:ext uri="{909E8E84-426E-40dd-AFC4-6F175D3DCCD1}">
-              <a14:hiddenFill xmlns:a14="http://schemas.microsoft.com/office/drawing/2010/main" xmlns="">
+              <a14:hiddenFill xmlns="" xmlns:a14="http://schemas.microsoft.com/office/drawing/2010/main">
                 <a:noFill/>
               </a14:hiddenFill>
             </a:ext>
             <a:ext uri="{91240B29-F687-4f45-9708-019B960494DF}">
-              <a14:hiddenLine xmlns:a14="http://schemas.microsoft.com/office/drawing/2010/main" xmlns="" w="9525">
+              <a14:hiddenLine xmlns="" xmlns:a14="http://schemas.microsoft.com/office/drawing/2010/main" w="9525">
                 <a:solidFill>
                   <a:srgbClr val="000000"/>
                 </a:solidFill>
@@ -5220,12 +5742,12 @@
           </a:ln>
           <a:extLst>
             <a:ext uri="{909E8E84-426E-40dd-AFC4-6F175D3DCCD1}">
-              <a14:hiddenFill xmlns:a14="http://schemas.microsoft.com/office/drawing/2010/main" xmlns="">
+              <a14:hiddenFill xmlns="" xmlns:a14="http://schemas.microsoft.com/office/drawing/2010/main">
                 <a:noFill/>
               </a14:hiddenFill>
             </a:ext>
             <a:ext uri="{91240B29-F687-4f45-9708-019B960494DF}">
-              <a14:hiddenLine xmlns:a14="http://schemas.microsoft.com/office/drawing/2010/main" xmlns="" w="9525">
+              <a14:hiddenLine xmlns="" xmlns:a14="http://schemas.microsoft.com/office/drawing/2010/main" w="9525">
                 <a:solidFill>
                   <a:srgbClr val="000000"/>
                 </a:solidFill>
@@ -6737,6 +7259,680 @@
 </p:sld>
 </file>
 
+<file path=ppt/slides/slide16.xml><?xml version="1.0" encoding="utf-8"?>
+<p:sld xmlns:a="http://schemas.openxmlformats.org/drawingml/2006/main" xmlns:r="http://schemas.openxmlformats.org/officeDocument/2006/relationships" xmlns:p="http://schemas.openxmlformats.org/presentationml/2006/main">
+  <p:cSld>
+    <p:spTree>
+      <p:nvGrpSpPr>
+        <p:cNvPr id="1" name=""/>
+        <p:cNvGrpSpPr/>
+        <p:nvPr/>
+      </p:nvGrpSpPr>
+      <p:grpSpPr>
+        <a:xfrm>
+          <a:off x="0" y="0"/>
+          <a:ext cx="0" cy="0"/>
+          <a:chOff x="0" y="0"/>
+          <a:chExt cx="0" cy="0"/>
+        </a:xfrm>
+      </p:grpSpPr>
+      <p:sp>
+        <p:nvSpPr>
+          <p:cNvPr id="44" name="Line 5"/>
+          <p:cNvSpPr>
+            <a:spLocks noChangeShapeType="1"/>
+          </p:cNvSpPr>
+          <p:nvPr/>
+        </p:nvSpPr>
+        <p:spPr bwMode="auto">
+          <a:xfrm>
+            <a:off x="1493979" y="-1748368"/>
+            <a:ext cx="0" cy="0"/>
+          </a:xfrm>
+          <a:prstGeom prst="line">
+            <a:avLst/>
+          </a:prstGeom>
+          <a:noFill/>
+          <a:ln>
+            <a:noFill/>
+          </a:ln>
+          <a:extLst>
+            <a:ext uri="{909E8E84-426E-40dd-AFC4-6F175D3DCCD1}">
+              <a14:hiddenFill xmlns="" xmlns:a14="http://schemas.microsoft.com/office/drawing/2010/main">
+                <a:noFill/>
+              </a14:hiddenFill>
+            </a:ext>
+            <a:ext uri="{91240B29-F687-4f45-9708-019B960494DF}">
+              <a14:hiddenLine xmlns="" xmlns:a14="http://schemas.microsoft.com/office/drawing/2010/main" w="9525">
+                <a:solidFill>
+                  <a:srgbClr val="000000"/>
+                </a:solidFill>
+                <a:round/>
+                <a:headEnd/>
+                <a:tailEnd/>
+              </a14:hiddenLine>
+            </a:ext>
+          </a:extLst>
+        </p:spPr>
+        <p:txBody>
+          <a:bodyPr vert="horz" wrap="square" lIns="243797" tIns="121899" rIns="243797" bIns="121899" numCol="1" anchor="t" anchorCtr="0" compatLnSpc="1">
+            <a:prstTxWarp prst="textNoShape">
+              <a:avLst/>
+            </a:prstTxWarp>
+          </a:bodyPr>
+          <a:lstStyle/>
+          <a:p>
+            <a:endParaRPr lang="en-US">
+              <a:solidFill>
+                <a:srgbClr val="4D4D4D"/>
+              </a:solidFill>
+            </a:endParaRPr>
+          </a:p>
+        </p:txBody>
+      </p:sp>
+      <p:sp>
+        <p:nvSpPr>
+          <p:cNvPr id="45" name="Line 6"/>
+          <p:cNvSpPr>
+            <a:spLocks noChangeShapeType="1"/>
+          </p:cNvSpPr>
+          <p:nvPr/>
+        </p:nvSpPr>
+        <p:spPr bwMode="auto">
+          <a:xfrm>
+            <a:off x="1493979" y="-1748368"/>
+            <a:ext cx="0" cy="0"/>
+          </a:xfrm>
+          <a:prstGeom prst="line">
+            <a:avLst/>
+          </a:prstGeom>
+          <a:noFill/>
+          <a:ln>
+            <a:noFill/>
+          </a:ln>
+          <a:extLst>
+            <a:ext uri="{909E8E84-426E-40dd-AFC4-6F175D3DCCD1}">
+              <a14:hiddenFill xmlns="" xmlns:a14="http://schemas.microsoft.com/office/drawing/2010/main">
+                <a:noFill/>
+              </a14:hiddenFill>
+            </a:ext>
+            <a:ext uri="{91240B29-F687-4f45-9708-019B960494DF}">
+              <a14:hiddenLine xmlns="" xmlns:a14="http://schemas.microsoft.com/office/drawing/2010/main" w="9525">
+                <a:solidFill>
+                  <a:srgbClr val="000000"/>
+                </a:solidFill>
+                <a:round/>
+                <a:headEnd/>
+                <a:tailEnd/>
+              </a14:hiddenLine>
+            </a:ext>
+          </a:extLst>
+        </p:spPr>
+        <p:txBody>
+          <a:bodyPr vert="horz" wrap="square" lIns="243797" tIns="121899" rIns="243797" bIns="121899" numCol="1" anchor="t" anchorCtr="0" compatLnSpc="1">
+            <a:prstTxWarp prst="textNoShape">
+              <a:avLst/>
+            </a:prstTxWarp>
+          </a:bodyPr>
+          <a:lstStyle/>
+          <a:p>
+            <a:endParaRPr lang="en-US">
+              <a:solidFill>
+                <a:srgbClr val="4D4D4D"/>
+              </a:solidFill>
+            </a:endParaRPr>
+          </a:p>
+        </p:txBody>
+      </p:sp>
+      <p:sp>
+        <p:nvSpPr>
+          <p:cNvPr id="5" name="TextBox 4">
+            <a:extLst>
+              <a:ext uri="{FF2B5EF4-FFF2-40B4-BE49-F238E27FC236}">
+                <a16:creationId xmlns:a16="http://schemas.microsoft.com/office/drawing/2014/main" id="{6A66EF5C-C181-4F39-85B0-64A3AF06C2E3}"/>
+              </a:ext>
+            </a:extLst>
+          </p:cNvPr>
+          <p:cNvSpPr txBox="1"/>
+          <p:nvPr/>
+        </p:nvSpPr>
+        <p:spPr>
+          <a:xfrm>
+            <a:off x="10264034" y="741286"/>
+            <a:ext cx="3972562" cy="830997"/>
+          </a:xfrm>
+          <a:prstGeom prst="rect">
+            <a:avLst/>
+          </a:prstGeom>
+          <a:noFill/>
+        </p:spPr>
+        <p:txBody>
+          <a:bodyPr wrap="none" rtlCol="0">
+            <a:spAutoFit/>
+          </a:bodyPr>
+          <a:lstStyle/>
+          <a:p>
+            <a:pPr algn="ctr"/>
+            <a:r>
+              <a:rPr lang="en-US" sz="4800" dirty="0">
+                <a:solidFill>
+                  <a:srgbClr val="4D4D4D"/>
+                </a:solidFill>
+                <a:latin typeface="Lato Light"/>
+                <a:cs typeface="Lato Light"/>
+              </a:rPr>
+              <a:t>Tree-O-Meter</a:t>
+            </a:r>
+          </a:p>
+        </p:txBody>
+      </p:sp>
+      <p:cxnSp>
+        <p:nvCxnSpPr>
+          <p:cNvPr id="7" name="Straight Connector 6">
+            <a:extLst>
+              <a:ext uri="{FF2B5EF4-FFF2-40B4-BE49-F238E27FC236}">
+                <a16:creationId xmlns:a16="http://schemas.microsoft.com/office/drawing/2014/main" id="{EE169823-7EE0-4E97-9F46-FCE273CAF355}"/>
+              </a:ext>
+            </a:extLst>
+          </p:cNvPr>
+          <p:cNvCxnSpPr/>
+          <p:nvPr/>
+        </p:nvCxnSpPr>
+        <p:spPr>
+          <a:xfrm rot="5400000">
+            <a:off x="12250307" y="1529002"/>
+            <a:ext cx="0" cy="1313401"/>
+          </a:xfrm>
+          <a:prstGeom prst="line">
+            <a:avLst/>
+          </a:prstGeom>
+          <a:ln w="38100" cmpd="sng">
+            <a:solidFill>
+              <a:srgbClr val="4D4D4D"/>
+            </a:solidFill>
+          </a:ln>
+        </p:spPr>
+        <p:style>
+          <a:lnRef idx="2">
+            <a:schemeClr val="accent1"/>
+          </a:lnRef>
+          <a:fillRef idx="0">
+            <a:schemeClr val="accent1"/>
+          </a:fillRef>
+          <a:effectRef idx="1">
+            <a:schemeClr val="accent1"/>
+          </a:effectRef>
+          <a:fontRef idx="minor">
+            <a:schemeClr val="tx1"/>
+          </a:fontRef>
+        </p:style>
+      </p:cxnSp>
+      <p:sp>
+        <p:nvSpPr>
+          <p:cNvPr id="6" name="Freeform 7">
+            <a:extLst>
+              <a:ext uri="{FF2B5EF4-FFF2-40B4-BE49-F238E27FC236}">
+                <a16:creationId xmlns:a16="http://schemas.microsoft.com/office/drawing/2014/main" id="{04E8A861-4E04-4DEB-8788-955A94B66C32}"/>
+              </a:ext>
+            </a:extLst>
+          </p:cNvPr>
+          <p:cNvSpPr/>
+          <p:nvPr/>
+        </p:nvSpPr>
+        <p:spPr>
+          <a:xfrm>
+            <a:off x="10254702" y="4923373"/>
+            <a:ext cx="3868247" cy="3869254"/>
+          </a:xfrm>
+          <a:custGeom>
+            <a:avLst/>
+            <a:gdLst>
+              <a:gd name="connsiteX0" fmla="*/ 0 w 1147239"/>
+              <a:gd name="connsiteY0" fmla="*/ 573620 h 1147239"/>
+              <a:gd name="connsiteX1" fmla="*/ 573620 w 1147239"/>
+              <a:gd name="connsiteY1" fmla="*/ 0 h 1147239"/>
+              <a:gd name="connsiteX2" fmla="*/ 1147240 w 1147239"/>
+              <a:gd name="connsiteY2" fmla="*/ 573620 h 1147239"/>
+              <a:gd name="connsiteX3" fmla="*/ 573620 w 1147239"/>
+              <a:gd name="connsiteY3" fmla="*/ 1147240 h 1147239"/>
+              <a:gd name="connsiteX4" fmla="*/ 0 w 1147239"/>
+              <a:gd name="connsiteY4" fmla="*/ 573620 h 1147239"/>
+            </a:gdLst>
+            <a:ahLst/>
+            <a:cxnLst>
+              <a:cxn ang="0">
+                <a:pos x="connsiteX0" y="connsiteY0"/>
+              </a:cxn>
+              <a:cxn ang="0">
+                <a:pos x="connsiteX1" y="connsiteY1"/>
+              </a:cxn>
+              <a:cxn ang="0">
+                <a:pos x="connsiteX2" y="connsiteY2"/>
+              </a:cxn>
+              <a:cxn ang="0">
+                <a:pos x="connsiteX3" y="connsiteY3"/>
+              </a:cxn>
+              <a:cxn ang="0">
+                <a:pos x="connsiteX4" y="connsiteY4"/>
+              </a:cxn>
+            </a:cxnLst>
+            <a:rect l="l" t="t" r="r" b="b"/>
+            <a:pathLst>
+              <a:path w="1147239" h="1147239">
+                <a:moveTo>
+                  <a:pt x="0" y="573620"/>
+                </a:moveTo>
+                <a:cubicBezTo>
+                  <a:pt x="0" y="256818"/>
+                  <a:pt x="256818" y="0"/>
+                  <a:pt x="573620" y="0"/>
+                </a:cubicBezTo>
+                <a:cubicBezTo>
+                  <a:pt x="890422" y="0"/>
+                  <a:pt x="1147240" y="256818"/>
+                  <a:pt x="1147240" y="573620"/>
+                </a:cubicBezTo>
+                <a:cubicBezTo>
+                  <a:pt x="1147240" y="890422"/>
+                  <a:pt x="890422" y="1147240"/>
+                  <a:pt x="573620" y="1147240"/>
+                </a:cubicBezTo>
+                <a:cubicBezTo>
+                  <a:pt x="256818" y="1147240"/>
+                  <a:pt x="0" y="890422"/>
+                  <a:pt x="0" y="573620"/>
+                </a:cubicBezTo>
+                <a:close/>
+              </a:path>
+            </a:pathLst>
+          </a:custGeom>
+        </p:spPr>
+        <p:style>
+          <a:lnRef idx="2">
+            <a:schemeClr val="accent2"/>
+          </a:lnRef>
+          <a:fillRef idx="1">
+            <a:schemeClr val="lt1"/>
+          </a:fillRef>
+          <a:effectRef idx="0">
+            <a:schemeClr val="accent2"/>
+          </a:effectRef>
+          <a:fontRef idx="minor">
+            <a:schemeClr val="dk1"/>
+          </a:fontRef>
+        </p:style>
+        <p:txBody>
+          <a:bodyPr spcFirstLastPara="0" vert="horz" wrap="none" lIns="600304" tIns="600304" rIns="600304" bIns="600304" numCol="1" spcCol="2539" anchor="ctr" anchorCtr="0">
+            <a:noAutofit/>
+          </a:bodyPr>
+          <a:lstStyle/>
+          <a:p>
+            <a:pPr algn="ctr" defTabSz="1777600">
+              <a:lnSpc>
+                <a:spcPct val="90000"/>
+              </a:lnSpc>
+              <a:spcBef>
+                <a:spcPct val="0"/>
+              </a:spcBef>
+              <a:spcAft>
+                <a:spcPct val="35000"/>
+              </a:spcAft>
+            </a:pPr>
+            <a:endParaRPr lang="en-US" sz="13800" dirty="0">
+              <a:solidFill>
+                <a:srgbClr val="4D4D4D"/>
+              </a:solidFill>
+              <a:latin typeface="Lato Light"/>
+              <a:cs typeface="Lato Light"/>
+            </a:endParaRPr>
+          </a:p>
+        </p:txBody>
+      </p:sp>
+      <p:sp>
+        <p:nvSpPr>
+          <p:cNvPr id="8" name="Text Placeholder 7">
+            <a:extLst>
+              <a:ext uri="{FF2B5EF4-FFF2-40B4-BE49-F238E27FC236}">
+                <a16:creationId xmlns:a16="http://schemas.microsoft.com/office/drawing/2014/main" id="{9DE67BE3-6FC7-47F0-B3AE-707E50D7D98A}"/>
+              </a:ext>
+            </a:extLst>
+          </p:cNvPr>
+          <p:cNvSpPr>
+            <a:spLocks noGrp="1"/>
+          </p:cNvSpPr>
+          <p:nvPr>
+            <p:ph type="body" sz="quarter" idx="10"/>
+          </p:nvPr>
+        </p:nvSpPr>
+        <p:spPr/>
+        <p:txBody>
+          <a:bodyPr/>
+          <a:lstStyle/>
+          <a:p>
+            <a:endParaRPr lang="en-US" sz="100" dirty="0"/>
+          </a:p>
+        </p:txBody>
+      </p:sp>
+      <p:pic>
+        <p:nvPicPr>
+          <p:cNvPr id="12" name="Graphic 11" descr="Deciduous tree">
+            <a:extLst>
+              <a:ext uri="{FF2B5EF4-FFF2-40B4-BE49-F238E27FC236}">
+                <a16:creationId xmlns:a16="http://schemas.microsoft.com/office/drawing/2014/main" id="{26DE2214-A18F-4223-91A8-EFDCBCF3F1C4}"/>
+              </a:ext>
+            </a:extLst>
+          </p:cNvPr>
+          <p:cNvPicPr>
+            <a:picLocks noChangeAspect="1"/>
+          </p:cNvPicPr>
+          <p:nvPr/>
+        </p:nvPicPr>
+        <p:blipFill>
+          <a:blip r:embed="rId2">
+            <a:extLst>
+              <a:ext uri="{28A0092B-C50C-407E-A947-70E740481C1C}">
+                <a14:useLocalDpi xmlns:a14="http://schemas.microsoft.com/office/drawing/2010/main" val="0"/>
+              </a:ext>
+              <a:ext uri="{96DAC541-7B7A-43D3-8B79-37D633B846F1}">
+                <asvg:svgBlip xmlns:asvg="http://schemas.microsoft.com/office/drawing/2016/SVG/main" r:embed="rId3"/>
+              </a:ext>
+            </a:extLst>
+          </a:blip>
+          <a:stretch>
+            <a:fillRect/>
+          </a:stretch>
+        </p:blipFill>
+        <p:spPr>
+          <a:xfrm>
+            <a:off x="10499214" y="5177914"/>
+            <a:ext cx="3379222" cy="3379222"/>
+          </a:xfrm>
+          <a:prstGeom prst="rect">
+            <a:avLst/>
+          </a:prstGeom>
+        </p:spPr>
+      </p:pic>
+      <p:sp>
+        <p:nvSpPr>
+          <p:cNvPr id="15" name="TextBox 14">
+            <a:extLst>
+              <a:ext uri="{FF2B5EF4-FFF2-40B4-BE49-F238E27FC236}">
+                <a16:creationId xmlns:a16="http://schemas.microsoft.com/office/drawing/2014/main" id="{769E67A9-400A-45B4-8673-36FEC14100BB}"/>
+              </a:ext>
+            </a:extLst>
+          </p:cNvPr>
+          <p:cNvSpPr txBox="1"/>
+          <p:nvPr/>
+        </p:nvSpPr>
+        <p:spPr>
+          <a:xfrm>
+            <a:off x="17685351" y="2659043"/>
+            <a:ext cx="2989165" cy="517028"/>
+          </a:xfrm>
+          <a:prstGeom prst="rect">
+            <a:avLst/>
+          </a:prstGeom>
+          <a:noFill/>
+        </p:spPr>
+        <p:txBody>
+          <a:bodyPr wrap="square" lIns="243791" tIns="91422" rIns="243791" bIns="91422" rtlCol="0">
+            <a:spAutoFit/>
+          </a:bodyPr>
+          <a:lstStyle/>
+          <a:p>
+            <a:pPr algn="ctr">
+              <a:lnSpc>
+                <a:spcPct val="90000"/>
+              </a:lnSpc>
+              <a:spcBef>
+                <a:spcPts val="2134"/>
+              </a:spcBef>
+            </a:pPr>
+            <a:r>
+              <a:rPr lang="en-US" sz="2400" dirty="0">
+                <a:solidFill>
+                  <a:srgbClr val="4D4D4D"/>
+                </a:solidFill>
+                <a:latin typeface="Lato Light"/>
+                <a:cs typeface="Lato Light"/>
+              </a:rPr>
+              <a:t>Users</a:t>
+            </a:r>
+          </a:p>
+        </p:txBody>
+      </p:sp>
+      <p:sp>
+        <p:nvSpPr>
+          <p:cNvPr id="16" name="TextBox 15">
+            <a:extLst>
+              <a:ext uri="{FF2B5EF4-FFF2-40B4-BE49-F238E27FC236}">
+                <a16:creationId xmlns:a16="http://schemas.microsoft.com/office/drawing/2014/main" id="{AD1B1029-C8FC-4AEA-8C05-F08CA5E294C4}"/>
+              </a:ext>
+            </a:extLst>
+          </p:cNvPr>
+          <p:cNvSpPr txBox="1"/>
+          <p:nvPr/>
+        </p:nvSpPr>
+        <p:spPr>
+          <a:xfrm>
+            <a:off x="17685352" y="8445754"/>
+            <a:ext cx="2989165" cy="517028"/>
+          </a:xfrm>
+          <a:prstGeom prst="rect">
+            <a:avLst/>
+          </a:prstGeom>
+          <a:noFill/>
+        </p:spPr>
+        <p:txBody>
+          <a:bodyPr wrap="square" lIns="243791" tIns="91422" rIns="243791" bIns="91422" rtlCol="0">
+            <a:spAutoFit/>
+          </a:bodyPr>
+          <a:lstStyle/>
+          <a:p>
+            <a:pPr algn="ctr">
+              <a:lnSpc>
+                <a:spcPct val="90000"/>
+              </a:lnSpc>
+              <a:spcBef>
+                <a:spcPts val="2134"/>
+              </a:spcBef>
+            </a:pPr>
+            <a:r>
+              <a:rPr lang="en-US" sz="2400" dirty="0">
+                <a:solidFill>
+                  <a:srgbClr val="4D4D4D"/>
+                </a:solidFill>
+                <a:latin typeface="Lato Light"/>
+                <a:cs typeface="Lato Light"/>
+              </a:rPr>
+              <a:t>Printers</a:t>
+            </a:r>
+          </a:p>
+        </p:txBody>
+      </p:sp>
+      <p:sp>
+        <p:nvSpPr>
+          <p:cNvPr id="17" name="TextBox 16">
+            <a:extLst>
+              <a:ext uri="{FF2B5EF4-FFF2-40B4-BE49-F238E27FC236}">
+                <a16:creationId xmlns:a16="http://schemas.microsoft.com/office/drawing/2014/main" id="{20FC4418-6652-45F8-8BB9-6F18AC4ACD3E}"/>
+              </a:ext>
+            </a:extLst>
+          </p:cNvPr>
+          <p:cNvSpPr txBox="1"/>
+          <p:nvPr/>
+        </p:nvSpPr>
+        <p:spPr>
+          <a:xfrm>
+            <a:off x="5563093" y="2659043"/>
+            <a:ext cx="3177952" cy="1181826"/>
+          </a:xfrm>
+          <a:prstGeom prst="rect">
+            <a:avLst/>
+          </a:prstGeom>
+          <a:noFill/>
+        </p:spPr>
+        <p:txBody>
+          <a:bodyPr wrap="square" lIns="243791" tIns="91422" rIns="243791" bIns="91422" rtlCol="0">
+            <a:spAutoFit/>
+          </a:bodyPr>
+          <a:lstStyle/>
+          <a:p>
+            <a:pPr algn="ctr">
+              <a:lnSpc>
+                <a:spcPct val="90000"/>
+              </a:lnSpc>
+              <a:spcBef>
+                <a:spcPts val="2134"/>
+              </a:spcBef>
+            </a:pPr>
+            <a:r>
+              <a:rPr lang="en-US" sz="2400" b="1" dirty="0">
+                <a:solidFill>
+                  <a:srgbClr val="4D4D4D"/>
+                </a:solidFill>
+                <a:latin typeface="Lato Light"/>
+                <a:cs typeface="Lato Light"/>
+              </a:rPr>
+              <a:t># of Trees in total, as read from printers’ total history</a:t>
+            </a:r>
+          </a:p>
+        </p:txBody>
+      </p:sp>
+      <p:sp>
+        <p:nvSpPr>
+          <p:cNvPr id="18" name="TextBox 17">
+            <a:extLst>
+              <a:ext uri="{FF2B5EF4-FFF2-40B4-BE49-F238E27FC236}">
+                <a16:creationId xmlns:a16="http://schemas.microsoft.com/office/drawing/2014/main" id="{0506EE4B-AED2-451E-8F9D-BE00FBDE0EA3}"/>
+              </a:ext>
+            </a:extLst>
+          </p:cNvPr>
+          <p:cNvSpPr txBox="1"/>
+          <p:nvPr/>
+        </p:nvSpPr>
+        <p:spPr>
+          <a:xfrm>
+            <a:off x="5563092" y="8445754"/>
+            <a:ext cx="3177954" cy="1181826"/>
+          </a:xfrm>
+          <a:prstGeom prst="rect">
+            <a:avLst/>
+          </a:prstGeom>
+          <a:noFill/>
+        </p:spPr>
+        <p:txBody>
+          <a:bodyPr wrap="square" lIns="243791" tIns="91422" rIns="243791" bIns="91422" rtlCol="0">
+            <a:spAutoFit/>
+          </a:bodyPr>
+          <a:lstStyle/>
+          <a:p>
+            <a:pPr algn="ctr">
+              <a:lnSpc>
+                <a:spcPct val="90000"/>
+              </a:lnSpc>
+              <a:spcBef>
+                <a:spcPts val="2134"/>
+              </a:spcBef>
+            </a:pPr>
+            <a:r>
+              <a:rPr lang="en-US" sz="2400" b="1" dirty="0">
+                <a:solidFill>
+                  <a:srgbClr val="4D4D4D"/>
+                </a:solidFill>
+                <a:latin typeface="Lato Light"/>
+                <a:cs typeface="Lato Light"/>
+              </a:rPr>
+              <a:t># of Trees in total, as read from </a:t>
+            </a:r>
+            <a:r>
+              <a:rPr lang="en-US" sz="2400" b="1" dirty="0" err="1">
+                <a:solidFill>
+                  <a:srgbClr val="4D4D4D"/>
+                </a:solidFill>
+                <a:latin typeface="Lato Light"/>
+                <a:cs typeface="Lato Light"/>
+              </a:rPr>
+              <a:t>Printix</a:t>
+            </a:r>
+            <a:r>
+              <a:rPr lang="en-US" sz="2400" b="1" dirty="0">
+                <a:solidFill>
+                  <a:srgbClr val="4D4D4D"/>
+                </a:solidFill>
+                <a:latin typeface="Lato Light"/>
+                <a:cs typeface="Lato Light"/>
+              </a:rPr>
+              <a:t> Tracking data</a:t>
+            </a:r>
+          </a:p>
+        </p:txBody>
+      </p:sp>
+      <p:sp>
+        <p:nvSpPr>
+          <p:cNvPr id="19" name="TextBox 18">
+            <a:extLst>
+              <a:ext uri="{FF2B5EF4-FFF2-40B4-BE49-F238E27FC236}">
+                <a16:creationId xmlns:a16="http://schemas.microsoft.com/office/drawing/2014/main" id="{9F380192-AD88-4D71-92D6-95A6B8C42F10}"/>
+              </a:ext>
+            </a:extLst>
+          </p:cNvPr>
+          <p:cNvSpPr txBox="1"/>
+          <p:nvPr/>
+        </p:nvSpPr>
+        <p:spPr>
+          <a:xfrm>
+            <a:off x="11090498" y="1541404"/>
+            <a:ext cx="3415916" cy="517028"/>
+          </a:xfrm>
+          <a:prstGeom prst="rect">
+            <a:avLst/>
+          </a:prstGeom>
+          <a:noFill/>
+        </p:spPr>
+        <p:txBody>
+          <a:bodyPr wrap="square" lIns="243791" tIns="91422" rIns="243791" bIns="91422" rtlCol="0">
+            <a:spAutoFit/>
+          </a:bodyPr>
+          <a:lstStyle/>
+          <a:p>
+            <a:pPr algn="ctr">
+              <a:lnSpc>
+                <a:spcPct val="90000"/>
+              </a:lnSpc>
+              <a:spcBef>
+                <a:spcPts val="2134"/>
+              </a:spcBef>
+            </a:pPr>
+            <a:r>
+              <a:rPr lang="en-US" sz="2400" b="1" dirty="0">
+                <a:solidFill>
+                  <a:srgbClr val="4D4D4D"/>
+                </a:solidFill>
+                <a:latin typeface="Lato Light"/>
+                <a:cs typeface="Lato Light"/>
+              </a:rPr>
+              <a:t># of sheets per tree</a:t>
+            </a:r>
+          </a:p>
+        </p:txBody>
+      </p:sp>
+    </p:spTree>
+    <p:extLst>
+      <p:ext uri="{BB962C8B-B14F-4D97-AF65-F5344CB8AC3E}">
+        <p14:creationId xmlns:p14="http://schemas.microsoft.com/office/powerpoint/2010/main" val="1807147899"/>
+      </p:ext>
+    </p:extLst>
+  </p:cSld>
+  <p:clrMapOvr>
+    <a:masterClrMapping/>
+  </p:clrMapOvr>
+  <p:transition spd="slow">
+    <p:push dir="u"/>
+  </p:transition>
+</p:sld>
+</file>
+
 <file path=ppt/slides/slide2.xml><?xml version="1.0" encoding="utf-8"?>
 <p:sld xmlns:a="http://schemas.openxmlformats.org/drawingml/2006/main" xmlns:r="http://schemas.openxmlformats.org/officeDocument/2006/relationships" xmlns:p="http://schemas.openxmlformats.org/presentationml/2006/main">
   <p:cSld>
@@ -6776,12 +7972,12 @@
           </a:ln>
           <a:extLst>
             <a:ext uri="{909E8E84-426E-40dd-AFC4-6F175D3DCCD1}">
-              <a14:hiddenFill xmlns:a14="http://schemas.microsoft.com/office/drawing/2010/main" xmlns="">
+              <a14:hiddenFill xmlns="" xmlns:a14="http://schemas.microsoft.com/office/drawing/2010/main">
                 <a:noFill/>
               </a14:hiddenFill>
             </a:ext>
             <a:ext uri="{91240B29-F687-4f45-9708-019B960494DF}">
-              <a14:hiddenLine xmlns:a14="http://schemas.microsoft.com/office/drawing/2010/main" xmlns="" w="9525">
+              <a14:hiddenLine xmlns="" xmlns:a14="http://schemas.microsoft.com/office/drawing/2010/main" w="9525">
                 <a:solidFill>
                   <a:srgbClr val="000000"/>
                 </a:solidFill>
@@ -6826,12 +8022,12 @@
           </a:ln>
           <a:extLst>
             <a:ext uri="{909E8E84-426E-40dd-AFC4-6F175D3DCCD1}">
-              <a14:hiddenFill xmlns:a14="http://schemas.microsoft.com/office/drawing/2010/main" xmlns="">
+              <a14:hiddenFill xmlns="" xmlns:a14="http://schemas.microsoft.com/office/drawing/2010/main">
                 <a:noFill/>
               </a14:hiddenFill>
             </a:ext>
             <a:ext uri="{91240B29-F687-4f45-9708-019B960494DF}">
-              <a14:hiddenLine xmlns:a14="http://schemas.microsoft.com/office/drawing/2010/main" xmlns="" w="9525">
+              <a14:hiddenLine xmlns="" xmlns:a14="http://schemas.microsoft.com/office/drawing/2010/main" w="9525">
                 <a:solidFill>
                   <a:srgbClr val="000000"/>
                 </a:solidFill>
@@ -8374,12 +9570,12 @@
           </a:ln>
           <a:extLst>
             <a:ext uri="{909E8E84-426E-40dd-AFC4-6F175D3DCCD1}">
-              <a14:hiddenFill xmlns:a14="http://schemas.microsoft.com/office/drawing/2010/main" xmlns="">
+              <a14:hiddenFill xmlns="" xmlns:a14="http://schemas.microsoft.com/office/drawing/2010/main">
                 <a:noFill/>
               </a14:hiddenFill>
             </a:ext>
             <a:ext uri="{91240B29-F687-4f45-9708-019B960494DF}">
-              <a14:hiddenLine xmlns:a14="http://schemas.microsoft.com/office/drawing/2010/main" xmlns="" w="9525">
+              <a14:hiddenLine xmlns="" xmlns:a14="http://schemas.microsoft.com/office/drawing/2010/main" w="9525">
                 <a:solidFill>
                   <a:srgbClr val="000000"/>
                 </a:solidFill>
@@ -8428,12 +9624,12 @@
           </a:ln>
           <a:extLst>
             <a:ext uri="{909E8E84-426E-40dd-AFC4-6F175D3DCCD1}">
-              <a14:hiddenFill xmlns:a14="http://schemas.microsoft.com/office/drawing/2010/main" xmlns="">
+              <a14:hiddenFill xmlns="" xmlns:a14="http://schemas.microsoft.com/office/drawing/2010/main">
                 <a:noFill/>
               </a14:hiddenFill>
             </a:ext>
             <a:ext uri="{91240B29-F687-4f45-9708-019B960494DF}">
-              <a14:hiddenLine xmlns:a14="http://schemas.microsoft.com/office/drawing/2010/main" xmlns="" w="9525">
+              <a14:hiddenLine xmlns="" xmlns:a14="http://schemas.microsoft.com/office/drawing/2010/main" w="9525">
                 <a:solidFill>
                   <a:srgbClr val="000000"/>
                 </a:solidFill>
@@ -9638,12 +10834,12 @@
           </a:ln>
           <a:extLst>
             <a:ext uri="{909E8E84-426E-40dd-AFC4-6F175D3DCCD1}">
-              <a14:hiddenFill xmlns:a14="http://schemas.microsoft.com/office/drawing/2010/main" xmlns="">
+              <a14:hiddenFill xmlns="" xmlns:a14="http://schemas.microsoft.com/office/drawing/2010/main">
                 <a:noFill/>
               </a14:hiddenFill>
             </a:ext>
             <a:ext uri="{91240B29-F687-4f45-9708-019B960494DF}">
-              <a14:hiddenLine xmlns:a14="http://schemas.microsoft.com/office/drawing/2010/main" xmlns="" w="9525">
+              <a14:hiddenLine xmlns="" xmlns:a14="http://schemas.microsoft.com/office/drawing/2010/main" w="9525">
                 <a:solidFill>
                   <a:srgbClr val="000000"/>
                 </a:solidFill>
@@ -9692,12 +10888,12 @@
           </a:ln>
           <a:extLst>
             <a:ext uri="{909E8E84-426E-40dd-AFC4-6F175D3DCCD1}">
-              <a14:hiddenFill xmlns:a14="http://schemas.microsoft.com/office/drawing/2010/main" xmlns="">
+              <a14:hiddenFill xmlns="" xmlns:a14="http://schemas.microsoft.com/office/drawing/2010/main">
                 <a:noFill/>
               </a14:hiddenFill>
             </a:ext>
             <a:ext uri="{91240B29-F687-4f45-9708-019B960494DF}">
-              <a14:hiddenLine xmlns:a14="http://schemas.microsoft.com/office/drawing/2010/main" xmlns="" w="9525">
+              <a14:hiddenLine xmlns="" xmlns:a14="http://schemas.microsoft.com/office/drawing/2010/main" w="9525">
                 <a:solidFill>
                   <a:srgbClr val="000000"/>
                 </a:solidFill>
@@ -10318,12 +11514,12 @@
           </a:ln>
           <a:extLst>
             <a:ext uri="{909E8E84-426E-40dd-AFC4-6F175D3DCCD1}">
-              <a14:hiddenFill xmlns:a14="http://schemas.microsoft.com/office/drawing/2010/main" xmlns="">
+              <a14:hiddenFill xmlns="" xmlns:a14="http://schemas.microsoft.com/office/drawing/2010/main">
                 <a:noFill/>
               </a14:hiddenFill>
             </a:ext>
             <a:ext uri="{91240B29-F687-4f45-9708-019B960494DF}">
-              <a14:hiddenLine xmlns:a14="http://schemas.microsoft.com/office/drawing/2010/main" xmlns="" w="9525">
+              <a14:hiddenLine xmlns="" xmlns:a14="http://schemas.microsoft.com/office/drawing/2010/main" w="9525">
                 <a:solidFill>
                   <a:srgbClr val="000000"/>
                 </a:solidFill>
@@ -10372,12 +11568,12 @@
           </a:ln>
           <a:extLst>
             <a:ext uri="{909E8E84-426E-40dd-AFC4-6F175D3DCCD1}">
-              <a14:hiddenFill xmlns:a14="http://schemas.microsoft.com/office/drawing/2010/main" xmlns="">
+              <a14:hiddenFill xmlns="" xmlns:a14="http://schemas.microsoft.com/office/drawing/2010/main">
                 <a:noFill/>
               </a14:hiddenFill>
             </a:ext>
             <a:ext uri="{91240B29-F687-4f45-9708-019B960494DF}">
-              <a14:hiddenLine xmlns:a14="http://schemas.microsoft.com/office/drawing/2010/main" xmlns="" w="9525">
+              <a14:hiddenLine xmlns="" xmlns:a14="http://schemas.microsoft.com/office/drawing/2010/main" w="9525">
                 <a:solidFill>
                   <a:srgbClr val="000000"/>
                 </a:solidFill>
@@ -11253,12 +12449,12 @@
           </a:ln>
           <a:extLst>
             <a:ext uri="{909E8E84-426E-40dd-AFC4-6F175D3DCCD1}">
-              <a14:hiddenFill xmlns:a14="http://schemas.microsoft.com/office/drawing/2010/main" xmlns="">
+              <a14:hiddenFill xmlns="" xmlns:a14="http://schemas.microsoft.com/office/drawing/2010/main">
                 <a:noFill/>
               </a14:hiddenFill>
             </a:ext>
             <a:ext uri="{91240B29-F687-4f45-9708-019B960494DF}">
-              <a14:hiddenLine xmlns:a14="http://schemas.microsoft.com/office/drawing/2010/main" xmlns="" w="9525">
+              <a14:hiddenLine xmlns="" xmlns:a14="http://schemas.microsoft.com/office/drawing/2010/main" w="9525">
                 <a:solidFill>
                   <a:srgbClr val="000000"/>
                 </a:solidFill>
@@ -11307,12 +12503,12 @@
           </a:ln>
           <a:extLst>
             <a:ext uri="{909E8E84-426E-40dd-AFC4-6F175D3DCCD1}">
-              <a14:hiddenFill xmlns:a14="http://schemas.microsoft.com/office/drawing/2010/main" xmlns="">
+              <a14:hiddenFill xmlns="" xmlns:a14="http://schemas.microsoft.com/office/drawing/2010/main">
                 <a:noFill/>
               </a14:hiddenFill>
             </a:ext>
             <a:ext uri="{91240B29-F687-4f45-9708-019B960494DF}">
-              <a14:hiddenLine xmlns:a14="http://schemas.microsoft.com/office/drawing/2010/main" xmlns="" w="9525">
+              <a14:hiddenLine xmlns="" xmlns:a14="http://schemas.microsoft.com/office/drawing/2010/main" w="9525">
                 <a:solidFill>
                   <a:srgbClr val="000000"/>
                 </a:solidFill>
@@ -12430,12 +13626,12 @@
           </a:ln>
           <a:extLst>
             <a:ext uri="{909E8E84-426E-40dd-AFC4-6F175D3DCCD1}">
-              <a14:hiddenFill xmlns:a14="http://schemas.microsoft.com/office/drawing/2010/main" xmlns="">
+              <a14:hiddenFill xmlns="" xmlns:a14="http://schemas.microsoft.com/office/drawing/2010/main">
                 <a:noFill/>
               </a14:hiddenFill>
             </a:ext>
             <a:ext uri="{91240B29-F687-4f45-9708-019B960494DF}">
-              <a14:hiddenLine xmlns:a14="http://schemas.microsoft.com/office/drawing/2010/main" xmlns="" w="9525">
+              <a14:hiddenLine xmlns="" xmlns:a14="http://schemas.microsoft.com/office/drawing/2010/main" w="9525">
                 <a:solidFill>
                   <a:srgbClr val="000000"/>
                 </a:solidFill>
@@ -12484,12 +13680,12 @@
           </a:ln>
           <a:extLst>
             <a:ext uri="{909E8E84-426E-40dd-AFC4-6F175D3DCCD1}">
-              <a14:hiddenFill xmlns:a14="http://schemas.microsoft.com/office/drawing/2010/main" xmlns="">
+              <a14:hiddenFill xmlns="" xmlns:a14="http://schemas.microsoft.com/office/drawing/2010/main">
                 <a:noFill/>
               </a14:hiddenFill>
             </a:ext>
             <a:ext uri="{91240B29-F687-4f45-9708-019B960494DF}">
-              <a14:hiddenLine xmlns:a14="http://schemas.microsoft.com/office/drawing/2010/main" xmlns="" w="9525">
+              <a14:hiddenLine xmlns="" xmlns:a14="http://schemas.microsoft.com/office/drawing/2010/main" w="9525">
                 <a:solidFill>
                   <a:srgbClr val="000000"/>
                 </a:solidFill>

--- a/PowerPoint/PrintixPowerBIDesign.pptx
+++ b/PowerPoint/PrintixPowerBIDesign.pptx
@@ -5,7 +5,7 @@
     <p:sldMasterId id="2147483648" r:id="rId1"/>
   </p:sldMasterIdLst>
   <p:notesMasterIdLst>
-    <p:notesMasterId r:id="rId18"/>
+    <p:notesMasterId r:id="rId19"/>
   </p:notesMasterIdLst>
   <p:sldIdLst>
     <p:sldId id="271" r:id="rId2"/>
@@ -24,6 +24,7 @@
     <p:sldId id="285" r:id="rId15"/>
     <p:sldId id="286" r:id="rId16"/>
     <p:sldId id="295" r:id="rId17"/>
+    <p:sldId id="296" r:id="rId18"/>
   </p:sldIdLst>
   <p:sldSz cx="24377650" cy="13716000"/>
   <p:notesSz cx="6858000" cy="9144000"/>
@@ -201,6 +202,11 @@
             <p14:sldId id="295"/>
           </p14:sldIdLst>
         </p14:section>
+        <p14:section name="Cost Management" id="{4EB65851-9C6A-405C-9DB3-F8E34B1F8C92}">
+          <p14:sldIdLst>
+            <p14:sldId id="296"/>
+          </p14:sldIdLst>
+        </p14:section>
       </p14:sectionLst>
     </p:ext>
     <p:ext uri="{EFAFB233-063F-42B5-8137-9DF3F51BA10A}">
@@ -326,7 +332,7 @@
             <a:fld id="{EFC10EE1-B198-C942-8235-326C972CBB30}" type="datetimeFigureOut">
               <a:rPr lang="en-US" smtClean="0"/>
               <a:pPr/>
-              <a:t>11/6/2019</a:t>
+              <a:t>11/11/2019</a:t>
             </a:fld>
             <a:endParaRPr lang="en-US" dirty="0"/>
           </a:p>
@@ -2577,12 +2583,12 @@
           </a:ln>
           <a:extLst>
             <a:ext uri="{909E8E84-426E-40dd-AFC4-6F175D3DCCD1}">
-              <a14:hiddenFill xmlns="" xmlns:a14="http://schemas.microsoft.com/office/drawing/2010/main">
+              <a14:hiddenFill xmlns:a14="http://schemas.microsoft.com/office/drawing/2010/main" xmlns="">
                 <a:noFill/>
               </a14:hiddenFill>
             </a:ext>
             <a:ext uri="{91240B29-F687-4f45-9708-019B960494DF}">
-              <a14:hiddenLine xmlns="" xmlns:a14="http://schemas.microsoft.com/office/drawing/2010/main" w="9525">
+              <a14:hiddenLine xmlns:a14="http://schemas.microsoft.com/office/drawing/2010/main" xmlns="" w="9525">
                 <a:solidFill>
                   <a:srgbClr val="000000"/>
                 </a:solidFill>
@@ -2627,12 +2633,12 @@
           </a:ln>
           <a:extLst>
             <a:ext uri="{909E8E84-426E-40dd-AFC4-6F175D3DCCD1}">
-              <a14:hiddenFill xmlns="" xmlns:a14="http://schemas.microsoft.com/office/drawing/2010/main">
+              <a14:hiddenFill xmlns:a14="http://schemas.microsoft.com/office/drawing/2010/main" xmlns="">
                 <a:noFill/>
               </a14:hiddenFill>
             </a:ext>
             <a:ext uri="{91240B29-F687-4f45-9708-019B960494DF}">
-              <a14:hiddenLine xmlns="" xmlns:a14="http://schemas.microsoft.com/office/drawing/2010/main" w="9525">
+              <a14:hiddenLine xmlns:a14="http://schemas.microsoft.com/office/drawing/2010/main" xmlns="" w="9525">
                 <a:solidFill>
                   <a:srgbClr val="000000"/>
                 </a:solidFill>
@@ -2775,12 +2781,12 @@
           </a:ln>
           <a:extLst>
             <a:ext uri="{909E8E84-426E-40dd-AFC4-6F175D3DCCD1}">
-              <a14:hiddenFill xmlns="" xmlns:a14="http://schemas.microsoft.com/office/drawing/2010/main">
+              <a14:hiddenFill xmlns:a14="http://schemas.microsoft.com/office/drawing/2010/main" xmlns="">
                 <a:noFill/>
               </a14:hiddenFill>
             </a:ext>
             <a:ext uri="{91240B29-F687-4f45-9708-019B960494DF}">
-              <a14:hiddenLine xmlns="" xmlns:a14="http://schemas.microsoft.com/office/drawing/2010/main" w="9525">
+              <a14:hiddenLine xmlns:a14="http://schemas.microsoft.com/office/drawing/2010/main" xmlns="" w="9525">
                 <a:solidFill>
                   <a:srgbClr val="000000"/>
                 </a:solidFill>
@@ -2829,12 +2835,12 @@
           </a:ln>
           <a:extLst>
             <a:ext uri="{909E8E84-426E-40dd-AFC4-6F175D3DCCD1}">
-              <a14:hiddenFill xmlns="" xmlns:a14="http://schemas.microsoft.com/office/drawing/2010/main">
+              <a14:hiddenFill xmlns:a14="http://schemas.microsoft.com/office/drawing/2010/main" xmlns="">
                 <a:noFill/>
               </a14:hiddenFill>
             </a:ext>
             <a:ext uri="{91240B29-F687-4f45-9708-019B960494DF}">
-              <a14:hiddenLine xmlns="" xmlns:a14="http://schemas.microsoft.com/office/drawing/2010/main" w="9525">
+              <a14:hiddenLine xmlns:a14="http://schemas.microsoft.com/office/drawing/2010/main" xmlns="" w="9525">
                 <a:solidFill>
                   <a:srgbClr val="000000"/>
                 </a:solidFill>
@@ -3666,12 +3672,12 @@
           </a:ln>
           <a:extLst>
             <a:ext uri="{909E8E84-426E-40dd-AFC4-6F175D3DCCD1}">
-              <a14:hiddenFill xmlns="" xmlns:a14="http://schemas.microsoft.com/office/drawing/2010/main">
+              <a14:hiddenFill xmlns:a14="http://schemas.microsoft.com/office/drawing/2010/main" xmlns="">
                 <a:noFill/>
               </a14:hiddenFill>
             </a:ext>
             <a:ext uri="{91240B29-F687-4f45-9708-019B960494DF}">
-              <a14:hiddenLine xmlns="" xmlns:a14="http://schemas.microsoft.com/office/drawing/2010/main" w="9525">
+              <a14:hiddenLine xmlns:a14="http://schemas.microsoft.com/office/drawing/2010/main" xmlns="" w="9525">
                 <a:solidFill>
                   <a:srgbClr val="000000"/>
                 </a:solidFill>
@@ -3720,12 +3726,12 @@
           </a:ln>
           <a:extLst>
             <a:ext uri="{909E8E84-426E-40dd-AFC4-6F175D3DCCD1}">
-              <a14:hiddenFill xmlns="" xmlns:a14="http://schemas.microsoft.com/office/drawing/2010/main">
+              <a14:hiddenFill xmlns:a14="http://schemas.microsoft.com/office/drawing/2010/main" xmlns="">
                 <a:noFill/>
               </a14:hiddenFill>
             </a:ext>
             <a:ext uri="{91240B29-F687-4f45-9708-019B960494DF}">
-              <a14:hiddenLine xmlns="" xmlns:a14="http://schemas.microsoft.com/office/drawing/2010/main" w="9525">
+              <a14:hiddenLine xmlns:a14="http://schemas.microsoft.com/office/drawing/2010/main" xmlns="" w="9525">
                 <a:solidFill>
                   <a:srgbClr val="000000"/>
                 </a:solidFill>
@@ -3890,12 +3896,12 @@
           </a:ln>
           <a:extLst>
             <a:ext uri="{909E8E84-426E-40dd-AFC4-6F175D3DCCD1}">
-              <a14:hiddenFill xmlns="" xmlns:a14="http://schemas.microsoft.com/office/drawing/2010/main">
+              <a14:hiddenFill xmlns:a14="http://schemas.microsoft.com/office/drawing/2010/main" xmlns="">
                 <a:noFill/>
               </a14:hiddenFill>
             </a:ext>
             <a:ext uri="{91240B29-F687-4f45-9708-019B960494DF}">
-              <a14:hiddenLine xmlns="" xmlns:a14="http://schemas.microsoft.com/office/drawing/2010/main" w="9525">
+              <a14:hiddenLine xmlns:a14="http://schemas.microsoft.com/office/drawing/2010/main" xmlns="" w="9525">
                 <a:solidFill>
                   <a:srgbClr val="000000"/>
                 </a:solidFill>
@@ -3944,12 +3950,12 @@
           </a:ln>
           <a:extLst>
             <a:ext uri="{909E8E84-426E-40dd-AFC4-6F175D3DCCD1}">
-              <a14:hiddenFill xmlns="" xmlns:a14="http://schemas.microsoft.com/office/drawing/2010/main">
+              <a14:hiddenFill xmlns:a14="http://schemas.microsoft.com/office/drawing/2010/main" xmlns="">
                 <a:noFill/>
               </a14:hiddenFill>
             </a:ext>
             <a:ext uri="{91240B29-F687-4f45-9708-019B960494DF}">
-              <a14:hiddenLine xmlns="" xmlns:a14="http://schemas.microsoft.com/office/drawing/2010/main" w="9525">
+              <a14:hiddenLine xmlns:a14="http://schemas.microsoft.com/office/drawing/2010/main" xmlns="" w="9525">
                 <a:solidFill>
                   <a:srgbClr val="000000"/>
                 </a:solidFill>
@@ -4114,12 +4120,12 @@
           </a:ln>
           <a:extLst>
             <a:ext uri="{909E8E84-426E-40dd-AFC4-6F175D3DCCD1}">
-              <a14:hiddenFill xmlns="" xmlns:a14="http://schemas.microsoft.com/office/drawing/2010/main">
+              <a14:hiddenFill xmlns:a14="http://schemas.microsoft.com/office/drawing/2010/main" xmlns="">
                 <a:noFill/>
               </a14:hiddenFill>
             </a:ext>
             <a:ext uri="{91240B29-F687-4f45-9708-019B960494DF}">
-              <a14:hiddenLine xmlns="" xmlns:a14="http://schemas.microsoft.com/office/drawing/2010/main" w="9525">
+              <a14:hiddenLine xmlns:a14="http://schemas.microsoft.com/office/drawing/2010/main" xmlns="" w="9525">
                 <a:solidFill>
                   <a:srgbClr val="000000"/>
                 </a:solidFill>
@@ -4168,12 +4174,12 @@
           </a:ln>
           <a:extLst>
             <a:ext uri="{909E8E84-426E-40dd-AFC4-6F175D3DCCD1}">
-              <a14:hiddenFill xmlns="" xmlns:a14="http://schemas.microsoft.com/office/drawing/2010/main">
+              <a14:hiddenFill xmlns:a14="http://schemas.microsoft.com/office/drawing/2010/main" xmlns="">
                 <a:noFill/>
               </a14:hiddenFill>
             </a:ext>
             <a:ext uri="{91240B29-F687-4f45-9708-019B960494DF}">
-              <a14:hiddenLine xmlns="" xmlns:a14="http://schemas.microsoft.com/office/drawing/2010/main" w="9525">
+              <a14:hiddenLine xmlns:a14="http://schemas.microsoft.com/office/drawing/2010/main" xmlns="" w="9525">
                 <a:solidFill>
                   <a:srgbClr val="000000"/>
                 </a:solidFill>
@@ -5688,12 +5694,12 @@
           </a:ln>
           <a:extLst>
             <a:ext uri="{909E8E84-426E-40dd-AFC4-6F175D3DCCD1}">
-              <a14:hiddenFill xmlns="" xmlns:a14="http://schemas.microsoft.com/office/drawing/2010/main">
+              <a14:hiddenFill xmlns:a14="http://schemas.microsoft.com/office/drawing/2010/main" xmlns="">
                 <a:noFill/>
               </a14:hiddenFill>
             </a:ext>
             <a:ext uri="{91240B29-F687-4f45-9708-019B960494DF}">
-              <a14:hiddenLine xmlns="" xmlns:a14="http://schemas.microsoft.com/office/drawing/2010/main" w="9525">
+              <a14:hiddenLine xmlns:a14="http://schemas.microsoft.com/office/drawing/2010/main" xmlns="" w="9525">
                 <a:solidFill>
                   <a:srgbClr val="000000"/>
                 </a:solidFill>
@@ -5742,12 +5748,12 @@
           </a:ln>
           <a:extLst>
             <a:ext uri="{909E8E84-426E-40dd-AFC4-6F175D3DCCD1}">
-              <a14:hiddenFill xmlns="" xmlns:a14="http://schemas.microsoft.com/office/drawing/2010/main">
+              <a14:hiddenFill xmlns:a14="http://schemas.microsoft.com/office/drawing/2010/main" xmlns="">
                 <a:noFill/>
               </a14:hiddenFill>
             </a:ext>
             <a:ext uri="{91240B29-F687-4f45-9708-019B960494DF}">
-              <a14:hiddenLine xmlns="" xmlns:a14="http://schemas.microsoft.com/office/drawing/2010/main" w="9525">
+              <a14:hiddenLine xmlns:a14="http://schemas.microsoft.com/office/drawing/2010/main" xmlns="" w="9525">
                 <a:solidFill>
                   <a:srgbClr val="000000"/>
                 </a:solidFill>
@@ -7298,12 +7304,12 @@
           </a:ln>
           <a:extLst>
             <a:ext uri="{909E8E84-426E-40dd-AFC4-6F175D3DCCD1}">
-              <a14:hiddenFill xmlns="" xmlns:a14="http://schemas.microsoft.com/office/drawing/2010/main">
+              <a14:hiddenFill xmlns:a14="http://schemas.microsoft.com/office/drawing/2010/main" xmlns="">
                 <a:noFill/>
               </a14:hiddenFill>
             </a:ext>
             <a:ext uri="{91240B29-F687-4f45-9708-019B960494DF}">
-              <a14:hiddenLine xmlns="" xmlns:a14="http://schemas.microsoft.com/office/drawing/2010/main" w="9525">
+              <a14:hiddenLine xmlns:a14="http://schemas.microsoft.com/office/drawing/2010/main" xmlns="" w="9525">
                 <a:solidFill>
                   <a:srgbClr val="000000"/>
                 </a:solidFill>
@@ -7352,12 +7358,12 @@
           </a:ln>
           <a:extLst>
             <a:ext uri="{909E8E84-426E-40dd-AFC4-6F175D3DCCD1}">
-              <a14:hiddenFill xmlns="" xmlns:a14="http://schemas.microsoft.com/office/drawing/2010/main">
+              <a14:hiddenFill xmlns:a14="http://schemas.microsoft.com/office/drawing/2010/main" xmlns="">
                 <a:noFill/>
               </a14:hiddenFill>
             </a:ext>
             <a:ext uri="{91240B29-F687-4f45-9708-019B960494DF}">
-              <a14:hiddenLine xmlns="" xmlns:a14="http://schemas.microsoft.com/office/drawing/2010/main" w="9525">
+              <a14:hiddenLine xmlns:a14="http://schemas.microsoft.com/office/drawing/2010/main" xmlns="" w="9525">
                 <a:solidFill>
                   <a:srgbClr val="000000"/>
                 </a:solidFill>
@@ -7933,6 +7939,122 @@
 </p:sld>
 </file>
 
+<file path=ppt/slides/slide17.xml><?xml version="1.0" encoding="utf-8"?>
+<p:sld xmlns:a="http://schemas.openxmlformats.org/drawingml/2006/main" xmlns:r="http://schemas.openxmlformats.org/officeDocument/2006/relationships" xmlns:p="http://schemas.openxmlformats.org/presentationml/2006/main">
+  <p:cSld>
+    <p:spTree>
+      <p:nvGrpSpPr>
+        <p:cNvPr id="1" name=""/>
+        <p:cNvGrpSpPr/>
+        <p:nvPr/>
+      </p:nvGrpSpPr>
+      <p:grpSpPr>
+        <a:xfrm>
+          <a:off x="0" y="0"/>
+          <a:ext cx="0" cy="0"/>
+          <a:chOff x="0" y="0"/>
+          <a:chExt cx="0" cy="0"/>
+        </a:xfrm>
+      </p:grpSpPr>
+      <p:sp>
+        <p:nvSpPr>
+          <p:cNvPr id="3" name="TextBox 2">
+            <a:extLst>
+              <a:ext uri="{FF2B5EF4-FFF2-40B4-BE49-F238E27FC236}">
+                <a16:creationId xmlns:a16="http://schemas.microsoft.com/office/drawing/2014/main" id="{25F54E7F-1BDC-4152-9C0A-46FDD08D9FD7}"/>
+              </a:ext>
+            </a:extLst>
+          </p:cNvPr>
+          <p:cNvSpPr txBox="1"/>
+          <p:nvPr/>
+        </p:nvSpPr>
+        <p:spPr>
+          <a:xfrm>
+            <a:off x="11541628" y="741286"/>
+            <a:ext cx="1417376" cy="830997"/>
+          </a:xfrm>
+          <a:prstGeom prst="rect">
+            <a:avLst/>
+          </a:prstGeom>
+          <a:noFill/>
+        </p:spPr>
+        <p:txBody>
+          <a:bodyPr wrap="none" rtlCol="0">
+            <a:spAutoFit/>
+          </a:bodyPr>
+          <a:lstStyle/>
+          <a:p>
+            <a:pPr algn="ctr"/>
+            <a:r>
+              <a:rPr lang="en-US" sz="4800" dirty="0">
+                <a:solidFill>
+                  <a:srgbClr val="4D4D4D"/>
+                </a:solidFill>
+                <a:latin typeface="Lato Light"/>
+                <a:cs typeface="Lato Light"/>
+              </a:rPr>
+              <a:t>Cost</a:t>
+            </a:r>
+          </a:p>
+        </p:txBody>
+      </p:sp>
+      <p:cxnSp>
+        <p:nvCxnSpPr>
+          <p:cNvPr id="4" name="Straight Connector 3">
+            <a:extLst>
+              <a:ext uri="{FF2B5EF4-FFF2-40B4-BE49-F238E27FC236}">
+                <a16:creationId xmlns:a16="http://schemas.microsoft.com/office/drawing/2014/main" id="{CCE712C5-89BC-40AF-BDED-7E5D8FB75C0A}"/>
+              </a:ext>
+            </a:extLst>
+          </p:cNvPr>
+          <p:cNvCxnSpPr/>
+          <p:nvPr/>
+        </p:nvCxnSpPr>
+        <p:spPr>
+          <a:xfrm rot="5400000">
+            <a:off x="12250307" y="1529002"/>
+            <a:ext cx="0" cy="1313401"/>
+          </a:xfrm>
+          <a:prstGeom prst="line">
+            <a:avLst/>
+          </a:prstGeom>
+          <a:ln w="38100" cmpd="sng">
+            <a:solidFill>
+              <a:srgbClr val="4D4D4D"/>
+            </a:solidFill>
+          </a:ln>
+        </p:spPr>
+        <p:style>
+          <a:lnRef idx="2">
+            <a:schemeClr val="accent1"/>
+          </a:lnRef>
+          <a:fillRef idx="0">
+            <a:schemeClr val="accent1"/>
+          </a:fillRef>
+          <a:effectRef idx="1">
+            <a:schemeClr val="accent1"/>
+          </a:effectRef>
+          <a:fontRef idx="minor">
+            <a:schemeClr val="tx1"/>
+          </a:fontRef>
+        </p:style>
+      </p:cxnSp>
+    </p:spTree>
+    <p:extLst>
+      <p:ext uri="{BB962C8B-B14F-4D97-AF65-F5344CB8AC3E}">
+        <p14:creationId xmlns:p14="http://schemas.microsoft.com/office/powerpoint/2010/main" val="2278041278"/>
+      </p:ext>
+    </p:extLst>
+  </p:cSld>
+  <p:clrMapOvr>
+    <a:masterClrMapping/>
+  </p:clrMapOvr>
+  <p:transition spd="slow">
+    <p:push dir="u"/>
+  </p:transition>
+</p:sld>
+</file>
+
 <file path=ppt/slides/slide2.xml><?xml version="1.0" encoding="utf-8"?>
 <p:sld xmlns:a="http://schemas.openxmlformats.org/drawingml/2006/main" xmlns:r="http://schemas.openxmlformats.org/officeDocument/2006/relationships" xmlns:p="http://schemas.openxmlformats.org/presentationml/2006/main">
   <p:cSld>
@@ -7972,12 +8094,12 @@
           </a:ln>
           <a:extLst>
             <a:ext uri="{909E8E84-426E-40dd-AFC4-6F175D3DCCD1}">
-              <a14:hiddenFill xmlns="" xmlns:a14="http://schemas.microsoft.com/office/drawing/2010/main">
+              <a14:hiddenFill xmlns:a14="http://schemas.microsoft.com/office/drawing/2010/main" xmlns="">
                 <a:noFill/>
               </a14:hiddenFill>
             </a:ext>
             <a:ext uri="{91240B29-F687-4f45-9708-019B960494DF}">
-              <a14:hiddenLine xmlns="" xmlns:a14="http://schemas.microsoft.com/office/drawing/2010/main" w="9525">
+              <a14:hiddenLine xmlns:a14="http://schemas.microsoft.com/office/drawing/2010/main" xmlns="" w="9525">
                 <a:solidFill>
                   <a:srgbClr val="000000"/>
                 </a:solidFill>
@@ -8022,12 +8144,12 @@
           </a:ln>
           <a:extLst>
             <a:ext uri="{909E8E84-426E-40dd-AFC4-6F175D3DCCD1}">
-              <a14:hiddenFill xmlns="" xmlns:a14="http://schemas.microsoft.com/office/drawing/2010/main">
+              <a14:hiddenFill xmlns:a14="http://schemas.microsoft.com/office/drawing/2010/main" xmlns="">
                 <a:noFill/>
               </a14:hiddenFill>
             </a:ext>
             <a:ext uri="{91240B29-F687-4f45-9708-019B960494DF}">
-              <a14:hiddenLine xmlns="" xmlns:a14="http://schemas.microsoft.com/office/drawing/2010/main" w="9525">
+              <a14:hiddenLine xmlns:a14="http://schemas.microsoft.com/office/drawing/2010/main" xmlns="" w="9525">
                 <a:solidFill>
                   <a:srgbClr val="000000"/>
                 </a:solidFill>
@@ -9570,12 +9692,12 @@
           </a:ln>
           <a:extLst>
             <a:ext uri="{909E8E84-426E-40dd-AFC4-6F175D3DCCD1}">
-              <a14:hiddenFill xmlns="" xmlns:a14="http://schemas.microsoft.com/office/drawing/2010/main">
+              <a14:hiddenFill xmlns:a14="http://schemas.microsoft.com/office/drawing/2010/main" xmlns="">
                 <a:noFill/>
               </a14:hiddenFill>
             </a:ext>
             <a:ext uri="{91240B29-F687-4f45-9708-019B960494DF}">
-              <a14:hiddenLine xmlns="" xmlns:a14="http://schemas.microsoft.com/office/drawing/2010/main" w="9525">
+              <a14:hiddenLine xmlns:a14="http://schemas.microsoft.com/office/drawing/2010/main" xmlns="" w="9525">
                 <a:solidFill>
                   <a:srgbClr val="000000"/>
                 </a:solidFill>
@@ -9624,12 +9746,12 @@
           </a:ln>
           <a:extLst>
             <a:ext uri="{909E8E84-426E-40dd-AFC4-6F175D3DCCD1}">
-              <a14:hiddenFill xmlns="" xmlns:a14="http://schemas.microsoft.com/office/drawing/2010/main">
+              <a14:hiddenFill xmlns:a14="http://schemas.microsoft.com/office/drawing/2010/main" xmlns="">
                 <a:noFill/>
               </a14:hiddenFill>
             </a:ext>
             <a:ext uri="{91240B29-F687-4f45-9708-019B960494DF}">
-              <a14:hiddenLine xmlns="" xmlns:a14="http://schemas.microsoft.com/office/drawing/2010/main" w="9525">
+              <a14:hiddenLine xmlns:a14="http://schemas.microsoft.com/office/drawing/2010/main" xmlns="" w="9525">
                 <a:solidFill>
                   <a:srgbClr val="000000"/>
                 </a:solidFill>
@@ -10834,12 +10956,12 @@
           </a:ln>
           <a:extLst>
             <a:ext uri="{909E8E84-426E-40dd-AFC4-6F175D3DCCD1}">
-              <a14:hiddenFill xmlns="" xmlns:a14="http://schemas.microsoft.com/office/drawing/2010/main">
+              <a14:hiddenFill xmlns:a14="http://schemas.microsoft.com/office/drawing/2010/main" xmlns="">
                 <a:noFill/>
               </a14:hiddenFill>
             </a:ext>
             <a:ext uri="{91240B29-F687-4f45-9708-019B960494DF}">
-              <a14:hiddenLine xmlns="" xmlns:a14="http://schemas.microsoft.com/office/drawing/2010/main" w="9525">
+              <a14:hiddenLine xmlns:a14="http://schemas.microsoft.com/office/drawing/2010/main" xmlns="" w="9525">
                 <a:solidFill>
                   <a:srgbClr val="000000"/>
                 </a:solidFill>
@@ -10888,12 +11010,12 @@
           </a:ln>
           <a:extLst>
             <a:ext uri="{909E8E84-426E-40dd-AFC4-6F175D3DCCD1}">
-              <a14:hiddenFill xmlns="" xmlns:a14="http://schemas.microsoft.com/office/drawing/2010/main">
+              <a14:hiddenFill xmlns:a14="http://schemas.microsoft.com/office/drawing/2010/main" xmlns="">
                 <a:noFill/>
               </a14:hiddenFill>
             </a:ext>
             <a:ext uri="{91240B29-F687-4f45-9708-019B960494DF}">
-              <a14:hiddenLine xmlns="" xmlns:a14="http://schemas.microsoft.com/office/drawing/2010/main" w="9525">
+              <a14:hiddenLine xmlns:a14="http://schemas.microsoft.com/office/drawing/2010/main" xmlns="" w="9525">
                 <a:solidFill>
                   <a:srgbClr val="000000"/>
                 </a:solidFill>
@@ -11514,12 +11636,12 @@
           </a:ln>
           <a:extLst>
             <a:ext uri="{909E8E84-426E-40dd-AFC4-6F175D3DCCD1}">
-              <a14:hiddenFill xmlns="" xmlns:a14="http://schemas.microsoft.com/office/drawing/2010/main">
+              <a14:hiddenFill xmlns:a14="http://schemas.microsoft.com/office/drawing/2010/main" xmlns="">
                 <a:noFill/>
               </a14:hiddenFill>
             </a:ext>
             <a:ext uri="{91240B29-F687-4f45-9708-019B960494DF}">
-              <a14:hiddenLine xmlns="" xmlns:a14="http://schemas.microsoft.com/office/drawing/2010/main" w="9525">
+              <a14:hiddenLine xmlns:a14="http://schemas.microsoft.com/office/drawing/2010/main" xmlns="" w="9525">
                 <a:solidFill>
                   <a:srgbClr val="000000"/>
                 </a:solidFill>
@@ -11568,12 +11690,12 @@
           </a:ln>
           <a:extLst>
             <a:ext uri="{909E8E84-426E-40dd-AFC4-6F175D3DCCD1}">
-              <a14:hiddenFill xmlns="" xmlns:a14="http://schemas.microsoft.com/office/drawing/2010/main">
+              <a14:hiddenFill xmlns:a14="http://schemas.microsoft.com/office/drawing/2010/main" xmlns="">
                 <a:noFill/>
               </a14:hiddenFill>
             </a:ext>
             <a:ext uri="{91240B29-F687-4f45-9708-019B960494DF}">
-              <a14:hiddenLine xmlns="" xmlns:a14="http://schemas.microsoft.com/office/drawing/2010/main" w="9525">
+              <a14:hiddenLine xmlns:a14="http://schemas.microsoft.com/office/drawing/2010/main" xmlns="" w="9525">
                 <a:solidFill>
                   <a:srgbClr val="000000"/>
                 </a:solidFill>
@@ -12449,12 +12571,12 @@
           </a:ln>
           <a:extLst>
             <a:ext uri="{909E8E84-426E-40dd-AFC4-6F175D3DCCD1}">
-              <a14:hiddenFill xmlns="" xmlns:a14="http://schemas.microsoft.com/office/drawing/2010/main">
+              <a14:hiddenFill xmlns:a14="http://schemas.microsoft.com/office/drawing/2010/main" xmlns="">
                 <a:noFill/>
               </a14:hiddenFill>
             </a:ext>
             <a:ext uri="{91240B29-F687-4f45-9708-019B960494DF}">
-              <a14:hiddenLine xmlns="" xmlns:a14="http://schemas.microsoft.com/office/drawing/2010/main" w="9525">
+              <a14:hiddenLine xmlns:a14="http://schemas.microsoft.com/office/drawing/2010/main" xmlns="" w="9525">
                 <a:solidFill>
                   <a:srgbClr val="000000"/>
                 </a:solidFill>
@@ -12503,12 +12625,12 @@
           </a:ln>
           <a:extLst>
             <a:ext uri="{909E8E84-426E-40dd-AFC4-6F175D3DCCD1}">
-              <a14:hiddenFill xmlns="" xmlns:a14="http://schemas.microsoft.com/office/drawing/2010/main">
+              <a14:hiddenFill xmlns:a14="http://schemas.microsoft.com/office/drawing/2010/main" xmlns="">
                 <a:noFill/>
               </a14:hiddenFill>
             </a:ext>
             <a:ext uri="{91240B29-F687-4f45-9708-019B960494DF}">
-              <a14:hiddenLine xmlns="" xmlns:a14="http://schemas.microsoft.com/office/drawing/2010/main" w="9525">
+              <a14:hiddenLine xmlns:a14="http://schemas.microsoft.com/office/drawing/2010/main" xmlns="" w="9525">
                 <a:solidFill>
                   <a:srgbClr val="000000"/>
                 </a:solidFill>
@@ -13626,12 +13748,12 @@
           </a:ln>
           <a:extLst>
             <a:ext uri="{909E8E84-426E-40dd-AFC4-6F175D3DCCD1}">
-              <a14:hiddenFill xmlns="" xmlns:a14="http://schemas.microsoft.com/office/drawing/2010/main">
+              <a14:hiddenFill xmlns:a14="http://schemas.microsoft.com/office/drawing/2010/main" xmlns="">
                 <a:noFill/>
               </a14:hiddenFill>
             </a:ext>
             <a:ext uri="{91240B29-F687-4f45-9708-019B960494DF}">
-              <a14:hiddenLine xmlns="" xmlns:a14="http://schemas.microsoft.com/office/drawing/2010/main" w="9525">
+              <a14:hiddenLine xmlns:a14="http://schemas.microsoft.com/office/drawing/2010/main" xmlns="" w="9525">
                 <a:solidFill>
                   <a:srgbClr val="000000"/>
                 </a:solidFill>
@@ -13680,12 +13802,12 @@
           </a:ln>
           <a:extLst>
             <a:ext uri="{909E8E84-426E-40dd-AFC4-6F175D3DCCD1}">
-              <a14:hiddenFill xmlns="" xmlns:a14="http://schemas.microsoft.com/office/drawing/2010/main">
+              <a14:hiddenFill xmlns:a14="http://schemas.microsoft.com/office/drawing/2010/main" xmlns="">
                 <a:noFill/>
               </a14:hiddenFill>
             </a:ext>
             <a:ext uri="{91240B29-F687-4f45-9708-019B960494DF}">
-              <a14:hiddenLine xmlns="" xmlns:a14="http://schemas.microsoft.com/office/drawing/2010/main" w="9525">
+              <a14:hiddenLine xmlns:a14="http://schemas.microsoft.com/office/drawing/2010/main" xmlns="" w="9525">
                 <a:solidFill>
                   <a:srgbClr val="000000"/>
                 </a:solidFill>

--- a/PowerPoint/PrintixPowerBIDesign.pptx
+++ b/PowerPoint/PrintixPowerBIDesign.pptx
@@ -5,7 +5,7 @@
     <p:sldMasterId id="2147483648" r:id="rId1"/>
   </p:sldMasterIdLst>
   <p:notesMasterIdLst>
-    <p:notesMasterId r:id="rId19"/>
+    <p:notesMasterId r:id="rId21"/>
   </p:notesMasterIdLst>
   <p:sldIdLst>
     <p:sldId id="271" r:id="rId2"/>
@@ -20,11 +20,13 @@
     <p:sldId id="292" r:id="rId11"/>
     <p:sldId id="284" r:id="rId12"/>
     <p:sldId id="291" r:id="rId13"/>
-    <p:sldId id="287" r:id="rId14"/>
-    <p:sldId id="285" r:id="rId15"/>
-    <p:sldId id="286" r:id="rId16"/>
-    <p:sldId id="295" r:id="rId17"/>
-    <p:sldId id="296" r:id="rId18"/>
+    <p:sldId id="297" r:id="rId14"/>
+    <p:sldId id="287" r:id="rId15"/>
+    <p:sldId id="285" r:id="rId16"/>
+    <p:sldId id="286" r:id="rId17"/>
+    <p:sldId id="295" r:id="rId18"/>
+    <p:sldId id="296" r:id="rId19"/>
+    <p:sldId id="298" r:id="rId20"/>
   </p:sldIdLst>
   <p:sldSz cx="24377650" cy="13716000"/>
   <p:notesSz cx="6858000" cy="9144000"/>
@@ -182,6 +184,11 @@
             <p14:sldId id="291"/>
           </p14:sldIdLst>
         </p14:section>
+        <p14:section name="Job History (HomeOffice)" id="{CBFFFCBB-BF7E-4ABE-8D14-1D4426119AE8}">
+          <p14:sldIdLst>
+            <p14:sldId id="297"/>
+          </p14:sldIdLst>
+        </p14:section>
         <p14:section name="Networks - Overview" id="{EE161948-EF80-4EB0-A0BF-E9657B967DB3}">
           <p14:sldIdLst>
             <p14:sldId id="287"/>
@@ -205,6 +212,11 @@
         <p14:section name="Cost Management" id="{4EB65851-9C6A-405C-9DB3-F8E34B1F8C92}">
           <p14:sldIdLst>
             <p14:sldId id="296"/>
+          </p14:sldIdLst>
+        </p14:section>
+        <p14:section name="Cost (HomeOffice)" id="{D0CF1183-96BF-445B-B4AB-0BB189782321}">
+          <p14:sldIdLst>
+            <p14:sldId id="298"/>
           </p14:sldIdLst>
         </p14:section>
       </p14:sectionLst>
@@ -332,7 +344,7 @@
             <a:fld id="{EFC10EE1-B198-C942-8235-326C972CBB30}" type="datetimeFigureOut">
               <a:rPr lang="en-US" smtClean="0"/>
               <a:pPr/>
-              <a:t>5/20/2020</a:t>
+              <a:t>11/17/2021</a:t>
             </a:fld>
             <a:endParaRPr lang="en-US" dirty="0"/>
           </a:p>
@@ -2644,12 +2656,12 @@
           </a:ln>
           <a:extLst>
             <a:ext uri="{909E8E84-426E-40dd-AFC4-6F175D3DCCD1}">
-              <a14:hiddenFill xmlns:a14="http://schemas.microsoft.com/office/drawing/2010/main" xmlns="">
+              <a14:hiddenFill xmlns="" xmlns:a14="http://schemas.microsoft.com/office/drawing/2010/main">
                 <a:noFill/>
               </a14:hiddenFill>
             </a:ext>
             <a:ext uri="{91240B29-F687-4f45-9708-019B960494DF}">
-              <a14:hiddenLine xmlns:a14="http://schemas.microsoft.com/office/drawing/2010/main" xmlns="" w="9525">
+              <a14:hiddenLine xmlns="" xmlns:a14="http://schemas.microsoft.com/office/drawing/2010/main" w="9525">
                 <a:solidFill>
                   <a:srgbClr val="000000"/>
                 </a:solidFill>
@@ -2694,12 +2706,12 @@
           </a:ln>
           <a:extLst>
             <a:ext uri="{909E8E84-426E-40dd-AFC4-6F175D3DCCD1}">
-              <a14:hiddenFill xmlns:a14="http://schemas.microsoft.com/office/drawing/2010/main" xmlns="">
+              <a14:hiddenFill xmlns="" xmlns:a14="http://schemas.microsoft.com/office/drawing/2010/main">
                 <a:noFill/>
               </a14:hiddenFill>
             </a:ext>
             <a:ext uri="{91240B29-F687-4f45-9708-019B960494DF}">
-              <a14:hiddenLine xmlns:a14="http://schemas.microsoft.com/office/drawing/2010/main" xmlns="" w="9525">
+              <a14:hiddenLine xmlns="" xmlns:a14="http://schemas.microsoft.com/office/drawing/2010/main" w="9525">
                 <a:solidFill>
                   <a:srgbClr val="000000"/>
                 </a:solidFill>
@@ -2777,12 +2789,12 @@
           </a:ln>
           <a:extLst>
             <a:ext uri="{909E8E84-426E-40dd-AFC4-6F175D3DCCD1}">
-              <a14:hiddenFill xmlns:a14="http://schemas.microsoft.com/office/drawing/2010/main" xmlns="">
+              <a14:hiddenFill xmlns="" xmlns:a14="http://schemas.microsoft.com/office/drawing/2010/main">
                 <a:noFill/>
               </a14:hiddenFill>
             </a:ext>
             <a:ext uri="{91240B29-F687-4f45-9708-019B960494DF}">
-              <a14:hiddenLine xmlns:a14="http://schemas.microsoft.com/office/drawing/2010/main" xmlns="" w="9525">
+              <a14:hiddenLine xmlns="" xmlns:a14="http://schemas.microsoft.com/office/drawing/2010/main" w="9525">
                 <a:solidFill>
                   <a:srgbClr val="000000"/>
                 </a:solidFill>
@@ -2831,12 +2843,12 @@
           </a:ln>
           <a:extLst>
             <a:ext uri="{909E8E84-426E-40dd-AFC4-6F175D3DCCD1}">
-              <a14:hiddenFill xmlns:a14="http://schemas.microsoft.com/office/drawing/2010/main" xmlns="">
+              <a14:hiddenFill xmlns="" xmlns:a14="http://schemas.microsoft.com/office/drawing/2010/main">
                 <a:noFill/>
               </a14:hiddenFill>
             </a:ext>
             <a:ext uri="{91240B29-F687-4f45-9708-019B960494DF}">
-              <a14:hiddenLine xmlns:a14="http://schemas.microsoft.com/office/drawing/2010/main" xmlns="" w="9525">
+              <a14:hiddenLine xmlns="" xmlns:a14="http://schemas.microsoft.com/office/drawing/2010/main" w="9525">
                 <a:solidFill>
                   <a:srgbClr val="000000"/>
                 </a:solidFill>
@@ -3587,12 +3599,12 @@
           </a:ln>
           <a:extLst>
             <a:ext uri="{909E8E84-426E-40dd-AFC4-6F175D3DCCD1}">
-              <a14:hiddenFill xmlns:a14="http://schemas.microsoft.com/office/drawing/2010/main" xmlns="">
+              <a14:hiddenFill xmlns="" xmlns:a14="http://schemas.microsoft.com/office/drawing/2010/main">
                 <a:noFill/>
               </a14:hiddenFill>
             </a:ext>
             <a:ext uri="{91240B29-F687-4f45-9708-019B960494DF}">
-              <a14:hiddenLine xmlns:a14="http://schemas.microsoft.com/office/drawing/2010/main" xmlns="" w="9525">
+              <a14:hiddenLine xmlns="" xmlns:a14="http://schemas.microsoft.com/office/drawing/2010/main" w="9525">
                 <a:solidFill>
                   <a:srgbClr val="000000"/>
                 </a:solidFill>
@@ -3641,12 +3653,12 @@
           </a:ln>
           <a:extLst>
             <a:ext uri="{909E8E84-426E-40dd-AFC4-6F175D3DCCD1}">
-              <a14:hiddenFill xmlns:a14="http://schemas.microsoft.com/office/drawing/2010/main" xmlns="">
+              <a14:hiddenFill xmlns="" xmlns:a14="http://schemas.microsoft.com/office/drawing/2010/main">
                 <a:noFill/>
               </a14:hiddenFill>
             </a:ext>
             <a:ext uri="{91240B29-F687-4f45-9708-019B960494DF}">
-              <a14:hiddenLine xmlns:a14="http://schemas.microsoft.com/office/drawing/2010/main" xmlns="" w="9525">
+              <a14:hiddenLine xmlns="" xmlns:a14="http://schemas.microsoft.com/office/drawing/2010/main" w="9525">
                 <a:solidFill>
                   <a:srgbClr val="000000"/>
                 </a:solidFill>
@@ -3777,12 +3789,12 @@
           </a:ln>
           <a:extLst>
             <a:ext uri="{909E8E84-426E-40dd-AFC4-6F175D3DCCD1}">
-              <a14:hiddenFill xmlns:a14="http://schemas.microsoft.com/office/drawing/2010/main" xmlns="">
+              <a14:hiddenFill xmlns="" xmlns:a14="http://schemas.microsoft.com/office/drawing/2010/main">
                 <a:noFill/>
               </a14:hiddenFill>
             </a:ext>
             <a:ext uri="{91240B29-F687-4f45-9708-019B960494DF}">
-              <a14:hiddenLine xmlns:a14="http://schemas.microsoft.com/office/drawing/2010/main" xmlns="" w="9525">
+              <a14:hiddenLine xmlns="" xmlns:a14="http://schemas.microsoft.com/office/drawing/2010/main" w="9525">
                 <a:solidFill>
                   <a:srgbClr val="000000"/>
                 </a:solidFill>
@@ -3831,12 +3843,12 @@
           </a:ln>
           <a:extLst>
             <a:ext uri="{909E8E84-426E-40dd-AFC4-6F175D3DCCD1}">
-              <a14:hiddenFill xmlns:a14="http://schemas.microsoft.com/office/drawing/2010/main" xmlns="">
+              <a14:hiddenFill xmlns="" xmlns:a14="http://schemas.microsoft.com/office/drawing/2010/main">
                 <a:noFill/>
               </a14:hiddenFill>
             </a:ext>
             <a:ext uri="{91240B29-F687-4f45-9708-019B960494DF}">
-              <a14:hiddenLine xmlns:a14="http://schemas.microsoft.com/office/drawing/2010/main" xmlns="" w="9525">
+              <a14:hiddenLine xmlns="" xmlns:a14="http://schemas.microsoft.com/office/drawing/2010/main" w="9525">
                 <a:solidFill>
                   <a:srgbClr val="000000"/>
                 </a:solidFill>
@@ -3947,6 +3959,94 @@
       </p:grpSpPr>
       <p:sp>
         <p:nvSpPr>
+          <p:cNvPr id="2" name="TextBox 1">
+            <a:extLst>
+              <a:ext uri="{FF2B5EF4-FFF2-40B4-BE49-F238E27FC236}">
+                <a16:creationId xmlns:a16="http://schemas.microsoft.com/office/drawing/2014/main" id="{5B7DE6F6-A07C-46AB-B975-0DD81BBFDC30}"/>
+              </a:ext>
+            </a:extLst>
+          </p:cNvPr>
+          <p:cNvSpPr txBox="1"/>
+          <p:nvPr/>
+        </p:nvSpPr>
+        <p:spPr>
+          <a:xfrm>
+            <a:off x="7829069" y="0"/>
+            <a:ext cx="8842485" cy="2308324"/>
+          </a:xfrm>
+          <a:prstGeom prst="rect">
+            <a:avLst/>
+          </a:prstGeom>
+          <a:noFill/>
+        </p:spPr>
+        <p:txBody>
+          <a:bodyPr wrap="none" rtlCol="0">
+            <a:spAutoFit/>
+          </a:bodyPr>
+          <a:lstStyle>
+            <a:defPPr>
+              <a:defRPr lang="en-US"/>
+            </a:defPPr>
+            <a:lvl1pPr algn="ctr">
+              <a:defRPr sz="7200">
+                <a:solidFill>
+                  <a:srgbClr val="4D4D4D"/>
+                </a:solidFill>
+                <a:latin typeface="Lato" panose="020F0502020204030203" pitchFamily="34" charset="0"/>
+                <a:ea typeface="Lato" panose="020F0502020204030203" pitchFamily="34" charset="0"/>
+                <a:cs typeface="Lato" panose="020F0502020204030203" pitchFamily="34" charset="0"/>
+              </a:defRPr>
+            </a:lvl1pPr>
+          </a:lstStyle>
+          <a:p>
+            <a:r>
+              <a:rPr lang="en-US" dirty="0"/>
+              <a:t>Job – History</a:t>
+            </a:r>
+          </a:p>
+          <a:p>
+            <a:r>
+              <a:rPr lang="en-US" dirty="0"/>
+              <a:t>Home Office Printing</a:t>
+            </a:r>
+          </a:p>
+        </p:txBody>
+      </p:sp>
+    </p:spTree>
+    <p:extLst>
+      <p:ext uri="{BB962C8B-B14F-4D97-AF65-F5344CB8AC3E}">
+        <p14:creationId xmlns:p14="http://schemas.microsoft.com/office/powerpoint/2010/main" val="1052953859"/>
+      </p:ext>
+    </p:extLst>
+  </p:cSld>
+  <p:clrMapOvr>
+    <a:masterClrMapping/>
+  </p:clrMapOvr>
+  <p:transition spd="slow">
+    <p:push dir="u"/>
+  </p:transition>
+</p:sld>
+</file>
+
+<file path=ppt/slides/slide14.xml><?xml version="1.0" encoding="utf-8"?>
+<p:sld xmlns:a="http://schemas.openxmlformats.org/drawingml/2006/main" xmlns:r="http://schemas.openxmlformats.org/officeDocument/2006/relationships" xmlns:p="http://schemas.openxmlformats.org/presentationml/2006/main">
+  <p:cSld>
+    <p:spTree>
+      <p:nvGrpSpPr>
+        <p:cNvPr id="1" name=""/>
+        <p:cNvGrpSpPr/>
+        <p:nvPr/>
+      </p:nvGrpSpPr>
+      <p:grpSpPr>
+        <a:xfrm>
+          <a:off x="0" y="0"/>
+          <a:ext cx="0" cy="0"/>
+          <a:chOff x="0" y="0"/>
+          <a:chExt cx="0" cy="0"/>
+        </a:xfrm>
+      </p:grpSpPr>
+      <p:sp>
+        <p:nvSpPr>
           <p:cNvPr id="44" name="Line 5"/>
           <p:cNvSpPr>
             <a:spLocks noChangeShapeType="1"/>
@@ -3967,12 +4067,12 @@
           </a:ln>
           <a:extLst>
             <a:ext uri="{909E8E84-426E-40dd-AFC4-6F175D3DCCD1}">
-              <a14:hiddenFill xmlns:a14="http://schemas.microsoft.com/office/drawing/2010/main" xmlns="">
+              <a14:hiddenFill xmlns="" xmlns:a14="http://schemas.microsoft.com/office/drawing/2010/main">
                 <a:noFill/>
               </a14:hiddenFill>
             </a:ext>
             <a:ext uri="{91240B29-F687-4f45-9708-019B960494DF}">
-              <a14:hiddenLine xmlns:a14="http://schemas.microsoft.com/office/drawing/2010/main" xmlns="" w="9525">
+              <a14:hiddenLine xmlns="" xmlns:a14="http://schemas.microsoft.com/office/drawing/2010/main" w="9525">
                 <a:solidFill>
                   <a:srgbClr val="000000"/>
                 </a:solidFill>
@@ -4021,12 +4121,12 @@
           </a:ln>
           <a:extLst>
             <a:ext uri="{909E8E84-426E-40dd-AFC4-6F175D3DCCD1}">
-              <a14:hiddenFill xmlns:a14="http://schemas.microsoft.com/office/drawing/2010/main" xmlns="">
+              <a14:hiddenFill xmlns="" xmlns:a14="http://schemas.microsoft.com/office/drawing/2010/main">
                 <a:noFill/>
               </a14:hiddenFill>
             </a:ext>
             <a:ext uri="{91240B29-F687-4f45-9708-019B960494DF}">
-              <a14:hiddenLine xmlns:a14="http://schemas.microsoft.com/office/drawing/2010/main" xmlns="" w="9525">
+              <a14:hiddenLine xmlns="" xmlns:a14="http://schemas.microsoft.com/office/drawing/2010/main" w="9525">
                 <a:solidFill>
                   <a:srgbClr val="000000"/>
                 </a:solidFill>
@@ -4162,7 +4262,7 @@
 </p:sld>
 </file>
 
-<file path=ppt/slides/slide14.xml><?xml version="1.0" encoding="utf-8"?>
+<file path=ppt/slides/slide15.xml><?xml version="1.0" encoding="utf-8"?>
 <p:sld xmlns:a="http://schemas.openxmlformats.org/drawingml/2006/main" xmlns:r="http://schemas.openxmlformats.org/officeDocument/2006/relationships" xmlns:p="http://schemas.openxmlformats.org/presentationml/2006/main">
   <p:cSld>
     <p:spTree>
@@ -5064,7 +5164,7 @@
 </p:sld>
 </file>
 
-<file path=ppt/slides/slide15.xml><?xml version="1.0" encoding="utf-8"?>
+<file path=ppt/slides/slide16.xml><?xml version="1.0" encoding="utf-8"?>
 <p:sld xmlns:a="http://schemas.openxmlformats.org/drawingml/2006/main" xmlns:r="http://schemas.openxmlformats.org/officeDocument/2006/relationships" xmlns:p="http://schemas.openxmlformats.org/presentationml/2006/main">
   <p:cSld>
     <p:spTree>
@@ -5103,12 +5203,12 @@
           </a:ln>
           <a:extLst>
             <a:ext uri="{909E8E84-426E-40dd-AFC4-6F175D3DCCD1}">
-              <a14:hiddenFill xmlns:a14="http://schemas.microsoft.com/office/drawing/2010/main" xmlns="">
+              <a14:hiddenFill xmlns="" xmlns:a14="http://schemas.microsoft.com/office/drawing/2010/main">
                 <a:noFill/>
               </a14:hiddenFill>
             </a:ext>
             <a:ext uri="{91240B29-F687-4f45-9708-019B960494DF}">
-              <a14:hiddenLine xmlns:a14="http://schemas.microsoft.com/office/drawing/2010/main" xmlns="" w="9525">
+              <a14:hiddenLine xmlns="" xmlns:a14="http://schemas.microsoft.com/office/drawing/2010/main" w="9525">
                 <a:solidFill>
                   <a:srgbClr val="000000"/>
                 </a:solidFill>
@@ -5157,12 +5257,12 @@
           </a:ln>
           <a:extLst>
             <a:ext uri="{909E8E84-426E-40dd-AFC4-6F175D3DCCD1}">
-              <a14:hiddenFill xmlns:a14="http://schemas.microsoft.com/office/drawing/2010/main" xmlns="">
+              <a14:hiddenFill xmlns="" xmlns:a14="http://schemas.microsoft.com/office/drawing/2010/main">
                 <a:noFill/>
               </a14:hiddenFill>
             </a:ext>
             <a:ext uri="{91240B29-F687-4f45-9708-019B960494DF}">
-              <a14:hiddenLine xmlns:a14="http://schemas.microsoft.com/office/drawing/2010/main" xmlns="" w="9525">
+              <a14:hiddenLine xmlns="" xmlns:a14="http://schemas.microsoft.com/office/drawing/2010/main" w="9525">
                 <a:solidFill>
                   <a:srgbClr val="000000"/>
                 </a:solidFill>
@@ -6682,500 +6782,6 @@
 </p:sld>
 </file>
 
-<file path=ppt/slides/slide16.xml><?xml version="1.0" encoding="utf-8"?>
-<p:sld xmlns:a="http://schemas.openxmlformats.org/drawingml/2006/main" xmlns:r="http://schemas.openxmlformats.org/officeDocument/2006/relationships" xmlns:p="http://schemas.openxmlformats.org/presentationml/2006/main">
-  <p:cSld>
-    <p:spTree>
-      <p:nvGrpSpPr>
-        <p:cNvPr id="1" name=""/>
-        <p:cNvGrpSpPr/>
-        <p:nvPr/>
-      </p:nvGrpSpPr>
-      <p:grpSpPr>
-        <a:xfrm>
-          <a:off x="0" y="0"/>
-          <a:ext cx="0" cy="0"/>
-          <a:chOff x="0" y="0"/>
-          <a:chExt cx="0" cy="0"/>
-        </a:xfrm>
-      </p:grpSpPr>
-      <p:sp>
-        <p:nvSpPr>
-          <p:cNvPr id="44" name="Line 5"/>
-          <p:cNvSpPr>
-            <a:spLocks noChangeShapeType="1"/>
-          </p:cNvSpPr>
-          <p:nvPr/>
-        </p:nvSpPr>
-        <p:spPr bwMode="auto">
-          <a:xfrm>
-            <a:off x="1493979" y="-1748368"/>
-            <a:ext cx="0" cy="0"/>
-          </a:xfrm>
-          <a:prstGeom prst="line">
-            <a:avLst/>
-          </a:prstGeom>
-          <a:noFill/>
-          <a:ln>
-            <a:noFill/>
-          </a:ln>
-          <a:extLst>
-            <a:ext uri="{909E8E84-426E-40dd-AFC4-6F175D3DCCD1}">
-              <a14:hiddenFill xmlns:a14="http://schemas.microsoft.com/office/drawing/2010/main" xmlns="">
-                <a:noFill/>
-              </a14:hiddenFill>
-            </a:ext>
-            <a:ext uri="{91240B29-F687-4f45-9708-019B960494DF}">
-              <a14:hiddenLine xmlns:a14="http://schemas.microsoft.com/office/drawing/2010/main" xmlns="" w="9525">
-                <a:solidFill>
-                  <a:srgbClr val="000000"/>
-                </a:solidFill>
-                <a:round/>
-                <a:headEnd/>
-                <a:tailEnd/>
-              </a14:hiddenLine>
-            </a:ext>
-          </a:extLst>
-        </p:spPr>
-        <p:txBody>
-          <a:bodyPr vert="horz" wrap="square" lIns="243797" tIns="121899" rIns="243797" bIns="121899" numCol="1" anchor="t" anchorCtr="0" compatLnSpc="1">
-            <a:prstTxWarp prst="textNoShape">
-              <a:avLst/>
-            </a:prstTxWarp>
-          </a:bodyPr>
-          <a:lstStyle/>
-          <a:p>
-            <a:endParaRPr lang="en-US">
-              <a:solidFill>
-                <a:srgbClr val="4D4D4D"/>
-              </a:solidFill>
-            </a:endParaRPr>
-          </a:p>
-        </p:txBody>
-      </p:sp>
-      <p:sp>
-        <p:nvSpPr>
-          <p:cNvPr id="45" name="Line 6"/>
-          <p:cNvSpPr>
-            <a:spLocks noChangeShapeType="1"/>
-          </p:cNvSpPr>
-          <p:nvPr/>
-        </p:nvSpPr>
-        <p:spPr bwMode="auto">
-          <a:xfrm>
-            <a:off x="1493979" y="-1748368"/>
-            <a:ext cx="0" cy="0"/>
-          </a:xfrm>
-          <a:prstGeom prst="line">
-            <a:avLst/>
-          </a:prstGeom>
-          <a:noFill/>
-          <a:ln>
-            <a:noFill/>
-          </a:ln>
-          <a:extLst>
-            <a:ext uri="{909E8E84-426E-40dd-AFC4-6F175D3DCCD1}">
-              <a14:hiddenFill xmlns:a14="http://schemas.microsoft.com/office/drawing/2010/main" xmlns="">
-                <a:noFill/>
-              </a14:hiddenFill>
-            </a:ext>
-            <a:ext uri="{91240B29-F687-4f45-9708-019B960494DF}">
-              <a14:hiddenLine xmlns:a14="http://schemas.microsoft.com/office/drawing/2010/main" xmlns="" w="9525">
-                <a:solidFill>
-                  <a:srgbClr val="000000"/>
-                </a:solidFill>
-                <a:round/>
-                <a:headEnd/>
-                <a:tailEnd/>
-              </a14:hiddenLine>
-            </a:ext>
-          </a:extLst>
-        </p:spPr>
-        <p:txBody>
-          <a:bodyPr vert="horz" wrap="square" lIns="243797" tIns="121899" rIns="243797" bIns="121899" numCol="1" anchor="t" anchorCtr="0" compatLnSpc="1">
-            <a:prstTxWarp prst="textNoShape">
-              <a:avLst/>
-            </a:prstTxWarp>
-          </a:bodyPr>
-          <a:lstStyle/>
-          <a:p>
-            <a:endParaRPr lang="en-US">
-              <a:solidFill>
-                <a:srgbClr val="4D4D4D"/>
-              </a:solidFill>
-            </a:endParaRPr>
-          </a:p>
-        </p:txBody>
-      </p:sp>
-      <p:sp>
-        <p:nvSpPr>
-          <p:cNvPr id="5" name="TextBox 4">
-            <a:extLst>
-              <a:ext uri="{FF2B5EF4-FFF2-40B4-BE49-F238E27FC236}">
-                <a16:creationId xmlns:a16="http://schemas.microsoft.com/office/drawing/2014/main" id="{6A66EF5C-C181-4F39-85B0-64A3AF06C2E3}"/>
-              </a:ext>
-            </a:extLst>
-          </p:cNvPr>
-          <p:cNvSpPr txBox="1"/>
-          <p:nvPr/>
-        </p:nvSpPr>
-        <p:spPr>
-          <a:xfrm>
-            <a:off x="10264034" y="741286"/>
-            <a:ext cx="3972562" cy="830997"/>
-          </a:xfrm>
-          <a:prstGeom prst="rect">
-            <a:avLst/>
-          </a:prstGeom>
-          <a:noFill/>
-        </p:spPr>
-        <p:txBody>
-          <a:bodyPr wrap="none" rtlCol="0">
-            <a:spAutoFit/>
-          </a:bodyPr>
-          <a:lstStyle>
-            <a:defPPr>
-              <a:defRPr lang="en-US"/>
-            </a:defPPr>
-            <a:lvl1pPr algn="ctr">
-              <a:defRPr sz="7200">
-                <a:solidFill>
-                  <a:srgbClr val="4D4D4D"/>
-                </a:solidFill>
-                <a:latin typeface="Lato" panose="020F0502020204030203" pitchFamily="34" charset="0"/>
-                <a:ea typeface="Lato" panose="020F0502020204030203" pitchFamily="34" charset="0"/>
-                <a:cs typeface="Lato" panose="020F0502020204030203" pitchFamily="34" charset="0"/>
-              </a:defRPr>
-            </a:lvl1pPr>
-          </a:lstStyle>
-          <a:p>
-            <a:r>
-              <a:rPr lang="en-US" dirty="0"/>
-              <a:t>Tree-O-Meter</a:t>
-            </a:r>
-          </a:p>
-        </p:txBody>
-      </p:sp>
-      <p:pic>
-        <p:nvPicPr>
-          <p:cNvPr id="12" name="Graphic 11" descr="Deciduous tree">
-            <a:extLst>
-              <a:ext uri="{FF2B5EF4-FFF2-40B4-BE49-F238E27FC236}">
-                <a16:creationId xmlns:a16="http://schemas.microsoft.com/office/drawing/2014/main" id="{26DE2214-A18F-4223-91A8-EFDCBCF3F1C4}"/>
-              </a:ext>
-            </a:extLst>
-          </p:cNvPr>
-          <p:cNvPicPr>
-            <a:picLocks noChangeAspect="1"/>
-          </p:cNvPicPr>
-          <p:nvPr/>
-        </p:nvPicPr>
-        <p:blipFill>
-          <a:blip r:embed="rId2">
-            <a:extLst>
-              <a:ext uri="{28A0092B-C50C-407E-A947-70E740481C1C}">
-                <a14:useLocalDpi xmlns:a14="http://schemas.microsoft.com/office/drawing/2010/main" val="0"/>
-              </a:ext>
-              <a:ext uri="{96DAC541-7B7A-43D3-8B79-37D633B846F1}">
-                <asvg:svgBlip xmlns:asvg="http://schemas.microsoft.com/office/drawing/2016/SVG/main" r:embed="rId3"/>
-              </a:ext>
-            </a:extLst>
-          </a:blip>
-          <a:stretch>
-            <a:fillRect/>
-          </a:stretch>
-        </p:blipFill>
-        <p:spPr>
-          <a:xfrm>
-            <a:off x="5116235" y="6882646"/>
-            <a:ext cx="2080136" cy="2080136"/>
-          </a:xfrm>
-          <a:prstGeom prst="rect">
-            <a:avLst/>
-          </a:prstGeom>
-        </p:spPr>
-      </p:pic>
-      <p:sp>
-        <p:nvSpPr>
-          <p:cNvPr id="15" name="TextBox 14">
-            <a:extLst>
-              <a:ext uri="{FF2B5EF4-FFF2-40B4-BE49-F238E27FC236}">
-                <a16:creationId xmlns:a16="http://schemas.microsoft.com/office/drawing/2014/main" id="{769E67A9-400A-45B4-8673-36FEC14100BB}"/>
-              </a:ext>
-            </a:extLst>
-          </p:cNvPr>
-          <p:cNvSpPr txBox="1"/>
-          <p:nvPr/>
-        </p:nvSpPr>
-        <p:spPr>
-          <a:xfrm>
-            <a:off x="17685351" y="2659043"/>
-            <a:ext cx="2989165" cy="517028"/>
-          </a:xfrm>
-          <a:prstGeom prst="rect">
-            <a:avLst/>
-          </a:prstGeom>
-          <a:noFill/>
-        </p:spPr>
-        <p:txBody>
-          <a:bodyPr wrap="square" lIns="243791" tIns="91422" rIns="243791" bIns="91422" rtlCol="0">
-            <a:spAutoFit/>
-          </a:bodyPr>
-          <a:lstStyle/>
-          <a:p>
-            <a:pPr algn="ctr">
-              <a:lnSpc>
-                <a:spcPct val="90000"/>
-              </a:lnSpc>
-              <a:spcBef>
-                <a:spcPts val="2134"/>
-              </a:spcBef>
-            </a:pPr>
-            <a:r>
-              <a:rPr lang="en-US" sz="2400" dirty="0">
-                <a:solidFill>
-                  <a:srgbClr val="4D4D4D"/>
-                </a:solidFill>
-                <a:latin typeface="Lato Light"/>
-                <a:cs typeface="Lato Light"/>
-              </a:rPr>
-              <a:t>Users</a:t>
-            </a:r>
-          </a:p>
-        </p:txBody>
-      </p:sp>
-      <p:sp>
-        <p:nvSpPr>
-          <p:cNvPr id="16" name="TextBox 15">
-            <a:extLst>
-              <a:ext uri="{FF2B5EF4-FFF2-40B4-BE49-F238E27FC236}">
-                <a16:creationId xmlns:a16="http://schemas.microsoft.com/office/drawing/2014/main" id="{AD1B1029-C8FC-4AEA-8C05-F08CA5E294C4}"/>
-              </a:ext>
-            </a:extLst>
-          </p:cNvPr>
-          <p:cNvSpPr txBox="1"/>
-          <p:nvPr/>
-        </p:nvSpPr>
-        <p:spPr>
-          <a:xfrm>
-            <a:off x="17685352" y="8445754"/>
-            <a:ext cx="2989165" cy="517028"/>
-          </a:xfrm>
-          <a:prstGeom prst="rect">
-            <a:avLst/>
-          </a:prstGeom>
-          <a:noFill/>
-        </p:spPr>
-        <p:txBody>
-          <a:bodyPr wrap="square" lIns="243791" tIns="91422" rIns="243791" bIns="91422" rtlCol="0">
-            <a:spAutoFit/>
-          </a:bodyPr>
-          <a:lstStyle/>
-          <a:p>
-            <a:pPr algn="ctr">
-              <a:lnSpc>
-                <a:spcPct val="90000"/>
-              </a:lnSpc>
-              <a:spcBef>
-                <a:spcPts val="2134"/>
-              </a:spcBef>
-            </a:pPr>
-            <a:r>
-              <a:rPr lang="en-US" sz="2400" dirty="0">
-                <a:solidFill>
-                  <a:srgbClr val="4D4D4D"/>
-                </a:solidFill>
-                <a:latin typeface="Lato Light"/>
-                <a:cs typeface="Lato Light"/>
-              </a:rPr>
-              <a:t>Printers</a:t>
-            </a:r>
-          </a:p>
-        </p:txBody>
-      </p:sp>
-      <p:sp>
-        <p:nvSpPr>
-          <p:cNvPr id="17" name="TextBox 16">
-            <a:extLst>
-              <a:ext uri="{FF2B5EF4-FFF2-40B4-BE49-F238E27FC236}">
-                <a16:creationId xmlns:a16="http://schemas.microsoft.com/office/drawing/2014/main" id="{20FC4418-6652-45F8-8BB9-6F18AC4ACD3E}"/>
-              </a:ext>
-            </a:extLst>
-          </p:cNvPr>
-          <p:cNvSpPr txBox="1"/>
-          <p:nvPr/>
-        </p:nvSpPr>
-        <p:spPr>
-          <a:xfrm>
-            <a:off x="7086082" y="4878147"/>
-            <a:ext cx="3177952" cy="1181826"/>
-          </a:xfrm>
-          <a:prstGeom prst="rect">
-            <a:avLst/>
-          </a:prstGeom>
-          <a:noFill/>
-        </p:spPr>
-        <p:txBody>
-          <a:bodyPr wrap="square" lIns="243791" tIns="91422" rIns="243791" bIns="91422" rtlCol="0">
-            <a:spAutoFit/>
-          </a:bodyPr>
-          <a:lstStyle/>
-          <a:p>
-            <a:pPr algn="ctr">
-              <a:lnSpc>
-                <a:spcPct val="90000"/>
-              </a:lnSpc>
-              <a:spcBef>
-                <a:spcPts val="2134"/>
-              </a:spcBef>
-            </a:pPr>
-            <a:r>
-              <a:rPr lang="en-US" sz="2400" b="1" dirty="0">
-                <a:solidFill>
-                  <a:srgbClr val="4D4D4D"/>
-                </a:solidFill>
-                <a:latin typeface="Lato Light"/>
-                <a:cs typeface="Lato Light"/>
-              </a:rPr>
-              <a:t># of Trees in total, as read from printers’ total history</a:t>
-            </a:r>
-          </a:p>
-        </p:txBody>
-      </p:sp>
-      <p:sp>
-        <p:nvSpPr>
-          <p:cNvPr id="18" name="TextBox 17">
-            <a:extLst>
-              <a:ext uri="{FF2B5EF4-FFF2-40B4-BE49-F238E27FC236}">
-                <a16:creationId xmlns:a16="http://schemas.microsoft.com/office/drawing/2014/main" id="{0506EE4B-AED2-451E-8F9D-BE00FBDE0EA3}"/>
-              </a:ext>
-            </a:extLst>
-          </p:cNvPr>
-          <p:cNvSpPr txBox="1"/>
-          <p:nvPr/>
-        </p:nvSpPr>
-        <p:spPr>
-          <a:xfrm>
-            <a:off x="7086080" y="10429829"/>
-            <a:ext cx="3177954" cy="1181826"/>
-          </a:xfrm>
-          <a:prstGeom prst="rect">
-            <a:avLst/>
-          </a:prstGeom>
-          <a:noFill/>
-        </p:spPr>
-        <p:txBody>
-          <a:bodyPr wrap="square" lIns="243791" tIns="91422" rIns="243791" bIns="91422" rtlCol="0">
-            <a:spAutoFit/>
-          </a:bodyPr>
-          <a:lstStyle/>
-          <a:p>
-            <a:pPr algn="ctr">
-              <a:lnSpc>
-                <a:spcPct val="90000"/>
-              </a:lnSpc>
-              <a:spcBef>
-                <a:spcPts val="2134"/>
-              </a:spcBef>
-            </a:pPr>
-            <a:r>
-              <a:rPr lang="en-US" sz="2400" b="1" dirty="0">
-                <a:solidFill>
-                  <a:srgbClr val="4D4D4D"/>
-                </a:solidFill>
-                <a:latin typeface="Lato Light"/>
-                <a:cs typeface="Lato Light"/>
-              </a:rPr>
-              <a:t># of Trees in total, as read from </a:t>
-            </a:r>
-            <a:r>
-              <a:rPr lang="en-US" sz="2400" b="1" dirty="0" err="1">
-                <a:solidFill>
-                  <a:srgbClr val="4D4D4D"/>
-                </a:solidFill>
-                <a:latin typeface="Lato Light"/>
-                <a:cs typeface="Lato Light"/>
-              </a:rPr>
-              <a:t>Printix</a:t>
-            </a:r>
-            <a:r>
-              <a:rPr lang="en-US" sz="2400" b="1" dirty="0">
-                <a:solidFill>
-                  <a:srgbClr val="4D4D4D"/>
-                </a:solidFill>
-                <a:latin typeface="Lato Light"/>
-                <a:cs typeface="Lato Light"/>
-              </a:rPr>
-              <a:t> Tracking data</a:t>
-            </a:r>
-          </a:p>
-        </p:txBody>
-      </p:sp>
-      <p:sp>
-        <p:nvSpPr>
-          <p:cNvPr id="19" name="TextBox 18">
-            <a:extLst>
-              <a:ext uri="{FF2B5EF4-FFF2-40B4-BE49-F238E27FC236}">
-                <a16:creationId xmlns:a16="http://schemas.microsoft.com/office/drawing/2014/main" id="{9F380192-AD88-4D71-92D6-95A6B8C42F10}"/>
-              </a:ext>
-            </a:extLst>
-          </p:cNvPr>
-          <p:cNvSpPr txBox="1"/>
-          <p:nvPr/>
-        </p:nvSpPr>
-        <p:spPr>
-          <a:xfrm>
-            <a:off x="11544325" y="1941615"/>
-            <a:ext cx="3415916" cy="517028"/>
-          </a:xfrm>
-          <a:prstGeom prst="rect">
-            <a:avLst/>
-          </a:prstGeom>
-          <a:noFill/>
-        </p:spPr>
-        <p:txBody>
-          <a:bodyPr wrap="square" lIns="243791" tIns="91422" rIns="243791" bIns="91422" rtlCol="0">
-            <a:spAutoFit/>
-          </a:bodyPr>
-          <a:lstStyle/>
-          <a:p>
-            <a:pPr algn="ctr">
-              <a:lnSpc>
-                <a:spcPct val="90000"/>
-              </a:lnSpc>
-              <a:spcBef>
-                <a:spcPts val="2134"/>
-              </a:spcBef>
-            </a:pPr>
-            <a:r>
-              <a:rPr lang="en-US" sz="2400" b="1" dirty="0">
-                <a:solidFill>
-                  <a:srgbClr val="4D4D4D"/>
-                </a:solidFill>
-                <a:latin typeface="Lato Light"/>
-                <a:cs typeface="Lato Light"/>
-              </a:rPr>
-              <a:t># of sheets per tree</a:t>
-            </a:r>
-          </a:p>
-        </p:txBody>
-      </p:sp>
-    </p:spTree>
-    <p:extLst>
-      <p:ext uri="{BB962C8B-B14F-4D97-AF65-F5344CB8AC3E}">
-        <p14:creationId xmlns:p14="http://schemas.microsoft.com/office/powerpoint/2010/main" val="1807147899"/>
-      </p:ext>
-    </p:extLst>
-  </p:cSld>
-  <p:clrMapOvr>
-    <a:masterClrMapping/>
-  </p:clrMapOvr>
-  <p:transition spd="slow">
-    <p:push dir="u"/>
-  </p:transition>
-</p:sld>
-</file>
-
 <file path=ppt/slides/slide17.xml><?xml version="1.0" encoding="utf-8"?>
 <p:sld xmlns:a="http://schemas.openxmlformats.org/drawingml/2006/main" xmlns:r="http://schemas.openxmlformats.org/officeDocument/2006/relationships" xmlns:p="http://schemas.openxmlformats.org/presentationml/2006/main">
   <p:cSld>
@@ -7195,10 +6801,118 @@
       </p:grpSpPr>
       <p:sp>
         <p:nvSpPr>
-          <p:cNvPr id="3" name="TextBox 2">
+          <p:cNvPr id="44" name="Line 5"/>
+          <p:cNvSpPr>
+            <a:spLocks noChangeShapeType="1"/>
+          </p:cNvSpPr>
+          <p:nvPr/>
+        </p:nvSpPr>
+        <p:spPr bwMode="auto">
+          <a:xfrm>
+            <a:off x="1493979" y="-1748368"/>
+            <a:ext cx="0" cy="0"/>
+          </a:xfrm>
+          <a:prstGeom prst="line">
+            <a:avLst/>
+          </a:prstGeom>
+          <a:noFill/>
+          <a:ln>
+            <a:noFill/>
+          </a:ln>
+          <a:extLst>
+            <a:ext uri="{909E8E84-426E-40dd-AFC4-6F175D3DCCD1}">
+              <a14:hiddenFill xmlns="" xmlns:a14="http://schemas.microsoft.com/office/drawing/2010/main">
+                <a:noFill/>
+              </a14:hiddenFill>
+            </a:ext>
+            <a:ext uri="{91240B29-F687-4f45-9708-019B960494DF}">
+              <a14:hiddenLine xmlns="" xmlns:a14="http://schemas.microsoft.com/office/drawing/2010/main" w="9525">
+                <a:solidFill>
+                  <a:srgbClr val="000000"/>
+                </a:solidFill>
+                <a:round/>
+                <a:headEnd/>
+                <a:tailEnd/>
+              </a14:hiddenLine>
+            </a:ext>
+          </a:extLst>
+        </p:spPr>
+        <p:txBody>
+          <a:bodyPr vert="horz" wrap="square" lIns="243797" tIns="121899" rIns="243797" bIns="121899" numCol="1" anchor="t" anchorCtr="0" compatLnSpc="1">
+            <a:prstTxWarp prst="textNoShape">
+              <a:avLst/>
+            </a:prstTxWarp>
+          </a:bodyPr>
+          <a:lstStyle/>
+          <a:p>
+            <a:endParaRPr lang="en-US">
+              <a:solidFill>
+                <a:srgbClr val="4D4D4D"/>
+              </a:solidFill>
+            </a:endParaRPr>
+          </a:p>
+        </p:txBody>
+      </p:sp>
+      <p:sp>
+        <p:nvSpPr>
+          <p:cNvPr id="45" name="Line 6"/>
+          <p:cNvSpPr>
+            <a:spLocks noChangeShapeType="1"/>
+          </p:cNvSpPr>
+          <p:nvPr/>
+        </p:nvSpPr>
+        <p:spPr bwMode="auto">
+          <a:xfrm>
+            <a:off x="1493979" y="-1748368"/>
+            <a:ext cx="0" cy="0"/>
+          </a:xfrm>
+          <a:prstGeom prst="line">
+            <a:avLst/>
+          </a:prstGeom>
+          <a:noFill/>
+          <a:ln>
+            <a:noFill/>
+          </a:ln>
+          <a:extLst>
+            <a:ext uri="{909E8E84-426E-40dd-AFC4-6F175D3DCCD1}">
+              <a14:hiddenFill xmlns="" xmlns:a14="http://schemas.microsoft.com/office/drawing/2010/main">
+                <a:noFill/>
+              </a14:hiddenFill>
+            </a:ext>
+            <a:ext uri="{91240B29-F687-4f45-9708-019B960494DF}">
+              <a14:hiddenLine xmlns="" xmlns:a14="http://schemas.microsoft.com/office/drawing/2010/main" w="9525">
+                <a:solidFill>
+                  <a:srgbClr val="000000"/>
+                </a:solidFill>
+                <a:round/>
+                <a:headEnd/>
+                <a:tailEnd/>
+              </a14:hiddenLine>
+            </a:ext>
+          </a:extLst>
+        </p:spPr>
+        <p:txBody>
+          <a:bodyPr vert="horz" wrap="square" lIns="243797" tIns="121899" rIns="243797" bIns="121899" numCol="1" anchor="t" anchorCtr="0" compatLnSpc="1">
+            <a:prstTxWarp prst="textNoShape">
+              <a:avLst/>
+            </a:prstTxWarp>
+          </a:bodyPr>
+          <a:lstStyle/>
+          <a:p>
+            <a:endParaRPr lang="en-US">
+              <a:solidFill>
+                <a:srgbClr val="4D4D4D"/>
+              </a:solidFill>
+            </a:endParaRPr>
+          </a:p>
+        </p:txBody>
+      </p:sp>
+      <p:sp>
+        <p:nvSpPr>
+          <p:cNvPr id="5" name="TextBox 4">
             <a:extLst>
               <a:ext uri="{FF2B5EF4-FFF2-40B4-BE49-F238E27FC236}">
-                <a16:creationId xmlns:a16="http://schemas.microsoft.com/office/drawing/2014/main" id="{25F54E7F-1BDC-4152-9C0A-46FDD08D9FD7}"/>
+                <a16:creationId xmlns:a16="http://schemas.microsoft.com/office/drawing/2014/main" id="{6A66EF5C-C181-4F39-85B0-64A3AF06C2E3}"/>
               </a:ext>
             </a:extLst>
           </p:cNvPr>
@@ -7207,8 +6921,8 @@
         </p:nvSpPr>
         <p:spPr>
           <a:xfrm>
-            <a:off x="11541628" y="741286"/>
-            <a:ext cx="1417376" cy="830997"/>
+            <a:off x="10264034" y="741286"/>
+            <a:ext cx="3972562" cy="830997"/>
           </a:xfrm>
           <a:prstGeom prst="rect">
             <a:avLst/>
@@ -7237,6 +6951,392 @@
           <a:p>
             <a:r>
               <a:rPr lang="en-US" dirty="0"/>
+              <a:t>Tree-O-Meter</a:t>
+            </a:r>
+          </a:p>
+        </p:txBody>
+      </p:sp>
+      <p:pic>
+        <p:nvPicPr>
+          <p:cNvPr id="12" name="Graphic 11" descr="Deciduous tree">
+            <a:extLst>
+              <a:ext uri="{FF2B5EF4-FFF2-40B4-BE49-F238E27FC236}">
+                <a16:creationId xmlns:a16="http://schemas.microsoft.com/office/drawing/2014/main" id="{26DE2214-A18F-4223-91A8-EFDCBCF3F1C4}"/>
+              </a:ext>
+            </a:extLst>
+          </p:cNvPr>
+          <p:cNvPicPr>
+            <a:picLocks noChangeAspect="1"/>
+          </p:cNvPicPr>
+          <p:nvPr/>
+        </p:nvPicPr>
+        <p:blipFill>
+          <a:blip r:embed="rId2">
+            <a:extLst>
+              <a:ext uri="{28A0092B-C50C-407E-A947-70E740481C1C}">
+                <a14:useLocalDpi xmlns:a14="http://schemas.microsoft.com/office/drawing/2010/main" val="0"/>
+              </a:ext>
+              <a:ext uri="{96DAC541-7B7A-43D3-8B79-37D633B846F1}">
+                <asvg:svgBlip xmlns:asvg="http://schemas.microsoft.com/office/drawing/2016/SVG/main" r:embed="rId3"/>
+              </a:ext>
+            </a:extLst>
+          </a:blip>
+          <a:stretch>
+            <a:fillRect/>
+          </a:stretch>
+        </p:blipFill>
+        <p:spPr>
+          <a:xfrm>
+            <a:off x="5116235" y="6882646"/>
+            <a:ext cx="2080136" cy="2080136"/>
+          </a:xfrm>
+          <a:prstGeom prst="rect">
+            <a:avLst/>
+          </a:prstGeom>
+        </p:spPr>
+      </p:pic>
+      <p:sp>
+        <p:nvSpPr>
+          <p:cNvPr id="15" name="TextBox 14">
+            <a:extLst>
+              <a:ext uri="{FF2B5EF4-FFF2-40B4-BE49-F238E27FC236}">
+                <a16:creationId xmlns:a16="http://schemas.microsoft.com/office/drawing/2014/main" id="{769E67A9-400A-45B4-8673-36FEC14100BB}"/>
+              </a:ext>
+            </a:extLst>
+          </p:cNvPr>
+          <p:cNvSpPr txBox="1"/>
+          <p:nvPr/>
+        </p:nvSpPr>
+        <p:spPr>
+          <a:xfrm>
+            <a:off x="17685351" y="2659043"/>
+            <a:ext cx="2989165" cy="517028"/>
+          </a:xfrm>
+          <a:prstGeom prst="rect">
+            <a:avLst/>
+          </a:prstGeom>
+          <a:noFill/>
+        </p:spPr>
+        <p:txBody>
+          <a:bodyPr wrap="square" lIns="243791" tIns="91422" rIns="243791" bIns="91422" rtlCol="0">
+            <a:spAutoFit/>
+          </a:bodyPr>
+          <a:lstStyle/>
+          <a:p>
+            <a:pPr algn="ctr">
+              <a:lnSpc>
+                <a:spcPct val="90000"/>
+              </a:lnSpc>
+              <a:spcBef>
+                <a:spcPts val="2134"/>
+              </a:spcBef>
+            </a:pPr>
+            <a:r>
+              <a:rPr lang="en-US" sz="2400" dirty="0">
+                <a:solidFill>
+                  <a:srgbClr val="4D4D4D"/>
+                </a:solidFill>
+                <a:latin typeface="Lato Light"/>
+                <a:cs typeface="Lato Light"/>
+              </a:rPr>
+              <a:t>Users</a:t>
+            </a:r>
+          </a:p>
+        </p:txBody>
+      </p:sp>
+      <p:sp>
+        <p:nvSpPr>
+          <p:cNvPr id="16" name="TextBox 15">
+            <a:extLst>
+              <a:ext uri="{FF2B5EF4-FFF2-40B4-BE49-F238E27FC236}">
+                <a16:creationId xmlns:a16="http://schemas.microsoft.com/office/drawing/2014/main" id="{AD1B1029-C8FC-4AEA-8C05-F08CA5E294C4}"/>
+              </a:ext>
+            </a:extLst>
+          </p:cNvPr>
+          <p:cNvSpPr txBox="1"/>
+          <p:nvPr/>
+        </p:nvSpPr>
+        <p:spPr>
+          <a:xfrm>
+            <a:off x="17685352" y="8445754"/>
+            <a:ext cx="2989165" cy="517028"/>
+          </a:xfrm>
+          <a:prstGeom prst="rect">
+            <a:avLst/>
+          </a:prstGeom>
+          <a:noFill/>
+        </p:spPr>
+        <p:txBody>
+          <a:bodyPr wrap="square" lIns="243791" tIns="91422" rIns="243791" bIns="91422" rtlCol="0">
+            <a:spAutoFit/>
+          </a:bodyPr>
+          <a:lstStyle/>
+          <a:p>
+            <a:pPr algn="ctr">
+              <a:lnSpc>
+                <a:spcPct val="90000"/>
+              </a:lnSpc>
+              <a:spcBef>
+                <a:spcPts val="2134"/>
+              </a:spcBef>
+            </a:pPr>
+            <a:r>
+              <a:rPr lang="en-US" sz="2400" dirty="0">
+                <a:solidFill>
+                  <a:srgbClr val="4D4D4D"/>
+                </a:solidFill>
+                <a:latin typeface="Lato Light"/>
+                <a:cs typeface="Lato Light"/>
+              </a:rPr>
+              <a:t>Printers</a:t>
+            </a:r>
+          </a:p>
+        </p:txBody>
+      </p:sp>
+      <p:sp>
+        <p:nvSpPr>
+          <p:cNvPr id="17" name="TextBox 16">
+            <a:extLst>
+              <a:ext uri="{FF2B5EF4-FFF2-40B4-BE49-F238E27FC236}">
+                <a16:creationId xmlns:a16="http://schemas.microsoft.com/office/drawing/2014/main" id="{20FC4418-6652-45F8-8BB9-6F18AC4ACD3E}"/>
+              </a:ext>
+            </a:extLst>
+          </p:cNvPr>
+          <p:cNvSpPr txBox="1"/>
+          <p:nvPr/>
+        </p:nvSpPr>
+        <p:spPr>
+          <a:xfrm>
+            <a:off x="7086082" y="4878147"/>
+            <a:ext cx="3177952" cy="1181826"/>
+          </a:xfrm>
+          <a:prstGeom prst="rect">
+            <a:avLst/>
+          </a:prstGeom>
+          <a:noFill/>
+        </p:spPr>
+        <p:txBody>
+          <a:bodyPr wrap="square" lIns="243791" tIns="91422" rIns="243791" bIns="91422" rtlCol="0">
+            <a:spAutoFit/>
+          </a:bodyPr>
+          <a:lstStyle/>
+          <a:p>
+            <a:pPr algn="ctr">
+              <a:lnSpc>
+                <a:spcPct val="90000"/>
+              </a:lnSpc>
+              <a:spcBef>
+                <a:spcPts val="2134"/>
+              </a:spcBef>
+            </a:pPr>
+            <a:r>
+              <a:rPr lang="en-US" sz="2400" b="1" dirty="0">
+                <a:solidFill>
+                  <a:srgbClr val="4D4D4D"/>
+                </a:solidFill>
+                <a:latin typeface="Lato Light"/>
+                <a:cs typeface="Lato Light"/>
+              </a:rPr>
+              <a:t># of Trees in total, as read from printers’ total history</a:t>
+            </a:r>
+          </a:p>
+        </p:txBody>
+      </p:sp>
+      <p:sp>
+        <p:nvSpPr>
+          <p:cNvPr id="18" name="TextBox 17">
+            <a:extLst>
+              <a:ext uri="{FF2B5EF4-FFF2-40B4-BE49-F238E27FC236}">
+                <a16:creationId xmlns:a16="http://schemas.microsoft.com/office/drawing/2014/main" id="{0506EE4B-AED2-451E-8F9D-BE00FBDE0EA3}"/>
+              </a:ext>
+            </a:extLst>
+          </p:cNvPr>
+          <p:cNvSpPr txBox="1"/>
+          <p:nvPr/>
+        </p:nvSpPr>
+        <p:spPr>
+          <a:xfrm>
+            <a:off x="7086080" y="10429829"/>
+            <a:ext cx="3177954" cy="1181826"/>
+          </a:xfrm>
+          <a:prstGeom prst="rect">
+            <a:avLst/>
+          </a:prstGeom>
+          <a:noFill/>
+        </p:spPr>
+        <p:txBody>
+          <a:bodyPr wrap="square" lIns="243791" tIns="91422" rIns="243791" bIns="91422" rtlCol="0">
+            <a:spAutoFit/>
+          </a:bodyPr>
+          <a:lstStyle/>
+          <a:p>
+            <a:pPr algn="ctr">
+              <a:lnSpc>
+                <a:spcPct val="90000"/>
+              </a:lnSpc>
+              <a:spcBef>
+                <a:spcPts val="2134"/>
+              </a:spcBef>
+            </a:pPr>
+            <a:r>
+              <a:rPr lang="en-US" sz="2400" b="1" dirty="0">
+                <a:solidFill>
+                  <a:srgbClr val="4D4D4D"/>
+                </a:solidFill>
+                <a:latin typeface="Lato Light"/>
+                <a:cs typeface="Lato Light"/>
+              </a:rPr>
+              <a:t># of Trees in total, as read from </a:t>
+            </a:r>
+            <a:r>
+              <a:rPr lang="en-US" sz="2400" b="1" dirty="0" err="1">
+                <a:solidFill>
+                  <a:srgbClr val="4D4D4D"/>
+                </a:solidFill>
+                <a:latin typeface="Lato Light"/>
+                <a:cs typeface="Lato Light"/>
+              </a:rPr>
+              <a:t>Printix</a:t>
+            </a:r>
+            <a:r>
+              <a:rPr lang="en-US" sz="2400" b="1" dirty="0">
+                <a:solidFill>
+                  <a:srgbClr val="4D4D4D"/>
+                </a:solidFill>
+                <a:latin typeface="Lato Light"/>
+                <a:cs typeface="Lato Light"/>
+              </a:rPr>
+              <a:t> Tracking data</a:t>
+            </a:r>
+          </a:p>
+        </p:txBody>
+      </p:sp>
+      <p:sp>
+        <p:nvSpPr>
+          <p:cNvPr id="19" name="TextBox 18">
+            <a:extLst>
+              <a:ext uri="{FF2B5EF4-FFF2-40B4-BE49-F238E27FC236}">
+                <a16:creationId xmlns:a16="http://schemas.microsoft.com/office/drawing/2014/main" id="{9F380192-AD88-4D71-92D6-95A6B8C42F10}"/>
+              </a:ext>
+            </a:extLst>
+          </p:cNvPr>
+          <p:cNvSpPr txBox="1"/>
+          <p:nvPr/>
+        </p:nvSpPr>
+        <p:spPr>
+          <a:xfrm>
+            <a:off x="11544325" y="1941615"/>
+            <a:ext cx="3415916" cy="517028"/>
+          </a:xfrm>
+          <a:prstGeom prst="rect">
+            <a:avLst/>
+          </a:prstGeom>
+          <a:noFill/>
+        </p:spPr>
+        <p:txBody>
+          <a:bodyPr wrap="square" lIns="243791" tIns="91422" rIns="243791" bIns="91422" rtlCol="0">
+            <a:spAutoFit/>
+          </a:bodyPr>
+          <a:lstStyle/>
+          <a:p>
+            <a:pPr algn="ctr">
+              <a:lnSpc>
+                <a:spcPct val="90000"/>
+              </a:lnSpc>
+              <a:spcBef>
+                <a:spcPts val="2134"/>
+              </a:spcBef>
+            </a:pPr>
+            <a:r>
+              <a:rPr lang="en-US" sz="2400" b="1" dirty="0">
+                <a:solidFill>
+                  <a:srgbClr val="4D4D4D"/>
+                </a:solidFill>
+                <a:latin typeface="Lato Light"/>
+                <a:cs typeface="Lato Light"/>
+              </a:rPr>
+              <a:t># of sheets per tree</a:t>
+            </a:r>
+          </a:p>
+        </p:txBody>
+      </p:sp>
+    </p:spTree>
+    <p:extLst>
+      <p:ext uri="{BB962C8B-B14F-4D97-AF65-F5344CB8AC3E}">
+        <p14:creationId xmlns:p14="http://schemas.microsoft.com/office/powerpoint/2010/main" val="1807147899"/>
+      </p:ext>
+    </p:extLst>
+  </p:cSld>
+  <p:clrMapOvr>
+    <a:masterClrMapping/>
+  </p:clrMapOvr>
+  <p:transition spd="slow">
+    <p:push dir="u"/>
+  </p:transition>
+</p:sld>
+</file>
+
+<file path=ppt/slides/slide18.xml><?xml version="1.0" encoding="utf-8"?>
+<p:sld xmlns:a="http://schemas.openxmlformats.org/drawingml/2006/main" xmlns:r="http://schemas.openxmlformats.org/officeDocument/2006/relationships" xmlns:p="http://schemas.openxmlformats.org/presentationml/2006/main">
+  <p:cSld>
+    <p:spTree>
+      <p:nvGrpSpPr>
+        <p:cNvPr id="1" name=""/>
+        <p:cNvGrpSpPr/>
+        <p:nvPr/>
+      </p:nvGrpSpPr>
+      <p:grpSpPr>
+        <a:xfrm>
+          <a:off x="0" y="0"/>
+          <a:ext cx="0" cy="0"/>
+          <a:chOff x="0" y="0"/>
+          <a:chExt cx="0" cy="0"/>
+        </a:xfrm>
+      </p:grpSpPr>
+      <p:sp>
+        <p:nvSpPr>
+          <p:cNvPr id="3" name="TextBox 2">
+            <a:extLst>
+              <a:ext uri="{FF2B5EF4-FFF2-40B4-BE49-F238E27FC236}">
+                <a16:creationId xmlns:a16="http://schemas.microsoft.com/office/drawing/2014/main" id="{25F54E7F-1BDC-4152-9C0A-46FDD08D9FD7}"/>
+              </a:ext>
+            </a:extLst>
+          </p:cNvPr>
+          <p:cNvSpPr txBox="1"/>
+          <p:nvPr/>
+        </p:nvSpPr>
+        <p:spPr>
+          <a:xfrm>
+            <a:off x="11541628" y="741286"/>
+            <a:ext cx="1417376" cy="830997"/>
+          </a:xfrm>
+          <a:prstGeom prst="rect">
+            <a:avLst/>
+          </a:prstGeom>
+          <a:noFill/>
+        </p:spPr>
+        <p:txBody>
+          <a:bodyPr wrap="none" rtlCol="0">
+            <a:spAutoFit/>
+          </a:bodyPr>
+          <a:lstStyle>
+            <a:defPPr>
+              <a:defRPr lang="en-US"/>
+            </a:defPPr>
+            <a:lvl1pPr algn="ctr">
+              <a:defRPr sz="7200">
+                <a:solidFill>
+                  <a:srgbClr val="4D4D4D"/>
+                </a:solidFill>
+                <a:latin typeface="Lato" panose="020F0502020204030203" pitchFamily="34" charset="0"/>
+                <a:ea typeface="Lato" panose="020F0502020204030203" pitchFamily="34" charset="0"/>
+                <a:cs typeface="Lato" panose="020F0502020204030203" pitchFamily="34" charset="0"/>
+              </a:defRPr>
+            </a:lvl1pPr>
+          </a:lstStyle>
+          <a:p>
+            <a:r>
+              <a:rPr lang="en-US" dirty="0"/>
               <a:t>Cost</a:t>
             </a:r>
           </a:p>
@@ -7246,6 +7346,94 @@
     <p:extLst>
       <p:ext uri="{BB962C8B-B14F-4D97-AF65-F5344CB8AC3E}">
         <p14:creationId xmlns:p14="http://schemas.microsoft.com/office/powerpoint/2010/main" val="2278041278"/>
+      </p:ext>
+    </p:extLst>
+  </p:cSld>
+  <p:clrMapOvr>
+    <a:masterClrMapping/>
+  </p:clrMapOvr>
+  <p:transition spd="slow">
+    <p:push dir="u"/>
+  </p:transition>
+</p:sld>
+</file>
+
+<file path=ppt/slides/slide19.xml><?xml version="1.0" encoding="utf-8"?>
+<p:sld xmlns:a="http://schemas.openxmlformats.org/drawingml/2006/main" xmlns:r="http://schemas.openxmlformats.org/officeDocument/2006/relationships" xmlns:p="http://schemas.openxmlformats.org/presentationml/2006/main">
+  <p:cSld>
+    <p:spTree>
+      <p:nvGrpSpPr>
+        <p:cNvPr id="1" name=""/>
+        <p:cNvGrpSpPr/>
+        <p:nvPr/>
+      </p:nvGrpSpPr>
+      <p:grpSpPr>
+        <a:xfrm>
+          <a:off x="0" y="0"/>
+          <a:ext cx="0" cy="0"/>
+          <a:chOff x="0" y="0"/>
+          <a:chExt cx="0" cy="0"/>
+        </a:xfrm>
+      </p:grpSpPr>
+      <p:sp>
+        <p:nvSpPr>
+          <p:cNvPr id="2" name="TextBox 1">
+            <a:extLst>
+              <a:ext uri="{FF2B5EF4-FFF2-40B4-BE49-F238E27FC236}">
+                <a16:creationId xmlns:a16="http://schemas.microsoft.com/office/drawing/2014/main" id="{C85DC2ED-47A4-4AC5-ABE8-51ECB815BFAD}"/>
+              </a:ext>
+            </a:extLst>
+          </p:cNvPr>
+          <p:cNvSpPr txBox="1"/>
+          <p:nvPr/>
+        </p:nvSpPr>
+        <p:spPr>
+          <a:xfrm>
+            <a:off x="7829077" y="28767"/>
+            <a:ext cx="8842485" cy="2308324"/>
+          </a:xfrm>
+          <a:prstGeom prst="rect">
+            <a:avLst/>
+          </a:prstGeom>
+          <a:noFill/>
+        </p:spPr>
+        <p:txBody>
+          <a:bodyPr wrap="none" rtlCol="0">
+            <a:spAutoFit/>
+          </a:bodyPr>
+          <a:lstStyle>
+            <a:defPPr>
+              <a:defRPr lang="en-US"/>
+            </a:defPPr>
+            <a:lvl1pPr algn="ctr">
+              <a:defRPr sz="7200">
+                <a:solidFill>
+                  <a:srgbClr val="4D4D4D"/>
+                </a:solidFill>
+                <a:latin typeface="Lato" panose="020F0502020204030203" pitchFamily="34" charset="0"/>
+                <a:ea typeface="Lato" panose="020F0502020204030203" pitchFamily="34" charset="0"/>
+                <a:cs typeface="Lato" panose="020F0502020204030203" pitchFamily="34" charset="0"/>
+              </a:defRPr>
+            </a:lvl1pPr>
+          </a:lstStyle>
+          <a:p>
+            <a:r>
+              <a:rPr lang="en-US" dirty="0"/>
+              <a:t>Cost</a:t>
+            </a:r>
+          </a:p>
+          <a:p>
+            <a:r>
+              <a:rPr lang="en-US" dirty="0"/>
+              <a:t>Home Office Printing</a:t>
+            </a:r>
+          </a:p>
+        </p:txBody>
+      </p:sp>
+    </p:spTree>
+    <p:extLst>
+      <p:ext uri="{BB962C8B-B14F-4D97-AF65-F5344CB8AC3E}">
+        <p14:creationId xmlns:p14="http://schemas.microsoft.com/office/powerpoint/2010/main" val="2751880013"/>
       </p:ext>
     </p:extLst>
   </p:cSld>
@@ -7297,12 +7485,12 @@
           </a:ln>
           <a:extLst>
             <a:ext uri="{909E8E84-426E-40dd-AFC4-6F175D3DCCD1}">
-              <a14:hiddenFill xmlns:a14="http://schemas.microsoft.com/office/drawing/2010/main" xmlns="">
+              <a14:hiddenFill xmlns="" xmlns:a14="http://schemas.microsoft.com/office/drawing/2010/main">
                 <a:noFill/>
               </a14:hiddenFill>
             </a:ext>
             <a:ext uri="{91240B29-F687-4f45-9708-019B960494DF}">
-              <a14:hiddenLine xmlns:a14="http://schemas.microsoft.com/office/drawing/2010/main" xmlns="" w="9525">
+              <a14:hiddenLine xmlns="" xmlns:a14="http://schemas.microsoft.com/office/drawing/2010/main" w="9525">
                 <a:solidFill>
                   <a:srgbClr val="000000"/>
                 </a:solidFill>
@@ -7347,12 +7535,12 @@
           </a:ln>
           <a:extLst>
             <a:ext uri="{909E8E84-426E-40dd-AFC4-6F175D3DCCD1}">
-              <a14:hiddenFill xmlns:a14="http://schemas.microsoft.com/office/drawing/2010/main" xmlns="">
+              <a14:hiddenFill xmlns="" xmlns:a14="http://schemas.microsoft.com/office/drawing/2010/main">
                 <a:noFill/>
               </a14:hiddenFill>
             </a:ext>
             <a:ext uri="{91240B29-F687-4f45-9708-019B960494DF}">
-              <a14:hiddenLine xmlns:a14="http://schemas.microsoft.com/office/drawing/2010/main" xmlns="" w="9525">
+              <a14:hiddenLine xmlns="" xmlns:a14="http://schemas.microsoft.com/office/drawing/2010/main" w="9525">
                 <a:solidFill>
                   <a:srgbClr val="000000"/>
                 </a:solidFill>
@@ -9028,12 +9216,12 @@
           </a:ln>
           <a:extLst>
             <a:ext uri="{909E8E84-426E-40dd-AFC4-6F175D3DCCD1}">
-              <a14:hiddenFill xmlns:a14="http://schemas.microsoft.com/office/drawing/2010/main" xmlns="">
+              <a14:hiddenFill xmlns="" xmlns:a14="http://schemas.microsoft.com/office/drawing/2010/main">
                 <a:noFill/>
               </a14:hiddenFill>
             </a:ext>
             <a:ext uri="{91240B29-F687-4f45-9708-019B960494DF}">
-              <a14:hiddenLine xmlns:a14="http://schemas.microsoft.com/office/drawing/2010/main" xmlns="" w="9525">
+              <a14:hiddenLine xmlns="" xmlns:a14="http://schemas.microsoft.com/office/drawing/2010/main" w="9525">
                 <a:solidFill>
                   <a:srgbClr val="000000"/>
                 </a:solidFill>
@@ -9082,12 +9270,12 @@
           </a:ln>
           <a:extLst>
             <a:ext uri="{909E8E84-426E-40dd-AFC4-6F175D3DCCD1}">
-              <a14:hiddenFill xmlns:a14="http://schemas.microsoft.com/office/drawing/2010/main" xmlns="">
+              <a14:hiddenFill xmlns="" xmlns:a14="http://schemas.microsoft.com/office/drawing/2010/main">
                 <a:noFill/>
               </a14:hiddenFill>
             </a:ext>
             <a:ext uri="{91240B29-F687-4f45-9708-019B960494DF}">
-              <a14:hiddenLine xmlns:a14="http://schemas.microsoft.com/office/drawing/2010/main" xmlns="" w="9525">
+              <a14:hiddenLine xmlns="" xmlns:a14="http://schemas.microsoft.com/office/drawing/2010/main" w="9525">
                 <a:solidFill>
                   <a:srgbClr val="000000"/>
                 </a:solidFill>
@@ -10260,12 +10448,12 @@
           </a:ln>
           <a:extLst>
             <a:ext uri="{909E8E84-426E-40dd-AFC4-6F175D3DCCD1}">
-              <a14:hiddenFill xmlns:a14="http://schemas.microsoft.com/office/drawing/2010/main" xmlns="">
+              <a14:hiddenFill xmlns="" xmlns:a14="http://schemas.microsoft.com/office/drawing/2010/main">
                 <a:noFill/>
               </a14:hiddenFill>
             </a:ext>
             <a:ext uri="{91240B29-F687-4f45-9708-019B960494DF}">
-              <a14:hiddenLine xmlns:a14="http://schemas.microsoft.com/office/drawing/2010/main" xmlns="" w="9525">
+              <a14:hiddenLine xmlns="" xmlns:a14="http://schemas.microsoft.com/office/drawing/2010/main" w="9525">
                 <a:solidFill>
                   <a:srgbClr val="000000"/>
                 </a:solidFill>
@@ -10314,12 +10502,12 @@
           </a:ln>
           <a:extLst>
             <a:ext uri="{909E8E84-426E-40dd-AFC4-6F175D3DCCD1}">
-              <a14:hiddenFill xmlns:a14="http://schemas.microsoft.com/office/drawing/2010/main" xmlns="">
+              <a14:hiddenFill xmlns="" xmlns:a14="http://schemas.microsoft.com/office/drawing/2010/main">
                 <a:noFill/>
               </a14:hiddenFill>
             </a:ext>
             <a:ext uri="{91240B29-F687-4f45-9708-019B960494DF}">
-              <a14:hiddenLine xmlns:a14="http://schemas.microsoft.com/office/drawing/2010/main" xmlns="" w="9525">
+              <a14:hiddenLine xmlns="" xmlns:a14="http://schemas.microsoft.com/office/drawing/2010/main" w="9525">
                 <a:solidFill>
                   <a:srgbClr val="000000"/>
                 </a:solidFill>
@@ -10683,12 +10871,12 @@
           </a:ln>
           <a:extLst>
             <a:ext uri="{909E8E84-426E-40dd-AFC4-6F175D3DCCD1}">
-              <a14:hiddenFill xmlns:a14="http://schemas.microsoft.com/office/drawing/2010/main" xmlns="">
+              <a14:hiddenFill xmlns="" xmlns:a14="http://schemas.microsoft.com/office/drawing/2010/main">
                 <a:noFill/>
               </a14:hiddenFill>
             </a:ext>
             <a:ext uri="{91240B29-F687-4f45-9708-019B960494DF}">
-              <a14:hiddenLine xmlns:a14="http://schemas.microsoft.com/office/drawing/2010/main" xmlns="" w="9525">
+              <a14:hiddenLine xmlns="" xmlns:a14="http://schemas.microsoft.com/office/drawing/2010/main" w="9525">
                 <a:solidFill>
                   <a:srgbClr val="000000"/>
                 </a:solidFill>
@@ -10737,12 +10925,12 @@
           </a:ln>
           <a:extLst>
             <a:ext uri="{909E8E84-426E-40dd-AFC4-6F175D3DCCD1}">
-              <a14:hiddenFill xmlns:a14="http://schemas.microsoft.com/office/drawing/2010/main" xmlns="">
+              <a14:hiddenFill xmlns="" xmlns:a14="http://schemas.microsoft.com/office/drawing/2010/main">
                 <a:noFill/>
               </a14:hiddenFill>
             </a:ext>
             <a:ext uri="{91240B29-F687-4f45-9708-019B960494DF}">
-              <a14:hiddenLine xmlns:a14="http://schemas.microsoft.com/office/drawing/2010/main" xmlns="" w="9525">
+              <a14:hiddenLine xmlns="" xmlns:a14="http://schemas.microsoft.com/office/drawing/2010/main" w="9525">
                 <a:solidFill>
                   <a:srgbClr val="000000"/>
                 </a:solidFill>
@@ -11361,12 +11549,12 @@
           </a:ln>
           <a:extLst>
             <a:ext uri="{909E8E84-426E-40dd-AFC4-6F175D3DCCD1}">
-              <a14:hiddenFill xmlns:a14="http://schemas.microsoft.com/office/drawing/2010/main" xmlns="">
+              <a14:hiddenFill xmlns="" xmlns:a14="http://schemas.microsoft.com/office/drawing/2010/main">
                 <a:noFill/>
               </a14:hiddenFill>
             </a:ext>
             <a:ext uri="{91240B29-F687-4f45-9708-019B960494DF}">
-              <a14:hiddenLine xmlns:a14="http://schemas.microsoft.com/office/drawing/2010/main" xmlns="" w="9525">
+              <a14:hiddenLine xmlns="" xmlns:a14="http://schemas.microsoft.com/office/drawing/2010/main" w="9525">
                 <a:solidFill>
                   <a:srgbClr val="000000"/>
                 </a:solidFill>
@@ -11415,12 +11603,12 @@
           </a:ln>
           <a:extLst>
             <a:ext uri="{909E8E84-426E-40dd-AFC4-6F175D3DCCD1}">
-              <a14:hiddenFill xmlns:a14="http://schemas.microsoft.com/office/drawing/2010/main" xmlns="">
+              <a14:hiddenFill xmlns="" xmlns:a14="http://schemas.microsoft.com/office/drawing/2010/main">
                 <a:noFill/>
               </a14:hiddenFill>
             </a:ext>
             <a:ext uri="{91240B29-F687-4f45-9708-019B960494DF}">
-              <a14:hiddenLine xmlns:a14="http://schemas.microsoft.com/office/drawing/2010/main" xmlns="" w="9525">
+              <a14:hiddenLine xmlns="" xmlns:a14="http://schemas.microsoft.com/office/drawing/2010/main" w="9525">
                 <a:solidFill>
                   <a:srgbClr val="000000"/>
                 </a:solidFill>
@@ -12140,12 +12328,12 @@
           </a:ln>
           <a:extLst>
             <a:ext uri="{909E8E84-426E-40dd-AFC4-6F175D3DCCD1}">
-              <a14:hiddenFill xmlns:a14="http://schemas.microsoft.com/office/drawing/2010/main" xmlns="">
+              <a14:hiddenFill xmlns="" xmlns:a14="http://schemas.microsoft.com/office/drawing/2010/main">
                 <a:noFill/>
               </a14:hiddenFill>
             </a:ext>
             <a:ext uri="{91240B29-F687-4f45-9708-019B960494DF}">
-              <a14:hiddenLine xmlns:a14="http://schemas.microsoft.com/office/drawing/2010/main" xmlns="" w="9525">
+              <a14:hiddenLine xmlns="" xmlns:a14="http://schemas.microsoft.com/office/drawing/2010/main" w="9525">
                 <a:solidFill>
                   <a:srgbClr val="000000"/>
                 </a:solidFill>
@@ -12194,12 +12382,12 @@
           </a:ln>
           <a:extLst>
             <a:ext uri="{909E8E84-426E-40dd-AFC4-6F175D3DCCD1}">
-              <a14:hiddenFill xmlns:a14="http://schemas.microsoft.com/office/drawing/2010/main" xmlns="">
+              <a14:hiddenFill xmlns="" xmlns:a14="http://schemas.microsoft.com/office/drawing/2010/main">
                 <a:noFill/>
               </a14:hiddenFill>
             </a:ext>
             <a:ext uri="{91240B29-F687-4f45-9708-019B960494DF}">
-              <a14:hiddenLine xmlns:a14="http://schemas.microsoft.com/office/drawing/2010/main" xmlns="" w="9525">
+              <a14:hiddenLine xmlns="" xmlns:a14="http://schemas.microsoft.com/office/drawing/2010/main" w="9525">
                 <a:solidFill>
                   <a:srgbClr val="000000"/>
                 </a:solidFill>

--- a/PowerPoint/PrintixPowerBIDesign.pptx
+++ b/PowerPoint/PrintixPowerBIDesign.pptx
@@ -344,7 +344,7 @@
             <a:fld id="{EFC10EE1-B198-C942-8235-326C972CBB30}" type="datetimeFigureOut">
               <a:rPr lang="en-US" smtClean="0"/>
               <a:pPr/>
-              <a:t>11/17/2021</a:t>
+              <a:t>6/2/2022</a:t>
             </a:fld>
             <a:endParaRPr lang="en-US" dirty="0"/>
           </a:p>
@@ -2197,6 +2197,85 @@
 </p:sldLayout>
 </file>
 
+<file path=ppt/slideLayouts/slideLayout6.xml><?xml version="1.0" encoding="utf-8"?>
+<p:sldLayout xmlns:a="http://schemas.openxmlformats.org/drawingml/2006/main" xmlns:r="http://schemas.openxmlformats.org/officeDocument/2006/relationships" xmlns:p="http://schemas.openxmlformats.org/presentationml/2006/main" preserve="1" userDrawn="1">
+  <p:cSld name="1_Divided_Page">
+    <p:spTree>
+      <p:nvGrpSpPr>
+        <p:cNvPr id="1" name=""/>
+        <p:cNvGrpSpPr/>
+        <p:nvPr/>
+      </p:nvGrpSpPr>
+      <p:grpSpPr>
+        <a:xfrm>
+          <a:off x="0" y="0"/>
+          <a:ext cx="0" cy="0"/>
+          <a:chOff x="0" y="0"/>
+          <a:chExt cx="0" cy="0"/>
+        </a:xfrm>
+      </p:grpSpPr>
+      <p:cxnSp>
+        <p:nvCxnSpPr>
+          <p:cNvPr id="5" name="Straight Connector 4">
+            <a:extLst>
+              <a:ext uri="{FF2B5EF4-FFF2-40B4-BE49-F238E27FC236}">
+                <a16:creationId xmlns:a16="http://schemas.microsoft.com/office/drawing/2014/main" id="{BD84B390-36B7-4ABD-9CB0-F26AF23D789E}"/>
+              </a:ext>
+            </a:extLst>
+          </p:cNvPr>
+          <p:cNvCxnSpPr>
+            <a:cxnSpLocks/>
+          </p:cNvCxnSpPr>
+          <p:nvPr userDrawn="1"/>
+        </p:nvCxnSpPr>
+        <p:spPr>
+          <a:xfrm>
+            <a:off x="5325221" y="2800350"/>
+            <a:ext cx="0" cy="10233481"/>
+          </a:xfrm>
+          <a:prstGeom prst="line">
+            <a:avLst/>
+          </a:prstGeom>
+          <a:ln w="12700">
+            <a:solidFill>
+              <a:srgbClr val="4D4D4D"/>
+            </a:solidFill>
+            <a:round/>
+            <a:headEnd type="oval" w="lg" len="lg"/>
+            <a:tailEnd type="oval" w="lg" len="lg"/>
+          </a:ln>
+        </p:spPr>
+        <p:style>
+          <a:lnRef idx="1">
+            <a:schemeClr val="dk1"/>
+          </a:lnRef>
+          <a:fillRef idx="0">
+            <a:schemeClr val="dk1"/>
+          </a:fillRef>
+          <a:effectRef idx="0">
+            <a:schemeClr val="dk1"/>
+          </a:effectRef>
+          <a:fontRef idx="minor">
+            <a:schemeClr val="tx1"/>
+          </a:fontRef>
+        </p:style>
+      </p:cxnSp>
+    </p:spTree>
+    <p:extLst>
+      <p:ext uri="{BB962C8B-B14F-4D97-AF65-F5344CB8AC3E}">
+        <p14:creationId xmlns:p14="http://schemas.microsoft.com/office/powerpoint/2010/main" val="397974058"/>
+      </p:ext>
+    </p:extLst>
+  </p:cSld>
+  <p:clrMapOvr>
+    <a:masterClrMapping/>
+  </p:clrMapOvr>
+  <p:transition spd="slow">
+    <p:push dir="u"/>
+  </p:transition>
+</p:sldLayout>
+</file>
+
 <file path=ppt/slideMasters/slideMaster1.xml><?xml version="1.0" encoding="utf-8"?>
 <p:sldMaster xmlns:a="http://schemas.openxmlformats.org/drawingml/2006/main" xmlns:r="http://schemas.openxmlformats.org/officeDocument/2006/relationships" xmlns:p="http://schemas.openxmlformats.org/presentationml/2006/main">
   <p:cSld>
@@ -2237,7 +2316,7 @@
           <p:nvPr userDrawn="1"/>
         </p:nvPicPr>
         <p:blipFill>
-          <a:blip r:embed="rId7"/>
+          <a:blip r:embed="rId8"/>
           <a:stretch>
             <a:fillRect/>
           </a:stretch>
@@ -2267,7 +2346,7 @@
           <p:nvPr userDrawn="1"/>
         </p:nvPicPr>
         <p:blipFill rotWithShape="1">
-          <a:blip r:embed="rId8" cstate="email">
+          <a:blip r:embed="rId9" cstate="email">
             <a:alphaModFix amt="25000"/>
             <a:extLst>
               <a:ext uri="{28A0092B-C50C-407E-A947-70E740481C1C}">
@@ -2308,6 +2387,7 @@
     <p:sldLayoutId id="2147483837" r:id="rId3"/>
     <p:sldLayoutId id="2147483834" r:id="rId4"/>
     <p:sldLayoutId id="2147483836" r:id="rId5"/>
+    <p:sldLayoutId id="2147483838" r:id="rId6"/>
   </p:sldLayoutIdLst>
   <p:transition spd="slow">
     <p:push dir="u"/>
@@ -2926,60 +3006,6 @@
       </p:sp>
       <p:sp>
         <p:nvSpPr>
-          <p:cNvPr id="27" name="TextBox 26">
-            <a:extLst>
-              <a:ext uri="{FF2B5EF4-FFF2-40B4-BE49-F238E27FC236}">
-                <a16:creationId xmlns:a16="http://schemas.microsoft.com/office/drawing/2014/main" id="{3A3344D4-F57B-4C8C-89C2-E4521BF1CAB3}"/>
-              </a:ext>
-            </a:extLst>
-          </p:cNvPr>
-          <p:cNvSpPr txBox="1"/>
-          <p:nvPr/>
-        </p:nvSpPr>
-        <p:spPr>
-          <a:xfrm>
-            <a:off x="347988" y="2707644"/>
-            <a:ext cx="2989165" cy="517028"/>
-          </a:xfrm>
-          <a:prstGeom prst="rect">
-            <a:avLst/>
-          </a:prstGeom>
-          <a:noFill/>
-        </p:spPr>
-        <p:txBody>
-          <a:bodyPr wrap="square" lIns="243791" tIns="91422" rIns="243791" bIns="91422" rtlCol="0">
-            <a:spAutoFit/>
-          </a:bodyPr>
-          <a:lstStyle/>
-          <a:p>
-            <a:pPr algn="ctr">
-              <a:lnSpc>
-                <a:spcPct val="90000"/>
-              </a:lnSpc>
-              <a:spcBef>
-                <a:spcPts val="2134"/>
-              </a:spcBef>
-            </a:pPr>
-            <a:r>
-              <a:rPr lang="en-US" sz="2400" dirty="0">
-                <a:solidFill>
-                  <a:srgbClr val="4D4D4D"/>
-                </a:solidFill>
-                <a:cs typeface="Lato Light"/>
-              </a:rPr>
-              <a:t>Printed 2-sided</a:t>
-            </a:r>
-            <a:endParaRPr lang="en-US" sz="2400" dirty="0">
-              <a:solidFill>
-                <a:srgbClr val="4D4D4D"/>
-              </a:solidFill>
-              <a:latin typeface="Lato Light"/>
-            </a:endParaRPr>
-          </a:p>
-        </p:txBody>
-      </p:sp>
-      <p:sp>
-        <p:nvSpPr>
           <p:cNvPr id="114" name="TextBox 113">
             <a:extLst>
               <a:ext uri="{FF2B5EF4-FFF2-40B4-BE49-F238E27FC236}">
@@ -3029,55 +3055,6 @@
               </a:solidFill>
               <a:cs typeface="Lato Light"/>
             </a:endParaRPr>
-          </a:p>
-        </p:txBody>
-      </p:sp>
-      <p:sp>
-        <p:nvSpPr>
-          <p:cNvPr id="20" name="TextBox 19">
-            <a:extLst>
-              <a:ext uri="{FF2B5EF4-FFF2-40B4-BE49-F238E27FC236}">
-                <a16:creationId xmlns:a16="http://schemas.microsoft.com/office/drawing/2014/main" id="{AE403E1A-98EF-4F68-9851-97F19A0770E3}"/>
-              </a:ext>
-            </a:extLst>
-          </p:cNvPr>
-          <p:cNvSpPr txBox="1"/>
-          <p:nvPr/>
-        </p:nvSpPr>
-        <p:spPr>
-          <a:xfrm>
-            <a:off x="8079318" y="2707644"/>
-            <a:ext cx="2016013" cy="517028"/>
-          </a:xfrm>
-          <a:prstGeom prst="rect">
-            <a:avLst/>
-          </a:prstGeom>
-          <a:noFill/>
-        </p:spPr>
-        <p:txBody>
-          <a:bodyPr wrap="square" lIns="243791" tIns="91422" rIns="243791" bIns="91422" rtlCol="0">
-            <a:spAutoFit/>
-          </a:bodyPr>
-          <a:lstStyle/>
-          <a:p>
-            <a:pPr algn="ctr">
-              <a:lnSpc>
-                <a:spcPct val="90000"/>
-              </a:lnSpc>
-              <a:spcBef>
-                <a:spcPts val="2134"/>
-              </a:spcBef>
-            </a:pPr>
-            <a:r>
-              <a:rPr lang="en-US" sz="2400" dirty="0">
-                <a:solidFill>
-                  <a:srgbClr val="4D4D4D"/>
-                </a:solidFill>
-                <a:latin typeface="Lato Light"/>
-                <a:cs typeface="Lato Light"/>
-              </a:rPr>
-              <a:t>Paper Size</a:t>
-            </a:r>
           </a:p>
         </p:txBody>
       </p:sp>
@@ -3345,10 +3322,10 @@
       </p:sp>
       <p:sp>
         <p:nvSpPr>
-          <p:cNvPr id="28" name="TextBox 27">
+          <p:cNvPr id="19" name="TextBox 18">
             <a:extLst>
               <a:ext uri="{FF2B5EF4-FFF2-40B4-BE49-F238E27FC236}">
-                <a16:creationId xmlns:a16="http://schemas.microsoft.com/office/drawing/2014/main" id="{B0ACC797-27DB-4524-8768-4343688BAFE6}"/>
+                <a16:creationId xmlns:a16="http://schemas.microsoft.com/office/drawing/2014/main" id="{3675CC41-96C8-4725-9DB6-678639CAB4DB}"/>
               </a:ext>
             </a:extLst>
           </p:cNvPr>
@@ -3357,8 +3334,8 @@
         </p:nvSpPr>
         <p:spPr>
           <a:xfrm>
-            <a:off x="4283814" y="2707644"/>
-            <a:ext cx="2949497" cy="517028"/>
+            <a:off x="15834897" y="2707257"/>
+            <a:ext cx="2016013" cy="517028"/>
           </a:xfrm>
           <a:prstGeom prst="rect">
             <a:avLst/>
@@ -3382,22 +3359,22 @@
             <a:r>
               <a:rPr lang="en-US" sz="2400" dirty="0">
                 <a:solidFill>
-                  <a:srgbClr val="4D4D4D"/>
+                  <a:srgbClr val="000000"/>
                 </a:solidFill>
                 <a:latin typeface="Lato Light"/>
                 <a:cs typeface="Lato Light"/>
               </a:rPr>
-              <a:t>Printed In Black</a:t>
+              <a:t>Paper Size</a:t>
             </a:r>
           </a:p>
         </p:txBody>
       </p:sp>
       <p:sp>
         <p:nvSpPr>
-          <p:cNvPr id="29" name="TextBox 28">
+          <p:cNvPr id="22" name="TextBox 21">
             <a:extLst>
               <a:ext uri="{FF2B5EF4-FFF2-40B4-BE49-F238E27FC236}">
-                <a16:creationId xmlns:a16="http://schemas.microsoft.com/office/drawing/2014/main" id="{2933E93D-41AF-4759-ACD9-37736C2E08DE}"/>
+                <a16:creationId xmlns:a16="http://schemas.microsoft.com/office/drawing/2014/main" id="{846B1682-B3BD-48EC-880A-1C5B04A6EA36}"/>
               </a:ext>
             </a:extLst>
           </p:cNvPr>
@@ -3406,8 +3383,8 @@
         </p:nvSpPr>
         <p:spPr>
           <a:xfrm>
-            <a:off x="13991490" y="2713460"/>
-            <a:ext cx="2989165" cy="517028"/>
+            <a:off x="20234791" y="2736132"/>
+            <a:ext cx="2065542" cy="517028"/>
           </a:xfrm>
           <a:prstGeom prst="rect">
             <a:avLst/>
@@ -3431,27 +3408,22 @@
             <a:r>
               <a:rPr lang="en-US" sz="2400" dirty="0">
                 <a:solidFill>
-                  <a:srgbClr val="4D4D4D"/>
-                </a:solidFill>
+                  <a:srgbClr val="000000"/>
+                </a:solidFill>
+                <a:latin typeface="Lato Light"/>
                 <a:cs typeface="Lato Light"/>
               </a:rPr>
-              <a:t>Secure Print</a:t>
+              <a:t>Driver Type</a:t>
             </a:r>
-            <a:endParaRPr lang="en-US" sz="2400" dirty="0">
-              <a:solidFill>
-                <a:srgbClr val="4D4D4D"/>
-              </a:solidFill>
-              <a:latin typeface="Lato Light"/>
-            </a:endParaRPr>
-          </a:p>
-        </p:txBody>
-      </p:sp>
-      <p:sp>
-        <p:nvSpPr>
-          <p:cNvPr id="30" name="TextBox 29">
+          </a:p>
+        </p:txBody>
+      </p:sp>
+      <p:sp>
+        <p:nvSpPr>
+          <p:cNvPr id="12" name="TextBox 11">
             <a:extLst>
               <a:ext uri="{FF2B5EF4-FFF2-40B4-BE49-F238E27FC236}">
-                <a16:creationId xmlns:a16="http://schemas.microsoft.com/office/drawing/2014/main" id="{9960A0ED-E745-4C9B-95F7-042B4283BC3B}"/>
+                <a16:creationId xmlns:a16="http://schemas.microsoft.com/office/drawing/2014/main" id="{230914D9-CF4C-4C0C-90A9-95D484EBD236}"/>
               </a:ext>
             </a:extLst>
           </p:cNvPr>
@@ -3460,8 +3432,8 @@
         </p:nvSpPr>
         <p:spPr>
           <a:xfrm>
-            <a:off x="21747068" y="2713460"/>
-            <a:ext cx="2065542" cy="517028"/>
+            <a:off x="347988" y="2707644"/>
+            <a:ext cx="2989165" cy="517028"/>
           </a:xfrm>
           <a:prstGeom prst="rect">
             <a:avLst/>
@@ -3485,22 +3457,27 @@
             <a:r>
               <a:rPr lang="en-US" sz="2400" dirty="0">
                 <a:solidFill>
-                  <a:srgbClr val="4D4D4D"/>
-                </a:solidFill>
-                <a:latin typeface="Lato Light"/>
+                  <a:srgbClr val="000000"/>
+                </a:solidFill>
                 <a:cs typeface="Lato Light"/>
               </a:rPr>
-              <a:t>Driver Type</a:t>
+              <a:t>Simplex/Duplex</a:t>
             </a:r>
-          </a:p>
-        </p:txBody>
-      </p:sp>
-      <p:sp>
-        <p:nvSpPr>
-          <p:cNvPr id="31" name="TextBox 30">
+            <a:endParaRPr lang="en-US" sz="2400" dirty="0">
+              <a:solidFill>
+                <a:srgbClr val="000000"/>
+              </a:solidFill>
+              <a:latin typeface="Lato Light"/>
+            </a:endParaRPr>
+          </a:p>
+        </p:txBody>
+      </p:sp>
+      <p:sp>
+        <p:nvSpPr>
+          <p:cNvPr id="13" name="TextBox 12">
             <a:extLst>
               <a:ext uri="{FF2B5EF4-FFF2-40B4-BE49-F238E27FC236}">
-                <a16:creationId xmlns:a16="http://schemas.microsoft.com/office/drawing/2014/main" id="{5D62C8D9-2965-4F36-8100-0919594BACB6}"/>
+                <a16:creationId xmlns:a16="http://schemas.microsoft.com/office/drawing/2014/main" id="{9F1F7603-3AEF-4E16-80B2-8219764CC713}"/>
               </a:ext>
             </a:extLst>
           </p:cNvPr>
@@ -3509,8 +3486,8 @@
         </p:nvSpPr>
         <p:spPr>
           <a:xfrm>
-            <a:off x="18053205" y="2713460"/>
-            <a:ext cx="2621312" cy="517028"/>
+            <a:off x="5593257" y="2707257"/>
+            <a:ext cx="2949497" cy="517028"/>
           </a:xfrm>
           <a:prstGeom prst="rect">
             <a:avLst/>
@@ -3534,12 +3511,12 @@
             <a:r>
               <a:rPr lang="en-US" sz="2400" dirty="0">
                 <a:solidFill>
-                  <a:srgbClr val="4D4D4D"/>
+                  <a:srgbClr val="000000"/>
                 </a:solidFill>
                 <a:latin typeface="Lato Light"/>
                 <a:cs typeface="Lato Light"/>
               </a:rPr>
-              <a:t>Job States</a:t>
+              <a:t>Color/BW</a:t>
             </a:r>
           </a:p>
         </p:txBody>
@@ -7389,8 +7366,8 @@
         </p:nvSpPr>
         <p:spPr>
           <a:xfrm>
-            <a:off x="7829077" y="28767"/>
-            <a:ext cx="8842485" cy="2308324"/>
+            <a:off x="9536277" y="628931"/>
+            <a:ext cx="5428089" cy="1200329"/>
           </a:xfrm>
           <a:prstGeom prst="rect">
             <a:avLst/>
@@ -7419,13 +7396,125 @@
           <a:p>
             <a:r>
               <a:rPr lang="en-US" dirty="0"/>
-              <a:t>Cost</a:t>
+              <a:t>Service Desk</a:t>
             </a:r>
           </a:p>
-          <a:p>
+        </p:txBody>
+      </p:sp>
+      <p:sp>
+        <p:nvSpPr>
+          <p:cNvPr id="3" name="TextBox 2">
+            <a:extLst>
+              <a:ext uri="{FF2B5EF4-FFF2-40B4-BE49-F238E27FC236}">
+                <a16:creationId xmlns:a16="http://schemas.microsoft.com/office/drawing/2014/main" id="{3DCAAF1D-2A27-40B9-9F91-6C34B11E0A55}"/>
+              </a:ext>
+            </a:extLst>
+          </p:cNvPr>
+          <p:cNvSpPr txBox="1"/>
+          <p:nvPr/>
+        </p:nvSpPr>
+        <p:spPr>
+          <a:xfrm>
+            <a:off x="169467" y="2606628"/>
+            <a:ext cx="5012133" cy="2780725"/>
+          </a:xfrm>
+          <a:prstGeom prst="rect">
+            <a:avLst/>
+          </a:prstGeom>
+          <a:noFill/>
+        </p:spPr>
+        <p:txBody>
+          <a:bodyPr wrap="square" lIns="243791" tIns="91422" rIns="243791" bIns="91422" rtlCol="0">
+            <a:spAutoFit/>
+          </a:bodyPr>
+          <a:lstStyle/>
+          <a:p>
+            <a:pPr algn="ctr">
+              <a:lnSpc>
+                <a:spcPct val="90000"/>
+              </a:lnSpc>
+              <a:spcBef>
+                <a:spcPts val="2134"/>
+              </a:spcBef>
+            </a:pPr>
             <a:r>
-              <a:rPr lang="en-US" dirty="0"/>
-              <a:t>Home Office Printing</a:t>
+              <a:rPr lang="en-US" sz="2400" b="1" dirty="0">
+                <a:solidFill>
+                  <a:srgbClr val="4D4D4D"/>
+                </a:solidFill>
+                <a:latin typeface="Lato Light"/>
+                <a:cs typeface="Lato Light"/>
+              </a:rPr>
+              <a:t>Search for a printer by Name, Network, Serial, Queue, Printix Printer ID or Username. You can search, select multiple values by pressing and holding “Ctrl”.</a:t>
+            </a:r>
+          </a:p>
+          <a:p>
+            <a:pPr algn="ctr">
+              <a:lnSpc>
+                <a:spcPct val="90000"/>
+              </a:lnSpc>
+              <a:spcBef>
+                <a:spcPts val="2134"/>
+              </a:spcBef>
+            </a:pPr>
+            <a:r>
+              <a:rPr lang="en-US" sz="2400" b="1" dirty="0">
+                <a:solidFill>
+                  <a:srgbClr val="4D4D4D"/>
+                </a:solidFill>
+                <a:latin typeface="Lato Light"/>
+                <a:cs typeface="Lato Light"/>
+              </a:rPr>
+              <a:t>You can select multiple categories as well.</a:t>
+            </a:r>
+          </a:p>
+        </p:txBody>
+      </p:sp>
+      <p:sp>
+        <p:nvSpPr>
+          <p:cNvPr id="4" name="TextBox 3">
+            <a:extLst>
+              <a:ext uri="{FF2B5EF4-FFF2-40B4-BE49-F238E27FC236}">
+                <a16:creationId xmlns:a16="http://schemas.microsoft.com/office/drawing/2014/main" id="{959B5769-89A4-4B3E-82CA-C7F3A00E1F93}"/>
+              </a:ext>
+            </a:extLst>
+          </p:cNvPr>
+          <p:cNvSpPr txBox="1"/>
+          <p:nvPr/>
+        </p:nvSpPr>
+        <p:spPr>
+          <a:xfrm>
+            <a:off x="5826369" y="2553232"/>
+            <a:ext cx="18217662" cy="849427"/>
+          </a:xfrm>
+          <a:prstGeom prst="rect">
+            <a:avLst/>
+          </a:prstGeom>
+          <a:noFill/>
+        </p:spPr>
+        <p:txBody>
+          <a:bodyPr wrap="square" lIns="243791" tIns="91422" rIns="243791" bIns="91422" rtlCol="0">
+            <a:spAutoFit/>
+          </a:bodyPr>
+          <a:lstStyle/>
+          <a:p>
+            <a:pPr algn="ctr">
+              <a:lnSpc>
+                <a:spcPct val="90000"/>
+              </a:lnSpc>
+              <a:spcBef>
+                <a:spcPts val="2134"/>
+              </a:spcBef>
+            </a:pPr>
+            <a:r>
+              <a:rPr lang="en-US" sz="4800" b="1" dirty="0">
+                <a:solidFill>
+                  <a:srgbClr val="4D4D4D"/>
+                </a:solidFill>
+                <a:latin typeface="Lato Light"/>
+                <a:cs typeface="Lato Light"/>
+              </a:rPr>
+              <a:t>Display of the printer(s) you searched for below</a:t>
             </a:r>
           </a:p>
         </p:txBody>
@@ -11140,7 +11229,7 @@
                 </a:solidFill>
                 <a:cs typeface="Lato Light"/>
               </a:rPr>
-              <a:t>Printed 2-sided</a:t>
+              <a:t>Simplex/Duplex</a:t>
             </a:r>
             <a:endParaRPr lang="en-US" sz="2400" dirty="0">
               <a:solidFill>
@@ -11165,7 +11254,7 @@
         </p:nvSpPr>
         <p:spPr>
           <a:xfrm>
-            <a:off x="8079318" y="2707644"/>
+            <a:off x="15834897" y="2707257"/>
             <a:ext cx="2016013" cy="517028"/>
           </a:xfrm>
           <a:prstGeom prst="rect">
@@ -11214,7 +11303,7 @@
         </p:nvSpPr>
         <p:spPr>
           <a:xfrm>
-            <a:off x="4283814" y="2707644"/>
+            <a:off x="5593257" y="2707257"/>
             <a:ext cx="2949497" cy="517028"/>
           </a:xfrm>
           <a:prstGeom prst="rect">
@@ -11244,17 +11333,17 @@
                 <a:latin typeface="Lato Light"/>
                 <a:cs typeface="Lato Light"/>
               </a:rPr>
-              <a:t>Printed In Black</a:t>
+              <a:t>Color/BW</a:t>
             </a:r>
           </a:p>
         </p:txBody>
       </p:sp>
       <p:sp>
         <p:nvSpPr>
-          <p:cNvPr id="32" name="TextBox 31">
+          <p:cNvPr id="33" name="TextBox 32">
             <a:extLst>
               <a:ext uri="{FF2B5EF4-FFF2-40B4-BE49-F238E27FC236}">
-                <a16:creationId xmlns:a16="http://schemas.microsoft.com/office/drawing/2014/main" id="{A7912D62-8C06-4BA1-9086-5D22ADA9D8F5}"/>
+                <a16:creationId xmlns:a16="http://schemas.microsoft.com/office/drawing/2014/main" id="{BB9F5589-1D28-485E-A02B-BB0DC3C3CB7B}"/>
               </a:ext>
             </a:extLst>
           </p:cNvPr>
@@ -11263,8 +11352,8 @@
         </p:nvSpPr>
         <p:spPr>
           <a:xfrm>
-            <a:off x="13991490" y="2713460"/>
-            <a:ext cx="2989165" cy="517028"/>
+            <a:off x="20234791" y="2736132"/>
+            <a:ext cx="2065542" cy="517028"/>
           </a:xfrm>
           <a:prstGeom prst="rect">
             <a:avLst/>
@@ -11290,113 +11379,10 @@
                 <a:solidFill>
                   <a:srgbClr val="000000"/>
                 </a:solidFill>
-                <a:cs typeface="Lato Light"/>
-              </a:rPr>
-              <a:t>Secure Print</a:t>
-            </a:r>
-            <a:endParaRPr lang="en-US" sz="2400" dirty="0">
-              <a:solidFill>
-                <a:srgbClr val="000000"/>
-              </a:solidFill>
-              <a:latin typeface="Lato Light"/>
-            </a:endParaRPr>
-          </a:p>
-        </p:txBody>
-      </p:sp>
-      <p:sp>
-        <p:nvSpPr>
-          <p:cNvPr id="33" name="TextBox 32">
-            <a:extLst>
-              <a:ext uri="{FF2B5EF4-FFF2-40B4-BE49-F238E27FC236}">
-                <a16:creationId xmlns:a16="http://schemas.microsoft.com/office/drawing/2014/main" id="{BB9F5589-1D28-485E-A02B-BB0DC3C3CB7B}"/>
-              </a:ext>
-            </a:extLst>
-          </p:cNvPr>
-          <p:cNvSpPr txBox="1"/>
-          <p:nvPr/>
-        </p:nvSpPr>
-        <p:spPr>
-          <a:xfrm>
-            <a:off x="21747068" y="2713460"/>
-            <a:ext cx="2065542" cy="517028"/>
-          </a:xfrm>
-          <a:prstGeom prst="rect">
-            <a:avLst/>
-          </a:prstGeom>
-          <a:noFill/>
-        </p:spPr>
-        <p:txBody>
-          <a:bodyPr wrap="square" lIns="243791" tIns="91422" rIns="243791" bIns="91422" rtlCol="0">
-            <a:spAutoFit/>
-          </a:bodyPr>
-          <a:lstStyle/>
-          <a:p>
-            <a:pPr algn="ctr">
-              <a:lnSpc>
-                <a:spcPct val="90000"/>
-              </a:lnSpc>
-              <a:spcBef>
-                <a:spcPts val="2134"/>
-              </a:spcBef>
-            </a:pPr>
-            <a:r>
-              <a:rPr lang="en-US" sz="2400" dirty="0">
-                <a:solidFill>
-                  <a:srgbClr val="000000"/>
-                </a:solidFill>
                 <a:latin typeface="Lato Light"/>
                 <a:cs typeface="Lato Light"/>
               </a:rPr>
               <a:t>Driver Type</a:t>
-            </a:r>
-          </a:p>
-        </p:txBody>
-      </p:sp>
-      <p:sp>
-        <p:nvSpPr>
-          <p:cNvPr id="34" name="TextBox 33">
-            <a:extLst>
-              <a:ext uri="{FF2B5EF4-FFF2-40B4-BE49-F238E27FC236}">
-                <a16:creationId xmlns:a16="http://schemas.microsoft.com/office/drawing/2014/main" id="{6DDAF95B-9985-4E36-9EB4-3593553B01F0}"/>
-              </a:ext>
-            </a:extLst>
-          </p:cNvPr>
-          <p:cNvSpPr txBox="1"/>
-          <p:nvPr/>
-        </p:nvSpPr>
-        <p:spPr>
-          <a:xfrm>
-            <a:off x="18053205" y="2713460"/>
-            <a:ext cx="2621312" cy="517028"/>
-          </a:xfrm>
-          <a:prstGeom prst="rect">
-            <a:avLst/>
-          </a:prstGeom>
-          <a:noFill/>
-        </p:spPr>
-        <p:txBody>
-          <a:bodyPr wrap="square" lIns="243791" tIns="91422" rIns="243791" bIns="91422" rtlCol="0">
-            <a:spAutoFit/>
-          </a:bodyPr>
-          <a:lstStyle/>
-          <a:p>
-            <a:pPr algn="ctr">
-              <a:lnSpc>
-                <a:spcPct val="90000"/>
-              </a:lnSpc>
-              <a:spcBef>
-                <a:spcPts val="2134"/>
-              </a:spcBef>
-            </a:pPr>
-            <a:r>
-              <a:rPr lang="en-US" sz="2400" dirty="0">
-                <a:solidFill>
-                  <a:srgbClr val="000000"/>
-                </a:solidFill>
-                <a:latin typeface="Lato Light"/>
-                <a:cs typeface="Lato Light"/>
-              </a:rPr>
-              <a:t>Job States</a:t>
             </a:r>
           </a:p>
         </p:txBody>
@@ -12023,7 +12009,7 @@
                 <a:latin typeface="Lato Light"/>
                 <a:cs typeface="Lato Light"/>
               </a:rPr>
-              <a:t>Secure Print</a:t>
+              <a:t>Search Networks</a:t>
             </a:r>
           </a:p>
         </p:txBody>
@@ -12079,10 +12065,10 @@
       </p:sp>
       <p:sp>
         <p:nvSpPr>
-          <p:cNvPr id="47" name="TextBox 46">
+          <p:cNvPr id="49" name="TextBox 48">
             <a:extLst>
               <a:ext uri="{FF2B5EF4-FFF2-40B4-BE49-F238E27FC236}">
-                <a16:creationId xmlns:a16="http://schemas.microsoft.com/office/drawing/2014/main" id="{A8D6E23D-3166-4F80-A9AC-0C151248AEA8}"/>
+                <a16:creationId xmlns:a16="http://schemas.microsoft.com/office/drawing/2014/main" id="{F279C49A-D53F-4050-9F36-34B1F67A563B}"/>
               </a:ext>
             </a:extLst>
           </p:cNvPr>
@@ -12091,7 +12077,7 @@
         </p:nvSpPr>
         <p:spPr>
           <a:xfrm>
-            <a:off x="1081661" y="2659043"/>
+            <a:off x="17685351" y="2659043"/>
             <a:ext cx="2989165" cy="517028"/>
           </a:xfrm>
           <a:prstGeom prst="rect">
@@ -12121,17 +12107,17 @@
                 <a:latin typeface="Lato Light"/>
                 <a:cs typeface="Lato Light"/>
               </a:rPr>
-              <a:t>Printed 2-Sided</a:t>
+              <a:t>Printers</a:t>
             </a:r>
           </a:p>
         </p:txBody>
       </p:sp>
       <p:sp>
         <p:nvSpPr>
-          <p:cNvPr id="48" name="TextBox 47">
+          <p:cNvPr id="55" name="TextBox 54">
             <a:extLst>
               <a:ext uri="{FF2B5EF4-FFF2-40B4-BE49-F238E27FC236}">
-                <a16:creationId xmlns:a16="http://schemas.microsoft.com/office/drawing/2014/main" id="{61300BE0-10BB-4E96-A4FC-C5D40F1DD7B7}"/>
+                <a16:creationId xmlns:a16="http://schemas.microsoft.com/office/drawing/2014/main" id="{F8674FBC-C7A2-4FCD-9C99-4228FBC104FB}"/>
               </a:ext>
             </a:extLst>
           </p:cNvPr>
@@ -12140,7 +12126,7 @@
         </p:nvSpPr>
         <p:spPr>
           <a:xfrm>
-            <a:off x="6175486" y="2659043"/>
+            <a:off x="17685352" y="8445754"/>
             <a:ext cx="2989165" cy="517028"/>
           </a:xfrm>
           <a:prstGeom prst="rect">
@@ -12170,17 +12156,17 @@
                 <a:latin typeface="Lato Light"/>
                 <a:cs typeface="Lato Light"/>
               </a:rPr>
-              <a:t>Printed In Black</a:t>
+              <a:t>Print Activity</a:t>
             </a:r>
           </a:p>
         </p:txBody>
       </p:sp>
       <p:sp>
         <p:nvSpPr>
-          <p:cNvPr id="49" name="TextBox 48">
+          <p:cNvPr id="10" name="TextBox 9">
             <a:extLst>
               <a:ext uri="{FF2B5EF4-FFF2-40B4-BE49-F238E27FC236}">
-                <a16:creationId xmlns:a16="http://schemas.microsoft.com/office/drawing/2014/main" id="{F279C49A-D53F-4050-9F36-34B1F67A563B}"/>
+                <a16:creationId xmlns:a16="http://schemas.microsoft.com/office/drawing/2014/main" id="{7AE8CBE3-9AFA-4B95-B0D3-CD79A1433450}"/>
               </a:ext>
             </a:extLst>
           </p:cNvPr>
@@ -12189,7 +12175,7 @@
         </p:nvSpPr>
         <p:spPr>
           <a:xfrm>
-            <a:off x="17685351" y="2659043"/>
+            <a:off x="347988" y="2707644"/>
             <a:ext cx="2989165" cy="517028"/>
           </a:xfrm>
           <a:prstGeom prst="rect">
@@ -12216,20 +12202,25 @@
                 <a:solidFill>
                   <a:srgbClr val="000000"/>
                 </a:solidFill>
-                <a:latin typeface="Lato Light"/>
                 <a:cs typeface="Lato Light"/>
               </a:rPr>
-              <a:t>Printers</a:t>
+              <a:t>Simplex/Duplex</a:t>
             </a:r>
-          </a:p>
-        </p:txBody>
-      </p:sp>
-      <p:sp>
-        <p:nvSpPr>
-          <p:cNvPr id="55" name="TextBox 54">
+            <a:endParaRPr lang="en-US" sz="2400" dirty="0">
+              <a:solidFill>
+                <a:srgbClr val="000000"/>
+              </a:solidFill>
+              <a:latin typeface="Lato Light"/>
+            </a:endParaRPr>
+          </a:p>
+        </p:txBody>
+      </p:sp>
+      <p:sp>
+        <p:nvSpPr>
+          <p:cNvPr id="11" name="TextBox 10">
             <a:extLst>
               <a:ext uri="{FF2B5EF4-FFF2-40B4-BE49-F238E27FC236}">
-                <a16:creationId xmlns:a16="http://schemas.microsoft.com/office/drawing/2014/main" id="{F8674FBC-C7A2-4FCD-9C99-4228FBC104FB}"/>
+                <a16:creationId xmlns:a16="http://schemas.microsoft.com/office/drawing/2014/main" id="{16105F1E-1C6A-43A8-A21D-80771E7B9DA6}"/>
               </a:ext>
             </a:extLst>
           </p:cNvPr>
@@ -12238,8 +12229,8 @@
         </p:nvSpPr>
         <p:spPr>
           <a:xfrm>
-            <a:off x="17685352" y="8445754"/>
-            <a:ext cx="2989165" cy="517028"/>
+            <a:off x="5593257" y="2707257"/>
+            <a:ext cx="2949497" cy="517028"/>
           </a:xfrm>
           <a:prstGeom prst="rect">
             <a:avLst/>
@@ -12268,7 +12259,7 @@
                 <a:latin typeface="Lato Light"/>
                 <a:cs typeface="Lato Light"/>
               </a:rPr>
-              <a:t>Print Activity</a:t>
+              <a:t>Color/BW</a:t>
             </a:r>
           </a:p>
         </p:txBody>
@@ -12477,7 +12468,7 @@
         </p:nvSpPr>
         <p:spPr>
           <a:xfrm>
-            <a:off x="1144077" y="4271365"/>
+            <a:off x="1144077" y="2757350"/>
             <a:ext cx="2989165" cy="517028"/>
           </a:xfrm>
           <a:prstGeom prst="rect">
@@ -12526,7 +12517,7 @@
         </p:nvSpPr>
         <p:spPr>
           <a:xfrm>
-            <a:off x="4579726" y="5108531"/>
+            <a:off x="5597209" y="4569730"/>
             <a:ext cx="3494061" cy="517028"/>
           </a:xfrm>
           <a:prstGeom prst="rect">
@@ -12683,8 +12674,8 @@
         </p:nvSpPr>
         <p:spPr>
           <a:xfrm flipH="1">
-            <a:off x="4727775" y="5625559"/>
-            <a:ext cx="6409617" cy="621127"/>
+            <a:off x="5632377" y="5061395"/>
+            <a:ext cx="5604855" cy="1005261"/>
           </a:xfrm>
           <a:custGeom>
             <a:avLst/>
@@ -12791,8 +12782,8 @@
         </p:nvSpPr>
         <p:spPr>
           <a:xfrm flipH="1">
-            <a:off x="4751792" y="6602556"/>
-            <a:ext cx="6225186" cy="286173"/>
+            <a:off x="5632376" y="5899176"/>
+            <a:ext cx="5344601" cy="286173"/>
           </a:xfrm>
           <a:custGeom>
             <a:avLst/>
@@ -12903,7 +12894,7 @@
         </p:nvSpPr>
         <p:spPr>
           <a:xfrm>
-            <a:off x="4579726" y="6160944"/>
+            <a:off x="5608931" y="5400276"/>
             <a:ext cx="3113701" cy="517028"/>
           </a:xfrm>
           <a:prstGeom prst="rect">
@@ -13001,9 +12992,9 @@
           <p:nvPr/>
         </p:nvSpPr>
         <p:spPr>
-          <a:xfrm flipH="1">
-            <a:off x="4724289" y="7740275"/>
-            <a:ext cx="6630537" cy="286173"/>
+          <a:xfrm flipH="1" flipV="1">
+            <a:off x="5608930" y="6857998"/>
+            <a:ext cx="5391005" cy="308876"/>
           </a:xfrm>
           <a:custGeom>
             <a:avLst/>
@@ -13144,7 +13135,7 @@
         </p:nvSpPr>
         <p:spPr>
           <a:xfrm>
-            <a:off x="4579726" y="7578809"/>
+            <a:off x="5608932" y="6336329"/>
             <a:ext cx="3113701" cy="517028"/>
           </a:xfrm>
           <a:prstGeom prst="rect">
@@ -13345,22 +13336,162 @@
       </p:sp>
       <p:sp>
         <p:nvSpPr>
-          <p:cNvPr id="19" name="Freeform 44">
+          <p:cNvPr id="22" name="Text Placeholder 2">
             <a:extLst>
               <a:ext uri="{FF2B5EF4-FFF2-40B4-BE49-F238E27FC236}">
-                <a16:creationId xmlns:a16="http://schemas.microsoft.com/office/drawing/2014/main" id="{334D77D5-2934-40F2-8C11-7AC662205CEA}"/>
+                <a16:creationId xmlns:a16="http://schemas.microsoft.com/office/drawing/2014/main" id="{69ABBF3B-C433-4E13-A065-CB1194688717}"/>
               </a:ext>
             </a:extLst>
           </p:cNvPr>
           <p:cNvSpPr>
-            <a:spLocks noChangeAspect="1"/>
+            <a:spLocks noGrp="1"/>
           </p:cNvSpPr>
+          <p:nvPr>
+            <p:ph type="body" sz="quarter" idx="10"/>
+          </p:nvPr>
+        </p:nvSpPr>
+        <p:spPr>
+          <a:xfrm>
+            <a:off x="10958416" y="5911731"/>
+            <a:ext cx="2460817" cy="2326007"/>
+          </a:xfrm>
+        </p:spPr>
+        <p:txBody>
+          <a:bodyPr/>
+          <a:lstStyle/>
+          <a:p>
+            <a:pPr algn="ctr"/>
+            <a:r>
+              <a:rPr lang="en-US" sz="11500" dirty="0">
+                <a:solidFill>
+                  <a:srgbClr val="4D4D4D"/>
+                </a:solidFill>
+                <a:latin typeface="icons" panose="02000509000000000000" pitchFamily="49" charset="0"/>
+              </a:rPr>
+              <a:t>q</a:t>
+            </a:r>
+            <a:endParaRPr lang="en-US" sz="11500" dirty="0">
+              <a:solidFill>
+                <a:srgbClr val="4D4D4D"/>
+              </a:solidFill>
+            </a:endParaRPr>
+          </a:p>
+        </p:txBody>
+      </p:sp>
+      <p:sp>
+        <p:nvSpPr>
+          <p:cNvPr id="31" name="TextBox 30">
+            <a:extLst>
+              <a:ext uri="{FF2B5EF4-FFF2-40B4-BE49-F238E27FC236}">
+                <a16:creationId xmlns:a16="http://schemas.microsoft.com/office/drawing/2014/main" id="{AD866485-6F1C-4F54-ABC7-4E60AED6FD46}"/>
+              </a:ext>
+            </a:extLst>
+          </p:cNvPr>
+          <p:cNvSpPr txBox="1"/>
+          <p:nvPr/>
+        </p:nvSpPr>
+        <p:spPr>
+          <a:xfrm>
+            <a:off x="1144077" y="8517960"/>
+            <a:ext cx="3494061" cy="517028"/>
+          </a:xfrm>
+          <a:prstGeom prst="rect">
+            <a:avLst/>
+          </a:prstGeom>
+          <a:noFill/>
+        </p:spPr>
+        <p:txBody>
+          <a:bodyPr wrap="square" lIns="243791" tIns="91422" rIns="243791" bIns="91422" rtlCol="0">
+            <a:spAutoFit/>
+          </a:bodyPr>
+          <a:lstStyle/>
+          <a:p>
+            <a:pPr>
+              <a:lnSpc>
+                <a:spcPct val="90000"/>
+              </a:lnSpc>
+              <a:spcBef>
+                <a:spcPts val="2134"/>
+              </a:spcBef>
+            </a:pPr>
+            <a:r>
+              <a:rPr lang="en-US" sz="2400" dirty="0">
+                <a:solidFill>
+                  <a:srgbClr val="000000"/>
+                </a:solidFill>
+                <a:latin typeface="Lato Light"/>
+                <a:cs typeface="Lato Light"/>
+              </a:rPr>
+              <a:t>Users by Domain</a:t>
+            </a:r>
+          </a:p>
+        </p:txBody>
+      </p:sp>
+      <p:sp>
+        <p:nvSpPr>
+          <p:cNvPr id="32" name="TextBox 31">
+            <a:extLst>
+              <a:ext uri="{FF2B5EF4-FFF2-40B4-BE49-F238E27FC236}">
+                <a16:creationId xmlns:a16="http://schemas.microsoft.com/office/drawing/2014/main" id="{49848FD2-DBC4-4CF0-A2FC-45252DD7C61F}"/>
+              </a:ext>
+            </a:extLst>
+          </p:cNvPr>
+          <p:cNvSpPr txBox="1"/>
+          <p:nvPr/>
+        </p:nvSpPr>
+        <p:spPr>
+          <a:xfrm>
+            <a:off x="6878727" y="8527403"/>
+            <a:ext cx="3494061" cy="517028"/>
+          </a:xfrm>
+          <a:prstGeom prst="rect">
+            <a:avLst/>
+          </a:prstGeom>
+          <a:noFill/>
+        </p:spPr>
+        <p:txBody>
+          <a:bodyPr wrap="square" lIns="243791" tIns="91422" rIns="243791" bIns="91422" rtlCol="0">
+            <a:spAutoFit/>
+          </a:bodyPr>
+          <a:lstStyle/>
+          <a:p>
+            <a:pPr>
+              <a:lnSpc>
+                <a:spcPct val="90000"/>
+              </a:lnSpc>
+              <a:spcBef>
+                <a:spcPts val="2134"/>
+              </a:spcBef>
+            </a:pPr>
+            <a:r>
+              <a:rPr lang="en-US" sz="2400" dirty="0">
+                <a:solidFill>
+                  <a:srgbClr val="000000"/>
+                </a:solidFill>
+                <a:latin typeface="Lato Light"/>
+                <a:cs typeface="Lato Light"/>
+              </a:rPr>
+              <a:t>Users by Departments</a:t>
+            </a:r>
+          </a:p>
+        </p:txBody>
+      </p:sp>
+      <p:sp>
+        <p:nvSpPr>
+          <p:cNvPr id="25" name="Freeform 44">
+            <a:extLst>
+              <a:ext uri="{FF2B5EF4-FFF2-40B4-BE49-F238E27FC236}">
+                <a16:creationId xmlns:a16="http://schemas.microsoft.com/office/drawing/2014/main" id="{C89DB9DF-177D-4772-A9F3-15C69BE91052}"/>
+              </a:ext>
+            </a:extLst>
+          </p:cNvPr>
+          <p:cNvSpPr/>
           <p:nvPr/>
         </p:nvSpPr>
         <p:spPr>
           <a:xfrm flipH="1">
-            <a:off x="1213521" y="4696594"/>
-            <a:ext cx="10569767" cy="1002448"/>
+            <a:off x="1227943" y="3281581"/>
+            <a:ext cx="10416850" cy="2522971"/>
           </a:xfrm>
           <a:custGeom>
             <a:avLst/>
@@ -13377,12 +13508,64 @@
               <a:gd name="connsiteY1" fmla="*/ 0 h 568960"/>
               <a:gd name="connsiteX2" fmla="*/ 8425637 w 8425637"/>
               <a:gd name="connsiteY2" fmla="*/ 27548 h 568960"/>
-              <a:gd name="connsiteX0" fmla="*/ 0 w 8971804"/>
-              <a:gd name="connsiteY0" fmla="*/ 568960 h 568960"/>
-              <a:gd name="connsiteX1" fmla="*/ 690880 w 8971804"/>
-              <a:gd name="connsiteY1" fmla="*/ 0 h 568960"/>
-              <a:gd name="connsiteX2" fmla="*/ 8971804 w 8971804"/>
-              <a:gd name="connsiteY2" fmla="*/ 40903 h 568960"/>
+              <a:gd name="connsiteX0" fmla="*/ 0 w 8863271"/>
+              <a:gd name="connsiteY0" fmla="*/ 1654073 h 1654073"/>
+              <a:gd name="connsiteX1" fmla="*/ 1128514 w 8863271"/>
+              <a:gd name="connsiteY1" fmla="*/ 0 h 1654073"/>
+              <a:gd name="connsiteX2" fmla="*/ 8863271 w 8863271"/>
+              <a:gd name="connsiteY2" fmla="*/ 27548 h 1654073"/>
+              <a:gd name="connsiteX0" fmla="*/ 0 w 8863271"/>
+              <a:gd name="connsiteY0" fmla="*/ 1637379 h 1637379"/>
+              <a:gd name="connsiteX1" fmla="*/ 2686491 w 8863271"/>
+              <a:gd name="connsiteY1" fmla="*/ 0 h 1637379"/>
+              <a:gd name="connsiteX2" fmla="*/ 8863271 w 8863271"/>
+              <a:gd name="connsiteY2" fmla="*/ 10854 h 1637379"/>
+              <a:gd name="connsiteX0" fmla="*/ 0 w 7889348"/>
+              <a:gd name="connsiteY0" fmla="*/ 669125 h 669125"/>
+              <a:gd name="connsiteX1" fmla="*/ 1712568 w 7889348"/>
+              <a:gd name="connsiteY1" fmla="*/ 0 h 669125"/>
+              <a:gd name="connsiteX2" fmla="*/ 7889348 w 7889348"/>
+              <a:gd name="connsiteY2" fmla="*/ 10854 h 669125"/>
+              <a:gd name="connsiteX0" fmla="*/ 0 w 7889348"/>
+              <a:gd name="connsiteY0" fmla="*/ 669125 h 669125"/>
+              <a:gd name="connsiteX1" fmla="*/ 483 w 7889348"/>
+              <a:gd name="connsiteY1" fmla="*/ 617041 h 669125"/>
+              <a:gd name="connsiteX2" fmla="*/ 1712568 w 7889348"/>
+              <a:gd name="connsiteY2" fmla="*/ 0 h 669125"/>
+              <a:gd name="connsiteX3" fmla="*/ 7889348 w 7889348"/>
+              <a:gd name="connsiteY3" fmla="*/ 10854 h 669125"/>
+              <a:gd name="connsiteX0" fmla="*/ 920316 w 8809664"/>
+              <a:gd name="connsiteY0" fmla="*/ 669125 h 1585295"/>
+              <a:gd name="connsiteX1" fmla="*/ 0 w 8809664"/>
+              <a:gd name="connsiteY1" fmla="*/ 1585295 h 1585295"/>
+              <a:gd name="connsiteX2" fmla="*/ 2632884 w 8809664"/>
+              <a:gd name="connsiteY2" fmla="*/ 0 h 1585295"/>
+              <a:gd name="connsiteX3" fmla="*/ 8809664 w 8809664"/>
+              <a:gd name="connsiteY3" fmla="*/ 10854 h 1585295"/>
+              <a:gd name="connsiteX0" fmla="*/ 0 w 7889348"/>
+              <a:gd name="connsiteY0" fmla="*/ 669125 h 669125"/>
+              <a:gd name="connsiteX1" fmla="*/ 142145 w 7889348"/>
+              <a:gd name="connsiteY1" fmla="*/ 550264 h 669125"/>
+              <a:gd name="connsiteX2" fmla="*/ 1712568 w 7889348"/>
+              <a:gd name="connsiteY2" fmla="*/ 0 h 669125"/>
+              <a:gd name="connsiteX3" fmla="*/ 7889348 w 7889348"/>
+              <a:gd name="connsiteY3" fmla="*/ 10854 h 669125"/>
+              <a:gd name="connsiteX0" fmla="*/ 0 w 9155447"/>
+              <a:gd name="connsiteY0" fmla="*/ 1545562 h 1545562"/>
+              <a:gd name="connsiteX1" fmla="*/ 1408244 w 9155447"/>
+              <a:gd name="connsiteY1" fmla="*/ 550264 h 1545562"/>
+              <a:gd name="connsiteX2" fmla="*/ 2978667 w 9155447"/>
+              <a:gd name="connsiteY2" fmla="*/ 0 h 1545562"/>
+              <a:gd name="connsiteX3" fmla="*/ 9155447 w 9155447"/>
+              <a:gd name="connsiteY3" fmla="*/ 10854 h 1545562"/>
+              <a:gd name="connsiteX0" fmla="*/ 0 w 9155447"/>
+              <a:gd name="connsiteY0" fmla="*/ 1545562 h 1545562"/>
+              <a:gd name="connsiteX1" fmla="*/ 823891 w 9155447"/>
+              <a:gd name="connsiteY1" fmla="*/ 166302 h 1545562"/>
+              <a:gd name="connsiteX2" fmla="*/ 2978667 w 9155447"/>
+              <a:gd name="connsiteY2" fmla="*/ 0 h 1545562"/>
+              <a:gd name="connsiteX3" fmla="*/ 9155447 w 9155447"/>
+              <a:gd name="connsiteY3" fmla="*/ 10854 h 1545562"/>
             </a:gdLst>
             <a:ahLst/>
             <a:cxnLst>
@@ -13395,18 +13578,24 @@
               <a:cxn ang="0">
                 <a:pos x="connsiteX2" y="connsiteY2"/>
               </a:cxn>
+              <a:cxn ang="0">
+                <a:pos x="connsiteX3" y="connsiteY3"/>
+              </a:cxn>
             </a:cxnLst>
             <a:rect l="l" t="t" r="r" b="b"/>
             <a:pathLst>
-              <a:path w="8971804" h="568960">
+              <a:path w="9155447" h="1545562">
                 <a:moveTo>
-                  <a:pt x="0" y="568960"/>
+                  <a:pt x="0" y="1545562"/>
                 </a:moveTo>
                 <a:lnTo>
-                  <a:pt x="690880" y="0"/>
+                  <a:pt x="823891" y="166302"/>
                 </a:lnTo>
                 <a:lnTo>
-                  <a:pt x="8971804" y="40903"/>
+                  <a:pt x="2978667" y="0"/>
+                </a:lnTo>
+                <a:lnTo>
+                  <a:pt x="9155447" y="10854"/>
                 </a:lnTo>
               </a:path>
             </a:pathLst>
@@ -13448,148 +13637,6 @@
               <a:latin typeface="Lato Light"/>
               <a:cs typeface="Lato Light"/>
             </a:endParaRPr>
-          </a:p>
-        </p:txBody>
-      </p:sp>
-      <p:sp>
-        <p:nvSpPr>
-          <p:cNvPr id="22" name="Text Placeholder 2">
-            <a:extLst>
-              <a:ext uri="{FF2B5EF4-FFF2-40B4-BE49-F238E27FC236}">
-                <a16:creationId xmlns:a16="http://schemas.microsoft.com/office/drawing/2014/main" id="{69ABBF3B-C433-4E13-A065-CB1194688717}"/>
-              </a:ext>
-            </a:extLst>
-          </p:cNvPr>
-          <p:cNvSpPr>
-            <a:spLocks noGrp="1"/>
-          </p:cNvSpPr>
-          <p:nvPr>
-            <p:ph type="body" sz="quarter" idx="10"/>
-          </p:nvPr>
-        </p:nvSpPr>
-        <p:spPr>
-          <a:xfrm>
-            <a:off x="10958416" y="5911731"/>
-            <a:ext cx="2460817" cy="2326007"/>
-          </a:xfrm>
-        </p:spPr>
-        <p:txBody>
-          <a:bodyPr/>
-          <a:lstStyle/>
-          <a:p>
-            <a:pPr algn="ctr"/>
-            <a:r>
-              <a:rPr lang="en-US" sz="11500" dirty="0">
-                <a:solidFill>
-                  <a:srgbClr val="4D4D4D"/>
-                </a:solidFill>
-                <a:latin typeface="icons" panose="02000509000000000000" pitchFamily="49" charset="0"/>
-              </a:rPr>
-              <a:t>q</a:t>
-            </a:r>
-            <a:endParaRPr lang="en-US" sz="11500" dirty="0">
-              <a:solidFill>
-                <a:srgbClr val="4D4D4D"/>
-              </a:solidFill>
-            </a:endParaRPr>
-          </a:p>
-        </p:txBody>
-      </p:sp>
-      <p:sp>
-        <p:nvSpPr>
-          <p:cNvPr id="31" name="TextBox 30">
-            <a:extLst>
-              <a:ext uri="{FF2B5EF4-FFF2-40B4-BE49-F238E27FC236}">
-                <a16:creationId xmlns:a16="http://schemas.microsoft.com/office/drawing/2014/main" id="{AD866485-6F1C-4F54-ABC7-4E60AED6FD46}"/>
-              </a:ext>
-            </a:extLst>
-          </p:cNvPr>
-          <p:cNvSpPr txBox="1"/>
-          <p:nvPr/>
-        </p:nvSpPr>
-        <p:spPr>
-          <a:xfrm>
-            <a:off x="1144077" y="8517960"/>
-            <a:ext cx="3494061" cy="517028"/>
-          </a:xfrm>
-          <a:prstGeom prst="rect">
-            <a:avLst/>
-          </a:prstGeom>
-          <a:noFill/>
-        </p:spPr>
-        <p:txBody>
-          <a:bodyPr wrap="square" lIns="243791" tIns="91422" rIns="243791" bIns="91422" rtlCol="0">
-            <a:spAutoFit/>
-          </a:bodyPr>
-          <a:lstStyle/>
-          <a:p>
-            <a:pPr>
-              <a:lnSpc>
-                <a:spcPct val="90000"/>
-              </a:lnSpc>
-              <a:spcBef>
-                <a:spcPts val="2134"/>
-              </a:spcBef>
-            </a:pPr>
-            <a:r>
-              <a:rPr lang="en-US" sz="2400" dirty="0">
-                <a:solidFill>
-                  <a:srgbClr val="000000"/>
-                </a:solidFill>
-                <a:latin typeface="Lato Light"/>
-                <a:cs typeface="Lato Light"/>
-              </a:rPr>
-              <a:t>Users by Domain</a:t>
-            </a:r>
-          </a:p>
-        </p:txBody>
-      </p:sp>
-      <p:sp>
-        <p:nvSpPr>
-          <p:cNvPr id="32" name="TextBox 31">
-            <a:extLst>
-              <a:ext uri="{FF2B5EF4-FFF2-40B4-BE49-F238E27FC236}">
-                <a16:creationId xmlns:a16="http://schemas.microsoft.com/office/drawing/2014/main" id="{49848FD2-DBC4-4CF0-A2FC-45252DD7C61F}"/>
-              </a:ext>
-            </a:extLst>
-          </p:cNvPr>
-          <p:cNvSpPr txBox="1"/>
-          <p:nvPr/>
-        </p:nvSpPr>
-        <p:spPr>
-          <a:xfrm>
-            <a:off x="6878727" y="8527403"/>
-            <a:ext cx="3494061" cy="517028"/>
-          </a:xfrm>
-          <a:prstGeom prst="rect">
-            <a:avLst/>
-          </a:prstGeom>
-          <a:noFill/>
-        </p:spPr>
-        <p:txBody>
-          <a:bodyPr wrap="square" lIns="243791" tIns="91422" rIns="243791" bIns="91422" rtlCol="0">
-            <a:spAutoFit/>
-          </a:bodyPr>
-          <a:lstStyle/>
-          <a:p>
-            <a:pPr>
-              <a:lnSpc>
-                <a:spcPct val="90000"/>
-              </a:lnSpc>
-              <a:spcBef>
-                <a:spcPts val="2134"/>
-              </a:spcBef>
-            </a:pPr>
-            <a:r>
-              <a:rPr lang="en-US" sz="2400" dirty="0">
-                <a:solidFill>
-                  <a:srgbClr val="000000"/>
-                </a:solidFill>
-                <a:latin typeface="Lato Light"/>
-                <a:cs typeface="Lato Light"/>
-              </a:rPr>
-              <a:t>Users by Departments</a:t>
-            </a:r>
           </a:p>
         </p:txBody>
       </p:sp>
